--- a/accommodation_announcements_presentation.pptx
+++ b/accommodation_announcements_presentation.pptx
@@ -8,6 +8,13 @@
     <p:sldId id="256" r:id="rId2"/>
     <p:sldId id="257" r:id="rId3"/>
     <p:sldId id="258" r:id="rId4"/>
+    <p:sldId id="259" r:id="rId5"/>
+    <p:sldId id="260" r:id="rId6"/>
+    <p:sldId id="261" r:id="rId7"/>
+    <p:sldId id="265" r:id="rId8"/>
+    <p:sldId id="264" r:id="rId9"/>
+    <p:sldId id="262" r:id="rId10"/>
+    <p:sldId id="263" r:id="rId11"/>
   </p:sldIdLst>
   <p:sldSz cx="12192000" cy="6858000"/>
   <p:notesSz cx="6858000" cy="9144000"/>
@@ -106,6 +113,11 @@
       </a:defRPr>
     </a:lvl9pPr>
   </p:defaultTextStyle>
+  <p:extLst>
+    <p:ext uri="{EFAFB233-063F-42B5-8137-9DF3F51BA10A}">
+      <p15:sldGuideLst xmlns:p15="http://schemas.microsoft.com/office/powerpoint/2012/main"/>
+    </p:ext>
+  </p:extLst>
 </p:presentation>
 </file>
 
@@ -240,7 +252,7 @@
           <a:p>
             <a:fld id="{BF5BBEC5-3F23-4366-AEEC-A4ED1C6FF854}" type="datetimeFigureOut">
               <a:rPr lang="pl-PL" smtClean="0"/>
-              <a:t>07.01.2019</a:t>
+              <a:t>09.01.2019</a:t>
             </a:fld>
             <a:endParaRPr lang="pl-PL"/>
           </a:p>
@@ -410,7 +422,7 @@
           <a:p>
             <a:fld id="{BF5BBEC5-3F23-4366-AEEC-A4ED1C6FF854}" type="datetimeFigureOut">
               <a:rPr lang="pl-PL" smtClean="0"/>
-              <a:t>07.01.2019</a:t>
+              <a:t>09.01.2019</a:t>
             </a:fld>
             <a:endParaRPr lang="pl-PL"/>
           </a:p>
@@ -590,7 +602,7 @@
           <a:p>
             <a:fld id="{BF5BBEC5-3F23-4366-AEEC-A4ED1C6FF854}" type="datetimeFigureOut">
               <a:rPr lang="pl-PL" smtClean="0"/>
-              <a:t>07.01.2019</a:t>
+              <a:t>09.01.2019</a:t>
             </a:fld>
             <a:endParaRPr lang="pl-PL"/>
           </a:p>
@@ -760,7 +772,7 @@
           <a:p>
             <a:fld id="{BF5BBEC5-3F23-4366-AEEC-A4ED1C6FF854}" type="datetimeFigureOut">
               <a:rPr lang="pl-PL" smtClean="0"/>
-              <a:t>07.01.2019</a:t>
+              <a:t>09.01.2019</a:t>
             </a:fld>
             <a:endParaRPr lang="pl-PL"/>
           </a:p>
@@ -1006,7 +1018,7 @@
           <a:p>
             <a:fld id="{BF5BBEC5-3F23-4366-AEEC-A4ED1C6FF854}" type="datetimeFigureOut">
               <a:rPr lang="pl-PL" smtClean="0"/>
-              <a:t>07.01.2019</a:t>
+              <a:t>09.01.2019</a:t>
             </a:fld>
             <a:endParaRPr lang="pl-PL"/>
           </a:p>
@@ -1238,7 +1250,7 @@
           <a:p>
             <a:fld id="{BF5BBEC5-3F23-4366-AEEC-A4ED1C6FF854}" type="datetimeFigureOut">
               <a:rPr lang="pl-PL" smtClean="0"/>
-              <a:t>07.01.2019</a:t>
+              <a:t>09.01.2019</a:t>
             </a:fld>
             <a:endParaRPr lang="pl-PL"/>
           </a:p>
@@ -1605,7 +1617,7 @@
           <a:p>
             <a:fld id="{BF5BBEC5-3F23-4366-AEEC-A4ED1C6FF854}" type="datetimeFigureOut">
               <a:rPr lang="pl-PL" smtClean="0"/>
-              <a:t>07.01.2019</a:t>
+              <a:t>09.01.2019</a:t>
             </a:fld>
             <a:endParaRPr lang="pl-PL"/>
           </a:p>
@@ -1723,7 +1735,7 @@
           <a:p>
             <a:fld id="{BF5BBEC5-3F23-4366-AEEC-A4ED1C6FF854}" type="datetimeFigureOut">
               <a:rPr lang="pl-PL" smtClean="0"/>
-              <a:t>07.01.2019</a:t>
+              <a:t>09.01.2019</a:t>
             </a:fld>
             <a:endParaRPr lang="pl-PL"/>
           </a:p>
@@ -1818,7 +1830,7 @@
           <a:p>
             <a:fld id="{BF5BBEC5-3F23-4366-AEEC-A4ED1C6FF854}" type="datetimeFigureOut">
               <a:rPr lang="pl-PL" smtClean="0"/>
-              <a:t>07.01.2019</a:t>
+              <a:t>09.01.2019</a:t>
             </a:fld>
             <a:endParaRPr lang="pl-PL"/>
           </a:p>
@@ -2095,7 +2107,7 @@
           <a:p>
             <a:fld id="{BF5BBEC5-3F23-4366-AEEC-A4ED1C6FF854}" type="datetimeFigureOut">
               <a:rPr lang="pl-PL" smtClean="0"/>
-              <a:t>07.01.2019</a:t>
+              <a:t>09.01.2019</a:t>
             </a:fld>
             <a:endParaRPr lang="pl-PL"/>
           </a:p>
@@ -2348,7 +2360,7 @@
           <a:p>
             <a:fld id="{BF5BBEC5-3F23-4366-AEEC-A4ED1C6FF854}" type="datetimeFigureOut">
               <a:rPr lang="pl-PL" smtClean="0"/>
-              <a:t>07.01.2019</a:t>
+              <a:t>09.01.2019</a:t>
             </a:fld>
             <a:endParaRPr lang="pl-PL"/>
           </a:p>
@@ -2561,7 +2573,7 @@
           <a:p>
             <a:fld id="{BF5BBEC5-3F23-4366-AEEC-A4ED1C6FF854}" type="datetimeFigureOut">
               <a:rPr lang="pl-PL" smtClean="0"/>
-              <a:t>07.01.2019</a:t>
+              <a:t>09.01.2019</a:t>
             </a:fld>
             <a:endParaRPr lang="pl-PL"/>
           </a:p>
@@ -3253,6 +3265,85 @@
 </p:sld>
 </file>
 
+<file path=ppt/slides/slide10.xml><?xml version="1.0" encoding="utf-8"?>
+<p:sld xmlns:a="http://schemas.openxmlformats.org/drawingml/2006/main" xmlns:r="http://schemas.openxmlformats.org/officeDocument/2006/relationships" xmlns:p="http://schemas.openxmlformats.org/presentationml/2006/main">
+  <p:cSld>
+    <p:spTree>
+      <p:nvGrpSpPr>
+        <p:cNvPr id="1" name=""/>
+        <p:cNvGrpSpPr/>
+        <p:nvPr/>
+      </p:nvGrpSpPr>
+      <p:grpSpPr>
+        <a:xfrm>
+          <a:off x="0" y="0"/>
+          <a:ext cx="0" cy="0"/>
+          <a:chOff x="0" y="0"/>
+          <a:chExt cx="0" cy="0"/>
+        </a:xfrm>
+      </p:grpSpPr>
+      <p:sp>
+        <p:nvSpPr>
+          <p:cNvPr id="4" name="Title 3"/>
+          <p:cNvSpPr>
+            <a:spLocks noGrp="1"/>
+          </p:cNvSpPr>
+          <p:nvPr>
+            <p:ph type="ctrTitle"/>
+          </p:nvPr>
+        </p:nvSpPr>
+        <p:spPr/>
+        <p:txBody>
+          <a:bodyPr/>
+          <a:lstStyle/>
+          <a:p>
+            <a:r>
+              <a:rPr lang="pl-PL" dirty="0" smtClean="0"/>
+              <a:t>Dziękujemy za uwagę.</a:t>
+            </a:r>
+            <a:endParaRPr lang="pl-PL" dirty="0"/>
+          </a:p>
+        </p:txBody>
+      </p:sp>
+      <p:sp>
+        <p:nvSpPr>
+          <p:cNvPr id="5" name="Subtitle 4"/>
+          <p:cNvSpPr>
+            <a:spLocks noGrp="1"/>
+          </p:cNvSpPr>
+          <p:nvPr>
+            <p:ph type="subTitle" idx="1"/>
+          </p:nvPr>
+        </p:nvSpPr>
+        <p:spPr/>
+        <p:txBody>
+          <a:bodyPr/>
+          <a:lstStyle/>
+          <a:p>
+            <a:endParaRPr lang="pl-PL" dirty="0" smtClean="0"/>
+          </a:p>
+          <a:p>
+            <a:r>
+              <a:rPr lang="pl-PL" dirty="0" smtClean="0"/>
+              <a:t>Pytania?</a:t>
+            </a:r>
+            <a:endParaRPr lang="pl-PL" dirty="0"/>
+          </a:p>
+        </p:txBody>
+      </p:sp>
+    </p:spTree>
+    <p:extLst>
+      <p:ext uri="{BB962C8B-B14F-4D97-AF65-F5344CB8AC3E}">
+        <p14:creationId xmlns:p14="http://schemas.microsoft.com/office/powerpoint/2010/main" val="1741086671"/>
+      </p:ext>
+    </p:extLst>
+  </p:cSld>
+  <p:clrMapOvr>
+    <a:masterClrMapping/>
+  </p:clrMapOvr>
+</p:sld>
+</file>
+
 <file path=ppt/slides/slide2.xml><?xml version="1.0" encoding="utf-8"?>
 <p:sld xmlns:a="http://schemas.openxmlformats.org/drawingml/2006/main" xmlns:r="http://schemas.openxmlformats.org/officeDocument/2006/relationships" xmlns:p="http://schemas.openxmlformats.org/presentationml/2006/main">
   <p:cSld>
@@ -3436,7 +3527,7 @@
             </a:pPr>
             <a:r>
               <a:rPr lang="pl-PL" dirty="0" smtClean="0"/>
-              <a:t>Bleeee…</a:t>
+              <a:t>B</a:t>
             </a:r>
             <a:endParaRPr lang="pl-PL" dirty="0"/>
           </a:p>
@@ -3446,6 +3537,731 @@
     <p:extLst>
       <p:ext uri="{BB962C8B-B14F-4D97-AF65-F5344CB8AC3E}">
         <p14:creationId xmlns:p14="http://schemas.microsoft.com/office/powerpoint/2010/main" val="1807531547"/>
+      </p:ext>
+    </p:extLst>
+  </p:cSld>
+  <p:clrMapOvr>
+    <a:masterClrMapping/>
+  </p:clrMapOvr>
+</p:sld>
+</file>
+
+<file path=ppt/slides/slide4.xml><?xml version="1.0" encoding="utf-8"?>
+<p:sld xmlns:a="http://schemas.openxmlformats.org/drawingml/2006/main" xmlns:r="http://schemas.openxmlformats.org/officeDocument/2006/relationships" xmlns:p="http://schemas.openxmlformats.org/presentationml/2006/main">
+  <p:cSld>
+    <p:spTree>
+      <p:nvGrpSpPr>
+        <p:cNvPr id="1" name=""/>
+        <p:cNvGrpSpPr/>
+        <p:nvPr/>
+      </p:nvGrpSpPr>
+      <p:grpSpPr>
+        <a:xfrm>
+          <a:off x="0" y="0"/>
+          <a:ext cx="0" cy="0"/>
+          <a:chOff x="0" y="0"/>
+          <a:chExt cx="0" cy="0"/>
+        </a:xfrm>
+      </p:grpSpPr>
+      <p:sp>
+        <p:nvSpPr>
+          <p:cNvPr id="2" name="Title 1"/>
+          <p:cNvSpPr>
+            <a:spLocks noGrp="1"/>
+          </p:cNvSpPr>
+          <p:nvPr>
+            <p:ph type="title"/>
+          </p:nvPr>
+        </p:nvSpPr>
+        <p:spPr/>
+        <p:txBody>
+          <a:bodyPr/>
+          <a:lstStyle/>
+          <a:p>
+            <a:r>
+              <a:rPr lang="pl-PL" dirty="0"/>
+              <a:t>Profil potencialnego klienta serwisu</a:t>
+            </a:r>
+          </a:p>
+        </p:txBody>
+      </p:sp>
+      <p:sp>
+        <p:nvSpPr>
+          <p:cNvPr id="3" name="Content Placeholder 2"/>
+          <p:cNvSpPr>
+            <a:spLocks noGrp="1"/>
+          </p:cNvSpPr>
+          <p:nvPr>
+            <p:ph idx="1"/>
+          </p:nvPr>
+        </p:nvSpPr>
+        <p:spPr/>
+        <p:txBody>
+          <a:bodyPr/>
+          <a:lstStyle/>
+          <a:p>
+            <a:pPr marL="0" indent="0">
+              <a:buNone/>
+            </a:pPr>
+            <a:r>
+              <a:rPr lang="pl-PL" dirty="0" smtClean="0"/>
+              <a:t>Projekt kierowany jest dla przedsiębiorców i dla zwykłych ludzi. Jedni i drudzy mogą wystawiać swoje propozycje noclegów oraz rezerwować wybrane oferty.  </a:t>
+            </a:r>
+            <a:endParaRPr lang="pl-PL" dirty="0"/>
+          </a:p>
+        </p:txBody>
+      </p:sp>
+    </p:spTree>
+    <p:extLst>
+      <p:ext uri="{BB962C8B-B14F-4D97-AF65-F5344CB8AC3E}">
+        <p14:creationId xmlns:p14="http://schemas.microsoft.com/office/powerpoint/2010/main" val="178176783"/>
+      </p:ext>
+    </p:extLst>
+  </p:cSld>
+  <p:clrMapOvr>
+    <a:masterClrMapping/>
+  </p:clrMapOvr>
+</p:sld>
+</file>
+
+<file path=ppt/slides/slide5.xml><?xml version="1.0" encoding="utf-8"?>
+<p:sld xmlns:a="http://schemas.openxmlformats.org/drawingml/2006/main" xmlns:r="http://schemas.openxmlformats.org/officeDocument/2006/relationships" xmlns:p="http://schemas.openxmlformats.org/presentationml/2006/main">
+  <p:cSld>
+    <p:spTree>
+      <p:nvGrpSpPr>
+        <p:cNvPr id="1" name=""/>
+        <p:cNvGrpSpPr/>
+        <p:nvPr/>
+      </p:nvGrpSpPr>
+      <p:grpSpPr>
+        <a:xfrm>
+          <a:off x="0" y="0"/>
+          <a:ext cx="0" cy="0"/>
+          <a:chOff x="0" y="0"/>
+          <a:chExt cx="0" cy="0"/>
+        </a:xfrm>
+      </p:grpSpPr>
+      <p:sp>
+        <p:nvSpPr>
+          <p:cNvPr id="2" name="Title 1"/>
+          <p:cNvSpPr>
+            <a:spLocks noGrp="1"/>
+          </p:cNvSpPr>
+          <p:nvPr>
+            <p:ph type="title"/>
+          </p:nvPr>
+        </p:nvSpPr>
+        <p:spPr/>
+        <p:txBody>
+          <a:bodyPr/>
+          <a:lstStyle/>
+          <a:p>
+            <a:pPr marL="514350" indent="-514350"/>
+            <a:r>
+              <a:rPr lang="pl-PL" dirty="0"/>
+              <a:t>Główne funkcjonalności</a:t>
+            </a:r>
+          </a:p>
+        </p:txBody>
+      </p:sp>
+      <p:sp>
+        <p:nvSpPr>
+          <p:cNvPr id="3" name="Content Placeholder 2"/>
+          <p:cNvSpPr>
+            <a:spLocks noGrp="1"/>
+          </p:cNvSpPr>
+          <p:nvPr>
+            <p:ph idx="1"/>
+          </p:nvPr>
+        </p:nvSpPr>
+        <p:spPr/>
+        <p:txBody>
+          <a:bodyPr/>
+          <a:lstStyle/>
+          <a:p>
+            <a:pPr marL="0" indent="0">
+              <a:buNone/>
+            </a:pPr>
+            <a:r>
+              <a:rPr lang="pl-PL" dirty="0" smtClean="0"/>
+              <a:t>Logowanie</a:t>
+            </a:r>
+          </a:p>
+          <a:p>
+            <a:pPr marL="0" indent="0">
+              <a:buNone/>
+            </a:pPr>
+            <a:r>
+              <a:rPr lang="pl-PL" dirty="0" smtClean="0"/>
+              <a:t>Rejestracja</a:t>
+            </a:r>
+          </a:p>
+          <a:p>
+            <a:pPr marL="0" indent="0">
+              <a:buNone/>
+            </a:pPr>
+            <a:r>
+              <a:rPr lang="pl-PL" dirty="0" smtClean="0"/>
+              <a:t>Potwierdzanie rejestracji przez Administratora</a:t>
+            </a:r>
+          </a:p>
+          <a:p>
+            <a:pPr marL="0" indent="0">
+              <a:buNone/>
+            </a:pPr>
+            <a:r>
+              <a:rPr lang="pl-PL" dirty="0" smtClean="0"/>
+              <a:t>Dodawanie nowych ofert noclegów</a:t>
+            </a:r>
+          </a:p>
+          <a:p>
+            <a:pPr marL="0" indent="0">
+              <a:buNone/>
+            </a:pPr>
+            <a:r>
+              <a:rPr lang="pl-PL" dirty="0"/>
+              <a:t>Potwierdzanie ofert </a:t>
+            </a:r>
+            <a:r>
+              <a:rPr lang="pl-PL" dirty="0" smtClean="0"/>
+              <a:t>przez Administratora</a:t>
+            </a:r>
+          </a:p>
+          <a:p>
+            <a:pPr marL="0" indent="0">
+              <a:buNone/>
+            </a:pPr>
+            <a:r>
+              <a:rPr lang="pl-PL" dirty="0" smtClean="0"/>
+              <a:t>Rezerwacja ofert</a:t>
+            </a:r>
+          </a:p>
+          <a:p>
+            <a:pPr marL="0" indent="0">
+              <a:buNone/>
+            </a:pPr>
+            <a:r>
+              <a:rPr lang="pl-PL" dirty="0" smtClean="0"/>
+              <a:t>Potwierdzanie rezerwacji po przez płatność</a:t>
+            </a:r>
+          </a:p>
+          <a:p>
+            <a:pPr marL="0" indent="0">
+              <a:buNone/>
+            </a:pPr>
+            <a:r>
+              <a:rPr lang="pl-PL" dirty="0" smtClean="0"/>
+              <a:t>Anulowanie rezerwacji po przez anulowanie płatności</a:t>
+            </a:r>
+            <a:endParaRPr lang="pl-PL" dirty="0"/>
+          </a:p>
+        </p:txBody>
+      </p:sp>
+    </p:spTree>
+    <p:extLst>
+      <p:ext uri="{BB962C8B-B14F-4D97-AF65-F5344CB8AC3E}">
+        <p14:creationId xmlns:p14="http://schemas.microsoft.com/office/powerpoint/2010/main" val="2433895241"/>
+      </p:ext>
+    </p:extLst>
+  </p:cSld>
+  <p:clrMapOvr>
+    <a:masterClrMapping/>
+  </p:clrMapOvr>
+</p:sld>
+</file>
+
+<file path=ppt/slides/slide6.xml><?xml version="1.0" encoding="utf-8"?>
+<p:sld xmlns:a="http://schemas.openxmlformats.org/drawingml/2006/main" xmlns:r="http://schemas.openxmlformats.org/officeDocument/2006/relationships" xmlns:p="http://schemas.openxmlformats.org/presentationml/2006/main">
+  <p:cSld>
+    <p:spTree>
+      <p:nvGrpSpPr>
+        <p:cNvPr id="1" name=""/>
+        <p:cNvGrpSpPr/>
+        <p:nvPr/>
+      </p:nvGrpSpPr>
+      <p:grpSpPr>
+        <a:xfrm>
+          <a:off x="0" y="0"/>
+          <a:ext cx="0" cy="0"/>
+          <a:chOff x="0" y="0"/>
+          <a:chExt cx="0" cy="0"/>
+        </a:xfrm>
+      </p:grpSpPr>
+      <p:sp>
+        <p:nvSpPr>
+          <p:cNvPr id="2" name="Title 1"/>
+          <p:cNvSpPr>
+            <a:spLocks noGrp="1"/>
+          </p:cNvSpPr>
+          <p:nvPr>
+            <p:ph type="title"/>
+          </p:nvPr>
+        </p:nvSpPr>
+        <p:spPr/>
+        <p:txBody>
+          <a:bodyPr/>
+          <a:lstStyle/>
+          <a:p>
+            <a:r>
+              <a:rPr lang="pl-PL" dirty="0"/>
+              <a:t>Architektóra i użyte technologie</a:t>
+            </a:r>
+          </a:p>
+        </p:txBody>
+      </p:sp>
+      <p:sp>
+        <p:nvSpPr>
+          <p:cNvPr id="3" name="Content Placeholder 2"/>
+          <p:cNvSpPr>
+            <a:spLocks noGrp="1"/>
+          </p:cNvSpPr>
+          <p:nvPr>
+            <p:ph idx="1"/>
+          </p:nvPr>
+        </p:nvSpPr>
+        <p:spPr/>
+        <p:txBody>
+          <a:bodyPr>
+            <a:normAutofit fontScale="92500"/>
+          </a:bodyPr>
+          <a:lstStyle/>
+          <a:p>
+            <a:pPr marL="0" indent="0">
+              <a:buNone/>
+            </a:pPr>
+            <a:r>
+              <a:rPr lang="pl-PL" dirty="0" smtClean="0"/>
+              <a:t>	Projekt opiera się na scentralizowanej relacyjnej bazy danych MySQL która zawiera całą logikę wraz z danymi. Baza danych została wyposażona w szereg interfejsów pod postacią: procedur, funkcji i widoków.</a:t>
+            </a:r>
+          </a:p>
+          <a:p>
+            <a:pPr marL="0" indent="0">
+              <a:buNone/>
+            </a:pPr>
+            <a:r>
+              <a:rPr lang="pl-PL" dirty="0"/>
+              <a:t>	</a:t>
+            </a:r>
+            <a:r>
+              <a:rPr lang="pl-PL" dirty="0" smtClean="0"/>
+              <a:t>Obok bazy danych, na tej samej maszynie fizycznej znajduje się WebService który został napisany w PHP 7 z zastosowaniem frameworku Symfony 4. </a:t>
+            </a:r>
+          </a:p>
+          <a:p>
+            <a:pPr marL="0" indent="0">
+              <a:buNone/>
+            </a:pPr>
+            <a:r>
+              <a:rPr lang="pl-PL" dirty="0"/>
+              <a:t>	</a:t>
+            </a:r>
+            <a:r>
+              <a:rPr lang="pl-PL" dirty="0" smtClean="0"/>
+              <a:t>Została użyta architektura klient-serwer. Wspomniana wyżej maszyna fizyczna to serwer natomiast klientem jest przeglądarka internetowa. </a:t>
+            </a:r>
+          </a:p>
+          <a:p>
+            <a:pPr marL="0" indent="0">
+              <a:buNone/>
+            </a:pPr>
+            <a:r>
+              <a:rPr lang="pl-PL" dirty="0" smtClean="0"/>
+              <a:t>	Od strony klienta działa strona internetowa napisana w HTML5 z użyciem JS i CSS3. </a:t>
+            </a:r>
+            <a:endParaRPr lang="pl-PL" dirty="0"/>
+          </a:p>
+        </p:txBody>
+      </p:sp>
+    </p:spTree>
+    <p:extLst>
+      <p:ext uri="{BB962C8B-B14F-4D97-AF65-F5344CB8AC3E}">
+        <p14:creationId xmlns:p14="http://schemas.microsoft.com/office/powerpoint/2010/main" val="2219077538"/>
+      </p:ext>
+    </p:extLst>
+  </p:cSld>
+  <p:clrMapOvr>
+    <a:masterClrMapping/>
+  </p:clrMapOvr>
+</p:sld>
+</file>
+
+<file path=ppt/slides/slide7.xml><?xml version="1.0" encoding="utf-8"?>
+<p:sld xmlns:a="http://schemas.openxmlformats.org/drawingml/2006/main" xmlns:r="http://schemas.openxmlformats.org/officeDocument/2006/relationships" xmlns:p="http://schemas.openxmlformats.org/presentationml/2006/main">
+  <p:cSld>
+    <p:spTree>
+      <p:nvGrpSpPr>
+        <p:cNvPr id="1" name=""/>
+        <p:cNvGrpSpPr/>
+        <p:nvPr/>
+      </p:nvGrpSpPr>
+      <p:grpSpPr>
+        <a:xfrm>
+          <a:off x="0" y="0"/>
+          <a:ext cx="0" cy="0"/>
+          <a:chOff x="0" y="0"/>
+          <a:chExt cx="0" cy="0"/>
+        </a:xfrm>
+      </p:grpSpPr>
+      <p:sp>
+        <p:nvSpPr>
+          <p:cNvPr id="2" name="Title 1"/>
+          <p:cNvSpPr>
+            <a:spLocks noGrp="1"/>
+          </p:cNvSpPr>
+          <p:nvPr>
+            <p:ph type="title"/>
+          </p:nvPr>
+        </p:nvSpPr>
+        <p:spPr/>
+        <p:txBody>
+          <a:bodyPr/>
+          <a:lstStyle/>
+          <a:p>
+            <a:r>
+              <a:rPr lang="pl-PL" dirty="0"/>
+              <a:t>Architektóra i użyte </a:t>
+            </a:r>
+            <a:r>
+              <a:rPr lang="pl-PL" dirty="0" smtClean="0"/>
+              <a:t>technologie c.d.</a:t>
+            </a:r>
+            <a:endParaRPr lang="pl-PL" dirty="0"/>
+          </a:p>
+        </p:txBody>
+      </p:sp>
+      <p:pic>
+        <p:nvPicPr>
+          <p:cNvPr id="1026" name="Picture 2"/>
+          <p:cNvPicPr>
+            <a:picLocks noChangeAspect="1" noChangeArrowheads="1"/>
+          </p:cNvPicPr>
+          <p:nvPr/>
+        </p:nvPicPr>
+        <p:blipFill>
+          <a:blip r:embed="rId2">
+            <a:extLst>
+              <a:ext uri="{28A0092B-C50C-407E-A947-70E740481C1C}">
+                <a14:useLocalDpi xmlns:a14="http://schemas.microsoft.com/office/drawing/2010/main" val="0"/>
+              </a:ext>
+            </a:extLst>
+          </a:blip>
+          <a:srcRect/>
+          <a:stretch>
+            <a:fillRect/>
+          </a:stretch>
+        </p:blipFill>
+        <p:spPr bwMode="auto">
+          <a:xfrm>
+            <a:off x="1269093" y="1250089"/>
+            <a:ext cx="6121400" cy="5676900"/>
+          </a:xfrm>
+          <a:prstGeom prst="rect">
+            <a:avLst/>
+          </a:prstGeom>
+          <a:noFill/>
+          <a:ln>
+            <a:noFill/>
+          </a:ln>
+          <a:extLst>
+            <a:ext uri="{909E8E84-426E-40DD-AFC4-6F175D3DCCD1}">
+              <a14:hiddenFill xmlns:a14="http://schemas.microsoft.com/office/drawing/2010/main">
+                <a:solidFill>
+                  <a:srgbClr val="FFFFFF"/>
+                </a:solidFill>
+              </a14:hiddenFill>
+            </a:ext>
+            <a:ext uri="{91240B29-F687-4F45-9708-019B960494DF}">
+              <a14:hiddenLine xmlns:a14="http://schemas.microsoft.com/office/drawing/2010/main" w="9525">
+                <a:solidFill>
+                  <a:srgbClr val="000000"/>
+                </a:solidFill>
+                <a:miter lim="800000"/>
+                <a:headEnd/>
+                <a:tailEnd/>
+              </a14:hiddenLine>
+            </a:ext>
+          </a:extLst>
+        </p:spPr>
+      </p:pic>
+    </p:spTree>
+    <p:extLst>
+      <p:ext uri="{BB962C8B-B14F-4D97-AF65-F5344CB8AC3E}">
+        <p14:creationId xmlns:p14="http://schemas.microsoft.com/office/powerpoint/2010/main" val="1554217288"/>
+      </p:ext>
+    </p:extLst>
+  </p:cSld>
+  <p:clrMapOvr>
+    <a:masterClrMapping/>
+  </p:clrMapOvr>
+</p:sld>
+</file>
+
+<file path=ppt/slides/slide8.xml><?xml version="1.0" encoding="utf-8"?>
+<p:sld xmlns:a="http://schemas.openxmlformats.org/drawingml/2006/main" xmlns:r="http://schemas.openxmlformats.org/officeDocument/2006/relationships" xmlns:p="http://schemas.openxmlformats.org/presentationml/2006/main">
+  <p:cSld>
+    <p:spTree>
+      <p:nvGrpSpPr>
+        <p:cNvPr id="1" name=""/>
+        <p:cNvGrpSpPr/>
+        <p:nvPr/>
+      </p:nvGrpSpPr>
+      <p:grpSpPr>
+        <a:xfrm>
+          <a:off x="0" y="0"/>
+          <a:ext cx="0" cy="0"/>
+          <a:chOff x="0" y="0"/>
+          <a:chExt cx="0" cy="0"/>
+        </a:xfrm>
+      </p:grpSpPr>
+      <p:sp>
+        <p:nvSpPr>
+          <p:cNvPr id="2" name="Title 1"/>
+          <p:cNvSpPr>
+            <a:spLocks noGrp="1"/>
+          </p:cNvSpPr>
+          <p:nvPr>
+            <p:ph type="title"/>
+          </p:nvPr>
+        </p:nvSpPr>
+        <p:spPr/>
+        <p:txBody>
+          <a:bodyPr/>
+          <a:lstStyle/>
+          <a:p>
+            <a:r>
+              <a:rPr lang="pl-PL" dirty="0"/>
+              <a:t>Architektóra i użyte </a:t>
+            </a:r>
+            <a:r>
+              <a:rPr lang="pl-PL" dirty="0" smtClean="0"/>
+              <a:t>technologie c.d.</a:t>
+            </a:r>
+            <a:endParaRPr lang="pl-PL" dirty="0"/>
+          </a:p>
+        </p:txBody>
+      </p:sp>
+      <p:sp>
+        <p:nvSpPr>
+          <p:cNvPr id="3" name="Content Placeholder 2"/>
+          <p:cNvSpPr>
+            <a:spLocks noGrp="1"/>
+          </p:cNvSpPr>
+          <p:nvPr>
+            <p:ph idx="1"/>
+          </p:nvPr>
+        </p:nvSpPr>
+        <p:spPr/>
+        <p:txBody>
+          <a:bodyPr/>
+          <a:lstStyle/>
+          <a:p>
+            <a:pPr marL="0" indent="0">
+              <a:buNone/>
+            </a:pPr>
+            <a:r>
+              <a:rPr lang="pl-PL" dirty="0" smtClean="0"/>
+              <a:t>Plusy i minusy użytej architektóry:</a:t>
+            </a:r>
+          </a:p>
+          <a:p>
+            <a:pPr marL="0" indent="0">
+              <a:buNone/>
+            </a:pPr>
+            <a:r>
+              <a:rPr lang="pl-PL" dirty="0" smtClean="0"/>
+              <a:t>Plusy:</a:t>
+            </a:r>
+          </a:p>
+          <a:p>
+            <a:r>
+              <a:rPr lang="pl-PL" dirty="0" smtClean="0"/>
+              <a:t>łatwy </a:t>
+            </a:r>
+            <a:r>
+              <a:rPr lang="pl-PL" dirty="0"/>
+              <a:t>serwis, </a:t>
+            </a:r>
+            <a:endParaRPr lang="pl-PL" dirty="0" smtClean="0"/>
+          </a:p>
+          <a:p>
+            <a:r>
+              <a:rPr lang="pl-PL" dirty="0" smtClean="0"/>
+              <a:t>mały </a:t>
+            </a:r>
+            <a:r>
+              <a:rPr lang="pl-PL" dirty="0"/>
+              <a:t>koszt budowy, </a:t>
+            </a:r>
+            <a:endParaRPr lang="pl-PL" dirty="0" smtClean="0"/>
+          </a:p>
+          <a:p>
+            <a:r>
+              <a:rPr lang="pl-PL" dirty="0" smtClean="0"/>
+              <a:t>łatwa </a:t>
+            </a:r>
+            <a:r>
+              <a:rPr lang="pl-PL" dirty="0"/>
+              <a:t>migracja, </a:t>
+            </a:r>
+            <a:endParaRPr lang="pl-PL" dirty="0" smtClean="0"/>
+          </a:p>
+          <a:p>
+            <a:r>
+              <a:rPr lang="pl-PL" dirty="0" smtClean="0"/>
+              <a:t>szybka konfiguracja</a:t>
+            </a:r>
+          </a:p>
+          <a:p>
+            <a:pPr marL="0" indent="0">
+              <a:buNone/>
+            </a:pPr>
+            <a:r>
+              <a:rPr lang="pl-PL" dirty="0" smtClean="0"/>
+              <a:t>Minusy:</a:t>
+            </a:r>
+          </a:p>
+          <a:p>
+            <a:pPr marL="0" indent="0">
+              <a:buNone/>
+            </a:pPr>
+            <a:r>
+              <a:rPr lang="pl-PL" dirty="0"/>
+              <a:t>?</a:t>
+            </a:r>
+          </a:p>
+        </p:txBody>
+      </p:sp>
+    </p:spTree>
+    <p:extLst>
+      <p:ext uri="{BB962C8B-B14F-4D97-AF65-F5344CB8AC3E}">
+        <p14:creationId xmlns:p14="http://schemas.microsoft.com/office/powerpoint/2010/main" val="1581660104"/>
+      </p:ext>
+    </p:extLst>
+  </p:cSld>
+  <p:clrMapOvr>
+    <a:masterClrMapping/>
+  </p:clrMapOvr>
+</p:sld>
+</file>
+
+<file path=ppt/slides/slide9.xml><?xml version="1.0" encoding="utf-8"?>
+<p:sld xmlns:a="http://schemas.openxmlformats.org/drawingml/2006/main" xmlns:r="http://schemas.openxmlformats.org/officeDocument/2006/relationships" xmlns:p="http://schemas.openxmlformats.org/presentationml/2006/main">
+  <p:cSld>
+    <p:spTree>
+      <p:nvGrpSpPr>
+        <p:cNvPr id="1" name=""/>
+        <p:cNvGrpSpPr/>
+        <p:nvPr/>
+      </p:nvGrpSpPr>
+      <p:grpSpPr>
+        <a:xfrm>
+          <a:off x="0" y="0"/>
+          <a:ext cx="0" cy="0"/>
+          <a:chOff x="0" y="0"/>
+          <a:chExt cx="0" cy="0"/>
+        </a:xfrm>
+      </p:grpSpPr>
+      <p:sp>
+        <p:nvSpPr>
+          <p:cNvPr id="2" name="Title 1"/>
+          <p:cNvSpPr>
+            <a:spLocks noGrp="1"/>
+          </p:cNvSpPr>
+          <p:nvPr>
+            <p:ph type="title"/>
+          </p:nvPr>
+        </p:nvSpPr>
+        <p:spPr/>
+        <p:txBody>
+          <a:bodyPr/>
+          <a:lstStyle/>
+          <a:p>
+            <a:r>
+              <a:rPr lang="pl-PL" dirty="0"/>
+              <a:t>Możliwości </a:t>
+            </a:r>
+            <a:r>
+              <a:rPr lang="pl-PL" dirty="0" smtClean="0"/>
+              <a:t>rozwoju</a:t>
+            </a:r>
+            <a:endParaRPr lang="pl-PL" dirty="0"/>
+          </a:p>
+        </p:txBody>
+      </p:sp>
+      <p:sp>
+        <p:nvSpPr>
+          <p:cNvPr id="3" name="Content Placeholder 2"/>
+          <p:cNvSpPr>
+            <a:spLocks noGrp="1"/>
+          </p:cNvSpPr>
+          <p:nvPr>
+            <p:ph idx="1"/>
+          </p:nvPr>
+        </p:nvSpPr>
+        <p:spPr/>
+        <p:txBody>
+          <a:bodyPr/>
+          <a:lstStyle/>
+          <a:p>
+            <a:pPr marL="0" indent="0">
+              <a:buNone/>
+            </a:pPr>
+            <a:r>
+              <a:rPr lang="pl-PL" dirty="0" smtClean="0"/>
+              <a:t>Architektura systemu pozwala na łatwe dodawanie nowych modułów. Przyszłości </a:t>
+            </a:r>
+            <a:r>
+              <a:rPr lang="pl-PL" dirty="0"/>
+              <a:t>można do implementować:</a:t>
+            </a:r>
+            <a:endParaRPr lang="pl-PL" dirty="0" smtClean="0"/>
+          </a:p>
+          <a:p>
+            <a:pPr marL="514350" indent="-514350">
+              <a:buAutoNum type="arabicPeriod"/>
+            </a:pPr>
+            <a:r>
+              <a:rPr lang="pl-PL" dirty="0" smtClean="0"/>
+              <a:t>Procesy automatyczne które będą cyklicznie lub na żądanie wykonywać działania. </a:t>
+            </a:r>
+          </a:p>
+          <a:p>
+            <a:pPr marL="514350" indent="-514350">
+              <a:buAutoNum type="arabicPeriod"/>
+            </a:pPr>
+            <a:r>
+              <a:rPr lang="pl-PL" dirty="0" smtClean="0"/>
+              <a:t>Kalendarz </a:t>
+            </a:r>
+            <a:r>
+              <a:rPr lang="pl-PL" dirty="0"/>
+              <a:t>w konkretnej ofercie informujący potencjalnego klienta o dostępności oferty</a:t>
+            </a:r>
+            <a:r>
+              <a:rPr lang="pl-PL" dirty="0" smtClean="0"/>
+              <a:t>.</a:t>
+            </a:r>
+          </a:p>
+          <a:p>
+            <a:pPr marL="514350" indent="-514350">
+              <a:buAutoNum type="arabicPeriod"/>
+            </a:pPr>
+            <a:r>
+              <a:rPr lang="pl-PL" dirty="0"/>
+              <a:t>Obsługa zewnętrznego serwisu </a:t>
+            </a:r>
+            <a:r>
+              <a:rPr lang="pl-PL" dirty="0" smtClean="0"/>
+              <a:t>do płatności on-line </a:t>
+            </a:r>
+            <a:endParaRPr lang="pl-PL" dirty="0"/>
+          </a:p>
+        </p:txBody>
+      </p:sp>
+    </p:spTree>
+    <p:extLst>
+      <p:ext uri="{BB962C8B-B14F-4D97-AF65-F5344CB8AC3E}">
+        <p14:creationId xmlns:p14="http://schemas.microsoft.com/office/powerpoint/2010/main" val="97012678"/>
       </p:ext>
     </p:extLst>
   </p:cSld>

--- a/accommodation_announcements_presentation.pptx
+++ b/accommodation_announcements_presentation.pptx
@@ -252,7 +252,7 @@
           <a:p>
             <a:fld id="{BF5BBEC5-3F23-4366-AEEC-A4ED1C6FF854}" type="datetimeFigureOut">
               <a:rPr lang="pl-PL" smtClean="0"/>
-              <a:t>09.01.2019</a:t>
+              <a:t>12.01.2019</a:t>
             </a:fld>
             <a:endParaRPr lang="pl-PL"/>
           </a:p>
@@ -422,7 +422,7 @@
           <a:p>
             <a:fld id="{BF5BBEC5-3F23-4366-AEEC-A4ED1C6FF854}" type="datetimeFigureOut">
               <a:rPr lang="pl-PL" smtClean="0"/>
-              <a:t>09.01.2019</a:t>
+              <a:t>12.01.2019</a:t>
             </a:fld>
             <a:endParaRPr lang="pl-PL"/>
           </a:p>
@@ -602,7 +602,7 @@
           <a:p>
             <a:fld id="{BF5BBEC5-3F23-4366-AEEC-A4ED1C6FF854}" type="datetimeFigureOut">
               <a:rPr lang="pl-PL" smtClean="0"/>
-              <a:t>09.01.2019</a:t>
+              <a:t>12.01.2019</a:t>
             </a:fld>
             <a:endParaRPr lang="pl-PL"/>
           </a:p>
@@ -772,7 +772,7 @@
           <a:p>
             <a:fld id="{BF5BBEC5-3F23-4366-AEEC-A4ED1C6FF854}" type="datetimeFigureOut">
               <a:rPr lang="pl-PL" smtClean="0"/>
-              <a:t>09.01.2019</a:t>
+              <a:t>12.01.2019</a:t>
             </a:fld>
             <a:endParaRPr lang="pl-PL"/>
           </a:p>
@@ -1018,7 +1018,7 @@
           <a:p>
             <a:fld id="{BF5BBEC5-3F23-4366-AEEC-A4ED1C6FF854}" type="datetimeFigureOut">
               <a:rPr lang="pl-PL" smtClean="0"/>
-              <a:t>09.01.2019</a:t>
+              <a:t>12.01.2019</a:t>
             </a:fld>
             <a:endParaRPr lang="pl-PL"/>
           </a:p>
@@ -1250,7 +1250,7 @@
           <a:p>
             <a:fld id="{BF5BBEC5-3F23-4366-AEEC-A4ED1C6FF854}" type="datetimeFigureOut">
               <a:rPr lang="pl-PL" smtClean="0"/>
-              <a:t>09.01.2019</a:t>
+              <a:t>12.01.2019</a:t>
             </a:fld>
             <a:endParaRPr lang="pl-PL"/>
           </a:p>
@@ -1617,7 +1617,7 @@
           <a:p>
             <a:fld id="{BF5BBEC5-3F23-4366-AEEC-A4ED1C6FF854}" type="datetimeFigureOut">
               <a:rPr lang="pl-PL" smtClean="0"/>
-              <a:t>09.01.2019</a:t>
+              <a:t>12.01.2019</a:t>
             </a:fld>
             <a:endParaRPr lang="pl-PL"/>
           </a:p>
@@ -1735,7 +1735,7 @@
           <a:p>
             <a:fld id="{BF5BBEC5-3F23-4366-AEEC-A4ED1C6FF854}" type="datetimeFigureOut">
               <a:rPr lang="pl-PL" smtClean="0"/>
-              <a:t>09.01.2019</a:t>
+              <a:t>12.01.2019</a:t>
             </a:fld>
             <a:endParaRPr lang="pl-PL"/>
           </a:p>
@@ -1830,7 +1830,7 @@
           <a:p>
             <a:fld id="{BF5BBEC5-3F23-4366-AEEC-A4ED1C6FF854}" type="datetimeFigureOut">
               <a:rPr lang="pl-PL" smtClean="0"/>
-              <a:t>09.01.2019</a:t>
+              <a:t>12.01.2019</a:t>
             </a:fld>
             <a:endParaRPr lang="pl-PL"/>
           </a:p>
@@ -2107,7 +2107,7 @@
           <a:p>
             <a:fld id="{BF5BBEC5-3F23-4366-AEEC-A4ED1C6FF854}" type="datetimeFigureOut">
               <a:rPr lang="pl-PL" smtClean="0"/>
-              <a:t>09.01.2019</a:t>
+              <a:t>12.01.2019</a:t>
             </a:fld>
             <a:endParaRPr lang="pl-PL"/>
           </a:p>
@@ -2360,7 +2360,7 @@
           <a:p>
             <a:fld id="{BF5BBEC5-3F23-4366-AEEC-A4ED1C6FF854}" type="datetimeFigureOut">
               <a:rPr lang="pl-PL" smtClean="0"/>
-              <a:t>09.01.2019</a:t>
+              <a:t>12.01.2019</a:t>
             </a:fld>
             <a:endParaRPr lang="pl-PL"/>
           </a:p>
@@ -2573,7 +2573,7 @@
           <a:p>
             <a:fld id="{BF5BBEC5-3F23-4366-AEEC-A4ED1C6FF854}" type="datetimeFigureOut">
               <a:rPr lang="pl-PL" smtClean="0"/>
-              <a:t>09.01.2019</a:t>
+              <a:t>12.01.2019</a:t>
             </a:fld>
             <a:endParaRPr lang="pl-PL"/>
           </a:p>
@@ -3527,7 +3527,24 @@
             </a:pPr>
             <a:r>
               <a:rPr lang="pl-PL" dirty="0" smtClean="0"/>
-              <a:t>B</a:t>
+              <a:t>	Wyobraźmy sobie taką sytuację. Potrzebujemy wyjechać do innego miasta bo na przykład mamy ważne spotkanie biznesowe lub po prostu jedziemy wypocząć. Rezerwujemy nocleg, wyjeżdżamy i … i nasze mieszkanie stoi nieużytkowane przez cały czas naszego wyjazdu. Jest to bardzo nieekonomiczne dla naszego portfela. </a:t>
+            </a:r>
+          </a:p>
+          <a:p>
+            <a:pPr marL="0" indent="0">
+              <a:buNone/>
+            </a:pPr>
+            <a:r>
+              <a:rPr lang="pl-PL" dirty="0"/>
+              <a:t>	</a:t>
+            </a:r>
+            <a:r>
+              <a:rPr lang="pl-PL" dirty="0" smtClean="0"/>
+              <a:t>Po kilku długotrwałych nieobecnościach w mieszkaniu z powodów wyjazdów, narodził się pomysł. </a:t>
+            </a:r>
+            <a:r>
+              <a:rPr lang="pl-PL" dirty="0" smtClean="0"/>
+              <a:t>A gdyby tak istniała możliwość wynajęcia naszego mieszkania podczas naszej nieobecności? Moglibyśmy dużo zaoszczędzić. </a:t>
             </a:r>
             <a:endParaRPr lang="pl-PL" dirty="0"/>
           </a:p>
@@ -3605,7 +3622,31 @@
             </a:pPr>
             <a:r>
               <a:rPr lang="pl-PL" dirty="0" smtClean="0"/>
-              <a:t>Projekt kierowany jest dla przedsiębiorców i dla zwykłych ludzi. Jedni i drudzy mogą wystawiać swoje propozycje noclegów oraz rezerwować wybrane oferty.  </a:t>
+              <a:t>	Projekt </a:t>
+            </a:r>
+            <a:r>
+              <a:rPr lang="pl-PL" dirty="0" smtClean="0"/>
+              <a:t>kierowany </a:t>
+            </a:r>
+            <a:r>
+              <a:rPr lang="pl-PL" dirty="0" smtClean="0"/>
+              <a:t>jest zarówno dla </a:t>
+            </a:r>
+            <a:r>
+              <a:rPr lang="pl-PL" dirty="0" smtClean="0"/>
+              <a:t>przedsiębiorców </a:t>
+            </a:r>
+            <a:r>
+              <a:rPr lang="pl-PL" dirty="0" smtClean="0"/>
+              <a:t>jak i </a:t>
+            </a:r>
+            <a:r>
+              <a:rPr lang="pl-PL" dirty="0" smtClean="0"/>
+              <a:t>dla zwykłych </a:t>
+            </a:r>
+            <a:r>
+              <a:rPr lang="pl-PL" dirty="0" smtClean="0"/>
+              <a:t>ludzi, którzy chcą wynajmować i/lub udostępniać mieszkania na wynajem.</a:t>
             </a:r>
             <a:endParaRPr lang="pl-PL" dirty="0"/>
           </a:p>

--- a/accommodation_announcements_presentation.pptx
+++ b/accommodation_announcements_presentation.pptx
@@ -252,7 +252,7 @@
           <a:p>
             <a:fld id="{BF5BBEC5-3F23-4366-AEEC-A4ED1C6FF854}" type="datetimeFigureOut">
               <a:rPr lang="pl-PL" smtClean="0"/>
-              <a:t>12.01.2019</a:t>
+              <a:t>13.01.2019</a:t>
             </a:fld>
             <a:endParaRPr lang="pl-PL"/>
           </a:p>
@@ -422,7 +422,7 @@
           <a:p>
             <a:fld id="{BF5BBEC5-3F23-4366-AEEC-A4ED1C6FF854}" type="datetimeFigureOut">
               <a:rPr lang="pl-PL" smtClean="0"/>
-              <a:t>12.01.2019</a:t>
+              <a:t>13.01.2019</a:t>
             </a:fld>
             <a:endParaRPr lang="pl-PL"/>
           </a:p>
@@ -602,7 +602,7 @@
           <a:p>
             <a:fld id="{BF5BBEC5-3F23-4366-AEEC-A4ED1C6FF854}" type="datetimeFigureOut">
               <a:rPr lang="pl-PL" smtClean="0"/>
-              <a:t>12.01.2019</a:t>
+              <a:t>13.01.2019</a:t>
             </a:fld>
             <a:endParaRPr lang="pl-PL"/>
           </a:p>
@@ -772,7 +772,7 @@
           <a:p>
             <a:fld id="{BF5BBEC5-3F23-4366-AEEC-A4ED1C6FF854}" type="datetimeFigureOut">
               <a:rPr lang="pl-PL" smtClean="0"/>
-              <a:t>12.01.2019</a:t>
+              <a:t>13.01.2019</a:t>
             </a:fld>
             <a:endParaRPr lang="pl-PL"/>
           </a:p>
@@ -1018,7 +1018,7 @@
           <a:p>
             <a:fld id="{BF5BBEC5-3F23-4366-AEEC-A4ED1C6FF854}" type="datetimeFigureOut">
               <a:rPr lang="pl-PL" smtClean="0"/>
-              <a:t>12.01.2019</a:t>
+              <a:t>13.01.2019</a:t>
             </a:fld>
             <a:endParaRPr lang="pl-PL"/>
           </a:p>
@@ -1250,7 +1250,7 @@
           <a:p>
             <a:fld id="{BF5BBEC5-3F23-4366-AEEC-A4ED1C6FF854}" type="datetimeFigureOut">
               <a:rPr lang="pl-PL" smtClean="0"/>
-              <a:t>12.01.2019</a:t>
+              <a:t>13.01.2019</a:t>
             </a:fld>
             <a:endParaRPr lang="pl-PL"/>
           </a:p>
@@ -1617,7 +1617,7 @@
           <a:p>
             <a:fld id="{BF5BBEC5-3F23-4366-AEEC-A4ED1C6FF854}" type="datetimeFigureOut">
               <a:rPr lang="pl-PL" smtClean="0"/>
-              <a:t>12.01.2019</a:t>
+              <a:t>13.01.2019</a:t>
             </a:fld>
             <a:endParaRPr lang="pl-PL"/>
           </a:p>
@@ -1735,7 +1735,7 @@
           <a:p>
             <a:fld id="{BF5BBEC5-3F23-4366-AEEC-A4ED1C6FF854}" type="datetimeFigureOut">
               <a:rPr lang="pl-PL" smtClean="0"/>
-              <a:t>12.01.2019</a:t>
+              <a:t>13.01.2019</a:t>
             </a:fld>
             <a:endParaRPr lang="pl-PL"/>
           </a:p>
@@ -1830,7 +1830,7 @@
           <a:p>
             <a:fld id="{BF5BBEC5-3F23-4366-AEEC-A4ED1C6FF854}" type="datetimeFigureOut">
               <a:rPr lang="pl-PL" smtClean="0"/>
-              <a:t>12.01.2019</a:t>
+              <a:t>13.01.2019</a:t>
             </a:fld>
             <a:endParaRPr lang="pl-PL"/>
           </a:p>
@@ -2107,7 +2107,7 @@
           <a:p>
             <a:fld id="{BF5BBEC5-3F23-4366-AEEC-A4ED1C6FF854}" type="datetimeFigureOut">
               <a:rPr lang="pl-PL" smtClean="0"/>
-              <a:t>12.01.2019</a:t>
+              <a:t>13.01.2019</a:t>
             </a:fld>
             <a:endParaRPr lang="pl-PL"/>
           </a:p>
@@ -2360,7 +2360,7 @@
           <a:p>
             <a:fld id="{BF5BBEC5-3F23-4366-AEEC-A4ED1C6FF854}" type="datetimeFigureOut">
               <a:rPr lang="pl-PL" smtClean="0"/>
-              <a:t>12.01.2019</a:t>
+              <a:t>13.01.2019</a:t>
             </a:fld>
             <a:endParaRPr lang="pl-PL"/>
           </a:p>
@@ -2573,7 +2573,7 @@
           <a:p>
             <a:fld id="{BF5BBEC5-3F23-4366-AEEC-A4ED1C6FF854}" type="datetimeFigureOut">
               <a:rPr lang="pl-PL" smtClean="0"/>
-              <a:t>12.01.2019</a:t>
+              <a:t>13.01.2019</a:t>
             </a:fld>
             <a:endParaRPr lang="pl-PL"/>
           </a:p>
@@ -3325,7 +3325,7 @@
           <a:p>
             <a:r>
               <a:rPr lang="pl-PL" dirty="0" smtClean="0"/>
-              <a:t>Pytania?</a:t>
+              <a:t>Czy mają Państwo pytania?</a:t>
             </a:r>
             <a:endParaRPr lang="pl-PL" dirty="0"/>
           </a:p>
@@ -3527,25 +3527,65 @@
             </a:pPr>
             <a:r>
               <a:rPr lang="pl-PL" dirty="0" smtClean="0"/>
-              <a:t>	Wyobraźmy sobie taką sytuację. Potrzebujemy wyjechać do innego miasta bo na przykład mamy ważne spotkanie biznesowe lub po prostu jedziemy wypocząć. Rezerwujemy nocleg, wyjeżdżamy i … i nasze mieszkanie stoi nieużytkowane przez cały czas naszego wyjazdu. Jest to bardzo nieekonomiczne dla naszego portfela. </a:t>
-            </a:r>
-          </a:p>
-          <a:p>
-            <a:pPr marL="0" indent="0">
-              <a:buNone/>
-            </a:pPr>
+              <a:t>	</a:t>
+            </a:r>
+            <a:r>
+              <a:rPr lang="pl-PL" dirty="0"/>
+              <a:t>Projekt ma na celu stworzenie </a:t>
+            </a:r>
+            <a:r>
+              <a:rPr lang="pl-PL" dirty="0" smtClean="0"/>
+              <a:t>aplikacji - Elektronicznego </a:t>
+            </a:r>
+            <a:r>
+              <a:rPr lang="pl-PL" dirty="0"/>
+              <a:t>Systemu </a:t>
+            </a:r>
+            <a:r>
+              <a:rPr lang="pl-PL" dirty="0" smtClean="0"/>
+              <a:t>Rezerwacji Apartamentów. </a:t>
+            </a:r>
             <a:r>
               <a:rPr lang="pl-PL" dirty="0"/>
               <a:t>	</a:t>
             </a:r>
-            <a:r>
-              <a:rPr lang="pl-PL" dirty="0" smtClean="0"/>
-              <a:t>Po kilku długotrwałych nieobecnościach w mieszkaniu z powodów wyjazdów, narodził się pomysł. </a:t>
-            </a:r>
-            <a:r>
-              <a:rPr lang="pl-PL" dirty="0" smtClean="0"/>
-              <a:t>A gdyby tak istniała możliwość wynajęcia naszego mieszkania podczas naszej nieobecności? Moglibyśmy dużo zaoszczędzić. </a:t>
-            </a:r>
+            <a:endParaRPr lang="pl-PL" dirty="0" smtClean="0"/>
+          </a:p>
+          <a:p>
+            <a:pPr marL="0" indent="0">
+              <a:buNone/>
+            </a:pPr>
+            <a:r>
+              <a:rPr lang="pl-PL" dirty="0" smtClean="0"/>
+              <a:t>	System ma umożliwiać jego użytkownikom przeglądanie </a:t>
+            </a:r>
+            <a:r>
+              <a:rPr lang="pl-PL" dirty="0"/>
+              <a:t>i</a:t>
+            </a:r>
+            <a:r>
+              <a:rPr lang="pl-PL" dirty="0" smtClean="0"/>
+              <a:t> rezerwację ofert wynajmu mieszkań oraz wystawianie własnych ofert i zarządzanie nimi.</a:t>
+            </a:r>
+          </a:p>
+          <a:p>
+            <a:pPr marL="0" indent="0">
+              <a:buNone/>
+            </a:pPr>
+            <a:r>
+              <a:rPr lang="pl-PL" dirty="0" smtClean="0"/>
+              <a:t>	Dzięki prostej obsłudze, system ma skracać proces rezerwacji  ofert i dawać możliwość szybkiego tworzenia własnych ogłoszeń wszystkim użytkownikom według ich indywidualnych </a:t>
+            </a:r>
+            <a:r>
+              <a:rPr lang="pl-PL" dirty="0" smtClean="0"/>
+              <a:t>potrzeb, np. wynajmu prywatnych mieszkań na krótki okres.</a:t>
+            </a:r>
+            <a:endParaRPr lang="pl-PL" dirty="0"/>
+          </a:p>
+          <a:p>
+            <a:pPr marL="0" indent="0">
+              <a:buNone/>
+            </a:pPr>
             <a:endParaRPr lang="pl-PL" dirty="0"/>
           </a:p>
         </p:txBody>
@@ -3597,7 +3637,15 @@
           <a:p>
             <a:r>
               <a:rPr lang="pl-PL" dirty="0"/>
-              <a:t>Profil potencialnego klienta serwisu</a:t>
+              <a:t>Profil </a:t>
+            </a:r>
+            <a:r>
+              <a:rPr lang="pl-PL" dirty="0" smtClean="0"/>
+              <a:t>potencjalnego </a:t>
+            </a:r>
+            <a:r>
+              <a:rPr lang="pl-PL" dirty="0"/>
+              <a:t>klienta serwisu</a:t>
             </a:r>
           </a:p>
         </p:txBody>
@@ -3622,32 +3670,32 @@
             </a:pPr>
             <a:r>
               <a:rPr lang="pl-PL" dirty="0" smtClean="0"/>
-              <a:t>	Projekt </a:t>
-            </a:r>
-            <a:r>
-              <a:rPr lang="pl-PL" dirty="0" smtClean="0"/>
-              <a:t>kierowany </a:t>
-            </a:r>
-            <a:r>
-              <a:rPr lang="pl-PL" dirty="0" smtClean="0"/>
-              <a:t>jest zarówno dla </a:t>
-            </a:r>
-            <a:r>
-              <a:rPr lang="pl-PL" dirty="0" smtClean="0"/>
-              <a:t>przedsiębiorców </a:t>
-            </a:r>
-            <a:r>
-              <a:rPr lang="pl-PL" dirty="0" smtClean="0"/>
-              <a:t>jak i </a:t>
-            </a:r>
-            <a:r>
-              <a:rPr lang="pl-PL" dirty="0" smtClean="0"/>
-              <a:t>dla zwykłych </a:t>
-            </a:r>
-            <a:r>
-              <a:rPr lang="pl-PL" dirty="0" smtClean="0"/>
-              <a:t>ludzi, którzy chcą wynajmować i/lub udostępniać mieszkania na wynajem.</a:t>
-            </a:r>
+              <a:t>	</a:t>
+            </a:r>
+            <a:r>
+              <a:rPr lang="pl-PL" dirty="0"/>
+              <a:t>System dedykowany jest zarówno dla firm profesjonalnie zajmujących się wynajmem nieruchomości, jak i dla </a:t>
+            </a:r>
+            <a:r>
+              <a:rPr lang="pl-PL"/>
+              <a:t>indywidualnych </a:t>
+            </a:r>
+            <a:r>
+              <a:rPr lang="pl-PL" smtClean="0"/>
+              <a:t>użytkowników.</a:t>
+            </a:r>
+            <a:endParaRPr lang="pl-PL" dirty="0" smtClean="0"/>
+          </a:p>
+          <a:p>
+            <a:pPr marL="0" indent="0">
+              <a:buNone/>
+            </a:pPr>
+            <a:endParaRPr lang="pl-PL" dirty="0"/>
+          </a:p>
+          <a:p>
+            <a:pPr marL="0" indent="0">
+              <a:buNone/>
+            </a:pPr>
             <a:endParaRPr lang="pl-PL" dirty="0"/>
           </a:p>
         </p:txBody>
@@ -3844,8 +3892,12 @@
           <a:lstStyle/>
           <a:p>
             <a:r>
+              <a:rPr lang="pl-PL" dirty="0" smtClean="0"/>
+              <a:t>Architektura </a:t>
+            </a:r>
+            <a:r>
               <a:rPr lang="pl-PL" dirty="0"/>
-              <a:t>Architektóra i użyte technologie</a:t>
+              <a:t>i użyte technologie</a:t>
             </a:r>
           </a:p>
         </p:txBody>
@@ -3959,8 +4011,12 @@
           <a:lstStyle/>
           <a:p>
             <a:r>
+              <a:rPr lang="pl-PL" dirty="0" smtClean="0"/>
+              <a:t>Architektura </a:t>
+            </a:r>
+            <a:r>
               <a:rPr lang="pl-PL" dirty="0"/>
-              <a:t>Architektóra i użyte </a:t>
+              <a:t>i użyte </a:t>
             </a:r>
             <a:r>
               <a:rPr lang="pl-PL" dirty="0" smtClean="0"/>
@@ -4070,8 +4126,12 @@
           <a:lstStyle/>
           <a:p>
             <a:r>
+              <a:rPr lang="pl-PL" dirty="0" smtClean="0"/>
+              <a:t>Architektura </a:t>
+            </a:r>
+            <a:r>
               <a:rPr lang="pl-PL" dirty="0"/>
-              <a:t>Architektóra i użyte </a:t>
+              <a:t>i użyte </a:t>
             </a:r>
             <a:r>
               <a:rPr lang="pl-PL" dirty="0" smtClean="0"/>
@@ -4091,7 +4151,12 @@
             <p:ph idx="1"/>
           </p:nvPr>
         </p:nvSpPr>
-        <p:spPr/>
+        <p:spPr>
+          <a:xfrm>
+            <a:off x="838200" y="1825625"/>
+            <a:ext cx="10515600" cy="4494964"/>
+          </a:xfrm>
+        </p:spPr>
         <p:txBody>
           <a:bodyPr/>
           <a:lstStyle/>
@@ -4101,7 +4166,7 @@
             </a:pPr>
             <a:r>
               <a:rPr lang="pl-PL" dirty="0" smtClean="0"/>
-              <a:t>Plusy i minusy użytej architektóry:</a:t>
+              <a:t>Plusy i minusy użytej architektury:</a:t>
             </a:r>
           </a:p>
           <a:p>
@@ -4162,13 +4227,27 @@
             </a:r>
           </a:p>
           <a:p>
-            <a:pPr marL="0" indent="0">
-              <a:buNone/>
-            </a:pPr>
             <a:r>
               <a:rPr lang="pl-PL" dirty="0"/>
-              <a:t>?</a:t>
-            </a:r>
+              <a:t>u</a:t>
+            </a:r>
+            <a:r>
+              <a:rPr lang="pl-PL" dirty="0" smtClean="0"/>
+              <a:t>boga dokumentacja </a:t>
+            </a:r>
+            <a:r>
+              <a:rPr lang="pl-PL" dirty="0" err="1" smtClean="0"/>
+              <a:t>Symfony</a:t>
+            </a:r>
+            <a:r>
+              <a:rPr lang="pl-PL" dirty="0" smtClean="0"/>
+              <a:t> </a:t>
+            </a:r>
+            <a:r>
+              <a:rPr lang="pl-PL" dirty="0" err="1" smtClean="0"/>
+              <a:t>framework</a:t>
+            </a:r>
+            <a:endParaRPr lang="pl-PL" dirty="0"/>
           </a:p>
         </p:txBody>
       </p:sp>

--- a/accommodation_announcements_presentation.pptx
+++ b/accommodation_announcements_presentation.pptx
@@ -3574,11 +3574,7 @@
             </a:pPr>
             <a:r>
               <a:rPr lang="pl-PL" dirty="0" smtClean="0"/>
-              <a:t>	Dzięki prostej obsłudze, system ma skracać proces rezerwacji  ofert i dawać możliwość szybkiego tworzenia własnych ogłoszeń wszystkim użytkownikom według ich indywidualnych </a:t>
-            </a:r>
-            <a:r>
-              <a:rPr lang="pl-PL" dirty="0" smtClean="0"/>
-              <a:t>potrzeb, np. wynajmu prywatnych mieszkań na krótki okres.</a:t>
+              <a:t>	Dzięki prostej obsłudze, system ma skracać proces rezerwacji  ofert i dawać możliwość szybkiego tworzenia własnych ogłoszeń wszystkim użytkownikom według ich indywidualnych potrzeb, np. wynajmu prywatnych mieszkań na krótki okres.</a:t>
             </a:r>
             <a:endParaRPr lang="pl-PL" dirty="0"/>
           </a:p>
@@ -4328,11 +4324,31 @@
             </a:pPr>
             <a:r>
               <a:rPr lang="pl-PL" dirty="0" smtClean="0"/>
-              <a:t>Architektura systemu pozwala na łatwe dodawanie nowych modułów. Przyszłości </a:t>
+              <a:t>System jest skalowalny. Architektura </a:t>
+            </a:r>
+            <a:r>
+              <a:rPr lang="pl-PL" dirty="0" smtClean="0"/>
+              <a:t>systemu pozwala na łatwe dodawanie nowych modułów. </a:t>
+            </a:r>
+            <a:r>
+              <a:rPr lang="pl-PL" dirty="0" smtClean="0"/>
+              <a:t>W przyszłości </a:t>
+            </a:r>
+            <a:r>
+              <a:rPr lang="pl-PL"/>
+              <a:t>można </a:t>
+            </a:r>
+            <a:r>
+              <a:rPr lang="pl-PL" smtClean="0"/>
+              <a:t>za</a:t>
+            </a:r>
+            <a:r>
+              <a:rPr lang="pl-PL" smtClean="0"/>
+              <a:t>implementować</a:t>
             </a:r>
             <a:r>
               <a:rPr lang="pl-PL" dirty="0"/>
-              <a:t>można do implementować:</a:t>
+              <a:t>:</a:t>
             </a:r>
             <a:endParaRPr lang="pl-PL" dirty="0" smtClean="0"/>
           </a:p>

--- a/accommodation_announcements_presentation.pptx
+++ b/accommodation_announcements_presentation.pptx
@@ -3415,7 +3415,15 @@
             </a:pPr>
             <a:r>
               <a:rPr lang="pl-PL" dirty="0" smtClean="0"/>
-              <a:t>Profil potencialnego klienta serwisu</a:t>
+              <a:t>Profil </a:t>
+            </a:r>
+            <a:r>
+              <a:rPr lang="pl-PL" dirty="0" smtClean="0"/>
+              <a:t>potencjalnego </a:t>
+            </a:r>
+            <a:r>
+              <a:rPr lang="pl-PL" dirty="0" smtClean="0"/>
+              <a:t>klienta serwisu</a:t>
             </a:r>
           </a:p>
           <a:p>
@@ -3434,8 +3442,12 @@
               <a:buAutoNum type="arabicPeriod"/>
             </a:pPr>
             <a:r>
-              <a:rPr lang="pl-PL" dirty="0" smtClean="0"/>
-              <a:t>Architektóra i użyte technologie</a:t>
+              <a:rPr lang="pl-PL" smtClean="0"/>
+              <a:t>Architektura </a:t>
+            </a:r>
+            <a:r>
+              <a:rPr lang="pl-PL" dirty="0" smtClean="0"/>
+              <a:t>i użyte technologie</a:t>
             </a:r>
           </a:p>
           <a:p>
@@ -4324,15 +4336,7 @@
             </a:pPr>
             <a:r>
               <a:rPr lang="pl-PL" dirty="0" smtClean="0"/>
-              <a:t>System jest skalowalny. Architektura </a:t>
-            </a:r>
-            <a:r>
-              <a:rPr lang="pl-PL" dirty="0" smtClean="0"/>
-              <a:t>systemu pozwala na łatwe dodawanie nowych modułów. </a:t>
-            </a:r>
-            <a:r>
-              <a:rPr lang="pl-PL" dirty="0" smtClean="0"/>
-              <a:t>W przyszłości </a:t>
+              <a:t>System jest skalowalny. Architektura systemu pozwala na łatwe dodawanie nowych modułów. W przyszłości </a:t>
             </a:r>
             <a:r>
               <a:rPr lang="pl-PL"/>
@@ -4340,11 +4344,7 @@
             </a:r>
             <a:r>
               <a:rPr lang="pl-PL" smtClean="0"/>
-              <a:t>za</a:t>
-            </a:r>
-            <a:r>
-              <a:rPr lang="pl-PL" smtClean="0"/>
-              <a:t>implementować</a:t>
+              <a:t>zaimplementować</a:t>
             </a:r>
             <a:r>
               <a:rPr lang="pl-PL" dirty="0"/>

--- a/accommodation_announcements_presentation.pptx
+++ b/accommodation_announcements_presentation.pptx
@@ -2,7 +2,7 @@
 <file path=ppt/presentation.xml><?xml version="1.0" encoding="utf-8"?>
 <p:presentation xmlns:a="http://schemas.openxmlformats.org/drawingml/2006/main" xmlns:r="http://schemas.openxmlformats.org/officeDocument/2006/relationships" xmlns:p="http://schemas.openxmlformats.org/presentationml/2006/main" saveSubsetFonts="1">
   <p:sldMasterIdLst>
-    <p:sldMasterId id="2147483648" r:id="rId1"/>
+    <p:sldMasterId id="2147483792" r:id="rId1"/>
   </p:sldMasterIdLst>
   <p:sldIdLst>
     <p:sldId id="256" r:id="rId2"/>
@@ -10,20 +10,39 @@
     <p:sldId id="258" r:id="rId4"/>
     <p:sldId id="259" r:id="rId5"/>
     <p:sldId id="260" r:id="rId6"/>
-    <p:sldId id="261" r:id="rId7"/>
-    <p:sldId id="265" r:id="rId8"/>
-    <p:sldId id="264" r:id="rId9"/>
-    <p:sldId id="262" r:id="rId10"/>
-    <p:sldId id="263" r:id="rId11"/>
+    <p:sldId id="266" r:id="rId7"/>
+    <p:sldId id="267" r:id="rId8"/>
+    <p:sldId id="268" r:id="rId9"/>
+    <p:sldId id="269" r:id="rId10"/>
+    <p:sldId id="270" r:id="rId11"/>
+    <p:sldId id="271" r:id="rId12"/>
+    <p:sldId id="272" r:id="rId13"/>
+    <p:sldId id="273" r:id="rId14"/>
+    <p:sldId id="274" r:id="rId15"/>
+    <p:sldId id="275" r:id="rId16"/>
+    <p:sldId id="276" r:id="rId17"/>
+    <p:sldId id="277" r:id="rId18"/>
+    <p:sldId id="278" r:id="rId19"/>
+    <p:sldId id="279" r:id="rId20"/>
+    <p:sldId id="280" r:id="rId21"/>
+    <p:sldId id="281" r:id="rId22"/>
+    <p:sldId id="282" r:id="rId23"/>
+    <p:sldId id="283" r:id="rId24"/>
+    <p:sldId id="284" r:id="rId25"/>
+    <p:sldId id="261" r:id="rId26"/>
+    <p:sldId id="265" r:id="rId27"/>
+    <p:sldId id="264" r:id="rId28"/>
+    <p:sldId id="262" r:id="rId29"/>
+    <p:sldId id="263" r:id="rId30"/>
   </p:sldIdLst>
-  <p:sldSz cx="12192000" cy="6858000"/>
+  <p:sldSz cx="9144000" cy="5143500" type="screen16x9"/>
   <p:notesSz cx="6858000" cy="9144000"/>
   <p:defaultTextStyle>
     <a:defPPr>
       <a:defRPr lang="pl-PL"/>
     </a:defPPr>
-    <a:lvl1pPr marL="0" algn="l" defTabSz="914400" rtl="0" eaLnBrk="1" latinLnBrk="0" hangingPunct="1">
-      <a:defRPr sz="1800" kern="1200">
+    <a:lvl1pPr marL="0" algn="l" defTabSz="685800" rtl="0" eaLnBrk="1" latinLnBrk="0" hangingPunct="1">
+      <a:defRPr sz="1400" kern="1200">
         <a:solidFill>
           <a:schemeClr val="tx1"/>
         </a:solidFill>
@@ -32,8 +51,8 @@
         <a:cs typeface="+mn-cs"/>
       </a:defRPr>
     </a:lvl1pPr>
-    <a:lvl2pPr marL="457200" algn="l" defTabSz="914400" rtl="0" eaLnBrk="1" latinLnBrk="0" hangingPunct="1">
-      <a:defRPr sz="1800" kern="1200">
+    <a:lvl2pPr marL="342900" algn="l" defTabSz="685800" rtl="0" eaLnBrk="1" latinLnBrk="0" hangingPunct="1">
+      <a:defRPr sz="1400" kern="1200">
         <a:solidFill>
           <a:schemeClr val="tx1"/>
         </a:solidFill>
@@ -42,8 +61,8 @@
         <a:cs typeface="+mn-cs"/>
       </a:defRPr>
     </a:lvl2pPr>
-    <a:lvl3pPr marL="914400" algn="l" defTabSz="914400" rtl="0" eaLnBrk="1" latinLnBrk="0" hangingPunct="1">
-      <a:defRPr sz="1800" kern="1200">
+    <a:lvl3pPr marL="685800" algn="l" defTabSz="685800" rtl="0" eaLnBrk="1" latinLnBrk="0" hangingPunct="1">
+      <a:defRPr sz="1400" kern="1200">
         <a:solidFill>
           <a:schemeClr val="tx1"/>
         </a:solidFill>
@@ -52,8 +71,8 @@
         <a:cs typeface="+mn-cs"/>
       </a:defRPr>
     </a:lvl3pPr>
-    <a:lvl4pPr marL="1371600" algn="l" defTabSz="914400" rtl="0" eaLnBrk="1" latinLnBrk="0" hangingPunct="1">
-      <a:defRPr sz="1800" kern="1200">
+    <a:lvl4pPr marL="1028700" algn="l" defTabSz="685800" rtl="0" eaLnBrk="1" latinLnBrk="0" hangingPunct="1">
+      <a:defRPr sz="1400" kern="1200">
         <a:solidFill>
           <a:schemeClr val="tx1"/>
         </a:solidFill>
@@ -62,8 +81,8 @@
         <a:cs typeface="+mn-cs"/>
       </a:defRPr>
     </a:lvl4pPr>
-    <a:lvl5pPr marL="1828800" algn="l" defTabSz="914400" rtl="0" eaLnBrk="1" latinLnBrk="0" hangingPunct="1">
-      <a:defRPr sz="1800" kern="1200">
+    <a:lvl5pPr marL="1371600" algn="l" defTabSz="685800" rtl="0" eaLnBrk="1" latinLnBrk="0" hangingPunct="1">
+      <a:defRPr sz="1400" kern="1200">
         <a:solidFill>
           <a:schemeClr val="tx1"/>
         </a:solidFill>
@@ -72,8 +91,8 @@
         <a:cs typeface="+mn-cs"/>
       </a:defRPr>
     </a:lvl5pPr>
-    <a:lvl6pPr marL="2286000" algn="l" defTabSz="914400" rtl="0" eaLnBrk="1" latinLnBrk="0" hangingPunct="1">
-      <a:defRPr sz="1800" kern="1200">
+    <a:lvl6pPr marL="1714500" algn="l" defTabSz="685800" rtl="0" eaLnBrk="1" latinLnBrk="0" hangingPunct="1">
+      <a:defRPr sz="1400" kern="1200">
         <a:solidFill>
           <a:schemeClr val="tx1"/>
         </a:solidFill>
@@ -82,8 +101,8 @@
         <a:cs typeface="+mn-cs"/>
       </a:defRPr>
     </a:lvl6pPr>
-    <a:lvl7pPr marL="2743200" algn="l" defTabSz="914400" rtl="0" eaLnBrk="1" latinLnBrk="0" hangingPunct="1">
-      <a:defRPr sz="1800" kern="1200">
+    <a:lvl7pPr marL="2057400" algn="l" defTabSz="685800" rtl="0" eaLnBrk="1" latinLnBrk="0" hangingPunct="1">
+      <a:defRPr sz="1400" kern="1200">
         <a:solidFill>
           <a:schemeClr val="tx1"/>
         </a:solidFill>
@@ -92,8 +111,8 @@
         <a:cs typeface="+mn-cs"/>
       </a:defRPr>
     </a:lvl7pPr>
-    <a:lvl8pPr marL="3200400" algn="l" defTabSz="914400" rtl="0" eaLnBrk="1" latinLnBrk="0" hangingPunct="1">
-      <a:defRPr sz="1800" kern="1200">
+    <a:lvl8pPr marL="2400300" algn="l" defTabSz="685800" rtl="0" eaLnBrk="1" latinLnBrk="0" hangingPunct="1">
+      <a:defRPr sz="1400" kern="1200">
         <a:solidFill>
           <a:schemeClr val="tx1"/>
         </a:solidFill>
@@ -102,8 +121,8 @@
         <a:cs typeface="+mn-cs"/>
       </a:defRPr>
     </a:lvl8pPr>
-    <a:lvl9pPr marL="3657600" algn="l" defTabSz="914400" rtl="0" eaLnBrk="1" latinLnBrk="0" hangingPunct="1">
-      <a:defRPr sz="1800" kern="1200">
+    <a:lvl9pPr marL="2743200" algn="l" defTabSz="685800" rtl="0" eaLnBrk="1" latinLnBrk="0" hangingPunct="1">
+      <a:defRPr sz="1400" kern="1200">
         <a:solidFill>
           <a:schemeClr val="tx1"/>
         </a:solidFill>
@@ -115,7 +134,7 @@
   </p:defaultTextStyle>
   <p:extLst>
     <p:ext uri="{EFAFB233-063F-42B5-8137-9DF3F51BA10A}">
-      <p15:sldGuideLst xmlns:p15="http://schemas.microsoft.com/office/powerpoint/2012/main"/>
+      <p15:sldGuideLst xmlns="" xmlns:p15="http://schemas.microsoft.com/office/powerpoint/2012/main"/>
     </p:ext>
   </p:extLst>
 </p:presentation>
@@ -123,7 +142,7 @@
 
 <file path=ppt/slideLayouts/slideLayout1.xml><?xml version="1.0" encoding="utf-8"?>
 <p:sldLayout xmlns:a="http://schemas.openxmlformats.org/drawingml/2006/main" xmlns:r="http://schemas.openxmlformats.org/officeDocument/2006/relationships" xmlns:p="http://schemas.openxmlformats.org/presentationml/2006/main" type="title" preserve="1">
-  <p:cSld name="Title Slide">
+  <p:cSld name="Slajd tytułowy">
     <p:spTree>
       <p:nvGrpSpPr>
         <p:cNvPr id="1" name=""/>
@@ -140,7 +159,7 @@
       </p:grpSpPr>
       <p:sp>
         <p:nvSpPr>
-          <p:cNvPr id="2" name="Title 1"/>
+          <p:cNvPr id="2" name="Tytuł 1"/>
           <p:cNvSpPr>
             <a:spLocks noGrp="1"/>
           </p:cNvSpPr>
@@ -150,21 +169,17 @@
         </p:nvSpPr>
         <p:spPr>
           <a:xfrm>
-            <a:off x="1524000" y="1122363"/>
-            <a:ext cx="9144000" cy="2387600"/>
-          </a:xfrm>
-        </p:spPr>
-        <p:txBody>
-          <a:bodyPr anchor="b"/>
-          <a:lstStyle>
-            <a:lvl1pPr algn="ctr">
-              <a:defRPr sz="6000"/>
-            </a:lvl1pPr>
-          </a:lstStyle>
-          <a:p>
-            <a:r>
-              <a:rPr lang="en-US" smtClean="0"/>
-              <a:t>Click to edit Master title style</a:t>
+            <a:off x="685800" y="1597827"/>
+            <a:ext cx="7772400" cy="1102519"/>
+          </a:xfrm>
+        </p:spPr>
+        <p:txBody>
+          <a:bodyPr/>
+          <a:lstStyle/>
+          <a:p>
+            <a:r>
+              <a:rPr lang="pl-PL" smtClean="0"/>
+              <a:t>Kliknij, aby edytować styl</a:t>
             </a:r>
             <a:endParaRPr lang="pl-PL"/>
           </a:p>
@@ -172,7 +187,7 @@
       </p:sp>
       <p:sp>
         <p:nvSpPr>
-          <p:cNvPr id="3" name="Subtitle 2"/>
+          <p:cNvPr id="3" name="Podtytuł 2"/>
           <p:cNvSpPr>
             <a:spLocks noGrp="1"/>
           </p:cNvSpPr>
@@ -182,8 +197,8 @@
         </p:nvSpPr>
         <p:spPr>
           <a:xfrm>
-            <a:off x="1524000" y="3602038"/>
-            <a:ext cx="9144000" cy="1655762"/>
+            <a:off x="1371600" y="2914650"/>
+            <a:ext cx="6400800" cy="1314450"/>
           </a:xfrm>
         </p:spPr>
         <p:txBody>
@@ -191,45 +206,99 @@
           <a:lstStyle>
             <a:lvl1pPr marL="0" indent="0" algn="ctr">
               <a:buNone/>
-              <a:defRPr sz="2400"/>
+              <a:defRPr>
+                <a:solidFill>
+                  <a:schemeClr val="tx1">
+                    <a:tint val="75000"/>
+                  </a:schemeClr>
+                </a:solidFill>
+              </a:defRPr>
             </a:lvl1pPr>
-            <a:lvl2pPr marL="457200" indent="0" algn="ctr">
-              <a:buNone/>
-              <a:defRPr sz="2000"/>
+            <a:lvl2pPr marL="342900" indent="0" algn="ctr">
+              <a:buNone/>
+              <a:defRPr>
+                <a:solidFill>
+                  <a:schemeClr val="tx1">
+                    <a:tint val="75000"/>
+                  </a:schemeClr>
+                </a:solidFill>
+              </a:defRPr>
             </a:lvl2pPr>
-            <a:lvl3pPr marL="914400" indent="0" algn="ctr">
-              <a:buNone/>
-              <a:defRPr sz="1800"/>
+            <a:lvl3pPr marL="685800" indent="0" algn="ctr">
+              <a:buNone/>
+              <a:defRPr>
+                <a:solidFill>
+                  <a:schemeClr val="tx1">
+                    <a:tint val="75000"/>
+                  </a:schemeClr>
+                </a:solidFill>
+              </a:defRPr>
             </a:lvl3pPr>
-            <a:lvl4pPr marL="1371600" indent="0" algn="ctr">
-              <a:buNone/>
-              <a:defRPr sz="1600"/>
+            <a:lvl4pPr marL="1028700" indent="0" algn="ctr">
+              <a:buNone/>
+              <a:defRPr>
+                <a:solidFill>
+                  <a:schemeClr val="tx1">
+                    <a:tint val="75000"/>
+                  </a:schemeClr>
+                </a:solidFill>
+              </a:defRPr>
             </a:lvl4pPr>
-            <a:lvl5pPr marL="1828800" indent="0" algn="ctr">
-              <a:buNone/>
-              <a:defRPr sz="1600"/>
+            <a:lvl5pPr marL="1371600" indent="0" algn="ctr">
+              <a:buNone/>
+              <a:defRPr>
+                <a:solidFill>
+                  <a:schemeClr val="tx1">
+                    <a:tint val="75000"/>
+                  </a:schemeClr>
+                </a:solidFill>
+              </a:defRPr>
             </a:lvl5pPr>
-            <a:lvl6pPr marL="2286000" indent="0" algn="ctr">
-              <a:buNone/>
-              <a:defRPr sz="1600"/>
+            <a:lvl6pPr marL="1714500" indent="0" algn="ctr">
+              <a:buNone/>
+              <a:defRPr>
+                <a:solidFill>
+                  <a:schemeClr val="tx1">
+                    <a:tint val="75000"/>
+                  </a:schemeClr>
+                </a:solidFill>
+              </a:defRPr>
             </a:lvl6pPr>
-            <a:lvl7pPr marL="2743200" indent="0" algn="ctr">
-              <a:buNone/>
-              <a:defRPr sz="1600"/>
+            <a:lvl7pPr marL="2057400" indent="0" algn="ctr">
+              <a:buNone/>
+              <a:defRPr>
+                <a:solidFill>
+                  <a:schemeClr val="tx1">
+                    <a:tint val="75000"/>
+                  </a:schemeClr>
+                </a:solidFill>
+              </a:defRPr>
             </a:lvl7pPr>
-            <a:lvl8pPr marL="3200400" indent="0" algn="ctr">
-              <a:buNone/>
-              <a:defRPr sz="1600"/>
+            <a:lvl8pPr marL="2400300" indent="0" algn="ctr">
+              <a:buNone/>
+              <a:defRPr>
+                <a:solidFill>
+                  <a:schemeClr val="tx1">
+                    <a:tint val="75000"/>
+                  </a:schemeClr>
+                </a:solidFill>
+              </a:defRPr>
             </a:lvl8pPr>
-            <a:lvl9pPr marL="3657600" indent="0" algn="ctr">
-              <a:buNone/>
-              <a:defRPr sz="1600"/>
+            <a:lvl9pPr marL="2743200" indent="0" algn="ctr">
+              <a:buNone/>
+              <a:defRPr>
+                <a:solidFill>
+                  <a:schemeClr val="tx1">
+                    <a:tint val="75000"/>
+                  </a:schemeClr>
+                </a:solidFill>
+              </a:defRPr>
             </a:lvl9pPr>
           </a:lstStyle>
           <a:p>
             <a:r>
-              <a:rPr lang="en-US" smtClean="0"/>
-              <a:t>Click to edit Master subtitle style</a:t>
+              <a:rPr lang="pl-PL" smtClean="0"/>
+              <a:t>Kliknij, aby edytować styl wzorca podtytułu</a:t>
             </a:r>
             <a:endParaRPr lang="pl-PL"/>
           </a:p>
@@ -237,7 +306,7 @@
       </p:sp>
       <p:sp>
         <p:nvSpPr>
-          <p:cNvPr id="4" name="Date Placeholder 3"/>
+          <p:cNvPr id="4" name="Symbol zastępczy daty 3"/>
           <p:cNvSpPr>
             <a:spLocks noGrp="1"/>
           </p:cNvSpPr>
@@ -252,6 +321,7 @@
           <a:p>
             <a:fld id="{BF5BBEC5-3F23-4366-AEEC-A4ED1C6FF854}" type="datetimeFigureOut">
               <a:rPr lang="pl-PL" smtClean="0"/>
+              <a:pPr/>
               <a:t>13.01.2019</a:t>
             </a:fld>
             <a:endParaRPr lang="pl-PL"/>
@@ -260,7 +330,7 @@
       </p:sp>
       <p:sp>
         <p:nvSpPr>
-          <p:cNvPr id="5" name="Footer Placeholder 4"/>
+          <p:cNvPr id="5" name="Symbol zastępczy stopki 4"/>
           <p:cNvSpPr>
             <a:spLocks noGrp="1"/>
           </p:cNvSpPr>
@@ -279,7 +349,7 @@
       </p:sp>
       <p:sp>
         <p:nvSpPr>
-          <p:cNvPr id="6" name="Slide Number Placeholder 5"/>
+          <p:cNvPr id="6" name="Symbol zastępczy numeru slajdu 5"/>
           <p:cNvSpPr>
             <a:spLocks noGrp="1"/>
           </p:cNvSpPr>
@@ -294,6 +364,7 @@
           <a:p>
             <a:fld id="{42F02534-CA65-4B69-9FF2-68384C4CE33C}" type="slidenum">
               <a:rPr lang="pl-PL" smtClean="0"/>
+              <a:pPr/>
               <a:t>‹#›</a:t>
             </a:fld>
             <a:endParaRPr lang="pl-PL"/>
@@ -301,11 +372,6 @@
         </p:txBody>
       </p:sp>
     </p:spTree>
-    <p:extLst>
-      <p:ext uri="{BB962C8B-B14F-4D97-AF65-F5344CB8AC3E}">
-        <p14:creationId xmlns:p14="http://schemas.microsoft.com/office/powerpoint/2010/main" val="3254691635"/>
-      </p:ext>
-    </p:extLst>
   </p:cSld>
   <p:clrMapOvr>
     <a:masterClrMapping/>
@@ -315,7 +381,7 @@
 
 <file path=ppt/slideLayouts/slideLayout10.xml><?xml version="1.0" encoding="utf-8"?>
 <p:sldLayout xmlns:a="http://schemas.openxmlformats.org/drawingml/2006/main" xmlns:r="http://schemas.openxmlformats.org/officeDocument/2006/relationships" xmlns:p="http://schemas.openxmlformats.org/presentationml/2006/main" type="vertTx" preserve="1">
-  <p:cSld name="Title and Vertical Text">
+  <p:cSld name="Tytuł i tekst pionowy">
     <p:spTree>
       <p:nvGrpSpPr>
         <p:cNvPr id="1" name=""/>
@@ -332,7 +398,7 @@
       </p:grpSpPr>
       <p:sp>
         <p:nvSpPr>
-          <p:cNvPr id="2" name="Title 1"/>
+          <p:cNvPr id="2" name="Tytuł 1"/>
           <p:cNvSpPr>
             <a:spLocks noGrp="1"/>
           </p:cNvSpPr>
@@ -346,8 +412,8 @@
           <a:lstStyle/>
           <a:p>
             <a:r>
-              <a:rPr lang="en-US" smtClean="0"/>
-              <a:t>Click to edit Master title style</a:t>
+              <a:rPr lang="pl-PL" smtClean="0"/>
+              <a:t>Kliknij, aby edytować styl</a:t>
             </a:r>
             <a:endParaRPr lang="pl-PL"/>
           </a:p>
@@ -355,7 +421,7 @@
       </p:sp>
       <p:sp>
         <p:nvSpPr>
-          <p:cNvPr id="3" name="Vertical Text Placeholder 2"/>
+          <p:cNvPr id="3" name="Symbol zastępczy tytułu pionowego 2"/>
           <p:cNvSpPr>
             <a:spLocks noGrp="1"/>
           </p:cNvSpPr>
@@ -370,36 +436,36 @@
           <a:p>
             <a:pPr lvl="0"/>
             <a:r>
-              <a:rPr lang="en-US" smtClean="0"/>
-              <a:t>Click to edit Master text styles</a:t>
+              <a:rPr lang="pl-PL" smtClean="0"/>
+              <a:t>Kliknij, aby edytować style wzorca tekstu</a:t>
             </a:r>
           </a:p>
           <a:p>
             <a:pPr lvl="1"/>
             <a:r>
-              <a:rPr lang="en-US" smtClean="0"/>
-              <a:t>Second level</a:t>
+              <a:rPr lang="pl-PL" smtClean="0"/>
+              <a:t>Drugi poziom</a:t>
             </a:r>
           </a:p>
           <a:p>
             <a:pPr lvl="2"/>
             <a:r>
-              <a:rPr lang="en-US" smtClean="0"/>
-              <a:t>Third level</a:t>
+              <a:rPr lang="pl-PL" smtClean="0"/>
+              <a:t>Trzeci poziom</a:t>
             </a:r>
           </a:p>
           <a:p>
             <a:pPr lvl="3"/>
             <a:r>
-              <a:rPr lang="en-US" smtClean="0"/>
-              <a:t>Fourth level</a:t>
+              <a:rPr lang="pl-PL" smtClean="0"/>
+              <a:t>Czwarty poziom</a:t>
             </a:r>
           </a:p>
           <a:p>
             <a:pPr lvl="4"/>
             <a:r>
-              <a:rPr lang="en-US" smtClean="0"/>
-              <a:t>Fifth level</a:t>
+              <a:rPr lang="pl-PL" smtClean="0"/>
+              <a:t>Piąty poziom</a:t>
             </a:r>
             <a:endParaRPr lang="pl-PL"/>
           </a:p>
@@ -407,7 +473,7 @@
       </p:sp>
       <p:sp>
         <p:nvSpPr>
-          <p:cNvPr id="4" name="Date Placeholder 3"/>
+          <p:cNvPr id="4" name="Symbol zastępczy daty 3"/>
           <p:cNvSpPr>
             <a:spLocks noGrp="1"/>
           </p:cNvSpPr>
@@ -422,6 +488,7 @@
           <a:p>
             <a:fld id="{BF5BBEC5-3F23-4366-AEEC-A4ED1C6FF854}" type="datetimeFigureOut">
               <a:rPr lang="pl-PL" smtClean="0"/>
+              <a:pPr/>
               <a:t>13.01.2019</a:t>
             </a:fld>
             <a:endParaRPr lang="pl-PL"/>
@@ -430,7 +497,7 @@
       </p:sp>
       <p:sp>
         <p:nvSpPr>
-          <p:cNvPr id="5" name="Footer Placeholder 4"/>
+          <p:cNvPr id="5" name="Symbol zastępczy stopki 4"/>
           <p:cNvSpPr>
             <a:spLocks noGrp="1"/>
           </p:cNvSpPr>
@@ -449,7 +516,7 @@
       </p:sp>
       <p:sp>
         <p:nvSpPr>
-          <p:cNvPr id="6" name="Slide Number Placeholder 5"/>
+          <p:cNvPr id="6" name="Symbol zastępczy numeru slajdu 5"/>
           <p:cNvSpPr>
             <a:spLocks noGrp="1"/>
           </p:cNvSpPr>
@@ -464,6 +531,7 @@
           <a:p>
             <a:fld id="{42F02534-CA65-4B69-9FF2-68384C4CE33C}" type="slidenum">
               <a:rPr lang="pl-PL" smtClean="0"/>
+              <a:pPr/>
               <a:t>‹#›</a:t>
             </a:fld>
             <a:endParaRPr lang="pl-PL"/>
@@ -471,11 +539,6 @@
         </p:txBody>
       </p:sp>
     </p:spTree>
-    <p:extLst>
-      <p:ext uri="{BB962C8B-B14F-4D97-AF65-F5344CB8AC3E}">
-        <p14:creationId xmlns:p14="http://schemas.microsoft.com/office/powerpoint/2010/main" val="2356142570"/>
-      </p:ext>
-    </p:extLst>
   </p:cSld>
   <p:clrMapOvr>
     <a:masterClrMapping/>
@@ -485,7 +548,7 @@
 
 <file path=ppt/slideLayouts/slideLayout11.xml><?xml version="1.0" encoding="utf-8"?>
 <p:sldLayout xmlns:a="http://schemas.openxmlformats.org/drawingml/2006/main" xmlns:r="http://schemas.openxmlformats.org/officeDocument/2006/relationships" xmlns:p="http://schemas.openxmlformats.org/presentationml/2006/main" type="vertTitleAndTx" preserve="1">
-  <p:cSld name="Vertical Title and Text">
+  <p:cSld name="Tytuł pionowy i tekst">
     <p:spTree>
       <p:nvGrpSpPr>
         <p:cNvPr id="1" name=""/>
@@ -502,7 +565,7 @@
       </p:grpSpPr>
       <p:sp>
         <p:nvSpPr>
-          <p:cNvPr id="2" name="Vertical Title 1"/>
+          <p:cNvPr id="2" name="Tytuł pionowy 1"/>
           <p:cNvSpPr>
             <a:spLocks noGrp="1"/>
           </p:cNvSpPr>
@@ -512,8 +575,8 @@
         </p:nvSpPr>
         <p:spPr>
           <a:xfrm>
-            <a:off x="8724900" y="365125"/>
-            <a:ext cx="2628900" cy="5811838"/>
+            <a:off x="8839200" y="205987"/>
+            <a:ext cx="2743200" cy="4388644"/>
           </a:xfrm>
         </p:spPr>
         <p:txBody>
@@ -521,8 +584,8 @@
           <a:lstStyle/>
           <a:p>
             <a:r>
-              <a:rPr lang="en-US" smtClean="0"/>
-              <a:t>Click to edit Master title style</a:t>
+              <a:rPr lang="pl-PL" smtClean="0"/>
+              <a:t>Kliknij, aby edytować styl</a:t>
             </a:r>
             <a:endParaRPr lang="pl-PL"/>
           </a:p>
@@ -530,7 +593,7 @@
       </p:sp>
       <p:sp>
         <p:nvSpPr>
-          <p:cNvPr id="3" name="Vertical Text Placeholder 2"/>
+          <p:cNvPr id="3" name="Symbol zastępczy tytułu pionowego 2"/>
           <p:cNvSpPr>
             <a:spLocks noGrp="1"/>
           </p:cNvSpPr>
@@ -540,8 +603,8 @@
         </p:nvSpPr>
         <p:spPr>
           <a:xfrm>
-            <a:off x="838200" y="365125"/>
-            <a:ext cx="7734300" cy="5811838"/>
+            <a:off x="609600" y="205987"/>
+            <a:ext cx="8077200" cy="4388644"/>
           </a:xfrm>
         </p:spPr>
         <p:txBody>
@@ -550,36 +613,36 @@
           <a:p>
             <a:pPr lvl="0"/>
             <a:r>
-              <a:rPr lang="en-US" smtClean="0"/>
-              <a:t>Click to edit Master text styles</a:t>
+              <a:rPr lang="pl-PL" smtClean="0"/>
+              <a:t>Kliknij, aby edytować style wzorca tekstu</a:t>
             </a:r>
           </a:p>
           <a:p>
             <a:pPr lvl="1"/>
             <a:r>
-              <a:rPr lang="en-US" smtClean="0"/>
-              <a:t>Second level</a:t>
+              <a:rPr lang="pl-PL" smtClean="0"/>
+              <a:t>Drugi poziom</a:t>
             </a:r>
           </a:p>
           <a:p>
             <a:pPr lvl="2"/>
             <a:r>
-              <a:rPr lang="en-US" smtClean="0"/>
-              <a:t>Third level</a:t>
+              <a:rPr lang="pl-PL" smtClean="0"/>
+              <a:t>Trzeci poziom</a:t>
             </a:r>
           </a:p>
           <a:p>
             <a:pPr lvl="3"/>
             <a:r>
-              <a:rPr lang="en-US" smtClean="0"/>
-              <a:t>Fourth level</a:t>
+              <a:rPr lang="pl-PL" smtClean="0"/>
+              <a:t>Czwarty poziom</a:t>
             </a:r>
           </a:p>
           <a:p>
             <a:pPr lvl="4"/>
             <a:r>
-              <a:rPr lang="en-US" smtClean="0"/>
-              <a:t>Fifth level</a:t>
+              <a:rPr lang="pl-PL" smtClean="0"/>
+              <a:t>Piąty poziom</a:t>
             </a:r>
             <a:endParaRPr lang="pl-PL"/>
           </a:p>
@@ -587,7 +650,7 @@
       </p:sp>
       <p:sp>
         <p:nvSpPr>
-          <p:cNvPr id="4" name="Date Placeholder 3"/>
+          <p:cNvPr id="4" name="Symbol zastępczy daty 3"/>
           <p:cNvSpPr>
             <a:spLocks noGrp="1"/>
           </p:cNvSpPr>
@@ -602,6 +665,7 @@
           <a:p>
             <a:fld id="{BF5BBEC5-3F23-4366-AEEC-A4ED1C6FF854}" type="datetimeFigureOut">
               <a:rPr lang="pl-PL" smtClean="0"/>
+              <a:pPr/>
               <a:t>13.01.2019</a:t>
             </a:fld>
             <a:endParaRPr lang="pl-PL"/>
@@ -610,7 +674,7 @@
       </p:sp>
       <p:sp>
         <p:nvSpPr>
-          <p:cNvPr id="5" name="Footer Placeholder 4"/>
+          <p:cNvPr id="5" name="Symbol zastępczy stopki 4"/>
           <p:cNvSpPr>
             <a:spLocks noGrp="1"/>
           </p:cNvSpPr>
@@ -629,7 +693,7 @@
       </p:sp>
       <p:sp>
         <p:nvSpPr>
-          <p:cNvPr id="6" name="Slide Number Placeholder 5"/>
+          <p:cNvPr id="6" name="Symbol zastępczy numeru slajdu 5"/>
           <p:cNvSpPr>
             <a:spLocks noGrp="1"/>
           </p:cNvSpPr>
@@ -644,6 +708,7 @@
           <a:p>
             <a:fld id="{42F02534-CA65-4B69-9FF2-68384C4CE33C}" type="slidenum">
               <a:rPr lang="pl-PL" smtClean="0"/>
+              <a:pPr/>
               <a:t>‹#›</a:t>
             </a:fld>
             <a:endParaRPr lang="pl-PL"/>
@@ -651,11 +716,6 @@
         </p:txBody>
       </p:sp>
     </p:spTree>
-    <p:extLst>
-      <p:ext uri="{BB962C8B-B14F-4D97-AF65-F5344CB8AC3E}">
-        <p14:creationId xmlns:p14="http://schemas.microsoft.com/office/powerpoint/2010/main" val="2647785783"/>
-      </p:ext>
-    </p:extLst>
   </p:cSld>
   <p:clrMapOvr>
     <a:masterClrMapping/>
@@ -665,7 +725,7 @@
 
 <file path=ppt/slideLayouts/slideLayout2.xml><?xml version="1.0" encoding="utf-8"?>
 <p:sldLayout xmlns:a="http://schemas.openxmlformats.org/drawingml/2006/main" xmlns:r="http://schemas.openxmlformats.org/officeDocument/2006/relationships" xmlns:p="http://schemas.openxmlformats.org/presentationml/2006/main" type="obj" preserve="1">
-  <p:cSld name="Title and Content">
+  <p:cSld name="Tytuł i zawartość">
     <p:spTree>
       <p:nvGrpSpPr>
         <p:cNvPr id="1" name=""/>
@@ -682,7 +742,7 @@
       </p:grpSpPr>
       <p:sp>
         <p:nvSpPr>
-          <p:cNvPr id="2" name="Title 1"/>
+          <p:cNvPr id="2" name="Tytuł 1"/>
           <p:cNvSpPr>
             <a:spLocks noGrp="1"/>
           </p:cNvSpPr>
@@ -696,8 +756,8 @@
           <a:lstStyle/>
           <a:p>
             <a:r>
-              <a:rPr lang="en-US" smtClean="0"/>
-              <a:t>Click to edit Master title style</a:t>
+              <a:rPr lang="pl-PL" smtClean="0"/>
+              <a:t>Kliknij, aby edytować styl</a:t>
             </a:r>
             <a:endParaRPr lang="pl-PL"/>
           </a:p>
@@ -705,7 +765,7 @@
       </p:sp>
       <p:sp>
         <p:nvSpPr>
-          <p:cNvPr id="3" name="Content Placeholder 2"/>
+          <p:cNvPr id="3" name="Symbol zastępczy zawartości 2"/>
           <p:cNvSpPr>
             <a:spLocks noGrp="1"/>
           </p:cNvSpPr>
@@ -720,36 +780,36 @@
           <a:p>
             <a:pPr lvl="0"/>
             <a:r>
-              <a:rPr lang="en-US" smtClean="0"/>
-              <a:t>Click to edit Master text styles</a:t>
+              <a:rPr lang="pl-PL" smtClean="0"/>
+              <a:t>Kliknij, aby edytować style wzorca tekstu</a:t>
             </a:r>
           </a:p>
           <a:p>
             <a:pPr lvl="1"/>
             <a:r>
-              <a:rPr lang="en-US" smtClean="0"/>
-              <a:t>Second level</a:t>
+              <a:rPr lang="pl-PL" smtClean="0"/>
+              <a:t>Drugi poziom</a:t>
             </a:r>
           </a:p>
           <a:p>
             <a:pPr lvl="2"/>
             <a:r>
-              <a:rPr lang="en-US" smtClean="0"/>
-              <a:t>Third level</a:t>
+              <a:rPr lang="pl-PL" smtClean="0"/>
+              <a:t>Trzeci poziom</a:t>
             </a:r>
           </a:p>
           <a:p>
             <a:pPr lvl="3"/>
             <a:r>
-              <a:rPr lang="en-US" smtClean="0"/>
-              <a:t>Fourth level</a:t>
+              <a:rPr lang="pl-PL" smtClean="0"/>
+              <a:t>Czwarty poziom</a:t>
             </a:r>
           </a:p>
           <a:p>
             <a:pPr lvl="4"/>
             <a:r>
-              <a:rPr lang="en-US" smtClean="0"/>
-              <a:t>Fifth level</a:t>
+              <a:rPr lang="pl-PL" smtClean="0"/>
+              <a:t>Piąty poziom</a:t>
             </a:r>
             <a:endParaRPr lang="pl-PL"/>
           </a:p>
@@ -757,7 +817,7 @@
       </p:sp>
       <p:sp>
         <p:nvSpPr>
-          <p:cNvPr id="4" name="Date Placeholder 3"/>
+          <p:cNvPr id="4" name="Symbol zastępczy daty 3"/>
           <p:cNvSpPr>
             <a:spLocks noGrp="1"/>
           </p:cNvSpPr>
@@ -772,6 +832,7 @@
           <a:p>
             <a:fld id="{BF5BBEC5-3F23-4366-AEEC-A4ED1C6FF854}" type="datetimeFigureOut">
               <a:rPr lang="pl-PL" smtClean="0"/>
+              <a:pPr/>
               <a:t>13.01.2019</a:t>
             </a:fld>
             <a:endParaRPr lang="pl-PL"/>
@@ -780,7 +841,7 @@
       </p:sp>
       <p:sp>
         <p:nvSpPr>
-          <p:cNvPr id="5" name="Footer Placeholder 4"/>
+          <p:cNvPr id="5" name="Symbol zastępczy stopki 4"/>
           <p:cNvSpPr>
             <a:spLocks noGrp="1"/>
           </p:cNvSpPr>
@@ -799,7 +860,7 @@
       </p:sp>
       <p:sp>
         <p:nvSpPr>
-          <p:cNvPr id="6" name="Slide Number Placeholder 5"/>
+          <p:cNvPr id="6" name="Symbol zastępczy numeru slajdu 5"/>
           <p:cNvSpPr>
             <a:spLocks noGrp="1"/>
           </p:cNvSpPr>
@@ -814,6 +875,7 @@
           <a:p>
             <a:fld id="{42F02534-CA65-4B69-9FF2-68384C4CE33C}" type="slidenum">
               <a:rPr lang="pl-PL" smtClean="0"/>
+              <a:pPr/>
               <a:t>‹#›</a:t>
             </a:fld>
             <a:endParaRPr lang="pl-PL"/>
@@ -821,11 +883,6 @@
         </p:txBody>
       </p:sp>
     </p:spTree>
-    <p:extLst>
-      <p:ext uri="{BB962C8B-B14F-4D97-AF65-F5344CB8AC3E}">
-        <p14:creationId xmlns:p14="http://schemas.microsoft.com/office/powerpoint/2010/main" val="4158358169"/>
-      </p:ext>
-    </p:extLst>
   </p:cSld>
   <p:clrMapOvr>
     <a:masterClrMapping/>
@@ -835,7 +892,7 @@
 
 <file path=ppt/slideLayouts/slideLayout3.xml><?xml version="1.0" encoding="utf-8"?>
 <p:sldLayout xmlns:a="http://schemas.openxmlformats.org/drawingml/2006/main" xmlns:r="http://schemas.openxmlformats.org/officeDocument/2006/relationships" xmlns:p="http://schemas.openxmlformats.org/presentationml/2006/main" type="secHead" preserve="1">
-  <p:cSld name="Section Header">
+  <p:cSld name="Nagłówek sekcji">
     <p:spTree>
       <p:nvGrpSpPr>
         <p:cNvPr id="1" name=""/>
@@ -852,7 +909,7 @@
       </p:grpSpPr>
       <p:sp>
         <p:nvSpPr>
-          <p:cNvPr id="2" name="Title 1"/>
+          <p:cNvPr id="2" name="Tytuł 1"/>
           <p:cNvSpPr>
             <a:spLocks noGrp="1"/>
           </p:cNvSpPr>
@@ -862,48 +919,48 @@
         </p:nvSpPr>
         <p:spPr>
           <a:xfrm>
-            <a:off x="831850" y="1709738"/>
-            <a:ext cx="10515600" cy="2852737"/>
+            <a:off x="722313" y="3305184"/>
+            <a:ext cx="7772400" cy="1021556"/>
+          </a:xfrm>
+        </p:spPr>
+        <p:txBody>
+          <a:bodyPr anchor="t"/>
+          <a:lstStyle>
+            <a:lvl1pPr algn="l">
+              <a:defRPr sz="3000" b="1" cap="all"/>
+            </a:lvl1pPr>
+          </a:lstStyle>
+          <a:p>
+            <a:r>
+              <a:rPr lang="pl-PL" smtClean="0"/>
+              <a:t>Kliknij, aby edytować styl</a:t>
+            </a:r>
+            <a:endParaRPr lang="pl-PL"/>
+          </a:p>
+        </p:txBody>
+      </p:sp>
+      <p:sp>
+        <p:nvSpPr>
+          <p:cNvPr id="3" name="Symbol zastępczy tekstu 2"/>
+          <p:cNvSpPr>
+            <a:spLocks noGrp="1"/>
+          </p:cNvSpPr>
+          <p:nvPr>
+            <p:ph type="body" idx="1"/>
+          </p:nvPr>
+        </p:nvSpPr>
+        <p:spPr>
+          <a:xfrm>
+            <a:off x="722313" y="2180035"/>
+            <a:ext cx="7772400" cy="1125140"/>
           </a:xfrm>
         </p:spPr>
         <p:txBody>
           <a:bodyPr anchor="b"/>
           <a:lstStyle>
-            <a:lvl1pPr>
-              <a:defRPr sz="6000"/>
-            </a:lvl1pPr>
-          </a:lstStyle>
-          <a:p>
-            <a:r>
-              <a:rPr lang="en-US" smtClean="0"/>
-              <a:t>Click to edit Master title style</a:t>
-            </a:r>
-            <a:endParaRPr lang="pl-PL"/>
-          </a:p>
-        </p:txBody>
-      </p:sp>
-      <p:sp>
-        <p:nvSpPr>
-          <p:cNvPr id="3" name="Text Placeholder 2"/>
-          <p:cNvSpPr>
-            <a:spLocks noGrp="1"/>
-          </p:cNvSpPr>
-          <p:nvPr>
-            <p:ph type="body" idx="1"/>
-          </p:nvPr>
-        </p:nvSpPr>
-        <p:spPr>
-          <a:xfrm>
-            <a:off x="831850" y="4589463"/>
-            <a:ext cx="10515600" cy="1500187"/>
-          </a:xfrm>
-        </p:spPr>
-        <p:txBody>
-          <a:bodyPr/>
-          <a:lstStyle>
             <a:lvl1pPr marL="0" indent="0">
               <a:buNone/>
-              <a:defRPr sz="2400">
+              <a:defRPr sz="1500">
                 <a:solidFill>
                   <a:schemeClr val="tx1">
                     <a:tint val="75000"/>
@@ -911,9 +968,9 @@
                 </a:solidFill>
               </a:defRPr>
             </a:lvl1pPr>
-            <a:lvl2pPr marL="457200" indent="0">
-              <a:buNone/>
-              <a:defRPr sz="2000">
+            <a:lvl2pPr marL="342900" indent="0">
+              <a:buNone/>
+              <a:defRPr sz="1400">
                 <a:solidFill>
                   <a:schemeClr val="tx1">
                     <a:tint val="75000"/>
@@ -921,9 +978,9 @@
                 </a:solidFill>
               </a:defRPr>
             </a:lvl2pPr>
-            <a:lvl3pPr marL="914400" indent="0">
-              <a:buNone/>
-              <a:defRPr sz="1800">
+            <a:lvl3pPr marL="685800" indent="0">
+              <a:buNone/>
+              <a:defRPr sz="1200">
                 <a:solidFill>
                   <a:schemeClr val="tx1">
                     <a:tint val="75000"/>
@@ -931,9 +988,9 @@
                 </a:solidFill>
               </a:defRPr>
             </a:lvl3pPr>
-            <a:lvl4pPr marL="1371600" indent="0">
-              <a:buNone/>
-              <a:defRPr sz="1600">
+            <a:lvl4pPr marL="1028700" indent="0">
+              <a:buNone/>
+              <a:defRPr sz="1100">
                 <a:solidFill>
                   <a:schemeClr val="tx1">
                     <a:tint val="75000"/>
@@ -941,9 +998,9 @@
                 </a:solidFill>
               </a:defRPr>
             </a:lvl4pPr>
-            <a:lvl5pPr marL="1828800" indent="0">
-              <a:buNone/>
-              <a:defRPr sz="1600">
+            <a:lvl5pPr marL="1371600" indent="0">
+              <a:buNone/>
+              <a:defRPr sz="1100">
                 <a:solidFill>
                   <a:schemeClr val="tx1">
                     <a:tint val="75000"/>
@@ -951,9 +1008,9 @@
                 </a:solidFill>
               </a:defRPr>
             </a:lvl5pPr>
-            <a:lvl6pPr marL="2286000" indent="0">
-              <a:buNone/>
-              <a:defRPr sz="1600">
+            <a:lvl6pPr marL="1714500" indent="0">
+              <a:buNone/>
+              <a:defRPr sz="1100">
                 <a:solidFill>
                   <a:schemeClr val="tx1">
                     <a:tint val="75000"/>
@@ -961,9 +1018,9 @@
                 </a:solidFill>
               </a:defRPr>
             </a:lvl6pPr>
-            <a:lvl7pPr marL="2743200" indent="0">
-              <a:buNone/>
-              <a:defRPr sz="1600">
+            <a:lvl7pPr marL="2057400" indent="0">
+              <a:buNone/>
+              <a:defRPr sz="1100">
                 <a:solidFill>
                   <a:schemeClr val="tx1">
                     <a:tint val="75000"/>
@@ -971,9 +1028,9 @@
                 </a:solidFill>
               </a:defRPr>
             </a:lvl7pPr>
-            <a:lvl8pPr marL="3200400" indent="0">
-              <a:buNone/>
-              <a:defRPr sz="1600">
+            <a:lvl8pPr marL="2400300" indent="0">
+              <a:buNone/>
+              <a:defRPr sz="1100">
                 <a:solidFill>
                   <a:schemeClr val="tx1">
                     <a:tint val="75000"/>
@@ -981,9 +1038,9 @@
                 </a:solidFill>
               </a:defRPr>
             </a:lvl8pPr>
-            <a:lvl9pPr marL="3657600" indent="0">
-              <a:buNone/>
-              <a:defRPr sz="1600">
+            <a:lvl9pPr marL="2743200" indent="0">
+              <a:buNone/>
+              <a:defRPr sz="1100">
                 <a:solidFill>
                   <a:schemeClr val="tx1">
                     <a:tint val="75000"/>
@@ -995,15 +1052,15 @@
           <a:p>
             <a:pPr lvl="0"/>
             <a:r>
-              <a:rPr lang="en-US" smtClean="0"/>
-              <a:t>Click to edit Master text styles</a:t>
-            </a:r>
-          </a:p>
-        </p:txBody>
-      </p:sp>
-      <p:sp>
-        <p:nvSpPr>
-          <p:cNvPr id="4" name="Date Placeholder 3"/>
+              <a:rPr lang="pl-PL" smtClean="0"/>
+              <a:t>Kliknij, aby edytować style wzorca tekstu</a:t>
+            </a:r>
+          </a:p>
+        </p:txBody>
+      </p:sp>
+      <p:sp>
+        <p:nvSpPr>
+          <p:cNvPr id="4" name="Symbol zastępczy daty 3"/>
           <p:cNvSpPr>
             <a:spLocks noGrp="1"/>
           </p:cNvSpPr>
@@ -1018,6 +1075,7 @@
           <a:p>
             <a:fld id="{BF5BBEC5-3F23-4366-AEEC-A4ED1C6FF854}" type="datetimeFigureOut">
               <a:rPr lang="pl-PL" smtClean="0"/>
+              <a:pPr/>
               <a:t>13.01.2019</a:t>
             </a:fld>
             <a:endParaRPr lang="pl-PL"/>
@@ -1026,7 +1084,7 @@
       </p:sp>
       <p:sp>
         <p:nvSpPr>
-          <p:cNvPr id="5" name="Footer Placeholder 4"/>
+          <p:cNvPr id="5" name="Symbol zastępczy stopki 4"/>
           <p:cNvSpPr>
             <a:spLocks noGrp="1"/>
           </p:cNvSpPr>
@@ -1045,7 +1103,7 @@
       </p:sp>
       <p:sp>
         <p:nvSpPr>
-          <p:cNvPr id="6" name="Slide Number Placeholder 5"/>
+          <p:cNvPr id="6" name="Symbol zastępczy numeru slajdu 5"/>
           <p:cNvSpPr>
             <a:spLocks noGrp="1"/>
           </p:cNvSpPr>
@@ -1060,6 +1118,7 @@
           <a:p>
             <a:fld id="{42F02534-CA65-4B69-9FF2-68384C4CE33C}" type="slidenum">
               <a:rPr lang="pl-PL" smtClean="0"/>
+              <a:pPr/>
               <a:t>‹#›</a:t>
             </a:fld>
             <a:endParaRPr lang="pl-PL"/>
@@ -1067,11 +1126,6 @@
         </p:txBody>
       </p:sp>
     </p:spTree>
-    <p:extLst>
-      <p:ext uri="{BB962C8B-B14F-4D97-AF65-F5344CB8AC3E}">
-        <p14:creationId xmlns:p14="http://schemas.microsoft.com/office/powerpoint/2010/main" val="3818550651"/>
-      </p:ext>
-    </p:extLst>
   </p:cSld>
   <p:clrMapOvr>
     <a:masterClrMapping/>
@@ -1081,7 +1135,7 @@
 
 <file path=ppt/slideLayouts/slideLayout4.xml><?xml version="1.0" encoding="utf-8"?>
 <p:sldLayout xmlns:a="http://schemas.openxmlformats.org/drawingml/2006/main" xmlns:r="http://schemas.openxmlformats.org/officeDocument/2006/relationships" xmlns:p="http://schemas.openxmlformats.org/presentationml/2006/main" type="twoObj" preserve="1">
-  <p:cSld name="Two Content">
+  <p:cSld name="Dwa elementy zawartości">
     <p:spTree>
       <p:nvGrpSpPr>
         <p:cNvPr id="1" name=""/>
@@ -1098,7 +1152,7 @@
       </p:grpSpPr>
       <p:sp>
         <p:nvSpPr>
-          <p:cNvPr id="2" name="Title 1"/>
+          <p:cNvPr id="2" name="Tytuł 1"/>
           <p:cNvSpPr>
             <a:spLocks noGrp="1"/>
           </p:cNvSpPr>
@@ -1112,8 +1166,8 @@
           <a:lstStyle/>
           <a:p>
             <a:r>
-              <a:rPr lang="en-US" smtClean="0"/>
-              <a:t>Click to edit Master title style</a:t>
+              <a:rPr lang="pl-PL" smtClean="0"/>
+              <a:t>Kliknij, aby edytować styl</a:t>
             </a:r>
             <a:endParaRPr lang="pl-PL"/>
           </a:p>
@@ -1121,7 +1175,7 @@
       </p:sp>
       <p:sp>
         <p:nvSpPr>
-          <p:cNvPr id="3" name="Content Placeholder 2"/>
+          <p:cNvPr id="3" name="Symbol zastępczy zawartości 2"/>
           <p:cNvSpPr>
             <a:spLocks noGrp="1"/>
           </p:cNvSpPr>
@@ -1131,46 +1185,74 @@
         </p:nvSpPr>
         <p:spPr>
           <a:xfrm>
-            <a:off x="838200" y="1825625"/>
-            <a:ext cx="5181600" cy="4351338"/>
-          </a:xfrm>
-        </p:spPr>
-        <p:txBody>
-          <a:bodyPr/>
-          <a:lstStyle/>
+            <a:off x="609600" y="1200155"/>
+            <a:ext cx="5410200" cy="3394472"/>
+          </a:xfrm>
+        </p:spPr>
+        <p:txBody>
+          <a:bodyPr/>
+          <a:lstStyle>
+            <a:lvl1pPr>
+              <a:defRPr sz="2100"/>
+            </a:lvl1pPr>
+            <a:lvl2pPr>
+              <a:defRPr sz="1800"/>
+            </a:lvl2pPr>
+            <a:lvl3pPr>
+              <a:defRPr sz="1500"/>
+            </a:lvl3pPr>
+            <a:lvl4pPr>
+              <a:defRPr sz="1400"/>
+            </a:lvl4pPr>
+            <a:lvl5pPr>
+              <a:defRPr sz="1400"/>
+            </a:lvl5pPr>
+            <a:lvl6pPr>
+              <a:defRPr sz="1400"/>
+            </a:lvl6pPr>
+            <a:lvl7pPr>
+              <a:defRPr sz="1400"/>
+            </a:lvl7pPr>
+            <a:lvl8pPr>
+              <a:defRPr sz="1400"/>
+            </a:lvl8pPr>
+            <a:lvl9pPr>
+              <a:defRPr sz="1400"/>
+            </a:lvl9pPr>
+          </a:lstStyle>
           <a:p>
             <a:pPr lvl="0"/>
             <a:r>
-              <a:rPr lang="en-US" smtClean="0"/>
-              <a:t>Click to edit Master text styles</a:t>
+              <a:rPr lang="pl-PL" smtClean="0"/>
+              <a:t>Kliknij, aby edytować style wzorca tekstu</a:t>
             </a:r>
           </a:p>
           <a:p>
             <a:pPr lvl="1"/>
             <a:r>
-              <a:rPr lang="en-US" smtClean="0"/>
-              <a:t>Second level</a:t>
+              <a:rPr lang="pl-PL" smtClean="0"/>
+              <a:t>Drugi poziom</a:t>
             </a:r>
           </a:p>
           <a:p>
             <a:pPr lvl="2"/>
             <a:r>
-              <a:rPr lang="en-US" smtClean="0"/>
-              <a:t>Third level</a:t>
+              <a:rPr lang="pl-PL" smtClean="0"/>
+              <a:t>Trzeci poziom</a:t>
             </a:r>
           </a:p>
           <a:p>
             <a:pPr lvl="3"/>
             <a:r>
-              <a:rPr lang="en-US" smtClean="0"/>
-              <a:t>Fourth level</a:t>
+              <a:rPr lang="pl-PL" smtClean="0"/>
+              <a:t>Czwarty poziom</a:t>
             </a:r>
           </a:p>
           <a:p>
             <a:pPr lvl="4"/>
             <a:r>
-              <a:rPr lang="en-US" smtClean="0"/>
-              <a:t>Fifth level</a:t>
+              <a:rPr lang="pl-PL" smtClean="0"/>
+              <a:t>Piąty poziom</a:t>
             </a:r>
             <a:endParaRPr lang="pl-PL"/>
           </a:p>
@@ -1178,7 +1260,7 @@
       </p:sp>
       <p:sp>
         <p:nvSpPr>
-          <p:cNvPr id="4" name="Content Placeholder 3"/>
+          <p:cNvPr id="4" name="Symbol zastępczy zawartości 3"/>
           <p:cNvSpPr>
             <a:spLocks noGrp="1"/>
           </p:cNvSpPr>
@@ -1188,46 +1270,74 @@
         </p:nvSpPr>
         <p:spPr>
           <a:xfrm>
-            <a:off x="6172200" y="1825625"/>
-            <a:ext cx="5181600" cy="4351338"/>
-          </a:xfrm>
-        </p:spPr>
-        <p:txBody>
-          <a:bodyPr/>
-          <a:lstStyle/>
+            <a:off x="6172200" y="1200155"/>
+            <a:ext cx="5410200" cy="3394472"/>
+          </a:xfrm>
+        </p:spPr>
+        <p:txBody>
+          <a:bodyPr/>
+          <a:lstStyle>
+            <a:lvl1pPr>
+              <a:defRPr sz="2100"/>
+            </a:lvl1pPr>
+            <a:lvl2pPr>
+              <a:defRPr sz="1800"/>
+            </a:lvl2pPr>
+            <a:lvl3pPr>
+              <a:defRPr sz="1500"/>
+            </a:lvl3pPr>
+            <a:lvl4pPr>
+              <a:defRPr sz="1400"/>
+            </a:lvl4pPr>
+            <a:lvl5pPr>
+              <a:defRPr sz="1400"/>
+            </a:lvl5pPr>
+            <a:lvl6pPr>
+              <a:defRPr sz="1400"/>
+            </a:lvl6pPr>
+            <a:lvl7pPr>
+              <a:defRPr sz="1400"/>
+            </a:lvl7pPr>
+            <a:lvl8pPr>
+              <a:defRPr sz="1400"/>
+            </a:lvl8pPr>
+            <a:lvl9pPr>
+              <a:defRPr sz="1400"/>
+            </a:lvl9pPr>
+          </a:lstStyle>
           <a:p>
             <a:pPr lvl="0"/>
             <a:r>
-              <a:rPr lang="en-US" smtClean="0"/>
-              <a:t>Click to edit Master text styles</a:t>
+              <a:rPr lang="pl-PL" smtClean="0"/>
+              <a:t>Kliknij, aby edytować style wzorca tekstu</a:t>
             </a:r>
           </a:p>
           <a:p>
             <a:pPr lvl="1"/>
             <a:r>
-              <a:rPr lang="en-US" smtClean="0"/>
-              <a:t>Second level</a:t>
+              <a:rPr lang="pl-PL" smtClean="0"/>
+              <a:t>Drugi poziom</a:t>
             </a:r>
           </a:p>
           <a:p>
             <a:pPr lvl="2"/>
             <a:r>
-              <a:rPr lang="en-US" smtClean="0"/>
-              <a:t>Third level</a:t>
+              <a:rPr lang="pl-PL" smtClean="0"/>
+              <a:t>Trzeci poziom</a:t>
             </a:r>
           </a:p>
           <a:p>
             <a:pPr lvl="3"/>
             <a:r>
-              <a:rPr lang="en-US" smtClean="0"/>
-              <a:t>Fourth level</a:t>
+              <a:rPr lang="pl-PL" smtClean="0"/>
+              <a:t>Czwarty poziom</a:t>
             </a:r>
           </a:p>
           <a:p>
             <a:pPr lvl="4"/>
             <a:r>
-              <a:rPr lang="en-US" smtClean="0"/>
-              <a:t>Fifth level</a:t>
+              <a:rPr lang="pl-PL" smtClean="0"/>
+              <a:t>Piąty poziom</a:t>
             </a:r>
             <a:endParaRPr lang="pl-PL"/>
           </a:p>
@@ -1235,7 +1345,7 @@
       </p:sp>
       <p:sp>
         <p:nvSpPr>
-          <p:cNvPr id="5" name="Date Placeholder 4"/>
+          <p:cNvPr id="5" name="Symbol zastępczy daty 4"/>
           <p:cNvSpPr>
             <a:spLocks noGrp="1"/>
           </p:cNvSpPr>
@@ -1250,6 +1360,7 @@
           <a:p>
             <a:fld id="{BF5BBEC5-3F23-4366-AEEC-A4ED1C6FF854}" type="datetimeFigureOut">
               <a:rPr lang="pl-PL" smtClean="0"/>
+              <a:pPr/>
               <a:t>13.01.2019</a:t>
             </a:fld>
             <a:endParaRPr lang="pl-PL"/>
@@ -1258,7 +1369,7 @@
       </p:sp>
       <p:sp>
         <p:nvSpPr>
-          <p:cNvPr id="6" name="Footer Placeholder 5"/>
+          <p:cNvPr id="6" name="Symbol zastępczy stopki 5"/>
           <p:cNvSpPr>
             <a:spLocks noGrp="1"/>
           </p:cNvSpPr>
@@ -1277,7 +1388,7 @@
       </p:sp>
       <p:sp>
         <p:nvSpPr>
-          <p:cNvPr id="7" name="Slide Number Placeholder 6"/>
+          <p:cNvPr id="7" name="Symbol zastępczy numeru slajdu 6"/>
           <p:cNvSpPr>
             <a:spLocks noGrp="1"/>
           </p:cNvSpPr>
@@ -1292,6 +1403,7 @@
           <a:p>
             <a:fld id="{42F02534-CA65-4B69-9FF2-68384C4CE33C}" type="slidenum">
               <a:rPr lang="pl-PL" smtClean="0"/>
+              <a:pPr/>
               <a:t>‹#›</a:t>
             </a:fld>
             <a:endParaRPr lang="pl-PL"/>
@@ -1299,11 +1411,6 @@
         </p:txBody>
       </p:sp>
     </p:spTree>
-    <p:extLst>
-      <p:ext uri="{BB962C8B-B14F-4D97-AF65-F5344CB8AC3E}">
-        <p14:creationId xmlns:p14="http://schemas.microsoft.com/office/powerpoint/2010/main" val="1805343406"/>
-      </p:ext>
-    </p:extLst>
   </p:cSld>
   <p:clrMapOvr>
     <a:masterClrMapping/>
@@ -1313,7 +1420,7 @@
 
 <file path=ppt/slideLayouts/slideLayout5.xml><?xml version="1.0" encoding="utf-8"?>
 <p:sldLayout xmlns:a="http://schemas.openxmlformats.org/drawingml/2006/main" xmlns:r="http://schemas.openxmlformats.org/officeDocument/2006/relationships" xmlns:p="http://schemas.openxmlformats.org/presentationml/2006/main" type="twoTxTwoObj" preserve="1">
-  <p:cSld name="Comparison">
+  <p:cSld name="Porównanie">
     <p:spTree>
       <p:nvGrpSpPr>
         <p:cNvPr id="1" name=""/>
@@ -1330,7 +1437,7 @@
       </p:grpSpPr>
       <p:sp>
         <p:nvSpPr>
-          <p:cNvPr id="2" name="Title 1"/>
+          <p:cNvPr id="2" name="Tytuł 1"/>
           <p:cNvSpPr>
             <a:spLocks noGrp="1"/>
           </p:cNvSpPr>
@@ -1340,17 +1447,21 @@
         </p:nvSpPr>
         <p:spPr>
           <a:xfrm>
-            <a:off x="839788" y="365125"/>
-            <a:ext cx="10515600" cy="1325563"/>
-          </a:xfrm>
-        </p:spPr>
-        <p:txBody>
-          <a:bodyPr/>
-          <a:lstStyle/>
-          <a:p>
-            <a:r>
-              <a:rPr lang="en-US" smtClean="0"/>
-              <a:t>Click to edit Master title style</a:t>
+            <a:off x="457200" y="205979"/>
+            <a:ext cx="8229600" cy="857250"/>
+          </a:xfrm>
+        </p:spPr>
+        <p:txBody>
+          <a:bodyPr/>
+          <a:lstStyle>
+            <a:lvl1pPr>
+              <a:defRPr/>
+            </a:lvl1pPr>
+          </a:lstStyle>
+          <a:p>
+            <a:r>
+              <a:rPr lang="pl-PL" smtClean="0"/>
+              <a:t>Kliknij, aby edytować styl</a:t>
             </a:r>
             <a:endParaRPr lang="pl-PL"/>
           </a:p>
@@ -1358,7 +1469,7 @@
       </p:sp>
       <p:sp>
         <p:nvSpPr>
-          <p:cNvPr id="3" name="Text Placeholder 2"/>
+          <p:cNvPr id="3" name="Symbol zastępczy tekstu 2"/>
           <p:cNvSpPr>
             <a:spLocks noGrp="1"/>
           </p:cNvSpPr>
@@ -1368,8 +1479,8 @@
         </p:nvSpPr>
         <p:spPr>
           <a:xfrm>
-            <a:off x="839788" y="1681163"/>
-            <a:ext cx="5157787" cy="823912"/>
+            <a:off x="457200" y="1151335"/>
+            <a:ext cx="4040188" cy="479822"/>
           </a:xfrm>
         </p:spPr>
         <p:txBody>
@@ -1377,53 +1488,53 @@
           <a:lstStyle>
             <a:lvl1pPr marL="0" indent="0">
               <a:buNone/>
-              <a:defRPr sz="2400" b="1"/>
+              <a:defRPr sz="1800" b="1"/>
             </a:lvl1pPr>
-            <a:lvl2pPr marL="457200" indent="0">
-              <a:buNone/>
-              <a:defRPr sz="2000" b="1"/>
+            <a:lvl2pPr marL="342900" indent="0">
+              <a:buNone/>
+              <a:defRPr sz="1500" b="1"/>
             </a:lvl2pPr>
-            <a:lvl3pPr marL="914400" indent="0">
-              <a:buNone/>
-              <a:defRPr sz="1800" b="1"/>
+            <a:lvl3pPr marL="685800" indent="0">
+              <a:buNone/>
+              <a:defRPr sz="1400" b="1"/>
             </a:lvl3pPr>
-            <a:lvl4pPr marL="1371600" indent="0">
-              <a:buNone/>
-              <a:defRPr sz="1600" b="1"/>
+            <a:lvl4pPr marL="1028700" indent="0">
+              <a:buNone/>
+              <a:defRPr sz="1200" b="1"/>
             </a:lvl4pPr>
-            <a:lvl5pPr marL="1828800" indent="0">
-              <a:buNone/>
-              <a:defRPr sz="1600" b="1"/>
+            <a:lvl5pPr marL="1371600" indent="0">
+              <a:buNone/>
+              <a:defRPr sz="1200" b="1"/>
             </a:lvl5pPr>
-            <a:lvl6pPr marL="2286000" indent="0">
-              <a:buNone/>
-              <a:defRPr sz="1600" b="1"/>
+            <a:lvl6pPr marL="1714500" indent="0">
+              <a:buNone/>
+              <a:defRPr sz="1200" b="1"/>
             </a:lvl6pPr>
-            <a:lvl7pPr marL="2743200" indent="0">
-              <a:buNone/>
-              <a:defRPr sz="1600" b="1"/>
+            <a:lvl7pPr marL="2057400" indent="0">
+              <a:buNone/>
+              <a:defRPr sz="1200" b="1"/>
             </a:lvl7pPr>
-            <a:lvl8pPr marL="3200400" indent="0">
-              <a:buNone/>
-              <a:defRPr sz="1600" b="1"/>
+            <a:lvl8pPr marL="2400300" indent="0">
+              <a:buNone/>
+              <a:defRPr sz="1200" b="1"/>
             </a:lvl8pPr>
-            <a:lvl9pPr marL="3657600" indent="0">
-              <a:buNone/>
-              <a:defRPr sz="1600" b="1"/>
+            <a:lvl9pPr marL="2743200" indent="0">
+              <a:buNone/>
+              <a:defRPr sz="1200" b="1"/>
             </a:lvl9pPr>
           </a:lstStyle>
           <a:p>
             <a:pPr lvl="0"/>
             <a:r>
-              <a:rPr lang="en-US" smtClean="0"/>
-              <a:t>Click to edit Master text styles</a:t>
-            </a:r>
-          </a:p>
-        </p:txBody>
-      </p:sp>
-      <p:sp>
-        <p:nvSpPr>
-          <p:cNvPr id="4" name="Content Placeholder 3"/>
+              <a:rPr lang="pl-PL" smtClean="0"/>
+              <a:t>Kliknij, aby edytować style wzorca tekstu</a:t>
+            </a:r>
+          </a:p>
+        </p:txBody>
+      </p:sp>
+      <p:sp>
+        <p:nvSpPr>
+          <p:cNvPr id="4" name="Symbol zastępczy zawartości 3"/>
           <p:cNvSpPr>
             <a:spLocks noGrp="1"/>
           </p:cNvSpPr>
@@ -1433,46 +1544,74 @@
         </p:nvSpPr>
         <p:spPr>
           <a:xfrm>
-            <a:off x="839788" y="2505075"/>
-            <a:ext cx="5157787" cy="3684588"/>
-          </a:xfrm>
-        </p:spPr>
-        <p:txBody>
-          <a:bodyPr/>
-          <a:lstStyle/>
+            <a:off x="457200" y="1631156"/>
+            <a:ext cx="4040188" cy="2963466"/>
+          </a:xfrm>
+        </p:spPr>
+        <p:txBody>
+          <a:bodyPr/>
+          <a:lstStyle>
+            <a:lvl1pPr>
+              <a:defRPr sz="1800"/>
+            </a:lvl1pPr>
+            <a:lvl2pPr>
+              <a:defRPr sz="1500"/>
+            </a:lvl2pPr>
+            <a:lvl3pPr>
+              <a:defRPr sz="1400"/>
+            </a:lvl3pPr>
+            <a:lvl4pPr>
+              <a:defRPr sz="1200"/>
+            </a:lvl4pPr>
+            <a:lvl5pPr>
+              <a:defRPr sz="1200"/>
+            </a:lvl5pPr>
+            <a:lvl6pPr>
+              <a:defRPr sz="1200"/>
+            </a:lvl6pPr>
+            <a:lvl7pPr>
+              <a:defRPr sz="1200"/>
+            </a:lvl7pPr>
+            <a:lvl8pPr>
+              <a:defRPr sz="1200"/>
+            </a:lvl8pPr>
+            <a:lvl9pPr>
+              <a:defRPr sz="1200"/>
+            </a:lvl9pPr>
+          </a:lstStyle>
           <a:p>
             <a:pPr lvl="0"/>
             <a:r>
-              <a:rPr lang="en-US" smtClean="0"/>
-              <a:t>Click to edit Master text styles</a:t>
+              <a:rPr lang="pl-PL" smtClean="0"/>
+              <a:t>Kliknij, aby edytować style wzorca tekstu</a:t>
             </a:r>
           </a:p>
           <a:p>
             <a:pPr lvl="1"/>
             <a:r>
-              <a:rPr lang="en-US" smtClean="0"/>
-              <a:t>Second level</a:t>
+              <a:rPr lang="pl-PL" smtClean="0"/>
+              <a:t>Drugi poziom</a:t>
             </a:r>
           </a:p>
           <a:p>
             <a:pPr lvl="2"/>
             <a:r>
-              <a:rPr lang="en-US" smtClean="0"/>
-              <a:t>Third level</a:t>
+              <a:rPr lang="pl-PL" smtClean="0"/>
+              <a:t>Trzeci poziom</a:t>
             </a:r>
           </a:p>
           <a:p>
             <a:pPr lvl="3"/>
             <a:r>
-              <a:rPr lang="en-US" smtClean="0"/>
-              <a:t>Fourth level</a:t>
+              <a:rPr lang="pl-PL" smtClean="0"/>
+              <a:t>Czwarty poziom</a:t>
             </a:r>
           </a:p>
           <a:p>
             <a:pPr lvl="4"/>
             <a:r>
-              <a:rPr lang="en-US" smtClean="0"/>
-              <a:t>Fifth level</a:t>
+              <a:rPr lang="pl-PL" smtClean="0"/>
+              <a:t>Piąty poziom</a:t>
             </a:r>
             <a:endParaRPr lang="pl-PL"/>
           </a:p>
@@ -1480,7 +1619,7 @@
       </p:sp>
       <p:sp>
         <p:nvSpPr>
-          <p:cNvPr id="5" name="Text Placeholder 4"/>
+          <p:cNvPr id="5" name="Symbol zastępczy tekstu 4"/>
           <p:cNvSpPr>
             <a:spLocks noGrp="1"/>
           </p:cNvSpPr>
@@ -1490,8 +1629,8 @@
         </p:nvSpPr>
         <p:spPr>
           <a:xfrm>
-            <a:off x="6172200" y="1681163"/>
-            <a:ext cx="5183188" cy="823912"/>
+            <a:off x="4645031" y="1151335"/>
+            <a:ext cx="4041775" cy="479822"/>
           </a:xfrm>
         </p:spPr>
         <p:txBody>
@@ -1499,53 +1638,53 @@
           <a:lstStyle>
             <a:lvl1pPr marL="0" indent="0">
               <a:buNone/>
-              <a:defRPr sz="2400" b="1"/>
+              <a:defRPr sz="1800" b="1"/>
             </a:lvl1pPr>
-            <a:lvl2pPr marL="457200" indent="0">
-              <a:buNone/>
-              <a:defRPr sz="2000" b="1"/>
+            <a:lvl2pPr marL="342900" indent="0">
+              <a:buNone/>
+              <a:defRPr sz="1500" b="1"/>
             </a:lvl2pPr>
-            <a:lvl3pPr marL="914400" indent="0">
-              <a:buNone/>
-              <a:defRPr sz="1800" b="1"/>
+            <a:lvl3pPr marL="685800" indent="0">
+              <a:buNone/>
+              <a:defRPr sz="1400" b="1"/>
             </a:lvl3pPr>
-            <a:lvl4pPr marL="1371600" indent="0">
-              <a:buNone/>
-              <a:defRPr sz="1600" b="1"/>
+            <a:lvl4pPr marL="1028700" indent="0">
+              <a:buNone/>
+              <a:defRPr sz="1200" b="1"/>
             </a:lvl4pPr>
-            <a:lvl5pPr marL="1828800" indent="0">
-              <a:buNone/>
-              <a:defRPr sz="1600" b="1"/>
+            <a:lvl5pPr marL="1371600" indent="0">
+              <a:buNone/>
+              <a:defRPr sz="1200" b="1"/>
             </a:lvl5pPr>
-            <a:lvl6pPr marL="2286000" indent="0">
-              <a:buNone/>
-              <a:defRPr sz="1600" b="1"/>
+            <a:lvl6pPr marL="1714500" indent="0">
+              <a:buNone/>
+              <a:defRPr sz="1200" b="1"/>
             </a:lvl6pPr>
-            <a:lvl7pPr marL="2743200" indent="0">
-              <a:buNone/>
-              <a:defRPr sz="1600" b="1"/>
+            <a:lvl7pPr marL="2057400" indent="0">
+              <a:buNone/>
+              <a:defRPr sz="1200" b="1"/>
             </a:lvl7pPr>
-            <a:lvl8pPr marL="3200400" indent="0">
-              <a:buNone/>
-              <a:defRPr sz="1600" b="1"/>
+            <a:lvl8pPr marL="2400300" indent="0">
+              <a:buNone/>
+              <a:defRPr sz="1200" b="1"/>
             </a:lvl8pPr>
-            <a:lvl9pPr marL="3657600" indent="0">
-              <a:buNone/>
-              <a:defRPr sz="1600" b="1"/>
+            <a:lvl9pPr marL="2743200" indent="0">
+              <a:buNone/>
+              <a:defRPr sz="1200" b="1"/>
             </a:lvl9pPr>
           </a:lstStyle>
           <a:p>
             <a:pPr lvl="0"/>
             <a:r>
-              <a:rPr lang="en-US" smtClean="0"/>
-              <a:t>Click to edit Master text styles</a:t>
-            </a:r>
-          </a:p>
-        </p:txBody>
-      </p:sp>
-      <p:sp>
-        <p:nvSpPr>
-          <p:cNvPr id="6" name="Content Placeholder 5"/>
+              <a:rPr lang="pl-PL" smtClean="0"/>
+              <a:t>Kliknij, aby edytować style wzorca tekstu</a:t>
+            </a:r>
+          </a:p>
+        </p:txBody>
+      </p:sp>
+      <p:sp>
+        <p:nvSpPr>
+          <p:cNvPr id="6" name="Symbol zastępczy zawartości 5"/>
           <p:cNvSpPr>
             <a:spLocks noGrp="1"/>
           </p:cNvSpPr>
@@ -1555,46 +1694,74 @@
         </p:nvSpPr>
         <p:spPr>
           <a:xfrm>
-            <a:off x="6172200" y="2505075"/>
-            <a:ext cx="5183188" cy="3684588"/>
-          </a:xfrm>
-        </p:spPr>
-        <p:txBody>
-          <a:bodyPr/>
-          <a:lstStyle/>
+            <a:off x="4645031" y="1631156"/>
+            <a:ext cx="4041775" cy="2963466"/>
+          </a:xfrm>
+        </p:spPr>
+        <p:txBody>
+          <a:bodyPr/>
+          <a:lstStyle>
+            <a:lvl1pPr>
+              <a:defRPr sz="1800"/>
+            </a:lvl1pPr>
+            <a:lvl2pPr>
+              <a:defRPr sz="1500"/>
+            </a:lvl2pPr>
+            <a:lvl3pPr>
+              <a:defRPr sz="1400"/>
+            </a:lvl3pPr>
+            <a:lvl4pPr>
+              <a:defRPr sz="1200"/>
+            </a:lvl4pPr>
+            <a:lvl5pPr>
+              <a:defRPr sz="1200"/>
+            </a:lvl5pPr>
+            <a:lvl6pPr>
+              <a:defRPr sz="1200"/>
+            </a:lvl6pPr>
+            <a:lvl7pPr>
+              <a:defRPr sz="1200"/>
+            </a:lvl7pPr>
+            <a:lvl8pPr>
+              <a:defRPr sz="1200"/>
+            </a:lvl8pPr>
+            <a:lvl9pPr>
+              <a:defRPr sz="1200"/>
+            </a:lvl9pPr>
+          </a:lstStyle>
           <a:p>
             <a:pPr lvl="0"/>
             <a:r>
-              <a:rPr lang="en-US" smtClean="0"/>
-              <a:t>Click to edit Master text styles</a:t>
+              <a:rPr lang="pl-PL" smtClean="0"/>
+              <a:t>Kliknij, aby edytować style wzorca tekstu</a:t>
             </a:r>
           </a:p>
           <a:p>
             <a:pPr lvl="1"/>
             <a:r>
-              <a:rPr lang="en-US" smtClean="0"/>
-              <a:t>Second level</a:t>
+              <a:rPr lang="pl-PL" smtClean="0"/>
+              <a:t>Drugi poziom</a:t>
             </a:r>
           </a:p>
           <a:p>
             <a:pPr lvl="2"/>
             <a:r>
-              <a:rPr lang="en-US" smtClean="0"/>
-              <a:t>Third level</a:t>
+              <a:rPr lang="pl-PL" smtClean="0"/>
+              <a:t>Trzeci poziom</a:t>
             </a:r>
           </a:p>
           <a:p>
             <a:pPr lvl="3"/>
             <a:r>
-              <a:rPr lang="en-US" smtClean="0"/>
-              <a:t>Fourth level</a:t>
+              <a:rPr lang="pl-PL" smtClean="0"/>
+              <a:t>Czwarty poziom</a:t>
             </a:r>
           </a:p>
           <a:p>
             <a:pPr lvl="4"/>
             <a:r>
-              <a:rPr lang="en-US" smtClean="0"/>
-              <a:t>Fifth level</a:t>
+              <a:rPr lang="pl-PL" smtClean="0"/>
+              <a:t>Piąty poziom</a:t>
             </a:r>
             <a:endParaRPr lang="pl-PL"/>
           </a:p>
@@ -1602,7 +1769,7 @@
       </p:sp>
       <p:sp>
         <p:nvSpPr>
-          <p:cNvPr id="7" name="Date Placeholder 6"/>
+          <p:cNvPr id="7" name="Symbol zastępczy daty 6"/>
           <p:cNvSpPr>
             <a:spLocks noGrp="1"/>
           </p:cNvSpPr>
@@ -1617,6 +1784,7 @@
           <a:p>
             <a:fld id="{BF5BBEC5-3F23-4366-AEEC-A4ED1C6FF854}" type="datetimeFigureOut">
               <a:rPr lang="pl-PL" smtClean="0"/>
+              <a:pPr/>
               <a:t>13.01.2019</a:t>
             </a:fld>
             <a:endParaRPr lang="pl-PL"/>
@@ -1625,7 +1793,7 @@
       </p:sp>
       <p:sp>
         <p:nvSpPr>
-          <p:cNvPr id="8" name="Footer Placeholder 7"/>
+          <p:cNvPr id="8" name="Symbol zastępczy stopki 7"/>
           <p:cNvSpPr>
             <a:spLocks noGrp="1"/>
           </p:cNvSpPr>
@@ -1644,7 +1812,7 @@
       </p:sp>
       <p:sp>
         <p:nvSpPr>
-          <p:cNvPr id="9" name="Slide Number Placeholder 8"/>
+          <p:cNvPr id="9" name="Symbol zastępczy numeru slajdu 8"/>
           <p:cNvSpPr>
             <a:spLocks noGrp="1"/>
           </p:cNvSpPr>
@@ -1659,6 +1827,7 @@
           <a:p>
             <a:fld id="{42F02534-CA65-4B69-9FF2-68384C4CE33C}" type="slidenum">
               <a:rPr lang="pl-PL" smtClean="0"/>
+              <a:pPr/>
               <a:t>‹#›</a:t>
             </a:fld>
             <a:endParaRPr lang="pl-PL"/>
@@ -1666,11 +1835,6 @@
         </p:txBody>
       </p:sp>
     </p:spTree>
-    <p:extLst>
-      <p:ext uri="{BB962C8B-B14F-4D97-AF65-F5344CB8AC3E}">
-        <p14:creationId xmlns:p14="http://schemas.microsoft.com/office/powerpoint/2010/main" val="1477906815"/>
-      </p:ext>
-    </p:extLst>
   </p:cSld>
   <p:clrMapOvr>
     <a:masterClrMapping/>
@@ -1680,7 +1844,7 @@
 
 <file path=ppt/slideLayouts/slideLayout6.xml><?xml version="1.0" encoding="utf-8"?>
 <p:sldLayout xmlns:a="http://schemas.openxmlformats.org/drawingml/2006/main" xmlns:r="http://schemas.openxmlformats.org/officeDocument/2006/relationships" xmlns:p="http://schemas.openxmlformats.org/presentationml/2006/main" type="titleOnly" preserve="1">
-  <p:cSld name="Title Only">
+  <p:cSld name="Tylko tytuł">
     <p:spTree>
       <p:nvGrpSpPr>
         <p:cNvPr id="1" name=""/>
@@ -1697,7 +1861,7 @@
       </p:grpSpPr>
       <p:sp>
         <p:nvSpPr>
-          <p:cNvPr id="2" name="Title 1"/>
+          <p:cNvPr id="2" name="Tytuł 1"/>
           <p:cNvSpPr>
             <a:spLocks noGrp="1"/>
           </p:cNvSpPr>
@@ -1711,8 +1875,8 @@
           <a:lstStyle/>
           <a:p>
             <a:r>
-              <a:rPr lang="en-US" smtClean="0"/>
-              <a:t>Click to edit Master title style</a:t>
+              <a:rPr lang="pl-PL" smtClean="0"/>
+              <a:t>Kliknij, aby edytować styl</a:t>
             </a:r>
             <a:endParaRPr lang="pl-PL"/>
           </a:p>
@@ -1720,7 +1884,7 @@
       </p:sp>
       <p:sp>
         <p:nvSpPr>
-          <p:cNvPr id="3" name="Date Placeholder 2"/>
+          <p:cNvPr id="3" name="Symbol zastępczy daty 2"/>
           <p:cNvSpPr>
             <a:spLocks noGrp="1"/>
           </p:cNvSpPr>
@@ -1735,6 +1899,7 @@
           <a:p>
             <a:fld id="{BF5BBEC5-3F23-4366-AEEC-A4ED1C6FF854}" type="datetimeFigureOut">
               <a:rPr lang="pl-PL" smtClean="0"/>
+              <a:pPr/>
               <a:t>13.01.2019</a:t>
             </a:fld>
             <a:endParaRPr lang="pl-PL"/>
@@ -1743,7 +1908,7 @@
       </p:sp>
       <p:sp>
         <p:nvSpPr>
-          <p:cNvPr id="4" name="Footer Placeholder 3"/>
+          <p:cNvPr id="4" name="Symbol zastępczy stopki 3"/>
           <p:cNvSpPr>
             <a:spLocks noGrp="1"/>
           </p:cNvSpPr>
@@ -1762,7 +1927,7 @@
       </p:sp>
       <p:sp>
         <p:nvSpPr>
-          <p:cNvPr id="5" name="Slide Number Placeholder 4"/>
+          <p:cNvPr id="5" name="Symbol zastępczy numeru slajdu 4"/>
           <p:cNvSpPr>
             <a:spLocks noGrp="1"/>
           </p:cNvSpPr>
@@ -1777,6 +1942,7 @@
           <a:p>
             <a:fld id="{42F02534-CA65-4B69-9FF2-68384C4CE33C}" type="slidenum">
               <a:rPr lang="pl-PL" smtClean="0"/>
+              <a:pPr/>
               <a:t>‹#›</a:t>
             </a:fld>
             <a:endParaRPr lang="pl-PL"/>
@@ -1784,11 +1950,6 @@
         </p:txBody>
       </p:sp>
     </p:spTree>
-    <p:extLst>
-      <p:ext uri="{BB962C8B-B14F-4D97-AF65-F5344CB8AC3E}">
-        <p14:creationId xmlns:p14="http://schemas.microsoft.com/office/powerpoint/2010/main" val="3986784231"/>
-      </p:ext>
-    </p:extLst>
   </p:cSld>
   <p:clrMapOvr>
     <a:masterClrMapping/>
@@ -1798,7 +1959,7 @@
 
 <file path=ppt/slideLayouts/slideLayout7.xml><?xml version="1.0" encoding="utf-8"?>
 <p:sldLayout xmlns:a="http://schemas.openxmlformats.org/drawingml/2006/main" xmlns:r="http://schemas.openxmlformats.org/officeDocument/2006/relationships" xmlns:p="http://schemas.openxmlformats.org/presentationml/2006/main" type="blank" preserve="1">
-  <p:cSld name="Blank">
+  <p:cSld name="Pusty">
     <p:spTree>
       <p:nvGrpSpPr>
         <p:cNvPr id="1" name=""/>
@@ -1815,7 +1976,7 @@
       </p:grpSpPr>
       <p:sp>
         <p:nvSpPr>
-          <p:cNvPr id="2" name="Date Placeholder 1"/>
+          <p:cNvPr id="2" name="Symbol zastępczy daty 1"/>
           <p:cNvSpPr>
             <a:spLocks noGrp="1"/>
           </p:cNvSpPr>
@@ -1830,6 +1991,7 @@
           <a:p>
             <a:fld id="{BF5BBEC5-3F23-4366-AEEC-A4ED1C6FF854}" type="datetimeFigureOut">
               <a:rPr lang="pl-PL" smtClean="0"/>
+              <a:pPr/>
               <a:t>13.01.2019</a:t>
             </a:fld>
             <a:endParaRPr lang="pl-PL"/>
@@ -1838,7 +2000,7 @@
       </p:sp>
       <p:sp>
         <p:nvSpPr>
-          <p:cNvPr id="3" name="Footer Placeholder 2"/>
+          <p:cNvPr id="3" name="Symbol zastępczy stopki 2"/>
           <p:cNvSpPr>
             <a:spLocks noGrp="1"/>
           </p:cNvSpPr>
@@ -1857,7 +2019,7 @@
       </p:sp>
       <p:sp>
         <p:nvSpPr>
-          <p:cNvPr id="4" name="Slide Number Placeholder 3"/>
+          <p:cNvPr id="4" name="Symbol zastępczy numeru slajdu 3"/>
           <p:cNvSpPr>
             <a:spLocks noGrp="1"/>
           </p:cNvSpPr>
@@ -1872,6 +2034,7 @@
           <a:p>
             <a:fld id="{42F02534-CA65-4B69-9FF2-68384C4CE33C}" type="slidenum">
               <a:rPr lang="pl-PL" smtClean="0"/>
+              <a:pPr/>
               <a:t>‹#›</a:t>
             </a:fld>
             <a:endParaRPr lang="pl-PL"/>
@@ -1879,11 +2042,6 @@
         </p:txBody>
       </p:sp>
     </p:spTree>
-    <p:extLst>
-      <p:ext uri="{BB962C8B-B14F-4D97-AF65-F5344CB8AC3E}">
-        <p14:creationId xmlns:p14="http://schemas.microsoft.com/office/powerpoint/2010/main" val="3047408024"/>
-      </p:ext>
-    </p:extLst>
   </p:cSld>
   <p:clrMapOvr>
     <a:masterClrMapping/>
@@ -1893,7 +2051,7 @@
 
 <file path=ppt/slideLayouts/slideLayout8.xml><?xml version="1.0" encoding="utf-8"?>
 <p:sldLayout xmlns:a="http://schemas.openxmlformats.org/drawingml/2006/main" xmlns:r="http://schemas.openxmlformats.org/officeDocument/2006/relationships" xmlns:p="http://schemas.openxmlformats.org/presentationml/2006/main" type="objTx" preserve="1">
-  <p:cSld name="Content with Caption">
+  <p:cSld name="Zawartość z podpisem">
     <p:spTree>
       <p:nvGrpSpPr>
         <p:cNvPr id="1" name=""/>
@@ -1910,7 +2068,7 @@
       </p:grpSpPr>
       <p:sp>
         <p:nvSpPr>
-          <p:cNvPr id="2" name="Title 1"/>
+          <p:cNvPr id="2" name="Tytuł 1"/>
           <p:cNvSpPr>
             <a:spLocks noGrp="1"/>
           </p:cNvSpPr>
@@ -1920,21 +2078,21 @@
         </p:nvSpPr>
         <p:spPr>
           <a:xfrm>
-            <a:off x="839788" y="457200"/>
-            <a:ext cx="3932237" cy="1600200"/>
+            <a:off x="457202" y="204787"/>
+            <a:ext cx="3008313" cy="871538"/>
           </a:xfrm>
         </p:spPr>
         <p:txBody>
           <a:bodyPr anchor="b"/>
           <a:lstStyle>
-            <a:lvl1pPr>
-              <a:defRPr sz="3200"/>
+            <a:lvl1pPr algn="l">
+              <a:defRPr sz="1500" b="1"/>
             </a:lvl1pPr>
           </a:lstStyle>
           <a:p>
             <a:r>
-              <a:rPr lang="en-US" smtClean="0"/>
-              <a:t>Click to edit Master title style</a:t>
+              <a:rPr lang="pl-PL" smtClean="0"/>
+              <a:t>Kliknij, aby edytować styl</a:t>
             </a:r>
             <a:endParaRPr lang="pl-PL"/>
           </a:p>
@@ -1942,7 +2100,7 @@
       </p:sp>
       <p:sp>
         <p:nvSpPr>
-          <p:cNvPr id="3" name="Content Placeholder 2"/>
+          <p:cNvPr id="3" name="Symbol zastępczy zawartości 2"/>
           <p:cNvSpPr>
             <a:spLocks noGrp="1"/>
           </p:cNvSpPr>
@@ -1952,74 +2110,74 @@
         </p:nvSpPr>
         <p:spPr>
           <a:xfrm>
-            <a:off x="5183188" y="987425"/>
-            <a:ext cx="6172200" cy="4873625"/>
+            <a:off x="3575050" y="204796"/>
+            <a:ext cx="5111750" cy="4389835"/>
           </a:xfrm>
         </p:spPr>
         <p:txBody>
           <a:bodyPr/>
           <a:lstStyle>
             <a:lvl1pPr>
-              <a:defRPr sz="3200"/>
+              <a:defRPr sz="2400"/>
             </a:lvl1pPr>
             <a:lvl2pPr>
-              <a:defRPr sz="2800"/>
+              <a:defRPr sz="2100"/>
             </a:lvl2pPr>
             <a:lvl3pPr>
-              <a:defRPr sz="2400"/>
+              <a:defRPr sz="1800"/>
             </a:lvl3pPr>
             <a:lvl4pPr>
-              <a:defRPr sz="2000"/>
+              <a:defRPr sz="1500"/>
             </a:lvl4pPr>
             <a:lvl5pPr>
-              <a:defRPr sz="2000"/>
+              <a:defRPr sz="1500"/>
             </a:lvl5pPr>
             <a:lvl6pPr>
-              <a:defRPr sz="2000"/>
+              <a:defRPr sz="1500"/>
             </a:lvl6pPr>
             <a:lvl7pPr>
-              <a:defRPr sz="2000"/>
+              <a:defRPr sz="1500"/>
             </a:lvl7pPr>
             <a:lvl8pPr>
-              <a:defRPr sz="2000"/>
+              <a:defRPr sz="1500"/>
             </a:lvl8pPr>
             <a:lvl9pPr>
-              <a:defRPr sz="2000"/>
+              <a:defRPr sz="1500"/>
             </a:lvl9pPr>
           </a:lstStyle>
           <a:p>
             <a:pPr lvl="0"/>
             <a:r>
-              <a:rPr lang="en-US" smtClean="0"/>
-              <a:t>Click to edit Master text styles</a:t>
+              <a:rPr lang="pl-PL" smtClean="0"/>
+              <a:t>Kliknij, aby edytować style wzorca tekstu</a:t>
             </a:r>
           </a:p>
           <a:p>
             <a:pPr lvl="1"/>
             <a:r>
-              <a:rPr lang="en-US" smtClean="0"/>
-              <a:t>Second level</a:t>
+              <a:rPr lang="pl-PL" smtClean="0"/>
+              <a:t>Drugi poziom</a:t>
             </a:r>
           </a:p>
           <a:p>
             <a:pPr lvl="2"/>
             <a:r>
-              <a:rPr lang="en-US" smtClean="0"/>
-              <a:t>Third level</a:t>
+              <a:rPr lang="pl-PL" smtClean="0"/>
+              <a:t>Trzeci poziom</a:t>
             </a:r>
           </a:p>
           <a:p>
             <a:pPr lvl="3"/>
             <a:r>
-              <a:rPr lang="en-US" smtClean="0"/>
-              <a:t>Fourth level</a:t>
+              <a:rPr lang="pl-PL" smtClean="0"/>
+              <a:t>Czwarty poziom</a:t>
             </a:r>
           </a:p>
           <a:p>
             <a:pPr lvl="4"/>
             <a:r>
-              <a:rPr lang="en-US" smtClean="0"/>
-              <a:t>Fifth level</a:t>
+              <a:rPr lang="pl-PL" smtClean="0"/>
+              <a:t>Piąty poziom</a:t>
             </a:r>
             <a:endParaRPr lang="pl-PL"/>
           </a:p>
@@ -2027,7 +2185,7 @@
       </p:sp>
       <p:sp>
         <p:nvSpPr>
-          <p:cNvPr id="4" name="Text Placeholder 3"/>
+          <p:cNvPr id="4" name="Symbol zastępczy tekstu 3"/>
           <p:cNvSpPr>
             <a:spLocks noGrp="1"/>
           </p:cNvSpPr>
@@ -2037,8 +2195,8 @@
         </p:nvSpPr>
         <p:spPr>
           <a:xfrm>
-            <a:off x="839788" y="2057400"/>
-            <a:ext cx="3932237" cy="3811588"/>
+            <a:off x="457202" y="1076328"/>
+            <a:ext cx="3008313" cy="3518297"/>
           </a:xfrm>
         </p:spPr>
         <p:txBody>
@@ -2046,53 +2204,53 @@
           <a:lstStyle>
             <a:lvl1pPr marL="0" indent="0">
               <a:buNone/>
-              <a:defRPr sz="1600"/>
+              <a:defRPr sz="1100"/>
             </a:lvl1pPr>
-            <a:lvl2pPr marL="457200" indent="0">
-              <a:buNone/>
-              <a:defRPr sz="1400"/>
+            <a:lvl2pPr marL="342900" indent="0">
+              <a:buNone/>
+              <a:defRPr sz="900"/>
             </a:lvl2pPr>
-            <a:lvl3pPr marL="914400" indent="0">
-              <a:buNone/>
-              <a:defRPr sz="1200"/>
+            <a:lvl3pPr marL="685800" indent="0">
+              <a:buNone/>
+              <a:defRPr sz="800"/>
             </a:lvl3pPr>
-            <a:lvl4pPr marL="1371600" indent="0">
-              <a:buNone/>
-              <a:defRPr sz="1000"/>
+            <a:lvl4pPr marL="1028700" indent="0">
+              <a:buNone/>
+              <a:defRPr sz="700"/>
             </a:lvl4pPr>
-            <a:lvl5pPr marL="1828800" indent="0">
-              <a:buNone/>
-              <a:defRPr sz="1000"/>
+            <a:lvl5pPr marL="1371600" indent="0">
+              <a:buNone/>
+              <a:defRPr sz="700"/>
             </a:lvl5pPr>
-            <a:lvl6pPr marL="2286000" indent="0">
-              <a:buNone/>
-              <a:defRPr sz="1000"/>
+            <a:lvl6pPr marL="1714500" indent="0">
+              <a:buNone/>
+              <a:defRPr sz="700"/>
             </a:lvl6pPr>
-            <a:lvl7pPr marL="2743200" indent="0">
-              <a:buNone/>
-              <a:defRPr sz="1000"/>
+            <a:lvl7pPr marL="2057400" indent="0">
+              <a:buNone/>
+              <a:defRPr sz="700"/>
             </a:lvl7pPr>
-            <a:lvl8pPr marL="3200400" indent="0">
-              <a:buNone/>
-              <a:defRPr sz="1000"/>
+            <a:lvl8pPr marL="2400300" indent="0">
+              <a:buNone/>
+              <a:defRPr sz="700"/>
             </a:lvl8pPr>
-            <a:lvl9pPr marL="3657600" indent="0">
-              <a:buNone/>
-              <a:defRPr sz="1000"/>
+            <a:lvl9pPr marL="2743200" indent="0">
+              <a:buNone/>
+              <a:defRPr sz="700"/>
             </a:lvl9pPr>
           </a:lstStyle>
           <a:p>
             <a:pPr lvl="0"/>
             <a:r>
-              <a:rPr lang="en-US" smtClean="0"/>
-              <a:t>Click to edit Master text styles</a:t>
-            </a:r>
-          </a:p>
-        </p:txBody>
-      </p:sp>
-      <p:sp>
-        <p:nvSpPr>
-          <p:cNvPr id="5" name="Date Placeholder 4"/>
+              <a:rPr lang="pl-PL" smtClean="0"/>
+              <a:t>Kliknij, aby edytować style wzorca tekstu</a:t>
+            </a:r>
+          </a:p>
+        </p:txBody>
+      </p:sp>
+      <p:sp>
+        <p:nvSpPr>
+          <p:cNvPr id="5" name="Symbol zastępczy daty 4"/>
           <p:cNvSpPr>
             <a:spLocks noGrp="1"/>
           </p:cNvSpPr>
@@ -2107,6 +2265,7 @@
           <a:p>
             <a:fld id="{BF5BBEC5-3F23-4366-AEEC-A4ED1C6FF854}" type="datetimeFigureOut">
               <a:rPr lang="pl-PL" smtClean="0"/>
+              <a:pPr/>
               <a:t>13.01.2019</a:t>
             </a:fld>
             <a:endParaRPr lang="pl-PL"/>
@@ -2115,7 +2274,7 @@
       </p:sp>
       <p:sp>
         <p:nvSpPr>
-          <p:cNvPr id="6" name="Footer Placeholder 5"/>
+          <p:cNvPr id="6" name="Symbol zastępczy stopki 5"/>
           <p:cNvSpPr>
             <a:spLocks noGrp="1"/>
           </p:cNvSpPr>
@@ -2134,7 +2293,7 @@
       </p:sp>
       <p:sp>
         <p:nvSpPr>
-          <p:cNvPr id="7" name="Slide Number Placeholder 6"/>
+          <p:cNvPr id="7" name="Symbol zastępczy numeru slajdu 6"/>
           <p:cNvSpPr>
             <a:spLocks noGrp="1"/>
           </p:cNvSpPr>
@@ -2149,6 +2308,7 @@
           <a:p>
             <a:fld id="{42F02534-CA65-4B69-9FF2-68384C4CE33C}" type="slidenum">
               <a:rPr lang="pl-PL" smtClean="0"/>
+              <a:pPr/>
               <a:t>‹#›</a:t>
             </a:fld>
             <a:endParaRPr lang="pl-PL"/>
@@ -2156,11 +2316,6 @@
         </p:txBody>
       </p:sp>
     </p:spTree>
-    <p:extLst>
-      <p:ext uri="{BB962C8B-B14F-4D97-AF65-F5344CB8AC3E}">
-        <p14:creationId xmlns:p14="http://schemas.microsoft.com/office/powerpoint/2010/main" val="1073074549"/>
-      </p:ext>
-    </p:extLst>
   </p:cSld>
   <p:clrMapOvr>
     <a:masterClrMapping/>
@@ -2170,7 +2325,7 @@
 
 <file path=ppt/slideLayouts/slideLayout9.xml><?xml version="1.0" encoding="utf-8"?>
 <p:sldLayout xmlns:a="http://schemas.openxmlformats.org/drawingml/2006/main" xmlns:r="http://schemas.openxmlformats.org/officeDocument/2006/relationships" xmlns:p="http://schemas.openxmlformats.org/presentationml/2006/main" type="picTx" preserve="1">
-  <p:cSld name="Picture with Caption">
+  <p:cSld name="Obraz z podpisem">
     <p:spTree>
       <p:nvGrpSpPr>
         <p:cNvPr id="1" name=""/>
@@ -2187,7 +2342,7 @@
       </p:grpSpPr>
       <p:sp>
         <p:nvSpPr>
-          <p:cNvPr id="2" name="Title 1"/>
+          <p:cNvPr id="2" name="Tytuł 1"/>
           <p:cNvSpPr>
             <a:spLocks noGrp="1"/>
           </p:cNvSpPr>
@@ -2197,21 +2352,21 @@
         </p:nvSpPr>
         <p:spPr>
           <a:xfrm>
-            <a:off x="839788" y="457200"/>
-            <a:ext cx="3932237" cy="1600200"/>
+            <a:off x="1792288" y="3600450"/>
+            <a:ext cx="5486400" cy="425054"/>
           </a:xfrm>
         </p:spPr>
         <p:txBody>
           <a:bodyPr anchor="b"/>
           <a:lstStyle>
-            <a:lvl1pPr>
-              <a:defRPr sz="3200"/>
+            <a:lvl1pPr algn="l">
+              <a:defRPr sz="1500" b="1"/>
             </a:lvl1pPr>
           </a:lstStyle>
           <a:p>
             <a:r>
-              <a:rPr lang="en-US" smtClean="0"/>
-              <a:t>Click to edit Master title style</a:t>
+              <a:rPr lang="pl-PL" smtClean="0"/>
+              <a:t>Kliknij, aby edytować styl</a:t>
             </a:r>
             <a:endParaRPr lang="pl-PL"/>
           </a:p>
@@ -2219,7 +2374,7 @@
       </p:sp>
       <p:sp>
         <p:nvSpPr>
-          <p:cNvPr id="3" name="Picture Placeholder 2"/>
+          <p:cNvPr id="3" name="Symbol zastępczy obrazu 2"/>
           <p:cNvSpPr>
             <a:spLocks noGrp="1"/>
           </p:cNvSpPr>
@@ -2229,8 +2384,8 @@
         </p:nvSpPr>
         <p:spPr>
           <a:xfrm>
-            <a:off x="5183188" y="987425"/>
-            <a:ext cx="6172200" cy="4873625"/>
+            <a:off x="1792288" y="459581"/>
+            <a:ext cx="5486400" cy="3086100"/>
           </a:xfrm>
         </p:spPr>
         <p:txBody>
@@ -2238,39 +2393,39 @@
           <a:lstStyle>
             <a:lvl1pPr marL="0" indent="0">
               <a:buNone/>
-              <a:defRPr sz="3200"/>
+              <a:defRPr sz="2400"/>
             </a:lvl1pPr>
-            <a:lvl2pPr marL="457200" indent="0">
-              <a:buNone/>
-              <a:defRPr sz="2800"/>
+            <a:lvl2pPr marL="342900" indent="0">
+              <a:buNone/>
+              <a:defRPr sz="2100"/>
             </a:lvl2pPr>
-            <a:lvl3pPr marL="914400" indent="0">
-              <a:buNone/>
-              <a:defRPr sz="2400"/>
+            <a:lvl3pPr marL="685800" indent="0">
+              <a:buNone/>
+              <a:defRPr sz="1800"/>
             </a:lvl3pPr>
-            <a:lvl4pPr marL="1371600" indent="0">
-              <a:buNone/>
-              <a:defRPr sz="2000"/>
+            <a:lvl4pPr marL="1028700" indent="0">
+              <a:buNone/>
+              <a:defRPr sz="1500"/>
             </a:lvl4pPr>
-            <a:lvl5pPr marL="1828800" indent="0">
-              <a:buNone/>
-              <a:defRPr sz="2000"/>
+            <a:lvl5pPr marL="1371600" indent="0">
+              <a:buNone/>
+              <a:defRPr sz="1500"/>
             </a:lvl5pPr>
-            <a:lvl6pPr marL="2286000" indent="0">
-              <a:buNone/>
-              <a:defRPr sz="2000"/>
+            <a:lvl6pPr marL="1714500" indent="0">
+              <a:buNone/>
+              <a:defRPr sz="1500"/>
             </a:lvl6pPr>
-            <a:lvl7pPr marL="2743200" indent="0">
-              <a:buNone/>
-              <a:defRPr sz="2000"/>
+            <a:lvl7pPr marL="2057400" indent="0">
+              <a:buNone/>
+              <a:defRPr sz="1500"/>
             </a:lvl7pPr>
-            <a:lvl8pPr marL="3200400" indent="0">
-              <a:buNone/>
-              <a:defRPr sz="2000"/>
+            <a:lvl8pPr marL="2400300" indent="0">
+              <a:buNone/>
+              <a:defRPr sz="1500"/>
             </a:lvl8pPr>
-            <a:lvl9pPr marL="3657600" indent="0">
-              <a:buNone/>
-              <a:defRPr sz="2000"/>
+            <a:lvl9pPr marL="2743200" indent="0">
+              <a:buNone/>
+              <a:defRPr sz="1500"/>
             </a:lvl9pPr>
           </a:lstStyle>
           <a:p>
@@ -2280,7 +2435,7 @@
       </p:sp>
       <p:sp>
         <p:nvSpPr>
-          <p:cNvPr id="4" name="Text Placeholder 3"/>
+          <p:cNvPr id="4" name="Symbol zastępczy tekstu 3"/>
           <p:cNvSpPr>
             <a:spLocks noGrp="1"/>
           </p:cNvSpPr>
@@ -2290,8 +2445,8 @@
         </p:nvSpPr>
         <p:spPr>
           <a:xfrm>
-            <a:off x="839788" y="2057400"/>
-            <a:ext cx="3932237" cy="3811588"/>
+            <a:off x="1792288" y="4025503"/>
+            <a:ext cx="5486400" cy="603647"/>
           </a:xfrm>
         </p:spPr>
         <p:txBody>
@@ -2299,53 +2454,53 @@
           <a:lstStyle>
             <a:lvl1pPr marL="0" indent="0">
               <a:buNone/>
-              <a:defRPr sz="1600"/>
+              <a:defRPr sz="1100"/>
             </a:lvl1pPr>
-            <a:lvl2pPr marL="457200" indent="0">
-              <a:buNone/>
-              <a:defRPr sz="1400"/>
+            <a:lvl2pPr marL="342900" indent="0">
+              <a:buNone/>
+              <a:defRPr sz="900"/>
             </a:lvl2pPr>
-            <a:lvl3pPr marL="914400" indent="0">
-              <a:buNone/>
-              <a:defRPr sz="1200"/>
+            <a:lvl3pPr marL="685800" indent="0">
+              <a:buNone/>
+              <a:defRPr sz="800"/>
             </a:lvl3pPr>
-            <a:lvl4pPr marL="1371600" indent="0">
-              <a:buNone/>
-              <a:defRPr sz="1000"/>
+            <a:lvl4pPr marL="1028700" indent="0">
+              <a:buNone/>
+              <a:defRPr sz="700"/>
             </a:lvl4pPr>
-            <a:lvl5pPr marL="1828800" indent="0">
-              <a:buNone/>
-              <a:defRPr sz="1000"/>
+            <a:lvl5pPr marL="1371600" indent="0">
+              <a:buNone/>
+              <a:defRPr sz="700"/>
             </a:lvl5pPr>
-            <a:lvl6pPr marL="2286000" indent="0">
-              <a:buNone/>
-              <a:defRPr sz="1000"/>
+            <a:lvl6pPr marL="1714500" indent="0">
+              <a:buNone/>
+              <a:defRPr sz="700"/>
             </a:lvl6pPr>
-            <a:lvl7pPr marL="2743200" indent="0">
-              <a:buNone/>
-              <a:defRPr sz="1000"/>
+            <a:lvl7pPr marL="2057400" indent="0">
+              <a:buNone/>
+              <a:defRPr sz="700"/>
             </a:lvl7pPr>
-            <a:lvl8pPr marL="3200400" indent="0">
-              <a:buNone/>
-              <a:defRPr sz="1000"/>
+            <a:lvl8pPr marL="2400300" indent="0">
+              <a:buNone/>
+              <a:defRPr sz="700"/>
             </a:lvl8pPr>
-            <a:lvl9pPr marL="3657600" indent="0">
-              <a:buNone/>
-              <a:defRPr sz="1000"/>
+            <a:lvl9pPr marL="2743200" indent="0">
+              <a:buNone/>
+              <a:defRPr sz="700"/>
             </a:lvl9pPr>
           </a:lstStyle>
           <a:p>
             <a:pPr lvl="0"/>
             <a:r>
-              <a:rPr lang="en-US" smtClean="0"/>
-              <a:t>Click to edit Master text styles</a:t>
-            </a:r>
-          </a:p>
-        </p:txBody>
-      </p:sp>
-      <p:sp>
-        <p:nvSpPr>
-          <p:cNvPr id="5" name="Date Placeholder 4"/>
+              <a:rPr lang="pl-PL" smtClean="0"/>
+              <a:t>Kliknij, aby edytować style wzorca tekstu</a:t>
+            </a:r>
+          </a:p>
+        </p:txBody>
+      </p:sp>
+      <p:sp>
+        <p:nvSpPr>
+          <p:cNvPr id="5" name="Symbol zastępczy daty 4"/>
           <p:cNvSpPr>
             <a:spLocks noGrp="1"/>
           </p:cNvSpPr>
@@ -2360,6 +2515,7 @@
           <a:p>
             <a:fld id="{BF5BBEC5-3F23-4366-AEEC-A4ED1C6FF854}" type="datetimeFigureOut">
               <a:rPr lang="pl-PL" smtClean="0"/>
+              <a:pPr/>
               <a:t>13.01.2019</a:t>
             </a:fld>
             <a:endParaRPr lang="pl-PL"/>
@@ -2368,7 +2524,7 @@
       </p:sp>
       <p:sp>
         <p:nvSpPr>
-          <p:cNvPr id="6" name="Footer Placeholder 5"/>
+          <p:cNvPr id="6" name="Symbol zastępczy stopki 5"/>
           <p:cNvSpPr>
             <a:spLocks noGrp="1"/>
           </p:cNvSpPr>
@@ -2387,7 +2543,7 @@
       </p:sp>
       <p:sp>
         <p:nvSpPr>
-          <p:cNvPr id="7" name="Slide Number Placeholder 6"/>
+          <p:cNvPr id="7" name="Symbol zastępczy numeru slajdu 6"/>
           <p:cNvSpPr>
             <a:spLocks noGrp="1"/>
           </p:cNvSpPr>
@@ -2402,6 +2558,7 @@
           <a:p>
             <a:fld id="{42F02534-CA65-4B69-9FF2-68384C4CE33C}" type="slidenum">
               <a:rPr lang="pl-PL" smtClean="0"/>
+              <a:pPr/>
               <a:t>‹#›</a:t>
             </a:fld>
             <a:endParaRPr lang="pl-PL"/>
@@ -2409,11 +2566,6 @@
         </p:txBody>
       </p:sp>
     </p:spTree>
-    <p:extLst>
-      <p:ext uri="{BB962C8B-B14F-4D97-AF65-F5344CB8AC3E}">
-        <p14:creationId xmlns:p14="http://schemas.microsoft.com/office/powerpoint/2010/main" val="2538413930"/>
-      </p:ext>
-    </p:extLst>
   </p:cSld>
   <p:clrMapOvr>
     <a:masterClrMapping/>
@@ -2425,9 +2577,19 @@
 <p:sldMaster xmlns:a="http://schemas.openxmlformats.org/drawingml/2006/main" xmlns:r="http://schemas.openxmlformats.org/officeDocument/2006/relationships" xmlns:p="http://schemas.openxmlformats.org/presentationml/2006/main">
   <p:cSld>
     <p:bg>
-      <p:bgRef idx="1001">
-        <a:schemeClr val="bg1"/>
-      </p:bgRef>
+      <p:bgPr>
+        <a:blipFill dpi="0" rotWithShape="1">
+          <a:blip r:embed="rId13">
+            <a:alphaModFix amt="15000"/>
+            <a:lum/>
+          </a:blip>
+          <a:srcRect/>
+          <a:stretch>
+            <a:fillRect t="-15000" b="-15000"/>
+          </a:stretch>
+        </a:blipFill>
+        <a:effectLst/>
+      </p:bgPr>
     </p:bg>
     <p:spTree>
       <p:nvGrpSpPr>
@@ -2445,7 +2607,7 @@
       </p:grpSpPr>
       <p:sp>
         <p:nvSpPr>
-          <p:cNvPr id="2" name="Title Placeholder 1"/>
+          <p:cNvPr id="2" name="Symbol zastępczy tytułu 1"/>
           <p:cNvSpPr>
             <a:spLocks noGrp="1"/>
           </p:cNvSpPr>
@@ -2455,22 +2617,22 @@
         </p:nvSpPr>
         <p:spPr>
           <a:xfrm>
-            <a:off x="838200" y="365125"/>
-            <a:ext cx="10515600" cy="1325563"/>
+            <a:off x="457200" y="205979"/>
+            <a:ext cx="8229600" cy="857250"/>
           </a:xfrm>
           <a:prstGeom prst="rect">
             <a:avLst/>
           </a:prstGeom>
         </p:spPr>
         <p:txBody>
-          <a:bodyPr vert="horz" lIns="91440" tIns="45720" rIns="91440" bIns="45720" rtlCol="0" anchor="ctr">
+          <a:bodyPr vert="horz" lIns="68580" tIns="34290" rIns="68580" bIns="34290" rtlCol="0" anchor="ctr">
             <a:normAutofit/>
           </a:bodyPr>
           <a:lstStyle/>
           <a:p>
             <a:r>
-              <a:rPr lang="en-US" smtClean="0"/>
-              <a:t>Click to edit Master title style</a:t>
+              <a:rPr lang="pl-PL" smtClean="0"/>
+              <a:t>Kliknij, aby edytować styl</a:t>
             </a:r>
             <a:endParaRPr lang="pl-PL"/>
           </a:p>
@@ -2478,7 +2640,7 @@
       </p:sp>
       <p:sp>
         <p:nvSpPr>
-          <p:cNvPr id="3" name="Text Placeholder 2"/>
+          <p:cNvPr id="3" name="Symbol zastępczy tekstu 2"/>
           <p:cNvSpPr>
             <a:spLocks noGrp="1"/>
           </p:cNvSpPr>
@@ -2488,51 +2650,51 @@
         </p:nvSpPr>
         <p:spPr>
           <a:xfrm>
-            <a:off x="838200" y="1825625"/>
-            <a:ext cx="10515600" cy="4351338"/>
+            <a:off x="457200" y="1200155"/>
+            <a:ext cx="8229600" cy="3394472"/>
           </a:xfrm>
           <a:prstGeom prst="rect">
             <a:avLst/>
           </a:prstGeom>
         </p:spPr>
         <p:txBody>
-          <a:bodyPr vert="horz" lIns="91440" tIns="45720" rIns="91440" bIns="45720" rtlCol="0">
+          <a:bodyPr vert="horz" lIns="68580" tIns="34290" rIns="68580" bIns="34290" rtlCol="0">
             <a:normAutofit/>
           </a:bodyPr>
           <a:lstStyle/>
           <a:p>
             <a:pPr lvl="0"/>
             <a:r>
-              <a:rPr lang="en-US" smtClean="0"/>
-              <a:t>Click to edit Master text styles</a:t>
+              <a:rPr lang="pl-PL" smtClean="0"/>
+              <a:t>Kliknij, aby edytować style wzorca tekstu</a:t>
             </a:r>
           </a:p>
           <a:p>
             <a:pPr lvl="1"/>
             <a:r>
-              <a:rPr lang="en-US" smtClean="0"/>
-              <a:t>Second level</a:t>
+              <a:rPr lang="pl-PL" smtClean="0"/>
+              <a:t>Drugi poziom</a:t>
             </a:r>
           </a:p>
           <a:p>
             <a:pPr lvl="2"/>
             <a:r>
-              <a:rPr lang="en-US" smtClean="0"/>
-              <a:t>Third level</a:t>
+              <a:rPr lang="pl-PL" smtClean="0"/>
+              <a:t>Trzeci poziom</a:t>
             </a:r>
           </a:p>
           <a:p>
             <a:pPr lvl="3"/>
             <a:r>
-              <a:rPr lang="en-US" smtClean="0"/>
-              <a:t>Fourth level</a:t>
+              <a:rPr lang="pl-PL" smtClean="0"/>
+              <a:t>Czwarty poziom</a:t>
             </a:r>
           </a:p>
           <a:p>
             <a:pPr lvl="4"/>
             <a:r>
-              <a:rPr lang="en-US" smtClean="0"/>
-              <a:t>Fifth level</a:t>
+              <a:rPr lang="pl-PL" smtClean="0"/>
+              <a:t>Piąty poziom</a:t>
             </a:r>
             <a:endParaRPr lang="pl-PL"/>
           </a:p>
@@ -2540,7 +2702,7 @@
       </p:sp>
       <p:sp>
         <p:nvSpPr>
-          <p:cNvPr id="4" name="Date Placeholder 3"/>
+          <p:cNvPr id="4" name="Symbol zastępczy daty 3"/>
           <p:cNvSpPr>
             <a:spLocks noGrp="1"/>
           </p:cNvSpPr>
@@ -2550,18 +2712,18 @@
         </p:nvSpPr>
         <p:spPr>
           <a:xfrm>
-            <a:off x="838200" y="6356350"/>
-            <a:ext cx="2743200" cy="365125"/>
+            <a:off x="457200" y="4767271"/>
+            <a:ext cx="2133600" cy="273844"/>
           </a:xfrm>
           <a:prstGeom prst="rect">
             <a:avLst/>
           </a:prstGeom>
         </p:spPr>
         <p:txBody>
-          <a:bodyPr vert="horz" lIns="91440" tIns="45720" rIns="91440" bIns="45720" rtlCol="0" anchor="ctr"/>
+          <a:bodyPr vert="horz" lIns="68580" tIns="34290" rIns="68580" bIns="34290" rtlCol="0" anchor="ctr"/>
           <a:lstStyle>
             <a:lvl1pPr algn="l">
-              <a:defRPr sz="1200">
+              <a:defRPr sz="900">
                 <a:solidFill>
                   <a:schemeClr val="tx1">
                     <a:tint val="75000"/>
@@ -2573,6 +2735,7 @@
           <a:p>
             <a:fld id="{BF5BBEC5-3F23-4366-AEEC-A4ED1C6FF854}" type="datetimeFigureOut">
               <a:rPr lang="pl-PL" smtClean="0"/>
+              <a:pPr/>
               <a:t>13.01.2019</a:t>
             </a:fld>
             <a:endParaRPr lang="pl-PL"/>
@@ -2581,7 +2744,7 @@
       </p:sp>
       <p:sp>
         <p:nvSpPr>
-          <p:cNvPr id="5" name="Footer Placeholder 4"/>
+          <p:cNvPr id="5" name="Symbol zastępczy stopki 4"/>
           <p:cNvSpPr>
             <a:spLocks noGrp="1"/>
           </p:cNvSpPr>
@@ -2591,18 +2754,18 @@
         </p:nvSpPr>
         <p:spPr>
           <a:xfrm>
-            <a:off x="4038600" y="6356350"/>
-            <a:ext cx="4114800" cy="365125"/>
+            <a:off x="3124200" y="4767271"/>
+            <a:ext cx="2895600" cy="273844"/>
           </a:xfrm>
           <a:prstGeom prst="rect">
             <a:avLst/>
           </a:prstGeom>
         </p:spPr>
         <p:txBody>
-          <a:bodyPr vert="horz" lIns="91440" tIns="45720" rIns="91440" bIns="45720" rtlCol="0" anchor="ctr"/>
+          <a:bodyPr vert="horz" lIns="68580" tIns="34290" rIns="68580" bIns="34290" rtlCol="0" anchor="ctr"/>
           <a:lstStyle>
             <a:lvl1pPr algn="ctr">
-              <a:defRPr sz="1200">
+              <a:defRPr sz="900">
                 <a:solidFill>
                   <a:schemeClr val="tx1">
                     <a:tint val="75000"/>
@@ -2618,7 +2781,7 @@
       </p:sp>
       <p:sp>
         <p:nvSpPr>
-          <p:cNvPr id="6" name="Slide Number Placeholder 5"/>
+          <p:cNvPr id="6" name="Symbol zastępczy numeru slajdu 5"/>
           <p:cNvSpPr>
             <a:spLocks noGrp="1"/>
           </p:cNvSpPr>
@@ -2628,18 +2791,18 @@
         </p:nvSpPr>
         <p:spPr>
           <a:xfrm>
-            <a:off x="8610600" y="6356350"/>
-            <a:ext cx="2743200" cy="365125"/>
+            <a:off x="6553200" y="4767271"/>
+            <a:ext cx="2133600" cy="273844"/>
           </a:xfrm>
           <a:prstGeom prst="rect">
             <a:avLst/>
           </a:prstGeom>
         </p:spPr>
         <p:txBody>
-          <a:bodyPr vert="horz" lIns="91440" tIns="45720" rIns="91440" bIns="45720" rtlCol="0" anchor="ctr"/>
+          <a:bodyPr vert="horz" lIns="68580" tIns="34290" rIns="68580" bIns="34290" rtlCol="0" anchor="ctr"/>
           <a:lstStyle>
             <a:lvl1pPr algn="r">
-              <a:defRPr sz="1200">
+              <a:defRPr sz="900">
                 <a:solidFill>
                   <a:schemeClr val="tx1">
                     <a:tint val="75000"/>
@@ -2651,6 +2814,7 @@
           <a:p>
             <a:fld id="{42F02534-CA65-4B69-9FF2-68384C4CE33C}" type="slidenum">
               <a:rPr lang="pl-PL" smtClean="0"/>
+              <a:pPr/>
               <a:t>‹#›</a:t>
             </a:fld>
             <a:endParaRPr lang="pl-PL"/>
@@ -2658,37 +2822,29 @@
         </p:txBody>
       </p:sp>
     </p:spTree>
-    <p:extLst>
-      <p:ext uri="{BB962C8B-B14F-4D97-AF65-F5344CB8AC3E}">
-        <p14:creationId xmlns:p14="http://schemas.microsoft.com/office/powerpoint/2010/main" val="2784078502"/>
-      </p:ext>
-    </p:extLst>
   </p:cSld>
   <p:clrMap bg1="lt1" tx1="dk1" bg2="lt2" tx2="dk2" accent1="accent1" accent2="accent2" accent3="accent3" accent4="accent4" accent5="accent5" accent6="accent6" hlink="hlink" folHlink="folHlink"/>
   <p:sldLayoutIdLst>
-    <p:sldLayoutId id="2147483649" r:id="rId1"/>
-    <p:sldLayoutId id="2147483650" r:id="rId2"/>
-    <p:sldLayoutId id="2147483651" r:id="rId3"/>
-    <p:sldLayoutId id="2147483652" r:id="rId4"/>
-    <p:sldLayoutId id="2147483653" r:id="rId5"/>
-    <p:sldLayoutId id="2147483654" r:id="rId6"/>
-    <p:sldLayoutId id="2147483655" r:id="rId7"/>
-    <p:sldLayoutId id="2147483656" r:id="rId8"/>
-    <p:sldLayoutId id="2147483657" r:id="rId9"/>
-    <p:sldLayoutId id="2147483658" r:id="rId10"/>
-    <p:sldLayoutId id="2147483659" r:id="rId11"/>
+    <p:sldLayoutId id="2147483793" r:id="rId1"/>
+    <p:sldLayoutId id="2147483794" r:id="rId2"/>
+    <p:sldLayoutId id="2147483795" r:id="rId3"/>
+    <p:sldLayoutId id="2147483796" r:id="rId4"/>
+    <p:sldLayoutId id="2147483797" r:id="rId5"/>
+    <p:sldLayoutId id="2147483798" r:id="rId6"/>
+    <p:sldLayoutId id="2147483799" r:id="rId7"/>
+    <p:sldLayoutId id="2147483800" r:id="rId8"/>
+    <p:sldLayoutId id="2147483801" r:id="rId9"/>
+    <p:sldLayoutId id="2147483802" r:id="rId10"/>
+    <p:sldLayoutId id="2147483803" r:id="rId11"/>
   </p:sldLayoutIdLst>
   <p:txStyles>
     <p:titleStyle>
-      <a:lvl1pPr algn="l" defTabSz="914400" rtl="0" eaLnBrk="1" latinLnBrk="0" hangingPunct="1">
-        <a:lnSpc>
-          <a:spcPct val="90000"/>
-        </a:lnSpc>
+      <a:lvl1pPr algn="ctr" defTabSz="685800" rtl="0" eaLnBrk="1" latinLnBrk="0" hangingPunct="1">
         <a:spcBef>
           <a:spcPct val="0"/>
         </a:spcBef>
         <a:buNone/>
-        <a:defRPr sz="4400" kern="1200">
+        <a:defRPr sz="3300" kern="1200">
           <a:solidFill>
             <a:schemeClr val="tx1"/>
           </a:solidFill>
@@ -2699,32 +2855,11 @@
       </a:lvl1pPr>
     </p:titleStyle>
     <p:bodyStyle>
-      <a:lvl1pPr marL="228600" indent="-228600" algn="l" defTabSz="914400" rtl="0" eaLnBrk="1" latinLnBrk="0" hangingPunct="1">
-        <a:lnSpc>
-          <a:spcPct val="90000"/>
-        </a:lnSpc>
+      <a:lvl1pPr marL="257175" indent="-257175" algn="l" defTabSz="685800" rtl="0" eaLnBrk="1" latinLnBrk="0" hangingPunct="1">
         <a:spcBef>
-          <a:spcPts val="1000"/>
+          <a:spcPct val="20000"/>
         </a:spcBef>
-        <a:buFont typeface="Arial" panose="020B0604020202020204" pitchFamily="34" charset="0"/>
-        <a:buChar char="•"/>
-        <a:defRPr sz="2800" kern="1200">
-          <a:solidFill>
-            <a:schemeClr val="tx1"/>
-          </a:solidFill>
-          <a:latin typeface="+mn-lt"/>
-          <a:ea typeface="+mn-ea"/>
-          <a:cs typeface="+mn-cs"/>
-        </a:defRPr>
-      </a:lvl1pPr>
-      <a:lvl2pPr marL="685800" indent="-228600" algn="l" defTabSz="914400" rtl="0" eaLnBrk="1" latinLnBrk="0" hangingPunct="1">
-        <a:lnSpc>
-          <a:spcPct val="90000"/>
-        </a:lnSpc>
-        <a:spcBef>
-          <a:spcPts val="500"/>
-        </a:spcBef>
-        <a:buFont typeface="Arial" panose="020B0604020202020204" pitchFamily="34" charset="0"/>
+        <a:buFont typeface="Arial" pitchFamily="34" charset="0"/>
         <a:buChar char="•"/>
         <a:defRPr sz="2400" kern="1200">
           <a:solidFill>
@@ -2734,17 +2869,14 @@
           <a:ea typeface="+mn-ea"/>
           <a:cs typeface="+mn-cs"/>
         </a:defRPr>
-      </a:lvl2pPr>
-      <a:lvl3pPr marL="1143000" indent="-228600" algn="l" defTabSz="914400" rtl="0" eaLnBrk="1" latinLnBrk="0" hangingPunct="1">
-        <a:lnSpc>
-          <a:spcPct val="90000"/>
-        </a:lnSpc>
+      </a:lvl1pPr>
+      <a:lvl2pPr marL="557213" indent="-214313" algn="l" defTabSz="685800" rtl="0" eaLnBrk="1" latinLnBrk="0" hangingPunct="1">
         <a:spcBef>
-          <a:spcPts val="500"/>
+          <a:spcPct val="20000"/>
         </a:spcBef>
-        <a:buFont typeface="Arial" panose="020B0604020202020204" pitchFamily="34" charset="0"/>
-        <a:buChar char="•"/>
-        <a:defRPr sz="2000" kern="1200">
+        <a:buFont typeface="Arial" pitchFamily="34" charset="0"/>
+        <a:buChar char="–"/>
+        <a:defRPr sz="2100" kern="1200">
           <a:solidFill>
             <a:schemeClr val="tx1"/>
           </a:solidFill>
@@ -2752,15 +2884,12 @@
           <a:ea typeface="+mn-ea"/>
           <a:cs typeface="+mn-cs"/>
         </a:defRPr>
-      </a:lvl3pPr>
-      <a:lvl4pPr marL="1600200" indent="-228600" algn="l" defTabSz="914400" rtl="0" eaLnBrk="1" latinLnBrk="0" hangingPunct="1">
-        <a:lnSpc>
-          <a:spcPct val="90000"/>
-        </a:lnSpc>
+      </a:lvl2pPr>
+      <a:lvl3pPr marL="857250" indent="-171450" algn="l" defTabSz="685800" rtl="0" eaLnBrk="1" latinLnBrk="0" hangingPunct="1">
         <a:spcBef>
-          <a:spcPts val="500"/>
+          <a:spcPct val="20000"/>
         </a:spcBef>
-        <a:buFont typeface="Arial" panose="020B0604020202020204" pitchFamily="34" charset="0"/>
+        <a:buFont typeface="Arial" pitchFamily="34" charset="0"/>
         <a:buChar char="•"/>
         <a:defRPr sz="1800" kern="1200">
           <a:solidFill>
@@ -2770,17 +2899,29 @@
           <a:ea typeface="+mn-ea"/>
           <a:cs typeface="+mn-cs"/>
         </a:defRPr>
+      </a:lvl3pPr>
+      <a:lvl4pPr marL="1200150" indent="-171450" algn="l" defTabSz="685800" rtl="0" eaLnBrk="1" latinLnBrk="0" hangingPunct="1">
+        <a:spcBef>
+          <a:spcPct val="20000"/>
+        </a:spcBef>
+        <a:buFont typeface="Arial" pitchFamily="34" charset="0"/>
+        <a:buChar char="–"/>
+        <a:defRPr sz="1500" kern="1200">
+          <a:solidFill>
+            <a:schemeClr val="tx1"/>
+          </a:solidFill>
+          <a:latin typeface="+mn-lt"/>
+          <a:ea typeface="+mn-ea"/>
+          <a:cs typeface="+mn-cs"/>
+        </a:defRPr>
       </a:lvl4pPr>
-      <a:lvl5pPr marL="2057400" indent="-228600" algn="l" defTabSz="914400" rtl="0" eaLnBrk="1" latinLnBrk="0" hangingPunct="1">
-        <a:lnSpc>
-          <a:spcPct val="90000"/>
-        </a:lnSpc>
+      <a:lvl5pPr marL="1543050" indent="-171450" algn="l" defTabSz="685800" rtl="0" eaLnBrk="1" latinLnBrk="0" hangingPunct="1">
         <a:spcBef>
-          <a:spcPts val="500"/>
+          <a:spcPct val="20000"/>
         </a:spcBef>
-        <a:buFont typeface="Arial" panose="020B0604020202020204" pitchFamily="34" charset="0"/>
-        <a:buChar char="•"/>
-        <a:defRPr sz="1800" kern="1200">
+        <a:buFont typeface="Arial" pitchFamily="34" charset="0"/>
+        <a:buChar char="»"/>
+        <a:defRPr sz="1500" kern="1200">
           <a:solidFill>
             <a:schemeClr val="tx1"/>
           </a:solidFill>
@@ -2789,16 +2930,13 @@
           <a:cs typeface="+mn-cs"/>
         </a:defRPr>
       </a:lvl5pPr>
-      <a:lvl6pPr marL="2514600" indent="-228600" algn="l" defTabSz="914400" rtl="0" eaLnBrk="1" latinLnBrk="0" hangingPunct="1">
-        <a:lnSpc>
-          <a:spcPct val="90000"/>
-        </a:lnSpc>
+      <a:lvl6pPr marL="1885950" indent="-171450" algn="l" defTabSz="685800" rtl="0" eaLnBrk="1" latinLnBrk="0" hangingPunct="1">
         <a:spcBef>
-          <a:spcPts val="500"/>
+          <a:spcPct val="20000"/>
         </a:spcBef>
-        <a:buFont typeface="Arial" panose="020B0604020202020204" pitchFamily="34" charset="0"/>
+        <a:buFont typeface="Arial" pitchFamily="34" charset="0"/>
         <a:buChar char="•"/>
-        <a:defRPr sz="1800" kern="1200">
+        <a:defRPr sz="1500" kern="1200">
           <a:solidFill>
             <a:schemeClr val="tx1"/>
           </a:solidFill>
@@ -2807,16 +2945,13 @@
           <a:cs typeface="+mn-cs"/>
         </a:defRPr>
       </a:lvl6pPr>
-      <a:lvl7pPr marL="2971800" indent="-228600" algn="l" defTabSz="914400" rtl="0" eaLnBrk="1" latinLnBrk="0" hangingPunct="1">
-        <a:lnSpc>
-          <a:spcPct val="90000"/>
-        </a:lnSpc>
+      <a:lvl7pPr marL="2228850" indent="-171450" algn="l" defTabSz="685800" rtl="0" eaLnBrk="1" latinLnBrk="0" hangingPunct="1">
         <a:spcBef>
-          <a:spcPts val="500"/>
+          <a:spcPct val="20000"/>
         </a:spcBef>
-        <a:buFont typeface="Arial" panose="020B0604020202020204" pitchFamily="34" charset="0"/>
+        <a:buFont typeface="Arial" pitchFamily="34" charset="0"/>
         <a:buChar char="•"/>
-        <a:defRPr sz="1800" kern="1200">
+        <a:defRPr sz="1500" kern="1200">
           <a:solidFill>
             <a:schemeClr val="tx1"/>
           </a:solidFill>
@@ -2825,16 +2960,13 @@
           <a:cs typeface="+mn-cs"/>
         </a:defRPr>
       </a:lvl7pPr>
-      <a:lvl8pPr marL="3429000" indent="-228600" algn="l" defTabSz="914400" rtl="0" eaLnBrk="1" latinLnBrk="0" hangingPunct="1">
-        <a:lnSpc>
-          <a:spcPct val="90000"/>
-        </a:lnSpc>
+      <a:lvl8pPr marL="2571750" indent="-171450" algn="l" defTabSz="685800" rtl="0" eaLnBrk="1" latinLnBrk="0" hangingPunct="1">
         <a:spcBef>
-          <a:spcPts val="500"/>
+          <a:spcPct val="20000"/>
         </a:spcBef>
-        <a:buFont typeface="Arial" panose="020B0604020202020204" pitchFamily="34" charset="0"/>
+        <a:buFont typeface="Arial" pitchFamily="34" charset="0"/>
         <a:buChar char="•"/>
-        <a:defRPr sz="1800" kern="1200">
+        <a:defRPr sz="1500" kern="1200">
           <a:solidFill>
             <a:schemeClr val="tx1"/>
           </a:solidFill>
@@ -2843,16 +2975,13 @@
           <a:cs typeface="+mn-cs"/>
         </a:defRPr>
       </a:lvl8pPr>
-      <a:lvl9pPr marL="3886200" indent="-228600" algn="l" defTabSz="914400" rtl="0" eaLnBrk="1" latinLnBrk="0" hangingPunct="1">
-        <a:lnSpc>
-          <a:spcPct val="90000"/>
-        </a:lnSpc>
+      <a:lvl9pPr marL="2914650" indent="-171450" algn="l" defTabSz="685800" rtl="0" eaLnBrk="1" latinLnBrk="0" hangingPunct="1">
         <a:spcBef>
-          <a:spcPts val="500"/>
+          <a:spcPct val="20000"/>
         </a:spcBef>
-        <a:buFont typeface="Arial" panose="020B0604020202020204" pitchFamily="34" charset="0"/>
+        <a:buFont typeface="Arial" pitchFamily="34" charset="0"/>
         <a:buChar char="•"/>
-        <a:defRPr sz="1800" kern="1200">
+        <a:defRPr sz="1500" kern="1200">
           <a:solidFill>
             <a:schemeClr val="tx1"/>
           </a:solidFill>
@@ -2866,8 +2995,8 @@
       <a:defPPr>
         <a:defRPr lang="pl-PL"/>
       </a:defPPr>
-      <a:lvl1pPr marL="0" algn="l" defTabSz="914400" rtl="0" eaLnBrk="1" latinLnBrk="0" hangingPunct="1">
-        <a:defRPr sz="1800" kern="1200">
+      <a:lvl1pPr marL="0" algn="l" defTabSz="685800" rtl="0" eaLnBrk="1" latinLnBrk="0" hangingPunct="1">
+        <a:defRPr sz="1400" kern="1200">
           <a:solidFill>
             <a:schemeClr val="tx1"/>
           </a:solidFill>
@@ -2876,8 +3005,8 @@
           <a:cs typeface="+mn-cs"/>
         </a:defRPr>
       </a:lvl1pPr>
-      <a:lvl2pPr marL="457200" algn="l" defTabSz="914400" rtl="0" eaLnBrk="1" latinLnBrk="0" hangingPunct="1">
-        <a:defRPr sz="1800" kern="1200">
+      <a:lvl2pPr marL="342900" algn="l" defTabSz="685800" rtl="0" eaLnBrk="1" latinLnBrk="0" hangingPunct="1">
+        <a:defRPr sz="1400" kern="1200">
           <a:solidFill>
             <a:schemeClr val="tx1"/>
           </a:solidFill>
@@ -2886,8 +3015,8 @@
           <a:cs typeface="+mn-cs"/>
         </a:defRPr>
       </a:lvl2pPr>
-      <a:lvl3pPr marL="914400" algn="l" defTabSz="914400" rtl="0" eaLnBrk="1" latinLnBrk="0" hangingPunct="1">
-        <a:defRPr sz="1800" kern="1200">
+      <a:lvl3pPr marL="685800" algn="l" defTabSz="685800" rtl="0" eaLnBrk="1" latinLnBrk="0" hangingPunct="1">
+        <a:defRPr sz="1400" kern="1200">
           <a:solidFill>
             <a:schemeClr val="tx1"/>
           </a:solidFill>
@@ -2896,8 +3025,8 @@
           <a:cs typeface="+mn-cs"/>
         </a:defRPr>
       </a:lvl3pPr>
-      <a:lvl4pPr marL="1371600" algn="l" defTabSz="914400" rtl="0" eaLnBrk="1" latinLnBrk="0" hangingPunct="1">
-        <a:defRPr sz="1800" kern="1200">
+      <a:lvl4pPr marL="1028700" algn="l" defTabSz="685800" rtl="0" eaLnBrk="1" latinLnBrk="0" hangingPunct="1">
+        <a:defRPr sz="1400" kern="1200">
           <a:solidFill>
             <a:schemeClr val="tx1"/>
           </a:solidFill>
@@ -2906,8 +3035,8 @@
           <a:cs typeface="+mn-cs"/>
         </a:defRPr>
       </a:lvl4pPr>
-      <a:lvl5pPr marL="1828800" algn="l" defTabSz="914400" rtl="0" eaLnBrk="1" latinLnBrk="0" hangingPunct="1">
-        <a:defRPr sz="1800" kern="1200">
+      <a:lvl5pPr marL="1371600" algn="l" defTabSz="685800" rtl="0" eaLnBrk="1" latinLnBrk="0" hangingPunct="1">
+        <a:defRPr sz="1400" kern="1200">
           <a:solidFill>
             <a:schemeClr val="tx1"/>
           </a:solidFill>
@@ -2916,8 +3045,8 @@
           <a:cs typeface="+mn-cs"/>
         </a:defRPr>
       </a:lvl5pPr>
-      <a:lvl6pPr marL="2286000" algn="l" defTabSz="914400" rtl="0" eaLnBrk="1" latinLnBrk="0" hangingPunct="1">
-        <a:defRPr sz="1800" kern="1200">
+      <a:lvl6pPr marL="1714500" algn="l" defTabSz="685800" rtl="0" eaLnBrk="1" latinLnBrk="0" hangingPunct="1">
+        <a:defRPr sz="1400" kern="1200">
           <a:solidFill>
             <a:schemeClr val="tx1"/>
           </a:solidFill>
@@ -2926,8 +3055,8 @@
           <a:cs typeface="+mn-cs"/>
         </a:defRPr>
       </a:lvl6pPr>
-      <a:lvl7pPr marL="2743200" algn="l" defTabSz="914400" rtl="0" eaLnBrk="1" latinLnBrk="0" hangingPunct="1">
-        <a:defRPr sz="1800" kern="1200">
+      <a:lvl7pPr marL="2057400" algn="l" defTabSz="685800" rtl="0" eaLnBrk="1" latinLnBrk="0" hangingPunct="1">
+        <a:defRPr sz="1400" kern="1200">
           <a:solidFill>
             <a:schemeClr val="tx1"/>
           </a:solidFill>
@@ -2936,8 +3065,8 @@
           <a:cs typeface="+mn-cs"/>
         </a:defRPr>
       </a:lvl7pPr>
-      <a:lvl8pPr marL="3200400" algn="l" defTabSz="914400" rtl="0" eaLnBrk="1" latinLnBrk="0" hangingPunct="1">
-        <a:defRPr sz="1800" kern="1200">
+      <a:lvl8pPr marL="2400300" algn="l" defTabSz="685800" rtl="0" eaLnBrk="1" latinLnBrk="0" hangingPunct="1">
+        <a:defRPr sz="1400" kern="1200">
           <a:solidFill>
             <a:schemeClr val="tx1"/>
           </a:solidFill>
@@ -2946,8 +3075,8 @@
           <a:cs typeface="+mn-cs"/>
         </a:defRPr>
       </a:lvl8pPr>
-      <a:lvl9pPr marL="3657600" algn="l" defTabSz="914400" rtl="0" eaLnBrk="1" latinLnBrk="0" hangingPunct="1">
-        <a:defRPr sz="1800" kern="1200">
+      <a:lvl9pPr marL="2743200" algn="l" defTabSz="685800" rtl="0" eaLnBrk="1" latinLnBrk="0" hangingPunct="1">
+        <a:defRPr sz="1400" kern="1200">
           <a:solidFill>
             <a:schemeClr val="tx1"/>
           </a:solidFill>
@@ -2964,6 +3093,20 @@
 <file path=ppt/slides/slide1.xml><?xml version="1.0" encoding="utf-8"?>
 <p:sld xmlns:a="http://schemas.openxmlformats.org/drawingml/2006/main" xmlns:r="http://schemas.openxmlformats.org/officeDocument/2006/relationships" xmlns:p="http://schemas.openxmlformats.org/presentationml/2006/main">
   <p:cSld>
+    <p:bg>
+      <p:bgPr>
+        <a:blipFill dpi="0" rotWithShape="1">
+          <a:blip r:embed="rId2">
+            <a:lum/>
+          </a:blip>
+          <a:srcRect/>
+          <a:stretch>
+            <a:fillRect/>
+          </a:stretch>
+        </a:blipFill>
+        <a:effectLst/>
+      </p:bgPr>
+    </p:bg>
     <p:spTree>
       <p:nvGrpSpPr>
         <p:cNvPr id="1" name=""/>
@@ -2978,284 +3121,10 @@
           <a:chExt cx="0" cy="0"/>
         </a:xfrm>
       </p:grpSpPr>
-      <p:sp>
-        <p:nvSpPr>
-          <p:cNvPr id="2" name="Title 1"/>
-          <p:cNvSpPr>
-            <a:spLocks noGrp="1"/>
-          </p:cNvSpPr>
-          <p:nvPr>
-            <p:ph type="ctrTitle"/>
-          </p:nvPr>
-        </p:nvSpPr>
-        <p:spPr/>
-        <p:txBody>
-          <a:bodyPr>
-            <a:normAutofit fontScale="90000"/>
-          </a:bodyPr>
-          <a:lstStyle/>
-          <a:p>
-            <a:r>
-              <a:rPr lang="pl-PL" dirty="0" smtClean="0"/>
-              <a:t>Accommodation Announcements</a:t>
-            </a:r>
-            <a:br>
-              <a:rPr lang="pl-PL" dirty="0" smtClean="0"/>
-            </a:br>
-            <a:r>
-              <a:rPr lang="pl-PL" dirty="0" smtClean="0"/>
-              <a:t>Projekt</a:t>
-            </a:r>
-            <a:endParaRPr lang="pl-PL" dirty="0"/>
-          </a:p>
-        </p:txBody>
-      </p:sp>
-      <p:sp>
-        <p:nvSpPr>
-          <p:cNvPr id="3" name="Subtitle 2"/>
-          <p:cNvSpPr>
-            <a:spLocks noGrp="1"/>
-          </p:cNvSpPr>
-          <p:nvPr>
-            <p:ph type="subTitle" idx="1"/>
-          </p:nvPr>
-        </p:nvSpPr>
-        <p:spPr/>
-        <p:txBody>
-          <a:bodyPr/>
-          <a:lstStyle/>
-          <a:p>
-            <a:r>
-              <a:rPr lang="pl-PL" dirty="0" smtClean="0"/>
-              <a:t>Rezerwowanie noclegów jeszcze nie było takie proste.</a:t>
-            </a:r>
-            <a:endParaRPr lang="pl-PL" dirty="0"/>
-          </a:p>
-        </p:txBody>
-      </p:sp>
-      <p:sp>
-        <p:nvSpPr>
-          <p:cNvPr id="4" name="Subtitle 2"/>
-          <p:cNvSpPr txBox="1">
-            <a:spLocks/>
-          </p:cNvSpPr>
-          <p:nvPr/>
-        </p:nvSpPr>
-        <p:spPr>
-          <a:xfrm>
-            <a:off x="1524000" y="3946026"/>
-            <a:ext cx="9144000" cy="1655762"/>
-          </a:xfrm>
-          <a:prstGeom prst="rect">
-            <a:avLst/>
-          </a:prstGeom>
-        </p:spPr>
-        <p:txBody>
-          <a:bodyPr vert="horz" lIns="91440" tIns="45720" rIns="91440" bIns="45720" rtlCol="0">
-            <a:normAutofit/>
-          </a:bodyPr>
-          <a:lstStyle>
-            <a:lvl1pPr marL="0" indent="0" algn="ctr" defTabSz="914400" rtl="0" eaLnBrk="1" latinLnBrk="0" hangingPunct="1">
-              <a:lnSpc>
-                <a:spcPct val="90000"/>
-              </a:lnSpc>
-              <a:spcBef>
-                <a:spcPts val="1000"/>
-              </a:spcBef>
-              <a:buFont typeface="Arial" panose="020B0604020202020204" pitchFamily="34" charset="0"/>
-              <a:buNone/>
-              <a:defRPr sz="2400" kern="1200">
-                <a:solidFill>
-                  <a:schemeClr val="tx1"/>
-                </a:solidFill>
-                <a:latin typeface="+mn-lt"/>
-                <a:ea typeface="+mn-ea"/>
-                <a:cs typeface="+mn-cs"/>
-              </a:defRPr>
-            </a:lvl1pPr>
-            <a:lvl2pPr marL="457200" indent="0" algn="ctr" defTabSz="914400" rtl="0" eaLnBrk="1" latinLnBrk="0" hangingPunct="1">
-              <a:lnSpc>
-                <a:spcPct val="90000"/>
-              </a:lnSpc>
-              <a:spcBef>
-                <a:spcPts val="500"/>
-              </a:spcBef>
-              <a:buFont typeface="Arial" panose="020B0604020202020204" pitchFamily="34" charset="0"/>
-              <a:buNone/>
-              <a:defRPr sz="2000" kern="1200">
-                <a:solidFill>
-                  <a:schemeClr val="tx1"/>
-                </a:solidFill>
-                <a:latin typeface="+mn-lt"/>
-                <a:ea typeface="+mn-ea"/>
-                <a:cs typeface="+mn-cs"/>
-              </a:defRPr>
-            </a:lvl2pPr>
-            <a:lvl3pPr marL="914400" indent="0" algn="ctr" defTabSz="914400" rtl="0" eaLnBrk="1" latinLnBrk="0" hangingPunct="1">
-              <a:lnSpc>
-                <a:spcPct val="90000"/>
-              </a:lnSpc>
-              <a:spcBef>
-                <a:spcPts val="500"/>
-              </a:spcBef>
-              <a:buFont typeface="Arial" panose="020B0604020202020204" pitchFamily="34" charset="0"/>
-              <a:buNone/>
-              <a:defRPr sz="1800" kern="1200">
-                <a:solidFill>
-                  <a:schemeClr val="tx1"/>
-                </a:solidFill>
-                <a:latin typeface="+mn-lt"/>
-                <a:ea typeface="+mn-ea"/>
-                <a:cs typeface="+mn-cs"/>
-              </a:defRPr>
-            </a:lvl3pPr>
-            <a:lvl4pPr marL="1371600" indent="0" algn="ctr" defTabSz="914400" rtl="0" eaLnBrk="1" latinLnBrk="0" hangingPunct="1">
-              <a:lnSpc>
-                <a:spcPct val="90000"/>
-              </a:lnSpc>
-              <a:spcBef>
-                <a:spcPts val="500"/>
-              </a:spcBef>
-              <a:buFont typeface="Arial" panose="020B0604020202020204" pitchFamily="34" charset="0"/>
-              <a:buNone/>
-              <a:defRPr sz="1600" kern="1200">
-                <a:solidFill>
-                  <a:schemeClr val="tx1"/>
-                </a:solidFill>
-                <a:latin typeface="+mn-lt"/>
-                <a:ea typeface="+mn-ea"/>
-                <a:cs typeface="+mn-cs"/>
-              </a:defRPr>
-            </a:lvl4pPr>
-            <a:lvl5pPr marL="1828800" indent="0" algn="ctr" defTabSz="914400" rtl="0" eaLnBrk="1" latinLnBrk="0" hangingPunct="1">
-              <a:lnSpc>
-                <a:spcPct val="90000"/>
-              </a:lnSpc>
-              <a:spcBef>
-                <a:spcPts val="500"/>
-              </a:spcBef>
-              <a:buFont typeface="Arial" panose="020B0604020202020204" pitchFamily="34" charset="0"/>
-              <a:buNone/>
-              <a:defRPr sz="1600" kern="1200">
-                <a:solidFill>
-                  <a:schemeClr val="tx1"/>
-                </a:solidFill>
-                <a:latin typeface="+mn-lt"/>
-                <a:ea typeface="+mn-ea"/>
-                <a:cs typeface="+mn-cs"/>
-              </a:defRPr>
-            </a:lvl5pPr>
-            <a:lvl6pPr marL="2286000" indent="0" algn="ctr" defTabSz="914400" rtl="0" eaLnBrk="1" latinLnBrk="0" hangingPunct="1">
-              <a:lnSpc>
-                <a:spcPct val="90000"/>
-              </a:lnSpc>
-              <a:spcBef>
-                <a:spcPts val="500"/>
-              </a:spcBef>
-              <a:buFont typeface="Arial" panose="020B0604020202020204" pitchFamily="34" charset="0"/>
-              <a:buNone/>
-              <a:defRPr sz="1600" kern="1200">
-                <a:solidFill>
-                  <a:schemeClr val="tx1"/>
-                </a:solidFill>
-                <a:latin typeface="+mn-lt"/>
-                <a:ea typeface="+mn-ea"/>
-                <a:cs typeface="+mn-cs"/>
-              </a:defRPr>
-            </a:lvl6pPr>
-            <a:lvl7pPr marL="2743200" indent="0" algn="ctr" defTabSz="914400" rtl="0" eaLnBrk="1" latinLnBrk="0" hangingPunct="1">
-              <a:lnSpc>
-                <a:spcPct val="90000"/>
-              </a:lnSpc>
-              <a:spcBef>
-                <a:spcPts val="500"/>
-              </a:spcBef>
-              <a:buFont typeface="Arial" panose="020B0604020202020204" pitchFamily="34" charset="0"/>
-              <a:buNone/>
-              <a:defRPr sz="1600" kern="1200">
-                <a:solidFill>
-                  <a:schemeClr val="tx1"/>
-                </a:solidFill>
-                <a:latin typeface="+mn-lt"/>
-                <a:ea typeface="+mn-ea"/>
-                <a:cs typeface="+mn-cs"/>
-              </a:defRPr>
-            </a:lvl7pPr>
-            <a:lvl8pPr marL="3200400" indent="0" algn="ctr" defTabSz="914400" rtl="0" eaLnBrk="1" latinLnBrk="0" hangingPunct="1">
-              <a:lnSpc>
-                <a:spcPct val="90000"/>
-              </a:lnSpc>
-              <a:spcBef>
-                <a:spcPts val="500"/>
-              </a:spcBef>
-              <a:buFont typeface="Arial" panose="020B0604020202020204" pitchFamily="34" charset="0"/>
-              <a:buNone/>
-              <a:defRPr sz="1600" kern="1200">
-                <a:solidFill>
-                  <a:schemeClr val="tx1"/>
-                </a:solidFill>
-                <a:latin typeface="+mn-lt"/>
-                <a:ea typeface="+mn-ea"/>
-                <a:cs typeface="+mn-cs"/>
-              </a:defRPr>
-            </a:lvl8pPr>
-            <a:lvl9pPr marL="3657600" indent="0" algn="ctr" defTabSz="914400" rtl="0" eaLnBrk="1" latinLnBrk="0" hangingPunct="1">
-              <a:lnSpc>
-                <a:spcPct val="90000"/>
-              </a:lnSpc>
-              <a:spcBef>
-                <a:spcPts val="500"/>
-              </a:spcBef>
-              <a:buFont typeface="Arial" panose="020B0604020202020204" pitchFamily="34" charset="0"/>
-              <a:buNone/>
-              <a:defRPr sz="1600" kern="1200">
-                <a:solidFill>
-                  <a:schemeClr val="tx1"/>
-                </a:solidFill>
-                <a:latin typeface="+mn-lt"/>
-                <a:ea typeface="+mn-ea"/>
-                <a:cs typeface="+mn-cs"/>
-              </a:defRPr>
-            </a:lvl9pPr>
-          </a:lstStyle>
-          <a:p>
-            <a:pPr algn="r"/>
-            <a:r>
-              <a:rPr lang="pl-PL" sz="1200" i="1" dirty="0"/>
-              <a:t>Autorzy:</a:t>
-            </a:r>
-          </a:p>
-          <a:p>
-            <a:pPr algn="r"/>
-            <a:r>
-              <a:rPr lang="pl-PL" sz="1200" i="1" dirty="0"/>
-              <a:t>Jarosław Słabik</a:t>
-            </a:r>
-          </a:p>
-          <a:p>
-            <a:pPr algn="r"/>
-            <a:r>
-              <a:rPr lang="pl-PL" sz="1200" i="1" dirty="0"/>
-              <a:t>Bartek Dębkowski</a:t>
-            </a:r>
-          </a:p>
-          <a:p>
-            <a:pPr algn="r"/>
-            <a:r>
-              <a:rPr lang="pl-PL" sz="1200" i="1" dirty="0"/>
-              <a:t>Jan Woroniecki</a:t>
-            </a:r>
-          </a:p>
-          <a:p>
-            <a:pPr algn="r"/>
-            <a:endParaRPr lang="pl-PL" sz="1200" dirty="0"/>
-          </a:p>
-        </p:txBody>
-      </p:sp>
     </p:spTree>
     <p:extLst>
       <p:ext uri="{BB962C8B-B14F-4D97-AF65-F5344CB8AC3E}">
-        <p14:creationId xmlns:p14="http://schemas.microsoft.com/office/powerpoint/2010/main" val="3501191804"/>
+        <p14:creationId xmlns="" xmlns:p14="http://schemas.microsoft.com/office/powerpoint/2010/main" val="3501191804"/>
       </p:ext>
     </p:extLst>
   </p:cSld>
@@ -3284,22 +3153,24 @@
       </p:grpSpPr>
       <p:sp>
         <p:nvSpPr>
-          <p:cNvPr id="4" name="Title 3"/>
-          <p:cNvSpPr>
-            <a:spLocks noGrp="1"/>
-          </p:cNvSpPr>
-          <p:nvPr>
-            <p:ph type="ctrTitle"/>
+          <p:cNvPr id="2" name="Tytuł 1"/>
+          <p:cNvSpPr>
+            <a:spLocks noGrp="1"/>
+          </p:cNvSpPr>
+          <p:nvPr>
+            <p:ph type="title"/>
           </p:nvPr>
         </p:nvSpPr>
         <p:spPr/>
         <p:txBody>
-          <a:bodyPr/>
-          <a:lstStyle/>
-          <a:p>
-            <a:r>
-              <a:rPr lang="pl-PL" dirty="0" smtClean="0"/>
-              <a:t>Dziękujemy za uwagę.</a:t>
+          <a:bodyPr>
+            <a:normAutofit/>
+          </a:bodyPr>
+          <a:lstStyle/>
+          <a:p>
+            <a:r>
+              <a:rPr lang="pl-PL" dirty="0" smtClean="0"/>
+              <a:t>Potwierdzanie ofert przez Administratora</a:t>
             </a:r>
             <a:endParaRPr lang="pl-PL" dirty="0"/>
           </a:p>
@@ -3307,12 +3178,105 @@
       </p:sp>
       <p:sp>
         <p:nvSpPr>
-          <p:cNvPr id="5" name="Subtitle 4"/>
-          <p:cNvSpPr>
-            <a:spLocks noGrp="1"/>
-          </p:cNvSpPr>
-          <p:nvPr>
-            <p:ph type="subTitle" idx="1"/>
+          <p:cNvPr id="3" name="Symbol zastępczy zawartości 2"/>
+          <p:cNvSpPr>
+            <a:spLocks noGrp="1"/>
+          </p:cNvSpPr>
+          <p:nvPr>
+            <p:ph sz="half" idx="1"/>
+          </p:nvPr>
+        </p:nvSpPr>
+        <p:spPr>
+          <a:xfrm>
+            <a:off x="609601" y="1200155"/>
+            <a:ext cx="2977661" cy="3394472"/>
+          </a:xfrm>
+        </p:spPr>
+        <p:txBody>
+          <a:bodyPr>
+            <a:normAutofit lnSpcReduction="10000"/>
+          </a:bodyPr>
+          <a:lstStyle/>
+          <a:p>
+            <a:pPr algn="ctr">
+              <a:buNone/>
+            </a:pPr>
+            <a:r>
+              <a:rPr lang="pl-PL" dirty="0" smtClean="0"/>
+              <a:t>Widok listy ofert do zatwierdzenia. Administrator ma możliwość podglądu stworzonej przez użytkownika oferty a następnie zatwierdzenia. Oferta pojawi się na liście ofert użytkownika i dla klientów.</a:t>
+            </a:r>
+            <a:endParaRPr lang="pl-PL" dirty="0"/>
+          </a:p>
+        </p:txBody>
+      </p:sp>
+      <p:pic>
+        <p:nvPicPr>
+          <p:cNvPr id="6146" name="Picture 2"/>
+          <p:cNvPicPr>
+            <a:picLocks noGrp="1" noChangeAspect="1" noChangeArrowheads="1"/>
+          </p:cNvPicPr>
+          <p:nvPr>
+            <p:ph sz="half" idx="2"/>
+          </p:nvPr>
+        </p:nvPicPr>
+        <p:blipFill>
+          <a:blip r:embed="rId2"/>
+          <a:srcRect/>
+          <a:stretch>
+            <a:fillRect/>
+          </a:stretch>
+        </p:blipFill>
+        <p:spPr bwMode="auto">
+          <a:xfrm>
+            <a:off x="3726505" y="1961509"/>
+            <a:ext cx="5283740" cy="1391706"/>
+          </a:xfrm>
+          <a:prstGeom prst="rect">
+            <a:avLst/>
+          </a:prstGeom>
+          <a:noFill/>
+          <a:ln w="9525">
+            <a:noFill/>
+            <a:miter lim="800000"/>
+            <a:headEnd/>
+            <a:tailEnd/>
+          </a:ln>
+          <a:effectLst/>
+        </p:spPr>
+      </p:pic>
+    </p:spTree>
+  </p:cSld>
+  <p:clrMapOvr>
+    <a:masterClrMapping/>
+  </p:clrMapOvr>
+</p:sld>
+</file>
+
+<file path=ppt/slides/slide11.xml><?xml version="1.0" encoding="utf-8"?>
+<p:sld xmlns:a="http://schemas.openxmlformats.org/drawingml/2006/main" xmlns:r="http://schemas.openxmlformats.org/officeDocument/2006/relationships" xmlns:p="http://schemas.openxmlformats.org/presentationml/2006/main">
+  <p:cSld>
+    <p:spTree>
+      <p:nvGrpSpPr>
+        <p:cNvPr id="1" name=""/>
+        <p:cNvGrpSpPr/>
+        <p:nvPr/>
+      </p:nvGrpSpPr>
+      <p:grpSpPr>
+        <a:xfrm>
+          <a:off x="0" y="0"/>
+          <a:ext cx="0" cy="0"/>
+          <a:chOff x="0" y="0"/>
+          <a:chExt cx="0" cy="0"/>
+        </a:xfrm>
+      </p:grpSpPr>
+      <p:sp>
+        <p:nvSpPr>
+          <p:cNvPr id="2" name="Tytuł 1"/>
+          <p:cNvSpPr>
+            <a:spLocks noGrp="1"/>
+          </p:cNvSpPr>
+          <p:nvPr>
+            <p:ph type="title"/>
           </p:nvPr>
         </p:nvSpPr>
         <p:spPr/>
@@ -3320,23 +3284,1050 @@
           <a:bodyPr/>
           <a:lstStyle/>
           <a:p>
+            <a:r>
+              <a:rPr lang="pl-PL" dirty="0" smtClean="0"/>
+              <a:t>Rezerwacja ofert</a:t>
+            </a:r>
+          </a:p>
+        </p:txBody>
+      </p:sp>
+      <p:sp>
+        <p:nvSpPr>
+          <p:cNvPr id="4" name="Symbol zastępczy zawartości 3"/>
+          <p:cNvSpPr>
+            <a:spLocks noGrp="1"/>
+          </p:cNvSpPr>
+          <p:nvPr>
+            <p:ph sz="half" idx="2"/>
+          </p:nvPr>
+        </p:nvSpPr>
+        <p:spPr>
+          <a:xfrm>
+            <a:off x="3971612" y="1252909"/>
+            <a:ext cx="5016746" cy="3394472"/>
+          </a:xfrm>
+        </p:spPr>
+        <p:txBody>
+          <a:bodyPr/>
+          <a:lstStyle/>
+          <a:p>
+            <a:pPr algn="ctr">
+              <a:buNone/>
+            </a:pPr>
+            <a:r>
+              <a:rPr lang="pl-PL" dirty="0" smtClean="0"/>
+              <a:t>Widok ofert z możliwością dokonania rezerwacji apartamentu. Klient ma możliwość zapoznania się ze wszystkimi informacjami dotyczącymi oferty a następnie dokonać rezerwacji poprzez wybranie interesującego go okresu wynajmu. </a:t>
+            </a:r>
+            <a:endParaRPr lang="pl-PL" dirty="0"/>
+          </a:p>
+        </p:txBody>
+      </p:sp>
+      <p:pic>
+        <p:nvPicPr>
+          <p:cNvPr id="7170" name="Picture 2"/>
+          <p:cNvPicPr>
+            <a:picLocks noGrp="1" noChangeAspect="1" noChangeArrowheads="1"/>
+          </p:cNvPicPr>
+          <p:nvPr>
+            <p:ph sz="half" idx="1"/>
+          </p:nvPr>
+        </p:nvPicPr>
+        <p:blipFill>
+          <a:blip r:embed="rId2"/>
+          <a:srcRect/>
+          <a:stretch>
+            <a:fillRect/>
+          </a:stretch>
+        </p:blipFill>
+        <p:spPr bwMode="auto">
+          <a:xfrm>
+            <a:off x="909108" y="1207687"/>
+            <a:ext cx="3002482" cy="3394472"/>
+          </a:xfrm>
+          <a:prstGeom prst="rect">
+            <a:avLst/>
+          </a:prstGeom>
+          <a:noFill/>
+          <a:ln w="9525">
+            <a:noFill/>
+            <a:miter lim="800000"/>
+            <a:headEnd/>
+            <a:tailEnd/>
+          </a:ln>
+          <a:effectLst/>
+        </p:spPr>
+      </p:pic>
+    </p:spTree>
+  </p:cSld>
+  <p:clrMapOvr>
+    <a:masterClrMapping/>
+  </p:clrMapOvr>
+</p:sld>
+</file>
+
+<file path=ppt/slides/slide12.xml><?xml version="1.0" encoding="utf-8"?>
+<p:sld xmlns:a="http://schemas.openxmlformats.org/drawingml/2006/main" xmlns:r="http://schemas.openxmlformats.org/officeDocument/2006/relationships" xmlns:p="http://schemas.openxmlformats.org/presentationml/2006/main">
+  <p:cSld>
+    <p:spTree>
+      <p:nvGrpSpPr>
+        <p:cNvPr id="1" name=""/>
+        <p:cNvGrpSpPr/>
+        <p:nvPr/>
+      </p:nvGrpSpPr>
+      <p:grpSpPr>
+        <a:xfrm>
+          <a:off x="0" y="0"/>
+          <a:ext cx="0" cy="0"/>
+          <a:chOff x="0" y="0"/>
+          <a:chExt cx="0" cy="0"/>
+        </a:xfrm>
+      </p:grpSpPr>
+      <p:sp>
+        <p:nvSpPr>
+          <p:cNvPr id="2" name="Tytuł 1"/>
+          <p:cNvSpPr>
+            <a:spLocks noGrp="1"/>
+          </p:cNvSpPr>
+          <p:nvPr>
+            <p:ph type="title"/>
+          </p:nvPr>
+        </p:nvSpPr>
+        <p:spPr/>
+        <p:txBody>
+          <a:bodyPr/>
+          <a:lstStyle/>
+          <a:p>
+            <a:r>
+              <a:rPr lang="pl-PL" dirty="0" smtClean="0"/>
+              <a:t>Widoki aplikacji</a:t>
+            </a:r>
+            <a:endParaRPr lang="pl-PL" dirty="0"/>
+          </a:p>
+        </p:txBody>
+      </p:sp>
+      <p:sp>
+        <p:nvSpPr>
+          <p:cNvPr id="3" name="Symbol zastępczy zawartości 2"/>
+          <p:cNvSpPr>
+            <a:spLocks noGrp="1"/>
+          </p:cNvSpPr>
+          <p:nvPr>
+            <p:ph sz="half" idx="1"/>
+          </p:nvPr>
+        </p:nvSpPr>
+        <p:spPr>
+          <a:xfrm>
+            <a:off x="441158" y="968644"/>
+            <a:ext cx="3859622" cy="4060555"/>
+          </a:xfrm>
+        </p:spPr>
+        <p:txBody>
+          <a:bodyPr>
+            <a:normAutofit fontScale="85000" lnSpcReduction="20000"/>
+          </a:bodyPr>
+          <a:lstStyle/>
+          <a:p>
+            <a:pPr>
+              <a:buNone/>
+            </a:pPr>
+            <a:r>
+              <a:rPr lang="pl-PL" dirty="0" smtClean="0"/>
+              <a:t>Strona główna</a:t>
+            </a:r>
+          </a:p>
+          <a:p>
+            <a:pPr>
+              <a:buNone/>
+            </a:pPr>
+            <a:r>
+              <a:rPr lang="pl-PL" dirty="0" smtClean="0"/>
+              <a:t>Oferty</a:t>
+            </a:r>
+          </a:p>
+          <a:p>
+            <a:pPr>
+              <a:buNone/>
+            </a:pPr>
+            <a:r>
+              <a:rPr lang="pl-PL" dirty="0" smtClean="0"/>
+              <a:t>Kontakt</a:t>
+            </a:r>
+          </a:p>
+          <a:p>
+            <a:pPr>
+              <a:buNone/>
+            </a:pPr>
+            <a:r>
+              <a:rPr lang="pl-PL" dirty="0" smtClean="0"/>
+              <a:t>Moje konto – widok użytkownika</a:t>
+            </a:r>
+          </a:p>
+          <a:p>
+            <a:pPr>
+              <a:buNone/>
+            </a:pPr>
+            <a:r>
+              <a:rPr lang="pl-PL" dirty="0" smtClean="0"/>
+              <a:t>	Moje oferty</a:t>
+            </a:r>
+          </a:p>
+          <a:p>
+            <a:pPr>
+              <a:buNone/>
+            </a:pPr>
+            <a:r>
+              <a:rPr lang="pl-PL" dirty="0" smtClean="0"/>
+              <a:t>	Moje rezerwacje</a:t>
+            </a:r>
+          </a:p>
+          <a:p>
+            <a:pPr>
+              <a:buNone/>
+            </a:pPr>
+            <a:r>
+              <a:rPr lang="pl-PL" dirty="0" smtClean="0"/>
+              <a:t>Moje konto – administrator systemu</a:t>
+            </a:r>
+          </a:p>
+          <a:p>
+            <a:pPr>
+              <a:buNone/>
+            </a:pPr>
+            <a:r>
+              <a:rPr lang="pl-PL" dirty="0" smtClean="0"/>
+              <a:t>	</a:t>
+            </a:r>
+            <a:r>
+              <a:rPr lang="pl-PL" dirty="0" smtClean="0"/>
+              <a:t>Oferty</a:t>
+            </a:r>
+          </a:p>
+          <a:p>
+            <a:pPr>
+              <a:buNone/>
+            </a:pPr>
+            <a:r>
+              <a:rPr lang="pl-PL" dirty="0" smtClean="0"/>
+              <a:t>	</a:t>
+            </a:r>
+            <a:r>
+              <a:rPr lang="pl-PL" dirty="0" smtClean="0"/>
+              <a:t>Oferty do zatwierdzenia</a:t>
+            </a:r>
+          </a:p>
+          <a:p>
+            <a:pPr>
+              <a:buNone/>
+            </a:pPr>
+            <a:r>
+              <a:rPr lang="pl-PL" dirty="0" smtClean="0"/>
+              <a:t>	</a:t>
+            </a:r>
+            <a:r>
+              <a:rPr lang="pl-PL" dirty="0" smtClean="0"/>
+              <a:t>Klienci do zatwierdzenia</a:t>
+            </a:r>
+          </a:p>
+          <a:p>
+            <a:pPr>
+              <a:buNone/>
+            </a:pPr>
+            <a:r>
+              <a:rPr lang="pl-PL" dirty="0" smtClean="0"/>
+              <a:t>	</a:t>
+            </a:r>
+            <a:r>
+              <a:rPr lang="pl-PL" dirty="0" smtClean="0"/>
+              <a:t>Klienci </a:t>
+            </a:r>
+          </a:p>
+          <a:p>
+            <a:pPr>
+              <a:buNone/>
+            </a:pPr>
+            <a:r>
+              <a:rPr lang="pl-PL" dirty="0" smtClean="0"/>
+              <a:t>	</a:t>
+            </a:r>
+            <a:r>
+              <a:rPr lang="pl-PL" dirty="0" smtClean="0"/>
+              <a:t>Płatności</a:t>
+            </a:r>
+          </a:p>
+          <a:p>
+            <a:pPr>
+              <a:buNone/>
+            </a:pPr>
+            <a:r>
+              <a:rPr lang="pl-PL" dirty="0" smtClean="0"/>
+              <a:t>	</a:t>
+            </a:r>
+            <a:r>
+              <a:rPr lang="pl-PL" dirty="0" smtClean="0"/>
+              <a:t>Rezerwacje</a:t>
+            </a:r>
+          </a:p>
+          <a:p>
+            <a:pPr>
+              <a:buNone/>
+            </a:pPr>
+            <a:r>
+              <a:rPr lang="pl-PL" dirty="0" smtClean="0"/>
+              <a:t>	</a:t>
+            </a:r>
             <a:endParaRPr lang="pl-PL" dirty="0" smtClean="0"/>
           </a:p>
           <a:p>
-            <a:r>
-              <a:rPr lang="pl-PL" dirty="0" smtClean="0"/>
-              <a:t>Czy mają Państwo pytania?</a:t>
-            </a:r>
+            <a:pPr>
+              <a:buNone/>
+            </a:pPr>
             <a:endParaRPr lang="pl-PL" dirty="0"/>
           </a:p>
         </p:txBody>
       </p:sp>
     </p:spTree>
-    <p:extLst>
-      <p:ext uri="{BB962C8B-B14F-4D97-AF65-F5344CB8AC3E}">
-        <p14:creationId xmlns:p14="http://schemas.microsoft.com/office/powerpoint/2010/main" val="1741086671"/>
-      </p:ext>
-    </p:extLst>
+  </p:cSld>
+  <p:clrMapOvr>
+    <a:masterClrMapping/>
+  </p:clrMapOvr>
+</p:sld>
+</file>
+
+<file path=ppt/slides/slide13.xml><?xml version="1.0" encoding="utf-8"?>
+<p:sld xmlns:a="http://schemas.openxmlformats.org/drawingml/2006/main" xmlns:r="http://schemas.openxmlformats.org/officeDocument/2006/relationships" xmlns:p="http://schemas.openxmlformats.org/presentationml/2006/main">
+  <p:cSld>
+    <p:spTree>
+      <p:nvGrpSpPr>
+        <p:cNvPr id="1" name=""/>
+        <p:cNvGrpSpPr/>
+        <p:nvPr/>
+      </p:nvGrpSpPr>
+      <p:grpSpPr>
+        <a:xfrm>
+          <a:off x="0" y="0"/>
+          <a:ext cx="0" cy="0"/>
+          <a:chOff x="0" y="0"/>
+          <a:chExt cx="0" cy="0"/>
+        </a:xfrm>
+      </p:grpSpPr>
+      <p:sp>
+        <p:nvSpPr>
+          <p:cNvPr id="2" name="Tytuł 1"/>
+          <p:cNvSpPr>
+            <a:spLocks noGrp="1"/>
+          </p:cNvSpPr>
+          <p:nvPr>
+            <p:ph type="title"/>
+          </p:nvPr>
+        </p:nvSpPr>
+        <p:spPr>
+          <a:xfrm>
+            <a:off x="457200" y="205979"/>
+            <a:ext cx="2695074" cy="857250"/>
+          </a:xfrm>
+        </p:spPr>
+        <p:txBody>
+          <a:bodyPr>
+            <a:normAutofit/>
+          </a:bodyPr>
+          <a:lstStyle/>
+          <a:p>
+            <a:r>
+              <a:rPr lang="pl-PL" dirty="0" smtClean="0"/>
+              <a:t>Strona </a:t>
+            </a:r>
+            <a:r>
+              <a:rPr lang="pl-PL" dirty="0" smtClean="0"/>
+              <a:t>główna</a:t>
+            </a:r>
+            <a:endParaRPr lang="pl-PL" dirty="0"/>
+          </a:p>
+        </p:txBody>
+      </p:sp>
+      <p:sp>
+        <p:nvSpPr>
+          <p:cNvPr id="3" name="Symbol zastępczy zawartości 2"/>
+          <p:cNvSpPr>
+            <a:spLocks noGrp="1"/>
+          </p:cNvSpPr>
+          <p:nvPr>
+            <p:ph sz="half" idx="1"/>
+          </p:nvPr>
+        </p:nvSpPr>
+        <p:spPr>
+          <a:xfrm>
+            <a:off x="609600" y="1200155"/>
+            <a:ext cx="2478505" cy="3394472"/>
+          </a:xfrm>
+        </p:spPr>
+        <p:txBody>
+          <a:bodyPr>
+            <a:normAutofit fontScale="85000" lnSpcReduction="20000"/>
+          </a:bodyPr>
+          <a:lstStyle/>
+          <a:p>
+            <a:pPr algn="ctr">
+              <a:buNone/>
+            </a:pPr>
+            <a:r>
+              <a:rPr lang="pl-PL" dirty="0" smtClean="0"/>
+              <a:t>Widok strony głównej systemu. Oprócz głównej funkcjonalności czyli możliwości przejścia do procesu logowania/rejestracji pojawia się parę dodatkowych informacji – Aktualności, informacje o twórcach systemu czy kontakt do nich. </a:t>
+            </a:r>
+            <a:endParaRPr lang="pl-PL" dirty="0"/>
+          </a:p>
+        </p:txBody>
+      </p:sp>
+      <p:pic>
+        <p:nvPicPr>
+          <p:cNvPr id="1026" name="Picture 2" descr="C:\Users\Janek\Desktop\Shoty\Screenshot_2019-01-13 Moje konto – Accommodation Announcements.png"/>
+          <p:cNvPicPr>
+            <a:picLocks noChangeAspect="1" noChangeArrowheads="1"/>
+          </p:cNvPicPr>
+          <p:nvPr/>
+        </p:nvPicPr>
+        <p:blipFill>
+          <a:blip r:embed="rId2"/>
+          <a:srcRect/>
+          <a:stretch>
+            <a:fillRect/>
+          </a:stretch>
+        </p:blipFill>
+        <p:spPr bwMode="auto">
+          <a:xfrm>
+            <a:off x="3353635" y="344905"/>
+            <a:ext cx="5670049" cy="4436564"/>
+          </a:xfrm>
+          <a:prstGeom prst="rect">
+            <a:avLst/>
+          </a:prstGeom>
+          <a:noFill/>
+        </p:spPr>
+      </p:pic>
+    </p:spTree>
+  </p:cSld>
+  <p:clrMapOvr>
+    <a:masterClrMapping/>
+  </p:clrMapOvr>
+</p:sld>
+</file>
+
+<file path=ppt/slides/slide14.xml><?xml version="1.0" encoding="utf-8"?>
+<p:sld xmlns:a="http://schemas.openxmlformats.org/drawingml/2006/main" xmlns:r="http://schemas.openxmlformats.org/officeDocument/2006/relationships" xmlns:p="http://schemas.openxmlformats.org/presentationml/2006/main">
+  <p:cSld>
+    <p:spTree>
+      <p:nvGrpSpPr>
+        <p:cNvPr id="1" name=""/>
+        <p:cNvGrpSpPr/>
+        <p:nvPr/>
+      </p:nvGrpSpPr>
+      <p:grpSpPr>
+        <a:xfrm>
+          <a:off x="0" y="0"/>
+          <a:ext cx="0" cy="0"/>
+          <a:chOff x="0" y="0"/>
+          <a:chExt cx="0" cy="0"/>
+        </a:xfrm>
+      </p:grpSpPr>
+      <p:sp>
+        <p:nvSpPr>
+          <p:cNvPr id="2" name="Tytuł 1"/>
+          <p:cNvSpPr>
+            <a:spLocks noGrp="1"/>
+          </p:cNvSpPr>
+          <p:nvPr>
+            <p:ph type="title"/>
+          </p:nvPr>
+        </p:nvSpPr>
+        <p:spPr>
+          <a:xfrm>
+            <a:off x="457200" y="205979"/>
+            <a:ext cx="2913681" cy="857250"/>
+          </a:xfrm>
+        </p:spPr>
+        <p:txBody>
+          <a:bodyPr/>
+          <a:lstStyle/>
+          <a:p>
+            <a:r>
+              <a:rPr lang="pl-PL" dirty="0" smtClean="0"/>
+              <a:t>Oferty</a:t>
+            </a:r>
+            <a:endParaRPr lang="pl-PL" dirty="0"/>
+          </a:p>
+        </p:txBody>
+      </p:sp>
+      <p:sp>
+        <p:nvSpPr>
+          <p:cNvPr id="3" name="Symbol zastępczy zawartości 2"/>
+          <p:cNvSpPr>
+            <a:spLocks noGrp="1"/>
+          </p:cNvSpPr>
+          <p:nvPr>
+            <p:ph sz="half" idx="1"/>
+          </p:nvPr>
+        </p:nvSpPr>
+        <p:spPr>
+          <a:xfrm>
+            <a:off x="609600" y="1200155"/>
+            <a:ext cx="2486526" cy="3394472"/>
+          </a:xfrm>
+        </p:spPr>
+        <p:txBody>
+          <a:bodyPr/>
+          <a:lstStyle/>
+          <a:p>
+            <a:endParaRPr lang="pl-PL" dirty="0"/>
+          </a:p>
+        </p:txBody>
+      </p:sp>
+      <p:pic>
+        <p:nvPicPr>
+          <p:cNvPr id="2050" name="Picture 2" descr="C:\Users\Janek\Desktop\Shoty\Screenshot_2019-01-13 Moje konto – Accs.png"/>
+          <p:cNvPicPr>
+            <a:picLocks noChangeAspect="1" noChangeArrowheads="1"/>
+          </p:cNvPicPr>
+          <p:nvPr/>
+        </p:nvPicPr>
+        <p:blipFill>
+          <a:blip r:embed="rId2"/>
+          <a:srcRect/>
+          <a:stretch>
+            <a:fillRect/>
+          </a:stretch>
+        </p:blipFill>
+        <p:spPr bwMode="auto">
+          <a:xfrm>
+            <a:off x="3456122" y="255165"/>
+            <a:ext cx="5540643" cy="4674255"/>
+          </a:xfrm>
+          <a:prstGeom prst="rect">
+            <a:avLst/>
+          </a:prstGeom>
+          <a:noFill/>
+        </p:spPr>
+      </p:pic>
+    </p:spTree>
+  </p:cSld>
+  <p:clrMapOvr>
+    <a:masterClrMapping/>
+  </p:clrMapOvr>
+</p:sld>
+</file>
+
+<file path=ppt/slides/slide15.xml><?xml version="1.0" encoding="utf-8"?>
+<p:sld xmlns:a="http://schemas.openxmlformats.org/drawingml/2006/main" xmlns:r="http://schemas.openxmlformats.org/officeDocument/2006/relationships" xmlns:p="http://schemas.openxmlformats.org/presentationml/2006/main">
+  <p:cSld>
+    <p:spTree>
+      <p:nvGrpSpPr>
+        <p:cNvPr id="1" name=""/>
+        <p:cNvGrpSpPr/>
+        <p:nvPr/>
+      </p:nvGrpSpPr>
+      <p:grpSpPr>
+        <a:xfrm>
+          <a:off x="0" y="0"/>
+          <a:ext cx="0" cy="0"/>
+          <a:chOff x="0" y="0"/>
+          <a:chExt cx="0" cy="0"/>
+        </a:xfrm>
+      </p:grpSpPr>
+      <p:sp>
+        <p:nvSpPr>
+          <p:cNvPr id="2" name="Tytuł 1"/>
+          <p:cNvSpPr>
+            <a:spLocks noGrp="1"/>
+          </p:cNvSpPr>
+          <p:nvPr>
+            <p:ph type="title"/>
+          </p:nvPr>
+        </p:nvSpPr>
+        <p:spPr>
+          <a:xfrm>
+            <a:off x="457200" y="205979"/>
+            <a:ext cx="2711116" cy="857250"/>
+          </a:xfrm>
+        </p:spPr>
+        <p:txBody>
+          <a:bodyPr/>
+          <a:lstStyle/>
+          <a:p>
+            <a:endParaRPr lang="pl-PL" dirty="0"/>
+          </a:p>
+        </p:txBody>
+      </p:sp>
+      <p:sp>
+        <p:nvSpPr>
+          <p:cNvPr id="3" name="Symbol zastępczy zawartości 2"/>
+          <p:cNvSpPr>
+            <a:spLocks noGrp="1"/>
+          </p:cNvSpPr>
+          <p:nvPr>
+            <p:ph sz="half" idx="1"/>
+          </p:nvPr>
+        </p:nvSpPr>
+        <p:spPr>
+          <a:xfrm>
+            <a:off x="609600" y="1200155"/>
+            <a:ext cx="2497810" cy="3394472"/>
+          </a:xfrm>
+        </p:spPr>
+        <p:txBody>
+          <a:bodyPr/>
+          <a:lstStyle/>
+          <a:p>
+            <a:endParaRPr lang="pl-PL" dirty="0"/>
+          </a:p>
+        </p:txBody>
+      </p:sp>
+      <p:pic>
+        <p:nvPicPr>
+          <p:cNvPr id="3074" name="Picture 2" descr="C:\Users\Janek\Desktop\Shoty\Screenshot_2019-01-13 Moje konto – Accommodation Announcements(2).png"/>
+          <p:cNvPicPr>
+            <a:picLocks noChangeAspect="1" noChangeArrowheads="1"/>
+          </p:cNvPicPr>
+          <p:nvPr/>
+        </p:nvPicPr>
+        <p:blipFill>
+          <a:blip r:embed="rId2"/>
+          <a:srcRect/>
+          <a:stretch>
+            <a:fillRect/>
+          </a:stretch>
+        </p:blipFill>
+        <p:spPr bwMode="auto">
+          <a:xfrm>
+            <a:off x="3773837" y="206915"/>
+            <a:ext cx="5230677" cy="4764011"/>
+          </a:xfrm>
+          <a:prstGeom prst="rect">
+            <a:avLst/>
+          </a:prstGeom>
+          <a:noFill/>
+        </p:spPr>
+      </p:pic>
+    </p:spTree>
+  </p:cSld>
+  <p:clrMapOvr>
+    <a:masterClrMapping/>
+  </p:clrMapOvr>
+</p:sld>
+</file>
+
+<file path=ppt/slides/slide16.xml><?xml version="1.0" encoding="utf-8"?>
+<p:sld xmlns:a="http://schemas.openxmlformats.org/drawingml/2006/main" xmlns:r="http://schemas.openxmlformats.org/officeDocument/2006/relationships" xmlns:p="http://schemas.openxmlformats.org/presentationml/2006/main">
+  <p:cSld>
+    <p:spTree>
+      <p:nvGrpSpPr>
+        <p:cNvPr id="1" name=""/>
+        <p:cNvGrpSpPr/>
+        <p:nvPr/>
+      </p:nvGrpSpPr>
+      <p:grpSpPr>
+        <a:xfrm>
+          <a:off x="0" y="0"/>
+          <a:ext cx="0" cy="0"/>
+          <a:chOff x="0" y="0"/>
+          <a:chExt cx="0" cy="0"/>
+        </a:xfrm>
+      </p:grpSpPr>
+      <p:sp>
+        <p:nvSpPr>
+          <p:cNvPr id="2" name="Tytuł 1"/>
+          <p:cNvSpPr>
+            <a:spLocks noGrp="1"/>
+          </p:cNvSpPr>
+          <p:nvPr>
+            <p:ph type="title"/>
+          </p:nvPr>
+        </p:nvSpPr>
+        <p:spPr>
+          <a:xfrm>
+            <a:off x="224590" y="205979"/>
+            <a:ext cx="3781722" cy="857250"/>
+          </a:xfrm>
+        </p:spPr>
+        <p:txBody>
+          <a:bodyPr>
+            <a:normAutofit/>
+          </a:bodyPr>
+          <a:lstStyle/>
+          <a:p>
+            <a:r>
+              <a:rPr lang="pl-PL" sz="2400" dirty="0" smtClean="0"/>
+              <a:t>Moje konto - </a:t>
+            </a:r>
+            <a:r>
+              <a:rPr lang="pl-PL" sz="2400" dirty="0" err="1" smtClean="0"/>
+              <a:t>użytkownik</a:t>
+            </a:r>
+            <a:endParaRPr lang="pl-PL" sz="2400" dirty="0"/>
+          </a:p>
+        </p:txBody>
+      </p:sp>
+      <p:sp>
+        <p:nvSpPr>
+          <p:cNvPr id="3" name="Symbol zastępczy zawartości 2"/>
+          <p:cNvSpPr>
+            <a:spLocks noGrp="1"/>
+          </p:cNvSpPr>
+          <p:nvPr>
+            <p:ph sz="half" idx="1"/>
+          </p:nvPr>
+        </p:nvSpPr>
+        <p:spPr>
+          <a:xfrm>
+            <a:off x="609600" y="1200155"/>
+            <a:ext cx="2542674" cy="3394472"/>
+          </a:xfrm>
+        </p:spPr>
+        <p:txBody>
+          <a:bodyPr/>
+          <a:lstStyle/>
+          <a:p>
+            <a:endParaRPr lang="pl-PL" dirty="0"/>
+          </a:p>
+        </p:txBody>
+      </p:sp>
+      <p:pic>
+        <p:nvPicPr>
+          <p:cNvPr id="4098" name="Picture 2" descr="C:\Users\Janek\Desktop\Shoty\Screenshot_2019-01-13 Moje konto – Accommodation Announcements(3).png"/>
+          <p:cNvPicPr>
+            <a:picLocks noChangeAspect="1" noChangeArrowheads="1"/>
+          </p:cNvPicPr>
+          <p:nvPr/>
+        </p:nvPicPr>
+        <p:blipFill>
+          <a:blip r:embed="rId2"/>
+          <a:srcRect/>
+          <a:stretch>
+            <a:fillRect/>
+          </a:stretch>
+        </p:blipFill>
+        <p:spPr bwMode="auto">
+          <a:xfrm>
+            <a:off x="3828081" y="371422"/>
+            <a:ext cx="5168685" cy="4495046"/>
+          </a:xfrm>
+          <a:prstGeom prst="rect">
+            <a:avLst/>
+          </a:prstGeom>
+          <a:noFill/>
+        </p:spPr>
+      </p:pic>
+    </p:spTree>
+  </p:cSld>
+  <p:clrMapOvr>
+    <a:masterClrMapping/>
+  </p:clrMapOvr>
+</p:sld>
+</file>
+
+<file path=ppt/slides/slide17.xml><?xml version="1.0" encoding="utf-8"?>
+<p:sld xmlns:a="http://schemas.openxmlformats.org/drawingml/2006/main" xmlns:r="http://schemas.openxmlformats.org/officeDocument/2006/relationships" xmlns:p="http://schemas.openxmlformats.org/presentationml/2006/main">
+  <p:cSld>
+    <p:spTree>
+      <p:nvGrpSpPr>
+        <p:cNvPr id="1" name=""/>
+        <p:cNvGrpSpPr/>
+        <p:nvPr/>
+      </p:nvGrpSpPr>
+      <p:grpSpPr>
+        <a:xfrm>
+          <a:off x="0" y="0"/>
+          <a:ext cx="0" cy="0"/>
+          <a:chOff x="0" y="0"/>
+          <a:chExt cx="0" cy="0"/>
+        </a:xfrm>
+      </p:grpSpPr>
+      <p:sp>
+        <p:nvSpPr>
+          <p:cNvPr id="2" name="Tytuł 1"/>
+          <p:cNvSpPr>
+            <a:spLocks noGrp="1"/>
+          </p:cNvSpPr>
+          <p:nvPr>
+            <p:ph type="title"/>
+          </p:nvPr>
+        </p:nvSpPr>
+        <p:spPr>
+          <a:xfrm>
+            <a:off x="457200" y="205979"/>
+            <a:ext cx="3136232" cy="857250"/>
+          </a:xfrm>
+        </p:spPr>
+        <p:txBody>
+          <a:bodyPr/>
+          <a:lstStyle/>
+          <a:p>
+            <a:r>
+              <a:rPr lang="pl-PL" dirty="0" smtClean="0"/>
+              <a:t>Moje rezerwacje</a:t>
+            </a:r>
+            <a:endParaRPr lang="pl-PL" dirty="0"/>
+          </a:p>
+        </p:txBody>
+      </p:sp>
+      <p:sp>
+        <p:nvSpPr>
+          <p:cNvPr id="3" name="Symbol zastępczy zawartości 2"/>
+          <p:cNvSpPr>
+            <a:spLocks noGrp="1"/>
+          </p:cNvSpPr>
+          <p:nvPr>
+            <p:ph sz="half" idx="1"/>
+          </p:nvPr>
+        </p:nvSpPr>
+        <p:spPr>
+          <a:xfrm>
+            <a:off x="609600" y="1200155"/>
+            <a:ext cx="2406316" cy="3394472"/>
+          </a:xfrm>
+        </p:spPr>
+        <p:txBody>
+          <a:bodyPr/>
+          <a:lstStyle/>
+          <a:p>
+            <a:endParaRPr lang="pl-PL" dirty="0"/>
+          </a:p>
+        </p:txBody>
+      </p:sp>
+      <p:pic>
+        <p:nvPicPr>
+          <p:cNvPr id="5122" name="Picture 2" descr="C:\Users\Janek\Desktop\Shoty\Screenshot_2019-01-13 Moje konto – Accommodation Announcements(4).png"/>
+          <p:cNvPicPr>
+            <a:picLocks noChangeAspect="1" noChangeArrowheads="1"/>
+          </p:cNvPicPr>
+          <p:nvPr/>
+        </p:nvPicPr>
+        <p:blipFill>
+          <a:blip r:embed="rId2"/>
+          <a:srcRect/>
+          <a:stretch>
+            <a:fillRect/>
+          </a:stretch>
+        </p:blipFill>
+        <p:spPr bwMode="auto">
+          <a:xfrm>
+            <a:off x="3669519" y="183262"/>
+            <a:ext cx="5373741" cy="4905720"/>
+          </a:xfrm>
+          <a:prstGeom prst="rect">
+            <a:avLst/>
+          </a:prstGeom>
+          <a:noFill/>
+        </p:spPr>
+      </p:pic>
+    </p:spTree>
+  </p:cSld>
+  <p:clrMapOvr>
+    <a:masterClrMapping/>
+  </p:clrMapOvr>
+</p:sld>
+</file>
+
+<file path=ppt/slides/slide18.xml><?xml version="1.0" encoding="utf-8"?>
+<p:sld xmlns:a="http://schemas.openxmlformats.org/drawingml/2006/main" xmlns:r="http://schemas.openxmlformats.org/officeDocument/2006/relationships" xmlns:p="http://schemas.openxmlformats.org/presentationml/2006/main">
+  <p:cSld>
+    <p:spTree>
+      <p:nvGrpSpPr>
+        <p:cNvPr id="1" name=""/>
+        <p:cNvGrpSpPr/>
+        <p:nvPr/>
+      </p:nvGrpSpPr>
+      <p:grpSpPr>
+        <a:xfrm>
+          <a:off x="0" y="0"/>
+          <a:ext cx="0" cy="0"/>
+          <a:chOff x="0" y="0"/>
+          <a:chExt cx="0" cy="0"/>
+        </a:xfrm>
+      </p:grpSpPr>
+      <p:sp>
+        <p:nvSpPr>
+          <p:cNvPr id="2" name="Tytuł 1"/>
+          <p:cNvSpPr>
+            <a:spLocks noGrp="1"/>
+          </p:cNvSpPr>
+          <p:nvPr>
+            <p:ph type="title"/>
+          </p:nvPr>
+        </p:nvSpPr>
+        <p:spPr>
+          <a:xfrm>
+            <a:off x="309965" y="205979"/>
+            <a:ext cx="2975675" cy="857250"/>
+          </a:xfrm>
+        </p:spPr>
+        <p:txBody>
+          <a:bodyPr>
+            <a:normAutofit/>
+          </a:bodyPr>
+          <a:lstStyle/>
+          <a:p>
+            <a:r>
+              <a:rPr lang="pl-PL" sz="2400" dirty="0" smtClean="0"/>
+              <a:t>Moje konto - administrator</a:t>
+            </a:r>
+            <a:endParaRPr lang="pl-PL" sz="2400" dirty="0"/>
+          </a:p>
+        </p:txBody>
+      </p:sp>
+      <p:sp>
+        <p:nvSpPr>
+          <p:cNvPr id="3" name="Symbol zastępczy zawartości 2"/>
+          <p:cNvSpPr>
+            <a:spLocks noGrp="1"/>
+          </p:cNvSpPr>
+          <p:nvPr>
+            <p:ph sz="half" idx="1"/>
+          </p:nvPr>
+        </p:nvSpPr>
+        <p:spPr>
+          <a:xfrm>
+            <a:off x="609600" y="1200155"/>
+            <a:ext cx="2582779" cy="3394472"/>
+          </a:xfrm>
+        </p:spPr>
+        <p:txBody>
+          <a:bodyPr/>
+          <a:lstStyle/>
+          <a:p>
+            <a:endParaRPr lang="pl-PL" dirty="0"/>
+          </a:p>
+        </p:txBody>
+      </p:sp>
+      <p:pic>
+        <p:nvPicPr>
+          <p:cNvPr id="6146" name="Picture 2" descr="C:\Users\Janek\Desktop\Shoty\Screenshot_2019-01-13 Moje konto – Action Announcements.png"/>
+          <p:cNvPicPr>
+            <a:picLocks noChangeAspect="1" noChangeArrowheads="1"/>
+          </p:cNvPicPr>
+          <p:nvPr/>
+        </p:nvPicPr>
+        <p:blipFill>
+          <a:blip r:embed="rId2"/>
+          <a:srcRect/>
+          <a:stretch>
+            <a:fillRect/>
+          </a:stretch>
+        </p:blipFill>
+        <p:spPr bwMode="auto">
+          <a:xfrm>
+            <a:off x="3681430" y="314452"/>
+            <a:ext cx="5284339" cy="4667082"/>
+          </a:xfrm>
+          <a:prstGeom prst="rect">
+            <a:avLst/>
+          </a:prstGeom>
+          <a:noFill/>
+        </p:spPr>
+      </p:pic>
+    </p:spTree>
+  </p:cSld>
+  <p:clrMapOvr>
+    <a:masterClrMapping/>
+  </p:clrMapOvr>
+</p:sld>
+</file>
+
+<file path=ppt/slides/slide19.xml><?xml version="1.0" encoding="utf-8"?>
+<p:sld xmlns:a="http://schemas.openxmlformats.org/drawingml/2006/main" xmlns:r="http://schemas.openxmlformats.org/officeDocument/2006/relationships" xmlns:p="http://schemas.openxmlformats.org/presentationml/2006/main">
+  <p:cSld>
+    <p:spTree>
+      <p:nvGrpSpPr>
+        <p:cNvPr id="1" name=""/>
+        <p:cNvGrpSpPr/>
+        <p:nvPr/>
+      </p:nvGrpSpPr>
+      <p:grpSpPr>
+        <a:xfrm>
+          <a:off x="0" y="0"/>
+          <a:ext cx="0" cy="0"/>
+          <a:chOff x="0" y="0"/>
+          <a:chExt cx="0" cy="0"/>
+        </a:xfrm>
+      </p:grpSpPr>
+      <p:sp>
+        <p:nvSpPr>
+          <p:cNvPr id="2" name="Tytuł 1"/>
+          <p:cNvSpPr>
+            <a:spLocks noGrp="1"/>
+          </p:cNvSpPr>
+          <p:nvPr>
+            <p:ph type="title"/>
+          </p:nvPr>
+        </p:nvSpPr>
+        <p:spPr>
+          <a:xfrm>
+            <a:off x="248653" y="205979"/>
+            <a:ext cx="3160294" cy="857250"/>
+          </a:xfrm>
+        </p:spPr>
+        <p:txBody>
+          <a:bodyPr>
+            <a:normAutofit/>
+          </a:bodyPr>
+          <a:lstStyle/>
+          <a:p>
+            <a:r>
+              <a:rPr lang="pl-PL" sz="2400" dirty="0" smtClean="0"/>
+              <a:t>Oferty</a:t>
+            </a:r>
+            <a:endParaRPr lang="pl-PL" sz="2400" dirty="0"/>
+          </a:p>
+        </p:txBody>
+      </p:sp>
+      <p:sp>
+        <p:nvSpPr>
+          <p:cNvPr id="3" name="Symbol zastępczy zawartości 2"/>
+          <p:cNvSpPr>
+            <a:spLocks noGrp="1"/>
+          </p:cNvSpPr>
+          <p:nvPr>
+            <p:ph sz="half" idx="1"/>
+          </p:nvPr>
+        </p:nvSpPr>
+        <p:spPr>
+          <a:xfrm>
+            <a:off x="609600" y="1200155"/>
+            <a:ext cx="2326105" cy="3394472"/>
+          </a:xfrm>
+        </p:spPr>
+        <p:txBody>
+          <a:bodyPr/>
+          <a:lstStyle/>
+          <a:p>
+            <a:endParaRPr lang="pl-PL" dirty="0"/>
+          </a:p>
+        </p:txBody>
+      </p:sp>
+      <p:pic>
+        <p:nvPicPr>
+          <p:cNvPr id="7170" name="Picture 2" descr="C:\Users\Janek\Desktop\Shoty\Screenshot_2019-01-13 Moje konto – Accommodation Announcements(6).png"/>
+          <p:cNvPicPr>
+            <a:picLocks noChangeAspect="1" noChangeArrowheads="1"/>
+          </p:cNvPicPr>
+          <p:nvPr/>
+        </p:nvPicPr>
+        <p:blipFill>
+          <a:blip r:embed="rId2"/>
+          <a:srcRect/>
+          <a:stretch>
+            <a:fillRect/>
+          </a:stretch>
+        </p:blipFill>
+        <p:spPr bwMode="auto">
+          <a:xfrm>
+            <a:off x="3665349" y="270446"/>
+            <a:ext cx="5331417" cy="4648329"/>
+          </a:xfrm>
+          <a:prstGeom prst="rect">
+            <a:avLst/>
+          </a:prstGeom>
+          <a:noFill/>
+        </p:spPr>
+      </p:pic>
+    </p:spTree>
   </p:cSld>
   <p:clrMapOvr>
     <a:masterClrMapping/>
@@ -3399,7 +4390,7 @@
           <a:bodyPr/>
           <a:lstStyle/>
           <a:p>
-            <a:pPr marL="514350" indent="-514350">
+            <a:pPr marL="385763" indent="-385763">
               <a:buFont typeface="+mj-lt"/>
               <a:buAutoNum type="arabicPeriod"/>
             </a:pPr>
@@ -3409,25 +4400,17 @@
             </a:r>
           </a:p>
           <a:p>
-            <a:pPr marL="514350" indent="-514350">
+            <a:pPr marL="385763" indent="-385763">
               <a:buFont typeface="+mj-lt"/>
               <a:buAutoNum type="arabicPeriod"/>
             </a:pPr>
             <a:r>
               <a:rPr lang="pl-PL" dirty="0" smtClean="0"/>
-              <a:t>Profil </a:t>
-            </a:r>
-            <a:r>
-              <a:rPr lang="pl-PL" dirty="0" smtClean="0"/>
-              <a:t>potencjalnego </a:t>
-            </a:r>
-            <a:r>
-              <a:rPr lang="pl-PL" dirty="0" smtClean="0"/>
-              <a:t>klienta serwisu</a:t>
-            </a:r>
-          </a:p>
-          <a:p>
-            <a:pPr marL="514350" indent="-514350">
+              <a:t>Profil potencjalnego klienta serwisu</a:t>
+            </a:r>
+          </a:p>
+          <a:p>
+            <a:pPr marL="385763" indent="-385763">
               <a:buFont typeface="+mj-lt"/>
               <a:buAutoNum type="arabicPeriod"/>
             </a:pPr>
@@ -3437,21 +4420,17 @@
             </a:r>
           </a:p>
           <a:p>
-            <a:pPr marL="514350" indent="-514350">
+            <a:pPr marL="385763" indent="-385763">
               <a:buFont typeface="+mj-lt"/>
               <a:buAutoNum type="arabicPeriod"/>
             </a:pPr>
             <a:r>
-              <a:rPr lang="pl-PL" smtClean="0"/>
-              <a:t>Architektura </a:t>
-            </a:r>
-            <a:r>
-              <a:rPr lang="pl-PL" dirty="0" smtClean="0"/>
-              <a:t>i użyte technologie</a:t>
-            </a:r>
-          </a:p>
-          <a:p>
-            <a:pPr marL="514350" indent="-514350">
+              <a:rPr lang="pl-PL" dirty="0" smtClean="0"/>
+              <a:t>Architektura i użyte technologie</a:t>
+            </a:r>
+          </a:p>
+          <a:p>
+            <a:pPr marL="385763" indent="-385763">
               <a:buFont typeface="+mj-lt"/>
               <a:buAutoNum type="arabicPeriod"/>
             </a:pPr>
@@ -3469,7 +4448,1161 @@
     </p:spTree>
     <p:extLst>
       <p:ext uri="{BB962C8B-B14F-4D97-AF65-F5344CB8AC3E}">
-        <p14:creationId xmlns:p14="http://schemas.microsoft.com/office/powerpoint/2010/main" val="863505633"/>
+        <p14:creationId xmlns="" xmlns:p14="http://schemas.microsoft.com/office/powerpoint/2010/main" val="863505633"/>
+      </p:ext>
+    </p:extLst>
+  </p:cSld>
+  <p:clrMapOvr>
+    <a:masterClrMapping/>
+  </p:clrMapOvr>
+</p:sld>
+</file>
+
+<file path=ppt/slides/slide20.xml><?xml version="1.0" encoding="utf-8"?>
+<p:sld xmlns:a="http://schemas.openxmlformats.org/drawingml/2006/main" xmlns:r="http://schemas.openxmlformats.org/officeDocument/2006/relationships" xmlns:p="http://schemas.openxmlformats.org/presentationml/2006/main">
+  <p:cSld>
+    <p:spTree>
+      <p:nvGrpSpPr>
+        <p:cNvPr id="1" name=""/>
+        <p:cNvGrpSpPr/>
+        <p:nvPr/>
+      </p:nvGrpSpPr>
+      <p:grpSpPr>
+        <a:xfrm>
+          <a:off x="0" y="0"/>
+          <a:ext cx="0" cy="0"/>
+          <a:chOff x="0" y="0"/>
+          <a:chExt cx="0" cy="0"/>
+        </a:xfrm>
+      </p:grpSpPr>
+      <p:sp>
+        <p:nvSpPr>
+          <p:cNvPr id="2" name="Tytuł 1"/>
+          <p:cNvSpPr>
+            <a:spLocks noGrp="1"/>
+          </p:cNvSpPr>
+          <p:nvPr>
+            <p:ph type="title"/>
+          </p:nvPr>
+        </p:nvSpPr>
+        <p:spPr>
+          <a:xfrm>
+            <a:off x="272716" y="205979"/>
+            <a:ext cx="3168316" cy="857250"/>
+          </a:xfrm>
+        </p:spPr>
+        <p:txBody>
+          <a:bodyPr>
+            <a:normAutofit/>
+          </a:bodyPr>
+          <a:lstStyle/>
+          <a:p>
+            <a:r>
+              <a:rPr lang="pl-PL" sz="2400" dirty="0" smtClean="0"/>
+              <a:t>Oferty do zatwierdzenia</a:t>
+            </a:r>
+            <a:endParaRPr lang="pl-PL" sz="2400" dirty="0"/>
+          </a:p>
+        </p:txBody>
+      </p:sp>
+      <p:sp>
+        <p:nvSpPr>
+          <p:cNvPr id="3" name="Symbol zastępczy zawartości 2"/>
+          <p:cNvSpPr>
+            <a:spLocks noGrp="1"/>
+          </p:cNvSpPr>
+          <p:nvPr>
+            <p:ph sz="half" idx="1"/>
+          </p:nvPr>
+        </p:nvSpPr>
+        <p:spPr>
+          <a:xfrm>
+            <a:off x="609600" y="1200155"/>
+            <a:ext cx="2598821" cy="3394472"/>
+          </a:xfrm>
+        </p:spPr>
+        <p:txBody>
+          <a:bodyPr/>
+          <a:lstStyle/>
+          <a:p>
+            <a:endParaRPr lang="pl-PL" dirty="0"/>
+          </a:p>
+        </p:txBody>
+      </p:sp>
+      <p:pic>
+        <p:nvPicPr>
+          <p:cNvPr id="8194" name="Picture 2" descr="C:\Users\Janek\Desktop\Shoty\Screenshot_2019-01-13uncements.png"/>
+          <p:cNvPicPr>
+            <a:picLocks noChangeAspect="1" noChangeArrowheads="1"/>
+          </p:cNvPicPr>
+          <p:nvPr/>
+        </p:nvPicPr>
+        <p:blipFill>
+          <a:blip r:embed="rId2"/>
+          <a:srcRect/>
+          <a:stretch>
+            <a:fillRect/>
+          </a:stretch>
+        </p:blipFill>
+        <p:spPr bwMode="auto">
+          <a:xfrm>
+            <a:off x="3696703" y="325465"/>
+            <a:ext cx="5284565" cy="4679950"/>
+          </a:xfrm>
+          <a:prstGeom prst="rect">
+            <a:avLst/>
+          </a:prstGeom>
+          <a:noFill/>
+        </p:spPr>
+      </p:pic>
+    </p:spTree>
+  </p:cSld>
+  <p:clrMapOvr>
+    <a:masterClrMapping/>
+  </p:clrMapOvr>
+</p:sld>
+</file>
+
+<file path=ppt/slides/slide21.xml><?xml version="1.0" encoding="utf-8"?>
+<p:sld xmlns:a="http://schemas.openxmlformats.org/drawingml/2006/main" xmlns:r="http://schemas.openxmlformats.org/officeDocument/2006/relationships" xmlns:p="http://schemas.openxmlformats.org/presentationml/2006/main">
+  <p:cSld>
+    <p:spTree>
+      <p:nvGrpSpPr>
+        <p:cNvPr id="1" name=""/>
+        <p:cNvGrpSpPr/>
+        <p:nvPr/>
+      </p:nvGrpSpPr>
+      <p:grpSpPr>
+        <a:xfrm>
+          <a:off x="0" y="0"/>
+          <a:ext cx="0" cy="0"/>
+          <a:chOff x="0" y="0"/>
+          <a:chExt cx="0" cy="0"/>
+        </a:xfrm>
+      </p:grpSpPr>
+      <p:sp>
+        <p:nvSpPr>
+          <p:cNvPr id="2" name="Tytuł 1"/>
+          <p:cNvSpPr>
+            <a:spLocks noGrp="1"/>
+          </p:cNvSpPr>
+          <p:nvPr>
+            <p:ph type="title"/>
+          </p:nvPr>
+        </p:nvSpPr>
+        <p:spPr>
+          <a:xfrm>
+            <a:off x="272716" y="205979"/>
+            <a:ext cx="3248526" cy="857250"/>
+          </a:xfrm>
+        </p:spPr>
+        <p:txBody>
+          <a:bodyPr>
+            <a:normAutofit/>
+          </a:bodyPr>
+          <a:lstStyle/>
+          <a:p>
+            <a:r>
+              <a:rPr lang="pl-PL" sz="2400" dirty="0" smtClean="0"/>
+              <a:t>Klienci do zatwierdzenia</a:t>
+            </a:r>
+            <a:endParaRPr lang="pl-PL" sz="2400" dirty="0"/>
+          </a:p>
+        </p:txBody>
+      </p:sp>
+      <p:sp>
+        <p:nvSpPr>
+          <p:cNvPr id="3" name="Symbol zastępczy zawartości 2"/>
+          <p:cNvSpPr>
+            <a:spLocks noGrp="1"/>
+          </p:cNvSpPr>
+          <p:nvPr>
+            <p:ph sz="half" idx="1"/>
+          </p:nvPr>
+        </p:nvSpPr>
+        <p:spPr>
+          <a:xfrm>
+            <a:off x="609600" y="1200155"/>
+            <a:ext cx="2518611" cy="3394472"/>
+          </a:xfrm>
+        </p:spPr>
+        <p:txBody>
+          <a:bodyPr/>
+          <a:lstStyle/>
+          <a:p>
+            <a:endParaRPr lang="pl-PL" dirty="0"/>
+          </a:p>
+        </p:txBody>
+      </p:sp>
+      <p:pic>
+        <p:nvPicPr>
+          <p:cNvPr id="9218" name="Picture 2" descr="C:\Users\Janek\Desktop\Shoty\Screenshot_2019-01-13 Moje konto – Accommodation Announcements(7).png"/>
+          <p:cNvPicPr>
+            <a:picLocks noChangeAspect="1" noChangeArrowheads="1"/>
+          </p:cNvPicPr>
+          <p:nvPr/>
+        </p:nvPicPr>
+        <p:blipFill>
+          <a:blip r:embed="rId2"/>
+          <a:srcRect/>
+          <a:stretch>
+            <a:fillRect/>
+          </a:stretch>
+        </p:blipFill>
+        <p:spPr bwMode="auto">
+          <a:xfrm>
+            <a:off x="3603356" y="348711"/>
+            <a:ext cx="5380474" cy="4675475"/>
+          </a:xfrm>
+          <a:prstGeom prst="rect">
+            <a:avLst/>
+          </a:prstGeom>
+          <a:noFill/>
+        </p:spPr>
+      </p:pic>
+    </p:spTree>
+  </p:cSld>
+  <p:clrMapOvr>
+    <a:masterClrMapping/>
+  </p:clrMapOvr>
+</p:sld>
+</file>
+
+<file path=ppt/slides/slide22.xml><?xml version="1.0" encoding="utf-8"?>
+<p:sld xmlns:a="http://schemas.openxmlformats.org/drawingml/2006/main" xmlns:r="http://schemas.openxmlformats.org/officeDocument/2006/relationships" xmlns:p="http://schemas.openxmlformats.org/presentationml/2006/main">
+  <p:cSld>
+    <p:spTree>
+      <p:nvGrpSpPr>
+        <p:cNvPr id="1" name=""/>
+        <p:cNvGrpSpPr/>
+        <p:nvPr/>
+      </p:nvGrpSpPr>
+      <p:grpSpPr>
+        <a:xfrm>
+          <a:off x="0" y="0"/>
+          <a:ext cx="0" cy="0"/>
+          <a:chOff x="0" y="0"/>
+          <a:chExt cx="0" cy="0"/>
+        </a:xfrm>
+      </p:grpSpPr>
+      <p:sp>
+        <p:nvSpPr>
+          <p:cNvPr id="2" name="Tytuł 1"/>
+          <p:cNvSpPr>
+            <a:spLocks noGrp="1"/>
+          </p:cNvSpPr>
+          <p:nvPr>
+            <p:ph type="title"/>
+          </p:nvPr>
+        </p:nvSpPr>
+        <p:spPr>
+          <a:xfrm>
+            <a:off x="457200" y="205979"/>
+            <a:ext cx="2791326" cy="857250"/>
+          </a:xfrm>
+        </p:spPr>
+        <p:txBody>
+          <a:bodyPr/>
+          <a:lstStyle/>
+          <a:p>
+            <a:r>
+              <a:rPr lang="pl-PL" dirty="0" smtClean="0"/>
+              <a:t>Klienci</a:t>
+            </a:r>
+            <a:endParaRPr lang="pl-PL" dirty="0"/>
+          </a:p>
+        </p:txBody>
+      </p:sp>
+      <p:sp>
+        <p:nvSpPr>
+          <p:cNvPr id="3" name="Symbol zastępczy zawartości 2"/>
+          <p:cNvSpPr>
+            <a:spLocks noGrp="1"/>
+          </p:cNvSpPr>
+          <p:nvPr>
+            <p:ph sz="half" idx="1"/>
+          </p:nvPr>
+        </p:nvSpPr>
+        <p:spPr>
+          <a:xfrm>
+            <a:off x="609600" y="1200155"/>
+            <a:ext cx="2622884" cy="3394472"/>
+          </a:xfrm>
+        </p:spPr>
+        <p:txBody>
+          <a:bodyPr/>
+          <a:lstStyle/>
+          <a:p>
+            <a:endParaRPr lang="pl-PL" dirty="0"/>
+          </a:p>
+        </p:txBody>
+      </p:sp>
+      <p:pic>
+        <p:nvPicPr>
+          <p:cNvPr id="10242" name="Picture 2" descr="C:\Users\Janek\Desktop\Shoty\Screenshot_2019-01-13 Moje konto – Accommodation Announcements(8).png"/>
+          <p:cNvPicPr>
+            <a:picLocks noChangeAspect="1" noChangeArrowheads="1"/>
+          </p:cNvPicPr>
+          <p:nvPr/>
+        </p:nvPicPr>
+        <p:blipFill>
+          <a:blip r:embed="rId2"/>
+          <a:srcRect/>
+          <a:stretch>
+            <a:fillRect/>
+          </a:stretch>
+        </p:blipFill>
+        <p:spPr bwMode="auto">
+          <a:xfrm>
+            <a:off x="3673098" y="255722"/>
+            <a:ext cx="5358502" cy="4794788"/>
+          </a:xfrm>
+          <a:prstGeom prst="rect">
+            <a:avLst/>
+          </a:prstGeom>
+          <a:noFill/>
+        </p:spPr>
+      </p:pic>
+    </p:spTree>
+  </p:cSld>
+  <p:clrMapOvr>
+    <a:masterClrMapping/>
+  </p:clrMapOvr>
+</p:sld>
+</file>
+
+<file path=ppt/slides/slide23.xml><?xml version="1.0" encoding="utf-8"?>
+<p:sld xmlns:a="http://schemas.openxmlformats.org/drawingml/2006/main" xmlns:r="http://schemas.openxmlformats.org/officeDocument/2006/relationships" xmlns:p="http://schemas.openxmlformats.org/presentationml/2006/main">
+  <p:cSld>
+    <p:spTree>
+      <p:nvGrpSpPr>
+        <p:cNvPr id="1" name=""/>
+        <p:cNvGrpSpPr/>
+        <p:nvPr/>
+      </p:nvGrpSpPr>
+      <p:grpSpPr>
+        <a:xfrm>
+          <a:off x="0" y="0"/>
+          <a:ext cx="0" cy="0"/>
+          <a:chOff x="0" y="0"/>
+          <a:chExt cx="0" cy="0"/>
+        </a:xfrm>
+      </p:grpSpPr>
+      <p:sp>
+        <p:nvSpPr>
+          <p:cNvPr id="2" name="Tytuł 1"/>
+          <p:cNvSpPr>
+            <a:spLocks noGrp="1"/>
+          </p:cNvSpPr>
+          <p:nvPr>
+            <p:ph type="title"/>
+          </p:nvPr>
+        </p:nvSpPr>
+        <p:spPr>
+          <a:xfrm>
+            <a:off x="457200" y="205979"/>
+            <a:ext cx="2622884" cy="857250"/>
+          </a:xfrm>
+        </p:spPr>
+        <p:txBody>
+          <a:bodyPr/>
+          <a:lstStyle/>
+          <a:p>
+            <a:r>
+              <a:rPr lang="pl-PL" dirty="0" smtClean="0"/>
+              <a:t>Płatności</a:t>
+            </a:r>
+            <a:endParaRPr lang="pl-PL" dirty="0"/>
+          </a:p>
+        </p:txBody>
+      </p:sp>
+      <p:sp>
+        <p:nvSpPr>
+          <p:cNvPr id="3" name="Symbol zastępczy zawartości 2"/>
+          <p:cNvSpPr>
+            <a:spLocks noGrp="1"/>
+          </p:cNvSpPr>
+          <p:nvPr>
+            <p:ph sz="half" idx="1"/>
+          </p:nvPr>
+        </p:nvSpPr>
+        <p:spPr>
+          <a:xfrm>
+            <a:off x="609600" y="1200155"/>
+            <a:ext cx="2414337" cy="3394472"/>
+          </a:xfrm>
+        </p:spPr>
+        <p:txBody>
+          <a:bodyPr/>
+          <a:lstStyle/>
+          <a:p>
+            <a:endParaRPr lang="pl-PL" dirty="0"/>
+          </a:p>
+        </p:txBody>
+      </p:sp>
+      <p:pic>
+        <p:nvPicPr>
+          <p:cNvPr id="11266" name="Picture 2" descr="C:\Users\Janek\Desktop\Shoty\Screenshot_2019-01-13 Moje konto – Accommodation Announcements(9).png"/>
+          <p:cNvPicPr>
+            <a:picLocks noChangeAspect="1" noChangeArrowheads="1"/>
+          </p:cNvPicPr>
+          <p:nvPr/>
+        </p:nvPicPr>
+        <p:blipFill>
+          <a:blip r:embed="rId2"/>
+          <a:srcRect/>
+          <a:stretch>
+            <a:fillRect/>
+          </a:stretch>
+        </p:blipFill>
+        <p:spPr bwMode="auto">
+          <a:xfrm>
+            <a:off x="3787336" y="286719"/>
+            <a:ext cx="5180285" cy="4729112"/>
+          </a:xfrm>
+          <a:prstGeom prst="rect">
+            <a:avLst/>
+          </a:prstGeom>
+          <a:noFill/>
+        </p:spPr>
+      </p:pic>
+    </p:spTree>
+  </p:cSld>
+  <p:clrMapOvr>
+    <a:masterClrMapping/>
+  </p:clrMapOvr>
+</p:sld>
+</file>
+
+<file path=ppt/slides/slide24.xml><?xml version="1.0" encoding="utf-8"?>
+<p:sld xmlns:a="http://schemas.openxmlformats.org/drawingml/2006/main" xmlns:r="http://schemas.openxmlformats.org/officeDocument/2006/relationships" xmlns:p="http://schemas.openxmlformats.org/presentationml/2006/main">
+  <p:cSld>
+    <p:spTree>
+      <p:nvGrpSpPr>
+        <p:cNvPr id="1" name=""/>
+        <p:cNvGrpSpPr/>
+        <p:nvPr/>
+      </p:nvGrpSpPr>
+      <p:grpSpPr>
+        <a:xfrm>
+          <a:off x="0" y="0"/>
+          <a:ext cx="0" cy="0"/>
+          <a:chOff x="0" y="0"/>
+          <a:chExt cx="0" cy="0"/>
+        </a:xfrm>
+      </p:grpSpPr>
+      <p:sp>
+        <p:nvSpPr>
+          <p:cNvPr id="2" name="Tytuł 1"/>
+          <p:cNvSpPr>
+            <a:spLocks noGrp="1"/>
+          </p:cNvSpPr>
+          <p:nvPr>
+            <p:ph type="title"/>
+          </p:nvPr>
+        </p:nvSpPr>
+        <p:spPr>
+          <a:xfrm>
+            <a:off x="457200" y="205979"/>
+            <a:ext cx="2318084" cy="857250"/>
+          </a:xfrm>
+        </p:spPr>
+        <p:txBody>
+          <a:bodyPr/>
+          <a:lstStyle/>
+          <a:p>
+            <a:r>
+              <a:rPr lang="pl-PL" dirty="0" smtClean="0"/>
+              <a:t>Rezerwacje</a:t>
+            </a:r>
+            <a:endParaRPr lang="pl-PL" dirty="0"/>
+          </a:p>
+        </p:txBody>
+      </p:sp>
+      <p:sp>
+        <p:nvSpPr>
+          <p:cNvPr id="3" name="Symbol zastępczy zawartości 2"/>
+          <p:cNvSpPr>
+            <a:spLocks noGrp="1"/>
+          </p:cNvSpPr>
+          <p:nvPr>
+            <p:ph sz="half" idx="1"/>
+          </p:nvPr>
+        </p:nvSpPr>
+        <p:spPr>
+          <a:xfrm>
+            <a:off x="609600" y="1200155"/>
+            <a:ext cx="2253916" cy="3394472"/>
+          </a:xfrm>
+        </p:spPr>
+        <p:txBody>
+          <a:bodyPr/>
+          <a:lstStyle/>
+          <a:p>
+            <a:endParaRPr lang="pl-PL" dirty="0"/>
+          </a:p>
+        </p:txBody>
+      </p:sp>
+      <p:pic>
+        <p:nvPicPr>
+          <p:cNvPr id="12290" name="Picture 2" descr="C:\Users\Janek\Desktop\Shoty\Screenshot_2019-01-13 Moje konto – Accommodation Announcements(10).png"/>
+          <p:cNvPicPr>
+            <a:picLocks noChangeAspect="1" noChangeArrowheads="1"/>
+          </p:cNvPicPr>
+          <p:nvPr/>
+        </p:nvPicPr>
+        <p:blipFill>
+          <a:blip r:embed="rId2"/>
+          <a:srcRect/>
+          <a:stretch>
+            <a:fillRect/>
+          </a:stretch>
+        </p:blipFill>
+        <p:spPr bwMode="auto">
+          <a:xfrm>
+            <a:off x="3820332" y="326661"/>
+            <a:ext cx="5155477" cy="4706465"/>
+          </a:xfrm>
+          <a:prstGeom prst="rect">
+            <a:avLst/>
+          </a:prstGeom>
+          <a:noFill/>
+        </p:spPr>
+      </p:pic>
+    </p:spTree>
+  </p:cSld>
+  <p:clrMapOvr>
+    <a:masterClrMapping/>
+  </p:clrMapOvr>
+</p:sld>
+</file>
+
+<file path=ppt/slides/slide25.xml><?xml version="1.0" encoding="utf-8"?>
+<p:sld xmlns:a="http://schemas.openxmlformats.org/drawingml/2006/main" xmlns:r="http://schemas.openxmlformats.org/officeDocument/2006/relationships" xmlns:p="http://schemas.openxmlformats.org/presentationml/2006/main">
+  <p:cSld>
+    <p:spTree>
+      <p:nvGrpSpPr>
+        <p:cNvPr id="1" name=""/>
+        <p:cNvGrpSpPr/>
+        <p:nvPr/>
+      </p:nvGrpSpPr>
+      <p:grpSpPr>
+        <a:xfrm>
+          <a:off x="0" y="0"/>
+          <a:ext cx="0" cy="0"/>
+          <a:chOff x="0" y="0"/>
+          <a:chExt cx="0" cy="0"/>
+        </a:xfrm>
+      </p:grpSpPr>
+      <p:sp>
+        <p:nvSpPr>
+          <p:cNvPr id="2" name="Title 1"/>
+          <p:cNvSpPr>
+            <a:spLocks noGrp="1"/>
+          </p:cNvSpPr>
+          <p:nvPr>
+            <p:ph type="title"/>
+          </p:nvPr>
+        </p:nvSpPr>
+        <p:spPr/>
+        <p:txBody>
+          <a:bodyPr/>
+          <a:lstStyle/>
+          <a:p>
+            <a:r>
+              <a:rPr lang="pl-PL" dirty="0" smtClean="0"/>
+              <a:t>Architektura </a:t>
+            </a:r>
+            <a:r>
+              <a:rPr lang="pl-PL" dirty="0"/>
+              <a:t>i użyte technologie</a:t>
+            </a:r>
+          </a:p>
+        </p:txBody>
+      </p:sp>
+      <p:sp>
+        <p:nvSpPr>
+          <p:cNvPr id="3" name="Content Placeholder 2"/>
+          <p:cNvSpPr>
+            <a:spLocks noGrp="1"/>
+          </p:cNvSpPr>
+          <p:nvPr>
+            <p:ph idx="1"/>
+          </p:nvPr>
+        </p:nvSpPr>
+        <p:spPr/>
+        <p:txBody>
+          <a:bodyPr>
+            <a:normAutofit fontScale="85000" lnSpcReduction="10000"/>
+          </a:bodyPr>
+          <a:lstStyle/>
+          <a:p>
+            <a:pPr marL="0" indent="0">
+              <a:buNone/>
+            </a:pPr>
+            <a:r>
+              <a:rPr lang="pl-PL" dirty="0" smtClean="0"/>
+              <a:t>	Projekt systemu opiera się na scentralizowanej relacyjnej bazy danych MySQL która zawiera całą logikę wraz z danymi. Baza danych została wyposażona w szereg interfejsów pod postacią: procedur, funkcji i widoków.</a:t>
+            </a:r>
+          </a:p>
+          <a:p>
+            <a:pPr marL="0" indent="0">
+              <a:buNone/>
+            </a:pPr>
+            <a:r>
+              <a:rPr lang="pl-PL" dirty="0"/>
+              <a:t>	</a:t>
+            </a:r>
+            <a:r>
+              <a:rPr lang="pl-PL" dirty="0" smtClean="0"/>
+              <a:t>Obok bazy danych, na tej samej maszynie fizycznej znajduje się WebService który został napisany w PHP 7 z zastosowaniem frameworku Symfony 4. </a:t>
+            </a:r>
+          </a:p>
+          <a:p>
+            <a:pPr marL="0" indent="0">
+              <a:buNone/>
+            </a:pPr>
+            <a:r>
+              <a:rPr lang="pl-PL" dirty="0"/>
+              <a:t>	</a:t>
+            </a:r>
+            <a:r>
+              <a:rPr lang="pl-PL" dirty="0" smtClean="0"/>
+              <a:t>Została użyta architektura klient-serwer. Wspomniana wyżej maszyna fizyczna to serwer natomiast klientem jest przeglądarka internetowa. </a:t>
+            </a:r>
+          </a:p>
+          <a:p>
+            <a:pPr marL="0" indent="0">
+              <a:buNone/>
+            </a:pPr>
+            <a:r>
+              <a:rPr lang="pl-PL" dirty="0" smtClean="0"/>
+              <a:t>	Od strony klienta działa strona internetowa napisana w HTML5 z użyciem JS i CSS3. </a:t>
+            </a:r>
+            <a:endParaRPr lang="pl-PL" dirty="0"/>
+          </a:p>
+        </p:txBody>
+      </p:sp>
+    </p:spTree>
+    <p:extLst>
+      <p:ext uri="{BB962C8B-B14F-4D97-AF65-F5344CB8AC3E}">
+        <p14:creationId xmlns="" xmlns:p14="http://schemas.microsoft.com/office/powerpoint/2010/main" val="2219077538"/>
+      </p:ext>
+    </p:extLst>
+  </p:cSld>
+  <p:clrMapOvr>
+    <a:masterClrMapping/>
+  </p:clrMapOvr>
+</p:sld>
+</file>
+
+<file path=ppt/slides/slide26.xml><?xml version="1.0" encoding="utf-8"?>
+<p:sld xmlns:a="http://schemas.openxmlformats.org/drawingml/2006/main" xmlns:r="http://schemas.openxmlformats.org/officeDocument/2006/relationships" xmlns:p="http://schemas.openxmlformats.org/presentationml/2006/main">
+  <p:cSld>
+    <p:spTree>
+      <p:nvGrpSpPr>
+        <p:cNvPr id="1" name=""/>
+        <p:cNvGrpSpPr/>
+        <p:nvPr/>
+      </p:nvGrpSpPr>
+      <p:grpSpPr>
+        <a:xfrm>
+          <a:off x="0" y="0"/>
+          <a:ext cx="0" cy="0"/>
+          <a:chOff x="0" y="0"/>
+          <a:chExt cx="0" cy="0"/>
+        </a:xfrm>
+      </p:grpSpPr>
+      <p:sp>
+        <p:nvSpPr>
+          <p:cNvPr id="2" name="Title 1"/>
+          <p:cNvSpPr>
+            <a:spLocks noGrp="1"/>
+          </p:cNvSpPr>
+          <p:nvPr>
+            <p:ph type="title"/>
+          </p:nvPr>
+        </p:nvSpPr>
+        <p:spPr/>
+        <p:txBody>
+          <a:bodyPr/>
+          <a:lstStyle/>
+          <a:p>
+            <a:r>
+              <a:rPr lang="pl-PL" dirty="0" smtClean="0"/>
+              <a:t>Architektura </a:t>
+            </a:r>
+            <a:r>
+              <a:rPr lang="pl-PL" dirty="0"/>
+              <a:t>i użyte </a:t>
+            </a:r>
+            <a:r>
+              <a:rPr lang="pl-PL" dirty="0" smtClean="0"/>
+              <a:t>technologie c.d.</a:t>
+            </a:r>
+            <a:endParaRPr lang="pl-PL" dirty="0"/>
+          </a:p>
+        </p:txBody>
+      </p:sp>
+      <p:sp>
+        <p:nvSpPr>
+          <p:cNvPr id="5" name="Symbol zastępczy zawartości 4"/>
+          <p:cNvSpPr>
+            <a:spLocks noGrp="1"/>
+          </p:cNvSpPr>
+          <p:nvPr>
+            <p:ph sz="half" idx="2"/>
+          </p:nvPr>
+        </p:nvSpPr>
+        <p:spPr>
+          <a:xfrm>
+            <a:off x="457200" y="1309607"/>
+            <a:ext cx="4040188" cy="3285015"/>
+          </a:xfrm>
+        </p:spPr>
+        <p:txBody>
+          <a:bodyPr/>
+          <a:lstStyle/>
+          <a:p>
+            <a:pPr>
+              <a:buNone/>
+            </a:pPr>
+            <a:r>
+              <a:rPr lang="pl-PL" dirty="0" smtClean="0"/>
+              <a:t>Diagram architektury systemu </a:t>
+            </a:r>
+            <a:endParaRPr lang="pl-PL" dirty="0"/>
+          </a:p>
+        </p:txBody>
+      </p:sp>
+      <p:pic>
+        <p:nvPicPr>
+          <p:cNvPr id="8" name="Picture 2"/>
+          <p:cNvPicPr>
+            <a:picLocks noGrp="1" noChangeAspect="1" noChangeArrowheads="1"/>
+          </p:cNvPicPr>
+          <p:nvPr>
+            <p:ph sz="quarter" idx="4"/>
+          </p:nvPr>
+        </p:nvPicPr>
+        <p:blipFill>
+          <a:blip r:embed="rId2">
+            <a:extLst>
+              <a:ext uri="{28A0092B-C50C-407E-A947-70E740481C1C}">
+                <a14:useLocalDpi xmlns="" xmlns:a14="http://schemas.microsoft.com/office/drawing/2010/main" val="0"/>
+              </a:ext>
+            </a:extLst>
+          </a:blip>
+          <a:srcRect/>
+          <a:stretch>
+            <a:fillRect/>
+          </a:stretch>
+        </p:blipFill>
+        <p:spPr bwMode="auto">
+          <a:xfrm>
+            <a:off x="4386022" y="1229378"/>
+            <a:ext cx="3660218" cy="3395843"/>
+          </a:xfrm>
+          <a:prstGeom prst="rect">
+            <a:avLst/>
+          </a:prstGeom>
+          <a:noFill/>
+          <a:ln>
+            <a:noFill/>
+          </a:ln>
+          <a:extLst>
+            <a:ext uri="{909E8E84-426E-40DD-AFC4-6F175D3DCCD1}">
+              <a14:hiddenFill xmlns="" xmlns:a14="http://schemas.microsoft.com/office/drawing/2010/main">
+                <a:solidFill>
+                  <a:srgbClr val="FFFFFF"/>
+                </a:solidFill>
+              </a14:hiddenFill>
+            </a:ext>
+            <a:ext uri="{91240B29-F687-4F45-9708-019B960494DF}">
+              <a14:hiddenLine xmlns="" xmlns:a14="http://schemas.microsoft.com/office/drawing/2010/main" w="9525">
+                <a:solidFill>
+                  <a:srgbClr val="000000"/>
+                </a:solidFill>
+                <a:miter lim="800000"/>
+                <a:headEnd/>
+                <a:tailEnd/>
+              </a14:hiddenLine>
+            </a:ext>
+          </a:extLst>
+        </p:spPr>
+      </p:pic>
+    </p:spTree>
+    <p:extLst>
+      <p:ext uri="{BB962C8B-B14F-4D97-AF65-F5344CB8AC3E}">
+        <p14:creationId xmlns="" xmlns:p14="http://schemas.microsoft.com/office/powerpoint/2010/main" val="1554217288"/>
+      </p:ext>
+    </p:extLst>
+  </p:cSld>
+  <p:clrMapOvr>
+    <a:masterClrMapping/>
+  </p:clrMapOvr>
+</p:sld>
+</file>
+
+<file path=ppt/slides/slide27.xml><?xml version="1.0" encoding="utf-8"?>
+<p:sld xmlns:a="http://schemas.openxmlformats.org/drawingml/2006/main" xmlns:r="http://schemas.openxmlformats.org/officeDocument/2006/relationships" xmlns:p="http://schemas.openxmlformats.org/presentationml/2006/main">
+  <p:cSld>
+    <p:spTree>
+      <p:nvGrpSpPr>
+        <p:cNvPr id="1" name=""/>
+        <p:cNvGrpSpPr/>
+        <p:nvPr/>
+      </p:nvGrpSpPr>
+      <p:grpSpPr>
+        <a:xfrm>
+          <a:off x="0" y="0"/>
+          <a:ext cx="0" cy="0"/>
+          <a:chOff x="0" y="0"/>
+          <a:chExt cx="0" cy="0"/>
+        </a:xfrm>
+      </p:grpSpPr>
+      <p:sp>
+        <p:nvSpPr>
+          <p:cNvPr id="2" name="Title 1"/>
+          <p:cNvSpPr>
+            <a:spLocks noGrp="1"/>
+          </p:cNvSpPr>
+          <p:nvPr>
+            <p:ph type="title"/>
+          </p:nvPr>
+        </p:nvSpPr>
+        <p:spPr/>
+        <p:txBody>
+          <a:bodyPr/>
+          <a:lstStyle/>
+          <a:p>
+            <a:r>
+              <a:rPr lang="pl-PL" dirty="0" smtClean="0"/>
+              <a:t>Architektura </a:t>
+            </a:r>
+            <a:r>
+              <a:rPr lang="pl-PL" dirty="0"/>
+              <a:t>i użyte </a:t>
+            </a:r>
+            <a:r>
+              <a:rPr lang="pl-PL" dirty="0" smtClean="0"/>
+              <a:t>technologie c.d.</a:t>
+            </a:r>
+            <a:endParaRPr lang="pl-PL" dirty="0"/>
+          </a:p>
+        </p:txBody>
+      </p:sp>
+      <p:sp>
+        <p:nvSpPr>
+          <p:cNvPr id="3" name="Content Placeholder 2"/>
+          <p:cNvSpPr>
+            <a:spLocks noGrp="1"/>
+          </p:cNvSpPr>
+          <p:nvPr>
+            <p:ph idx="1"/>
+          </p:nvPr>
+        </p:nvSpPr>
+        <p:spPr/>
+        <p:txBody>
+          <a:bodyPr>
+            <a:normAutofit lnSpcReduction="10000"/>
+          </a:bodyPr>
+          <a:lstStyle/>
+          <a:p>
+            <a:pPr marL="0" indent="0">
+              <a:buNone/>
+            </a:pPr>
+            <a:r>
+              <a:rPr lang="pl-PL" dirty="0" smtClean="0"/>
+              <a:t>Plusy i minusy użytej architektury:</a:t>
+            </a:r>
+          </a:p>
+          <a:p>
+            <a:pPr marL="0" indent="0">
+              <a:buNone/>
+            </a:pPr>
+            <a:r>
+              <a:rPr lang="pl-PL" dirty="0" smtClean="0"/>
+              <a:t>Plusy:</a:t>
+            </a:r>
+          </a:p>
+          <a:p>
+            <a:r>
+              <a:rPr lang="pl-PL" dirty="0" smtClean="0"/>
+              <a:t>łatwy serwis, </a:t>
+            </a:r>
+          </a:p>
+          <a:p>
+            <a:r>
+              <a:rPr lang="pl-PL" dirty="0" smtClean="0"/>
+              <a:t>mały koszt budowy, </a:t>
+            </a:r>
+          </a:p>
+          <a:p>
+            <a:r>
+              <a:rPr lang="pl-PL" dirty="0" smtClean="0"/>
+              <a:t>łatwa migracja, </a:t>
+            </a:r>
+          </a:p>
+          <a:p>
+            <a:r>
+              <a:rPr lang="pl-PL" dirty="0" smtClean="0"/>
+              <a:t>szybka konfiguracja</a:t>
+            </a:r>
+          </a:p>
+          <a:p>
+            <a:pPr marL="0" indent="0">
+              <a:buNone/>
+            </a:pPr>
+            <a:r>
+              <a:rPr lang="pl-PL" dirty="0" smtClean="0"/>
+              <a:t>Minusy:</a:t>
+            </a:r>
+          </a:p>
+          <a:p>
+            <a:r>
+              <a:rPr lang="pl-PL" dirty="0" smtClean="0"/>
+              <a:t>uboga dokumentacja </a:t>
+            </a:r>
+            <a:r>
+              <a:rPr lang="pl-PL" dirty="0" err="1" smtClean="0"/>
+              <a:t>Symfony</a:t>
+            </a:r>
+            <a:r>
+              <a:rPr lang="pl-PL" dirty="0" smtClean="0"/>
+              <a:t> </a:t>
+            </a:r>
+            <a:r>
+              <a:rPr lang="pl-PL" dirty="0" err="1" smtClean="0"/>
+              <a:t>framework</a:t>
+            </a:r>
+            <a:endParaRPr lang="pl-PL" dirty="0"/>
+          </a:p>
+        </p:txBody>
+      </p:sp>
+    </p:spTree>
+    <p:extLst>
+      <p:ext uri="{BB962C8B-B14F-4D97-AF65-F5344CB8AC3E}">
+        <p14:creationId xmlns="" xmlns:p14="http://schemas.microsoft.com/office/powerpoint/2010/main" val="1581660104"/>
+      </p:ext>
+    </p:extLst>
+  </p:cSld>
+  <p:clrMapOvr>
+    <a:masterClrMapping/>
+  </p:clrMapOvr>
+</p:sld>
+</file>
+
+<file path=ppt/slides/slide28.xml><?xml version="1.0" encoding="utf-8"?>
+<p:sld xmlns:a="http://schemas.openxmlformats.org/drawingml/2006/main" xmlns:r="http://schemas.openxmlformats.org/officeDocument/2006/relationships" xmlns:p="http://schemas.openxmlformats.org/presentationml/2006/main">
+  <p:cSld>
+    <p:spTree>
+      <p:nvGrpSpPr>
+        <p:cNvPr id="1" name=""/>
+        <p:cNvGrpSpPr/>
+        <p:nvPr/>
+      </p:nvGrpSpPr>
+      <p:grpSpPr>
+        <a:xfrm>
+          <a:off x="0" y="0"/>
+          <a:ext cx="0" cy="0"/>
+          <a:chOff x="0" y="0"/>
+          <a:chExt cx="0" cy="0"/>
+        </a:xfrm>
+      </p:grpSpPr>
+      <p:sp>
+        <p:nvSpPr>
+          <p:cNvPr id="2" name="Title 1"/>
+          <p:cNvSpPr>
+            <a:spLocks noGrp="1"/>
+          </p:cNvSpPr>
+          <p:nvPr>
+            <p:ph type="title"/>
+          </p:nvPr>
+        </p:nvSpPr>
+        <p:spPr/>
+        <p:txBody>
+          <a:bodyPr/>
+          <a:lstStyle/>
+          <a:p>
+            <a:r>
+              <a:rPr lang="pl-PL" dirty="0"/>
+              <a:t>Możliwości </a:t>
+            </a:r>
+            <a:r>
+              <a:rPr lang="pl-PL" dirty="0" smtClean="0"/>
+              <a:t>rozwoju</a:t>
+            </a:r>
+            <a:endParaRPr lang="pl-PL" dirty="0"/>
+          </a:p>
+        </p:txBody>
+      </p:sp>
+      <p:sp>
+        <p:nvSpPr>
+          <p:cNvPr id="3" name="Content Placeholder 2"/>
+          <p:cNvSpPr>
+            <a:spLocks noGrp="1"/>
+          </p:cNvSpPr>
+          <p:nvPr>
+            <p:ph idx="1"/>
+          </p:nvPr>
+        </p:nvSpPr>
+        <p:spPr/>
+        <p:txBody>
+          <a:bodyPr/>
+          <a:lstStyle/>
+          <a:p>
+            <a:pPr marL="0" indent="0">
+              <a:buNone/>
+            </a:pPr>
+            <a:r>
+              <a:rPr lang="pl-PL" dirty="0" smtClean="0"/>
+              <a:t>Architektura systemu pozwala na łatwe dodawanie nowych modułów. Przyszłości </a:t>
+            </a:r>
+            <a:r>
+              <a:rPr lang="pl-PL" dirty="0"/>
+              <a:t>można do implementować:</a:t>
+            </a:r>
+            <a:endParaRPr lang="pl-PL" dirty="0" smtClean="0"/>
+          </a:p>
+          <a:p>
+            <a:pPr marL="385763" indent="-385763">
+              <a:buAutoNum type="arabicPeriod"/>
+            </a:pPr>
+            <a:r>
+              <a:rPr lang="pl-PL" dirty="0" smtClean="0"/>
+              <a:t>Procesy automatyczne które będą cyklicznie lub na żądanie wykonywać działania. </a:t>
+            </a:r>
+          </a:p>
+          <a:p>
+            <a:pPr marL="385763" indent="-385763">
+              <a:buAutoNum type="arabicPeriod"/>
+            </a:pPr>
+            <a:r>
+              <a:rPr lang="pl-PL" dirty="0" smtClean="0"/>
+              <a:t>Kalendarz </a:t>
+            </a:r>
+            <a:r>
+              <a:rPr lang="pl-PL" dirty="0"/>
+              <a:t>w konkretnej ofercie informujący potencjalnego klienta o dostępności oferty</a:t>
+            </a:r>
+            <a:r>
+              <a:rPr lang="pl-PL" dirty="0" smtClean="0"/>
+              <a:t>.</a:t>
+            </a:r>
+          </a:p>
+          <a:p>
+            <a:pPr marL="385763" indent="-385763">
+              <a:buAutoNum type="arabicPeriod"/>
+            </a:pPr>
+            <a:r>
+              <a:rPr lang="pl-PL" dirty="0"/>
+              <a:t>Obsługa zewnętrznego serwisu </a:t>
+            </a:r>
+            <a:r>
+              <a:rPr lang="pl-PL" dirty="0" smtClean="0"/>
+              <a:t>do płatności on-line </a:t>
+            </a:r>
+            <a:endParaRPr lang="pl-PL" dirty="0"/>
+          </a:p>
+        </p:txBody>
+      </p:sp>
+    </p:spTree>
+    <p:extLst>
+      <p:ext uri="{BB962C8B-B14F-4D97-AF65-F5344CB8AC3E}">
+        <p14:creationId xmlns="" xmlns:p14="http://schemas.microsoft.com/office/powerpoint/2010/main" val="97012678"/>
+      </p:ext>
+    </p:extLst>
+  </p:cSld>
+  <p:clrMapOvr>
+    <a:masterClrMapping/>
+  </p:clrMapOvr>
+</p:sld>
+</file>
+
+<file path=ppt/slides/slide29.xml><?xml version="1.0" encoding="utf-8"?>
+<p:sld xmlns:a="http://schemas.openxmlformats.org/drawingml/2006/main" xmlns:r="http://schemas.openxmlformats.org/officeDocument/2006/relationships" xmlns:p="http://schemas.openxmlformats.org/presentationml/2006/main">
+  <p:cSld>
+    <p:spTree>
+      <p:nvGrpSpPr>
+        <p:cNvPr id="1" name=""/>
+        <p:cNvGrpSpPr/>
+        <p:nvPr/>
+      </p:nvGrpSpPr>
+      <p:grpSpPr>
+        <a:xfrm>
+          <a:off x="0" y="0"/>
+          <a:ext cx="0" cy="0"/>
+          <a:chOff x="0" y="0"/>
+          <a:chExt cx="0" cy="0"/>
+        </a:xfrm>
+      </p:grpSpPr>
+      <p:sp>
+        <p:nvSpPr>
+          <p:cNvPr id="4" name="Title 3"/>
+          <p:cNvSpPr>
+            <a:spLocks noGrp="1"/>
+          </p:cNvSpPr>
+          <p:nvPr>
+            <p:ph type="ctrTitle"/>
+          </p:nvPr>
+        </p:nvSpPr>
+        <p:spPr/>
+        <p:txBody>
+          <a:bodyPr/>
+          <a:lstStyle/>
+          <a:p>
+            <a:r>
+              <a:rPr lang="pl-PL" dirty="0" smtClean="0"/>
+              <a:t>Dziękujemy za uwagę.</a:t>
+            </a:r>
+            <a:endParaRPr lang="pl-PL" dirty="0"/>
+          </a:p>
+        </p:txBody>
+      </p:sp>
+      <p:sp>
+        <p:nvSpPr>
+          <p:cNvPr id="5" name="Subtitle 4"/>
+          <p:cNvSpPr>
+            <a:spLocks noGrp="1"/>
+          </p:cNvSpPr>
+          <p:nvPr>
+            <p:ph type="subTitle" idx="1"/>
+          </p:nvPr>
+        </p:nvSpPr>
+        <p:spPr>
+          <a:xfrm>
+            <a:off x="1394848" y="2426453"/>
+            <a:ext cx="6400800" cy="1314450"/>
+          </a:xfrm>
+        </p:spPr>
+        <p:txBody>
+          <a:bodyPr>
+            <a:normAutofit/>
+          </a:bodyPr>
+          <a:lstStyle/>
+          <a:p>
+            <a:endParaRPr lang="pl-PL" dirty="0" smtClean="0"/>
+          </a:p>
+          <a:p>
+            <a:r>
+              <a:rPr lang="pl-PL" sz="1400" dirty="0" smtClean="0"/>
+              <a:t>Czy </a:t>
+            </a:r>
+            <a:r>
+              <a:rPr lang="pl-PL" sz="1400" dirty="0" smtClean="0"/>
+              <a:t>mają Państwo pytania?</a:t>
+            </a:r>
+          </a:p>
+          <a:p>
+            <a:endParaRPr lang="pl-PL" dirty="0"/>
+          </a:p>
+        </p:txBody>
+      </p:sp>
+    </p:spTree>
+    <p:extLst>
+      <p:ext uri="{BB962C8B-B14F-4D97-AF65-F5344CB8AC3E}">
+        <p14:creationId xmlns="" xmlns:p14="http://schemas.microsoft.com/office/powerpoint/2010/main" val="1741086671"/>
       </p:ext>
     </p:extLst>
   </p:cSld>
@@ -3531,7 +5664,9 @@
         </p:nvSpPr>
         <p:spPr/>
         <p:txBody>
-          <a:bodyPr/>
+          <a:bodyPr>
+            <a:normAutofit fontScale="92500"/>
+          </a:bodyPr>
           <a:lstStyle/>
           <a:p>
             <a:pPr marL="0" indent="0">
@@ -3542,26 +5677,9 @@
               <a:t>	</a:t>
             </a:r>
             <a:r>
-              <a:rPr lang="pl-PL" dirty="0"/>
-              <a:t>Projekt ma na celu stworzenie </a:t>
-            </a:r>
-            <a:r>
-              <a:rPr lang="pl-PL" dirty="0" smtClean="0"/>
-              <a:t>aplikacji - Elektronicznego </a:t>
-            </a:r>
-            <a:r>
-              <a:rPr lang="pl-PL" dirty="0"/>
-              <a:t>Systemu </a:t>
-            </a:r>
-            <a:r>
-              <a:rPr lang="pl-PL" dirty="0" smtClean="0"/>
-              <a:t>Rezerwacji Apartamentów. </a:t>
-            </a:r>
-            <a:r>
-              <a:rPr lang="pl-PL" dirty="0"/>
-              <a:t>	</a:t>
-            </a:r>
-            <a:endParaRPr lang="pl-PL" dirty="0" smtClean="0"/>
+              <a:rPr lang="pl-PL" dirty="0" smtClean="0"/>
+              <a:t>Projekt ma na celu stworzenie aplikacji - Elektronicznego Systemu Rezerwacji Apartamentów. 	</a:t>
+            </a:r>
           </a:p>
           <a:p>
             <a:pPr marL="0" indent="0">
@@ -3569,15 +5687,7 @@
             </a:pPr>
             <a:r>
               <a:rPr lang="pl-PL" dirty="0" smtClean="0"/>
-              <a:t>	System ma umożliwiać jego użytkownikom przeglądanie </a:t>
-            </a:r>
-            <a:r>
-              <a:rPr lang="pl-PL" dirty="0"/>
-              <a:t>i</a:t>
-            </a:r>
-            <a:r>
-              <a:rPr lang="pl-PL" dirty="0" smtClean="0"/>
-              <a:t> rezerwację ofert wynajmu mieszkań oraz wystawianie własnych ofert i zarządzanie nimi.</a:t>
+              <a:t>	System ma umożliwiać jego użytkownikom przeglądanie i rezerwację ofert wynajmu mieszkań oraz wystawianie własnych ofert i zarządzanie nimi.</a:t>
             </a:r>
           </a:p>
           <a:p>
@@ -3588,12 +5698,6 @@
               <a:rPr lang="pl-PL" dirty="0" smtClean="0"/>
               <a:t>	Dzięki prostej obsłudze, system ma skracać proces rezerwacji  ofert i dawać możliwość szybkiego tworzenia własnych ogłoszeń wszystkim użytkownikom według ich indywidualnych potrzeb, np. wynajmu prywatnych mieszkań na krótki okres.</a:t>
             </a:r>
-            <a:endParaRPr lang="pl-PL" dirty="0"/>
-          </a:p>
-          <a:p>
-            <a:pPr marL="0" indent="0">
-              <a:buNone/>
-            </a:pPr>
             <a:endParaRPr lang="pl-PL" dirty="0"/>
           </a:p>
         </p:txBody>
@@ -3601,7 +5705,7 @@
     </p:spTree>
     <p:extLst>
       <p:ext uri="{BB962C8B-B14F-4D97-AF65-F5344CB8AC3E}">
-        <p14:creationId xmlns:p14="http://schemas.microsoft.com/office/powerpoint/2010/main" val="1807531547"/>
+        <p14:creationId xmlns="" xmlns:p14="http://schemas.microsoft.com/office/powerpoint/2010/main" val="1807531547"/>
       </p:ext>
     </p:extLst>
   </p:cSld>
@@ -3645,15 +5749,7 @@
           <a:p>
             <a:r>
               <a:rPr lang="pl-PL" dirty="0"/>
-              <a:t>Profil </a:t>
-            </a:r>
-            <a:r>
-              <a:rPr lang="pl-PL" dirty="0" smtClean="0"/>
-              <a:t>potencjalnego </a:t>
-            </a:r>
-            <a:r>
-              <a:rPr lang="pl-PL" dirty="0"/>
-              <a:t>klienta serwisu</a:t>
+              <a:t>Profil potencialnego klienta serwisu</a:t>
             </a:r>
           </a:p>
         </p:txBody>
@@ -3668,50 +5764,47 @@
             <p:ph idx="1"/>
           </p:nvPr>
         </p:nvSpPr>
-        <p:spPr/>
-        <p:txBody>
-          <a:bodyPr/>
+        <p:spPr>
+          <a:xfrm>
+            <a:off x="441702" y="2424522"/>
+            <a:ext cx="8229600" cy="799126"/>
+          </a:xfrm>
+        </p:spPr>
+        <p:txBody>
+          <a:bodyPr>
+            <a:normAutofit/>
+          </a:bodyPr>
           <a:lstStyle/>
           <a:p>
             <a:pPr marL="0" indent="0">
               <a:buNone/>
             </a:pPr>
             <a:r>
-              <a:rPr lang="pl-PL" dirty="0" smtClean="0"/>
-              <a:t>	</a:t>
-            </a:r>
-            <a:r>
-              <a:rPr lang="pl-PL" dirty="0"/>
-              <a:t>System dedykowany jest zarówno dla firm profesjonalnie zajmujących się wynajmem nieruchomości, jak i dla </a:t>
-            </a:r>
-            <a:r>
-              <a:rPr lang="pl-PL"/>
-              <a:t>indywidualnych </a:t>
-            </a:r>
-            <a:r>
-              <a:rPr lang="pl-PL" smtClean="0"/>
-              <a:t>użytkowników.</a:t>
-            </a:r>
-            <a:endParaRPr lang="pl-PL" dirty="0" smtClean="0"/>
-          </a:p>
-          <a:p>
-            <a:pPr marL="0" indent="0">
-              <a:buNone/>
-            </a:pPr>
-            <a:endParaRPr lang="pl-PL" dirty="0"/>
-          </a:p>
-          <a:p>
-            <a:pPr marL="0" indent="0">
-              <a:buNone/>
-            </a:pPr>
-            <a:endParaRPr lang="pl-PL" dirty="0"/>
+              <a:rPr lang="pl-PL" sz="2200" dirty="0" smtClean="0">
+                <a:solidFill>
+                  <a:schemeClr val="tx1">
+                    <a:lumMod val="95000"/>
+                    <a:lumOff val="5000"/>
+                  </a:schemeClr>
+                </a:solidFill>
+              </a:rPr>
+              <a:t>System dedykowany jest zarówno dla firm profesjonalnie zajmujących się wynajmem nieruchomości, jak i dla indywidualnych użytkowników.</a:t>
+            </a:r>
+            <a:endParaRPr lang="pl-PL" sz="2200" dirty="0">
+              <a:solidFill>
+                <a:schemeClr val="tx1">
+                  <a:lumMod val="95000"/>
+                  <a:lumOff val="5000"/>
+                </a:schemeClr>
+              </a:solidFill>
+            </a:endParaRPr>
           </a:p>
         </p:txBody>
       </p:sp>
     </p:spTree>
     <p:extLst>
       <p:ext uri="{BB962C8B-B14F-4D97-AF65-F5344CB8AC3E}">
-        <p14:creationId xmlns:p14="http://schemas.microsoft.com/office/powerpoint/2010/main" val="178176783"/>
+        <p14:creationId xmlns="" xmlns:p14="http://schemas.microsoft.com/office/powerpoint/2010/main" val="178176783"/>
       </p:ext>
     </p:extLst>
   </p:cSld>
@@ -3753,7 +5846,7 @@
           <a:bodyPr/>
           <a:lstStyle/>
           <a:p>
-            <a:pPr marL="514350" indent="-514350"/>
+            <a:pPr marL="385763" indent="-385763"/>
             <a:r>
               <a:rPr lang="pl-PL" dirty="0"/>
               <a:t>Główne funkcjonalności</a:t>
@@ -3773,14 +5866,25 @@
         </p:nvSpPr>
         <p:spPr/>
         <p:txBody>
-          <a:bodyPr/>
+          <a:bodyPr>
+            <a:noAutofit/>
+          </a:bodyPr>
           <a:lstStyle/>
           <a:p>
             <a:pPr marL="0" indent="0">
               <a:buNone/>
             </a:pPr>
             <a:r>
-              <a:rPr lang="pl-PL" dirty="0" smtClean="0"/>
+              <a:rPr lang="pl-PL" sz="2200" dirty="0" smtClean="0"/>
+              <a:t>Rejestracja</a:t>
+            </a:r>
+          </a:p>
+          <a:p>
+            <a:pPr marL="0" indent="0">
+              <a:buNone/>
+            </a:pPr>
+            <a:r>
+              <a:rPr lang="pl-PL" sz="2200" dirty="0" smtClean="0"/>
               <a:t>Logowanie</a:t>
             </a:r>
           </a:p>
@@ -3789,8 +5893,8 @@
               <a:buNone/>
             </a:pPr>
             <a:r>
-              <a:rPr lang="pl-PL" dirty="0" smtClean="0"/>
-              <a:t>Rejestracja</a:t>
+              <a:rPr lang="pl-PL" sz="2200" dirty="0" smtClean="0"/>
+              <a:t>Potwierdzanie rejestracji przez Administratora</a:t>
             </a:r>
           </a:p>
           <a:p>
@@ -3798,8 +5902,8 @@
               <a:buNone/>
             </a:pPr>
             <a:r>
-              <a:rPr lang="pl-PL" dirty="0" smtClean="0"/>
-              <a:t>Potwierdzanie rejestracji przez Administratora</a:t>
+              <a:rPr lang="pl-PL" sz="2200" dirty="0" smtClean="0"/>
+              <a:t>Dodawanie nowych ofert noclegów</a:t>
             </a:r>
           </a:p>
           <a:p>
@@ -3807,8 +5911,12 @@
               <a:buNone/>
             </a:pPr>
             <a:r>
-              <a:rPr lang="pl-PL" dirty="0" smtClean="0"/>
-              <a:t>Dodawanie nowych ofert noclegów</a:t>
+              <a:rPr lang="pl-PL" sz="2200" dirty="0"/>
+              <a:t>Potwierdzanie ofert </a:t>
+            </a:r>
+            <a:r>
+              <a:rPr lang="pl-PL" sz="2200" dirty="0" smtClean="0"/>
+              <a:t>przez Administratora</a:t>
             </a:r>
           </a:p>
           <a:p>
@@ -3816,12 +5924,8 @@
               <a:buNone/>
             </a:pPr>
             <a:r>
-              <a:rPr lang="pl-PL" dirty="0"/>
-              <a:t>Potwierdzanie ofert </a:t>
-            </a:r>
-            <a:r>
-              <a:rPr lang="pl-PL" dirty="0" smtClean="0"/>
-              <a:t>przez Administratora</a:t>
+              <a:rPr lang="pl-PL" sz="2200" dirty="0" smtClean="0"/>
+              <a:t>Rezerwacja ofert</a:t>
             </a:r>
           </a:p>
           <a:p>
@@ -3829,8 +5933,8 @@
               <a:buNone/>
             </a:pPr>
             <a:r>
-              <a:rPr lang="pl-PL" dirty="0" smtClean="0"/>
-              <a:t>Rezerwacja ofert</a:t>
+              <a:rPr lang="pl-PL" sz="2200" dirty="0" smtClean="0"/>
+              <a:t>Potwierdzanie rezerwacji poprzez płatność</a:t>
             </a:r>
           </a:p>
           <a:p>
@@ -3838,26 +5942,17 @@
               <a:buNone/>
             </a:pPr>
             <a:r>
-              <a:rPr lang="pl-PL" dirty="0" smtClean="0"/>
-              <a:t>Potwierdzanie rezerwacji po przez płatność</a:t>
-            </a:r>
-          </a:p>
-          <a:p>
-            <a:pPr marL="0" indent="0">
-              <a:buNone/>
-            </a:pPr>
-            <a:r>
-              <a:rPr lang="pl-PL" dirty="0" smtClean="0"/>
-              <a:t>Anulowanie rezerwacji po przez anulowanie płatności</a:t>
-            </a:r>
-            <a:endParaRPr lang="pl-PL" dirty="0"/>
+              <a:rPr lang="pl-PL" sz="2200" dirty="0" smtClean="0"/>
+              <a:t>Anulowanie rezerwacji poprzez anulowanie płatności</a:t>
+            </a:r>
+            <a:endParaRPr lang="pl-PL" sz="2200" dirty="0"/>
           </a:p>
         </p:txBody>
       </p:sp>
     </p:spTree>
     <p:extLst>
       <p:ext uri="{BB962C8B-B14F-4D97-AF65-F5344CB8AC3E}">
-        <p14:creationId xmlns:p14="http://schemas.microsoft.com/office/powerpoint/2010/main" val="2433895241"/>
+        <p14:creationId xmlns="" xmlns:p14="http://schemas.microsoft.com/office/powerpoint/2010/main" val="2433895241"/>
       </p:ext>
     </p:extLst>
   </p:cSld>
@@ -3886,7 +5981,7 @@
       </p:grpSpPr>
       <p:sp>
         <p:nvSpPr>
-          <p:cNvPr id="2" name="Title 1"/>
+          <p:cNvPr id="2" name="Tytuł 1"/>
           <p:cNvSpPr>
             <a:spLocks noGrp="1"/>
           </p:cNvSpPr>
@@ -3901,84 +5996,88 @@
           <a:p>
             <a:r>
               <a:rPr lang="pl-PL" dirty="0" smtClean="0"/>
-              <a:t>Architektura </a:t>
-            </a:r>
-            <a:r>
-              <a:rPr lang="pl-PL" dirty="0"/>
-              <a:t>i użyte technologie</a:t>
-            </a:r>
-          </a:p>
-        </p:txBody>
-      </p:sp>
-      <p:sp>
-        <p:nvSpPr>
-          <p:cNvPr id="3" name="Content Placeholder 2"/>
-          <p:cNvSpPr>
-            <a:spLocks noGrp="1"/>
-          </p:cNvSpPr>
-          <p:nvPr>
-            <p:ph idx="1"/>
-          </p:nvPr>
-        </p:nvSpPr>
-        <p:spPr/>
-        <p:txBody>
-          <a:bodyPr>
-            <a:normAutofit fontScale="92500"/>
+              <a:t>Rejestracja</a:t>
+            </a:r>
+            <a:endParaRPr lang="pl-PL" dirty="0"/>
+          </a:p>
+        </p:txBody>
+      </p:sp>
+      <p:sp>
+        <p:nvSpPr>
+          <p:cNvPr id="5" name="Symbol zastępczy zawartości 4"/>
+          <p:cNvSpPr>
+            <a:spLocks noGrp="1"/>
+          </p:cNvSpPr>
+          <p:nvPr>
+            <p:ph sz="half" idx="1"/>
+          </p:nvPr>
+        </p:nvSpPr>
+        <p:spPr>
+          <a:xfrm>
+            <a:off x="609600" y="1200155"/>
+            <a:ext cx="4658249" cy="3394472"/>
+          </a:xfrm>
+        </p:spPr>
+        <p:txBody>
+          <a:bodyPr anchor="t">
+            <a:normAutofit lnSpcReduction="10000"/>
           </a:bodyPr>
           <a:lstStyle/>
           <a:p>
-            <a:pPr marL="0" indent="0">
+            <a:pPr algn="ctr">
               <a:buNone/>
             </a:pPr>
             <a:r>
               <a:rPr lang="pl-PL" dirty="0" smtClean="0"/>
-              <a:t>	Projekt opiera się na scentralizowanej relacyjnej bazy danych MySQL która zawiera całą logikę wraz z danymi. Baza danych została wyposażona w szereg interfejsów pod postacią: procedur, funkcji i widoków.</a:t>
-            </a:r>
-          </a:p>
-          <a:p>
-            <a:pPr marL="0" indent="0">
-              <a:buNone/>
-            </a:pPr>
-            <a:r>
-              <a:rPr lang="pl-PL" dirty="0"/>
-              <a:t>	</a:t>
-            </a:r>
-            <a:r>
-              <a:rPr lang="pl-PL" dirty="0" smtClean="0"/>
-              <a:t>Obok bazy danych, na tej samej maszynie fizycznej znajduje się WebService który został napisany w PHP 7 z zastosowaniem frameworku Symfony 4. </a:t>
-            </a:r>
-          </a:p>
-          <a:p>
-            <a:pPr marL="0" indent="0">
-              <a:buNone/>
-            </a:pPr>
-            <a:r>
-              <a:rPr lang="pl-PL" dirty="0"/>
-              <a:t>	</a:t>
-            </a:r>
-            <a:r>
-              <a:rPr lang="pl-PL" dirty="0" smtClean="0"/>
-              <a:t>Została użyta architektura klient-serwer. Wspomniana wyżej maszyna fizyczna to serwer natomiast klientem jest przeglądarka internetowa. </a:t>
-            </a:r>
-          </a:p>
-          <a:p>
-            <a:pPr marL="0" indent="0">
-              <a:buNone/>
-            </a:pPr>
-            <a:r>
-              <a:rPr lang="pl-PL" dirty="0" smtClean="0"/>
-              <a:t>	Od strony klienta działa strona internetowa napisana w HTML5 z użyciem JS i CSS3. </a:t>
+              <a:t>Widok rejestracji klienta w systemie. </a:t>
+            </a:r>
+            <a:br>
+              <a:rPr lang="pl-PL" dirty="0" smtClean="0"/>
+            </a:br>
+            <a:r>
+              <a:rPr lang="pl-PL" dirty="0" smtClean="0"/>
+              <a:t>System wymaga podania podstawowych danych jak adres email, imię i nazwisko klienta, hasło za pomocą którego będzie autoryzowany dostęp do systemu oraz pola do akceptacji zgody marketingowej czy wymaganych zgody wynikającej z zapoznania się z regulaminem czy prawnie uregulowanej zgody dot. Ochrony Danych Osobowych</a:t>
             </a:r>
             <a:endParaRPr lang="pl-PL" dirty="0"/>
           </a:p>
         </p:txBody>
       </p:sp>
+      <p:pic>
+        <p:nvPicPr>
+          <p:cNvPr id="2051" name="Picture 3"/>
+          <p:cNvPicPr>
+            <a:picLocks noGrp="1" noChangeAspect="1" noChangeArrowheads="1"/>
+          </p:cNvPicPr>
+          <p:nvPr>
+            <p:ph sz="half" idx="2"/>
+          </p:nvPr>
+        </p:nvPicPr>
+        <p:blipFill>
+          <a:blip r:embed="rId2"/>
+          <a:srcRect/>
+          <a:stretch>
+            <a:fillRect/>
+          </a:stretch>
+        </p:blipFill>
+        <p:spPr bwMode="auto">
+          <a:xfrm>
+            <a:off x="5405542" y="1224545"/>
+            <a:ext cx="2871788" cy="3390900"/>
+          </a:xfrm>
+          <a:prstGeom prst="rect">
+            <a:avLst/>
+          </a:prstGeom>
+          <a:noFill/>
+          <a:ln w="9525">
+            <a:noFill/>
+            <a:miter lim="800000"/>
+            <a:headEnd/>
+            <a:tailEnd/>
+          </a:ln>
+          <a:effectLst/>
+        </p:spPr>
+      </p:pic>
     </p:spTree>
-    <p:extLst>
-      <p:ext uri="{BB962C8B-B14F-4D97-AF65-F5344CB8AC3E}">
-        <p14:creationId xmlns:p14="http://schemas.microsoft.com/office/powerpoint/2010/main" val="2219077538"/>
-      </p:ext>
-    </p:extLst>
   </p:cSld>
   <p:clrMapOvr>
     <a:masterClrMapping/>
@@ -4005,7 +6104,7 @@
       </p:grpSpPr>
       <p:sp>
         <p:nvSpPr>
-          <p:cNvPr id="2" name="Title 1"/>
+          <p:cNvPr id="2" name="Tytuł 1"/>
           <p:cNvSpPr>
             <a:spLocks noGrp="1"/>
           </p:cNvSpPr>
@@ -4020,15 +6119,38 @@
           <a:p>
             <a:r>
               <a:rPr lang="pl-PL" dirty="0" smtClean="0"/>
-              <a:t>Architektura </a:t>
-            </a:r>
-            <a:r>
-              <a:rPr lang="pl-PL" dirty="0"/>
-              <a:t>i użyte </a:t>
-            </a:r>
-            <a:r>
-              <a:rPr lang="pl-PL" dirty="0" smtClean="0"/>
-              <a:t>technologie c.d.</a:t>
+              <a:t>Logowanie </a:t>
+            </a:r>
+            <a:endParaRPr lang="pl-PL" dirty="0"/>
+          </a:p>
+        </p:txBody>
+      </p:sp>
+      <p:sp>
+        <p:nvSpPr>
+          <p:cNvPr id="4" name="Symbol zastępczy zawartości 3"/>
+          <p:cNvSpPr>
+            <a:spLocks noGrp="1"/>
+          </p:cNvSpPr>
+          <p:nvPr>
+            <p:ph sz="half" idx="2"/>
+          </p:nvPr>
+        </p:nvSpPr>
+        <p:spPr>
+          <a:xfrm>
+            <a:off x="3881176" y="1267981"/>
+            <a:ext cx="5107182" cy="3394472"/>
+          </a:xfrm>
+        </p:spPr>
+        <p:txBody>
+          <a:bodyPr/>
+          <a:lstStyle/>
+          <a:p>
+            <a:pPr algn="ctr">
+              <a:buNone/>
+            </a:pPr>
+            <a:r>
+              <a:rPr lang="pl-PL" dirty="0" smtClean="0"/>
+              <a:t>Widok logowania do systemu. W celu uzyskania dostępu do systemu klient zobowiązany jest do podania adresu email oraz hasła wprowadzonego podczas rejestracji. Możliwość logowania istnieje w momencie zatwierdzenia przez administratora konta klienta.  </a:t>
             </a:r>
             <a:endParaRPr lang="pl-PL" dirty="0"/>
           </a:p>
@@ -4036,20 +6158,16 @@
       </p:sp>
       <p:pic>
         <p:nvPicPr>
-          <p:cNvPr id="1026" name="Picture 2"/>
+          <p:cNvPr id="3074" name="Picture 2"/>
           <p:cNvPicPr>
-            <a:picLocks noChangeAspect="1" noChangeArrowheads="1"/>
+            <a:picLocks noGrp="1" noChangeAspect="1" noChangeArrowheads="1"/>
           </p:cNvPicPr>
-          <p:nvPr/>
+          <p:nvPr>
+            <p:ph sz="half" idx="1"/>
+          </p:nvPr>
         </p:nvPicPr>
         <p:blipFill>
-          <a:blip r:embed="rId2">
-            <a:extLst>
-              <a:ext uri="{28A0092B-C50C-407E-A947-70E740481C1C}">
-                <a14:useLocalDpi xmlns:a14="http://schemas.microsoft.com/office/drawing/2010/main" val="0"/>
-              </a:ext>
-            </a:extLst>
-          </a:blip>
+          <a:blip r:embed="rId2"/>
           <a:srcRect/>
           <a:stretch>
             <a:fillRect/>
@@ -4057,43 +6175,23 @@
         </p:blipFill>
         <p:spPr bwMode="auto">
           <a:xfrm>
-            <a:off x="1269093" y="1250089"/>
-            <a:ext cx="6121400" cy="5676900"/>
+            <a:off x="726961" y="1270207"/>
+            <a:ext cx="2824163" cy="3224213"/>
           </a:xfrm>
           <a:prstGeom prst="rect">
             <a:avLst/>
           </a:prstGeom>
           <a:noFill/>
-          <a:ln>
+          <a:ln w="9525">
             <a:noFill/>
+            <a:miter lim="800000"/>
+            <a:headEnd/>
+            <a:tailEnd/>
           </a:ln>
-          <a:extLst>
-            <a:ext uri="{909E8E84-426E-40DD-AFC4-6F175D3DCCD1}">
-              <a14:hiddenFill xmlns:a14="http://schemas.microsoft.com/office/drawing/2010/main">
-                <a:solidFill>
-                  <a:srgbClr val="FFFFFF"/>
-                </a:solidFill>
-              </a14:hiddenFill>
-            </a:ext>
-            <a:ext uri="{91240B29-F687-4F45-9708-019B960494DF}">
-              <a14:hiddenLine xmlns:a14="http://schemas.microsoft.com/office/drawing/2010/main" w="9525">
-                <a:solidFill>
-                  <a:srgbClr val="000000"/>
-                </a:solidFill>
-                <a:miter lim="800000"/>
-                <a:headEnd/>
-                <a:tailEnd/>
-              </a14:hiddenLine>
-            </a:ext>
-          </a:extLst>
+          <a:effectLst/>
         </p:spPr>
       </p:pic>
     </p:spTree>
-    <p:extLst>
-      <p:ext uri="{BB962C8B-B14F-4D97-AF65-F5344CB8AC3E}">
-        <p14:creationId xmlns:p14="http://schemas.microsoft.com/office/powerpoint/2010/main" val="1554217288"/>
-      </p:ext>
-    </p:extLst>
   </p:cSld>
   <p:clrMapOvr>
     <a:masterClrMapping/>
@@ -4120,7 +6218,7 @@
       </p:grpSpPr>
       <p:sp>
         <p:nvSpPr>
-          <p:cNvPr id="2" name="Title 1"/>
+          <p:cNvPr id="2" name="Tytuł 1"/>
           <p:cNvSpPr>
             <a:spLocks noGrp="1"/>
           </p:cNvSpPr>
@@ -4130,20 +6228,14 @@
         </p:nvSpPr>
         <p:spPr/>
         <p:txBody>
-          <a:bodyPr/>
-          <a:lstStyle/>
-          <a:p>
-            <a:r>
-              <a:rPr lang="pl-PL" dirty="0" smtClean="0"/>
-              <a:t>Architektura </a:t>
-            </a:r>
-            <a:r>
-              <a:rPr lang="pl-PL" dirty="0"/>
-              <a:t>i użyte </a:t>
-            </a:r>
-            <a:r>
-              <a:rPr lang="pl-PL" dirty="0" smtClean="0"/>
-              <a:t>technologie c.d.</a:t>
+          <a:bodyPr>
+            <a:normAutofit/>
+          </a:bodyPr>
+          <a:lstStyle/>
+          <a:p>
+            <a:r>
+              <a:rPr lang="pl-PL" dirty="0" smtClean="0"/>
+              <a:t>Potwierdzanie rejestracji przez Administratora</a:t>
             </a:r>
             <a:endParaRPr lang="pl-PL" dirty="0"/>
           </a:p>
@@ -4151,120 +6243,71 @@
       </p:sp>
       <p:sp>
         <p:nvSpPr>
-          <p:cNvPr id="3" name="Content Placeholder 2"/>
-          <p:cNvSpPr>
-            <a:spLocks noGrp="1"/>
-          </p:cNvSpPr>
-          <p:nvPr>
-            <p:ph idx="1"/>
+          <p:cNvPr id="3" name="Symbol zastępczy zawartości 2"/>
+          <p:cNvSpPr>
+            <a:spLocks noGrp="1"/>
+          </p:cNvSpPr>
+          <p:nvPr>
+            <p:ph sz="half" idx="1"/>
           </p:nvPr>
         </p:nvSpPr>
         <p:spPr>
           <a:xfrm>
-            <a:off x="838200" y="1825625"/>
-            <a:ext cx="10515600" cy="4494964"/>
-          </a:xfrm>
-        </p:spPr>
-        <p:txBody>
-          <a:bodyPr/>
-          <a:lstStyle/>
-          <a:p>
-            <a:pPr marL="0" indent="0">
+            <a:off x="259405" y="1185564"/>
+            <a:ext cx="2985198" cy="3394472"/>
+          </a:xfrm>
+        </p:spPr>
+        <p:txBody>
+          <a:bodyPr/>
+          <a:lstStyle/>
+          <a:p>
+            <a:pPr algn="ctr">
               <a:buNone/>
             </a:pPr>
             <a:r>
               <a:rPr lang="pl-PL" dirty="0" smtClean="0"/>
-              <a:t>Plusy i minusy użytej architektury:</a:t>
-            </a:r>
-          </a:p>
-          <a:p>
-            <a:pPr marL="0" indent="0">
-              <a:buNone/>
-            </a:pPr>
-            <a:r>
-              <a:rPr lang="pl-PL" dirty="0" smtClean="0"/>
-              <a:t>Plusy:</a:t>
-            </a:r>
-          </a:p>
-          <a:p>
-            <a:r>
-              <a:rPr lang="pl-PL" dirty="0" smtClean="0"/>
-              <a:t>łatwy </a:t>
-            </a:r>
-            <a:r>
-              <a:rPr lang="pl-PL" dirty="0"/>
-              <a:t>serwis, </a:t>
-            </a:r>
-            <a:endParaRPr lang="pl-PL" dirty="0" smtClean="0"/>
-          </a:p>
-          <a:p>
-            <a:r>
-              <a:rPr lang="pl-PL" dirty="0" smtClean="0"/>
-              <a:t>mały </a:t>
-            </a:r>
-            <a:r>
-              <a:rPr lang="pl-PL" dirty="0"/>
-              <a:t>koszt budowy, </a:t>
-            </a:r>
-            <a:endParaRPr lang="pl-PL" dirty="0" smtClean="0"/>
-          </a:p>
-          <a:p>
-            <a:r>
-              <a:rPr lang="pl-PL" dirty="0" smtClean="0"/>
-              <a:t>łatwa </a:t>
-            </a:r>
-            <a:r>
-              <a:rPr lang="pl-PL" dirty="0"/>
-              <a:t>migracja, </a:t>
-            </a:r>
-            <a:endParaRPr lang="pl-PL" dirty="0" smtClean="0"/>
-          </a:p>
-          <a:p>
-            <a:r>
-              <a:rPr lang="pl-PL" dirty="0" smtClean="0"/>
-              <a:t>szybka konfiguracja</a:t>
-            </a:r>
-          </a:p>
-          <a:p>
-            <a:pPr marL="0" indent="0">
-              <a:buNone/>
-            </a:pPr>
-            <a:r>
-              <a:rPr lang="pl-PL" dirty="0" smtClean="0"/>
-              <a:t>Minusy:</a:t>
-            </a:r>
-          </a:p>
-          <a:p>
-            <a:r>
-              <a:rPr lang="pl-PL" dirty="0"/>
-              <a:t>u</a:t>
-            </a:r>
-            <a:r>
-              <a:rPr lang="pl-PL" dirty="0" smtClean="0"/>
-              <a:t>boga dokumentacja </a:t>
-            </a:r>
-            <a:r>
-              <a:rPr lang="pl-PL" dirty="0" err="1" smtClean="0"/>
-              <a:t>Symfony</a:t>
-            </a:r>
-            <a:r>
-              <a:rPr lang="pl-PL" dirty="0" smtClean="0"/>
-              <a:t> </a:t>
-            </a:r>
-            <a:r>
-              <a:rPr lang="pl-PL" dirty="0" err="1" smtClean="0"/>
-              <a:t>framework</a:t>
+              <a:t>Widok potwierdzania rejestracji dokonanych przez klientów. Po zatwierdzenie przez administratora klient uzyskuje dostęp do systemu.</a:t>
             </a:r>
             <a:endParaRPr lang="pl-PL" dirty="0"/>
           </a:p>
         </p:txBody>
       </p:sp>
+      <p:pic>
+        <p:nvPicPr>
+          <p:cNvPr id="4098" name="Picture 2"/>
+          <p:cNvPicPr>
+            <a:picLocks noGrp="1" noChangeAspect="1" noChangeArrowheads="1"/>
+          </p:cNvPicPr>
+          <p:nvPr>
+            <p:ph sz="half" idx="2"/>
+          </p:nvPr>
+        </p:nvPicPr>
+        <p:blipFill>
+          <a:blip r:embed="rId2"/>
+          <a:srcRect/>
+          <a:stretch>
+            <a:fillRect/>
+          </a:stretch>
+        </p:blipFill>
+        <p:spPr bwMode="auto">
+          <a:xfrm>
+            <a:off x="3580590" y="1639294"/>
+            <a:ext cx="5410200" cy="1481153"/>
+          </a:xfrm>
+          <a:prstGeom prst="rect">
+            <a:avLst/>
+          </a:prstGeom>
+          <a:noFill/>
+          <a:ln w="9525">
+            <a:noFill/>
+            <a:miter lim="800000"/>
+            <a:headEnd/>
+            <a:tailEnd/>
+          </a:ln>
+          <a:effectLst/>
+        </p:spPr>
+      </p:pic>
     </p:spTree>
-    <p:extLst>
-      <p:ext uri="{BB962C8B-B14F-4D97-AF65-F5344CB8AC3E}">
-        <p14:creationId xmlns:p14="http://schemas.microsoft.com/office/powerpoint/2010/main" val="1581660104"/>
-      </p:ext>
-    </p:extLst>
   </p:cSld>
   <p:clrMapOvr>
     <a:masterClrMapping/>
@@ -4291,7 +6334,7 @@
       </p:grpSpPr>
       <p:sp>
         <p:nvSpPr>
-          <p:cNvPr id="2" name="Title 1"/>
+          <p:cNvPr id="2" name="Tytuł 1"/>
           <p:cNvSpPr>
             <a:spLocks noGrp="1"/>
           </p:cNvSpPr>
@@ -4301,16 +6344,14 @@
         </p:nvSpPr>
         <p:spPr/>
         <p:txBody>
-          <a:bodyPr/>
-          <a:lstStyle/>
-          <a:p>
-            <a:r>
-              <a:rPr lang="pl-PL" dirty="0"/>
-              <a:t>Możliwości </a:t>
-            </a:r>
-            <a:r>
-              <a:rPr lang="pl-PL" dirty="0" smtClean="0"/>
-              <a:t>rozwoju</a:t>
+          <a:bodyPr>
+            <a:normAutofit/>
+          </a:bodyPr>
+          <a:lstStyle/>
+          <a:p>
+            <a:r>
+              <a:rPr lang="pl-PL" dirty="0" smtClean="0"/>
+              <a:t>Dodawanie nowych ofert noclegów</a:t>
             </a:r>
             <a:endParaRPr lang="pl-PL" dirty="0"/>
           </a:p>
@@ -4318,88 +6359,85 @@
       </p:sp>
       <p:sp>
         <p:nvSpPr>
-          <p:cNvPr id="3" name="Content Placeholder 2"/>
-          <p:cNvSpPr>
-            <a:spLocks noGrp="1"/>
-          </p:cNvSpPr>
-          <p:nvPr>
-            <p:ph idx="1"/>
-          </p:nvPr>
-        </p:nvSpPr>
-        <p:spPr/>
-        <p:txBody>
-          <a:bodyPr/>
-          <a:lstStyle/>
-          <a:p>
-            <a:pPr marL="0" indent="0">
+          <p:cNvPr id="4" name="Symbol zastępczy zawartości 3"/>
+          <p:cNvSpPr>
+            <a:spLocks noGrp="1"/>
+          </p:cNvSpPr>
+          <p:nvPr>
+            <p:ph sz="half" idx="2"/>
+          </p:nvPr>
+        </p:nvSpPr>
+        <p:spPr>
+          <a:xfrm>
+            <a:off x="3594798" y="1267981"/>
+            <a:ext cx="5410200" cy="3394472"/>
+          </a:xfrm>
+        </p:spPr>
+        <p:txBody>
+          <a:bodyPr>
+            <a:normAutofit lnSpcReduction="10000"/>
+          </a:bodyPr>
+          <a:lstStyle/>
+          <a:p>
+            <a:pPr algn="ctr">
               <a:buNone/>
             </a:pPr>
             <a:r>
               <a:rPr lang="pl-PL" dirty="0" smtClean="0"/>
-              <a:t>System jest skalowalny. Architektura systemu pozwala na łatwe dodawanie nowych modułów. W przyszłości </a:t>
-            </a:r>
-            <a:r>
-              <a:rPr lang="pl-PL"/>
-              <a:t>można </a:t>
-            </a:r>
-            <a:r>
-              <a:rPr lang="pl-PL" smtClean="0"/>
-              <a:t>zaimplementować</a:t>
-            </a:r>
-            <a:r>
-              <a:rPr lang="pl-PL" dirty="0"/>
-              <a:t>:</a:t>
-            </a:r>
-            <a:endParaRPr lang="pl-PL" dirty="0" smtClean="0"/>
-          </a:p>
-          <a:p>
-            <a:pPr marL="514350" indent="-514350">
-              <a:buAutoNum type="arabicPeriod"/>
-            </a:pPr>
-            <a:r>
-              <a:rPr lang="pl-PL" dirty="0" smtClean="0"/>
-              <a:t>Procesy automatyczne które będą cyklicznie lub na żądanie wykonywać działania. </a:t>
-            </a:r>
-          </a:p>
-          <a:p>
-            <a:pPr marL="514350" indent="-514350">
-              <a:buAutoNum type="arabicPeriod"/>
-            </a:pPr>
-            <a:r>
-              <a:rPr lang="pl-PL" dirty="0" smtClean="0"/>
-              <a:t>Kalendarz </a:t>
-            </a:r>
-            <a:r>
-              <a:rPr lang="pl-PL" dirty="0"/>
-              <a:t>w konkretnej ofercie informujący potencjalnego klienta o dostępności oferty</a:t>
-            </a:r>
-            <a:r>
-              <a:rPr lang="pl-PL" dirty="0" smtClean="0"/>
-              <a:t>.</a:t>
-            </a:r>
-          </a:p>
-          <a:p>
-            <a:pPr marL="514350" indent="-514350">
-              <a:buAutoNum type="arabicPeriod"/>
-            </a:pPr>
-            <a:r>
-              <a:rPr lang="pl-PL" dirty="0"/>
-              <a:t>Obsługa zewnętrznego serwisu </a:t>
-            </a:r>
-            <a:r>
-              <a:rPr lang="pl-PL" dirty="0" smtClean="0"/>
-              <a:t>do płatności on-line </a:t>
+              <a:t>Widok dodania nowej oferty do systemu. Użytkownik po zalogowaniu się uzyskuje możliwość dodania oferty. Poprzez </a:t>
+            </a:r>
+            <a:r>
+              <a:rPr lang="pl-PL" dirty="0" smtClean="0"/>
+              <a:t>naciśnięcie </a:t>
+            </a:r>
+            <a:r>
+              <a:rPr lang="pl-PL" dirty="0" err="1" smtClean="0"/>
+              <a:t>buttona</a:t>
+            </a:r>
+            <a:r>
+              <a:rPr lang="pl-PL" dirty="0" smtClean="0"/>
+              <a:t> DODAJ NOWĄ OFERTĘ pojawia się formularz, w którym wypełnia podstawowe dane jak Tytuł, Opis nieruchomości, Cena czy okres w jakim decyduje się wynająć swoją nieruchomość. Dodatkową opcją jest możliwość wyboru pola Promocja. Poniżej znajduje się lista utworzonych przez użytkownika ofert.</a:t>
             </a:r>
             <a:endParaRPr lang="pl-PL" dirty="0"/>
           </a:p>
         </p:txBody>
       </p:sp>
+      <p:pic>
+        <p:nvPicPr>
+          <p:cNvPr id="5122" name="Picture 2"/>
+          <p:cNvPicPr>
+            <a:picLocks noGrp="1" noChangeAspect="1" noChangeArrowheads="1"/>
+          </p:cNvPicPr>
+          <p:nvPr>
+            <p:ph sz="half" idx="1"/>
+          </p:nvPr>
+        </p:nvPicPr>
+        <p:blipFill>
+          <a:blip r:embed="rId2"/>
+          <a:srcRect/>
+          <a:stretch>
+            <a:fillRect/>
+          </a:stretch>
+        </p:blipFill>
+        <p:spPr bwMode="auto">
+          <a:xfrm>
+            <a:off x="873369" y="1113882"/>
+            <a:ext cx="2667000" cy="3386138"/>
+          </a:xfrm>
+          <a:prstGeom prst="rect">
+            <a:avLst/>
+          </a:prstGeom>
+          <a:noFill/>
+          <a:ln w="9525">
+            <a:noFill/>
+            <a:miter lim="800000"/>
+            <a:headEnd/>
+            <a:tailEnd/>
+          </a:ln>
+          <a:effectLst/>
+        </p:spPr>
+      </p:pic>
     </p:spTree>
-    <p:extLst>
-      <p:ext uri="{BB962C8B-B14F-4D97-AF65-F5344CB8AC3E}">
-        <p14:creationId xmlns:p14="http://schemas.microsoft.com/office/powerpoint/2010/main" val="97012678"/>
-      </p:ext>
-    </p:extLst>
   </p:cSld>
   <p:clrMapOvr>
     <a:masterClrMapping/>
@@ -4408,9 +6446,9 @@
 </file>
 
 <file path=ppt/theme/theme1.xml><?xml version="1.0" encoding="utf-8"?>
-<a:theme xmlns:a="http://schemas.openxmlformats.org/drawingml/2006/main" name="Office Theme">
+<a:theme xmlns:a="http://schemas.openxmlformats.org/drawingml/2006/main" name="Motyw pakietu Office">
   <a:themeElements>
-    <a:clrScheme name="Office">
+    <a:clrScheme name="Pakiet Office">
       <a:dk1>
         <a:sysClr val="windowText" lastClr="000000"/>
       </a:dk1>
@@ -4418,39 +6456,39 @@
         <a:sysClr val="window" lastClr="FFFFFF"/>
       </a:lt1>
       <a:dk2>
-        <a:srgbClr val="44546A"/>
+        <a:srgbClr val="1F497D"/>
       </a:dk2>
       <a:lt2>
-        <a:srgbClr val="E7E6E6"/>
+        <a:srgbClr val="EEECE1"/>
       </a:lt2>
       <a:accent1>
-        <a:srgbClr val="5B9BD5"/>
+        <a:srgbClr val="4F81BD"/>
       </a:accent1>
       <a:accent2>
-        <a:srgbClr val="ED7D31"/>
+        <a:srgbClr val="C0504D"/>
       </a:accent2>
       <a:accent3>
-        <a:srgbClr val="A5A5A5"/>
+        <a:srgbClr val="9BBB59"/>
       </a:accent3>
       <a:accent4>
-        <a:srgbClr val="FFC000"/>
+        <a:srgbClr val="8064A2"/>
       </a:accent4>
       <a:accent5>
-        <a:srgbClr val="4472C4"/>
+        <a:srgbClr val="4BACC6"/>
       </a:accent5>
       <a:accent6>
-        <a:srgbClr val="70AD47"/>
+        <a:srgbClr val="F79646"/>
       </a:accent6>
       <a:hlink>
-        <a:srgbClr val="0563C1"/>
+        <a:srgbClr val="0000FF"/>
       </a:hlink>
       <a:folHlink>
-        <a:srgbClr val="954F72"/>
+        <a:srgbClr val="800080"/>
       </a:folHlink>
     </a:clrScheme>
-    <a:fontScheme name="Office">
+    <a:fontScheme name="Pakiet Office">
       <a:majorFont>
-        <a:latin typeface="Calibri Light" panose="020F0302020204030204"/>
+        <a:latin typeface="Calibri"/>
         <a:ea typeface=""/>
         <a:cs typeface=""/>
         <a:font script="Jpan" typeface="ＭＳ Ｐゴシック"/>
@@ -4482,10 +6520,9 @@
         <a:font script="Mong" typeface="Mongolian Baiti"/>
         <a:font script="Viet" typeface="Times New Roman"/>
         <a:font script="Uigh" typeface="Microsoft Uighur"/>
-        <a:font script="Geor" typeface="Sylfaen"/>
       </a:majorFont>
       <a:minorFont>
-        <a:latin typeface="Calibri" panose="020F0502020204030204"/>
+        <a:latin typeface="Calibri"/>
         <a:ea typeface=""/>
         <a:cs typeface=""/>
         <a:font script="Jpan" typeface="ＭＳ Ｐゴシック"/>
@@ -4517,10 +6554,9 @@
         <a:font script="Mong" typeface="Mongolian Baiti"/>
         <a:font script="Viet" typeface="Arial"/>
         <a:font script="Uigh" typeface="Microsoft Uighur"/>
-        <a:font script="Geor" typeface="Sylfaen"/>
       </a:minorFont>
     </a:fontScheme>
-    <a:fmtScheme name="Office">
+    <a:fmtScheme name="Pakiet Office">
       <a:fillStyleLst>
         <a:solidFill>
           <a:schemeClr val="phClr"/>
@@ -4529,141 +6565,165 @@
           <a:gsLst>
             <a:gs pos="0">
               <a:schemeClr val="phClr">
-                <a:lumMod val="110000"/>
-                <a:satMod val="105000"/>
-                <a:tint val="67000"/>
+                <a:tint val="50000"/>
+                <a:satMod val="300000"/>
               </a:schemeClr>
             </a:gs>
-            <a:gs pos="50000">
+            <a:gs pos="35000">
               <a:schemeClr val="phClr">
-                <a:lumMod val="105000"/>
-                <a:satMod val="103000"/>
-                <a:tint val="73000"/>
+                <a:tint val="37000"/>
+                <a:satMod val="300000"/>
               </a:schemeClr>
             </a:gs>
             <a:gs pos="100000">
               <a:schemeClr val="phClr">
-                <a:lumMod val="105000"/>
-                <a:satMod val="109000"/>
-                <a:tint val="81000"/>
+                <a:tint val="15000"/>
+                <a:satMod val="350000"/>
               </a:schemeClr>
             </a:gs>
           </a:gsLst>
-          <a:lin ang="5400000" scaled="0"/>
+          <a:lin ang="16200000" scaled="1"/>
         </a:gradFill>
         <a:gradFill rotWithShape="1">
           <a:gsLst>
             <a:gs pos="0">
               <a:schemeClr val="phClr">
-                <a:satMod val="103000"/>
-                <a:lumMod val="102000"/>
-                <a:tint val="94000"/>
+                <a:shade val="51000"/>
+                <a:satMod val="130000"/>
               </a:schemeClr>
             </a:gs>
-            <a:gs pos="50000">
+            <a:gs pos="80000">
               <a:schemeClr val="phClr">
-                <a:satMod val="110000"/>
-                <a:lumMod val="100000"/>
-                <a:shade val="100000"/>
+                <a:shade val="93000"/>
+                <a:satMod val="130000"/>
               </a:schemeClr>
             </a:gs>
             <a:gs pos="100000">
               <a:schemeClr val="phClr">
-                <a:lumMod val="99000"/>
-                <a:satMod val="120000"/>
-                <a:shade val="78000"/>
+                <a:shade val="94000"/>
+                <a:satMod val="135000"/>
               </a:schemeClr>
             </a:gs>
           </a:gsLst>
-          <a:lin ang="5400000" scaled="0"/>
+          <a:lin ang="16200000" scaled="0"/>
         </a:gradFill>
       </a:fillStyleLst>
       <a:lnStyleLst>
-        <a:ln w="6350" cap="flat" cmpd="sng" algn="ctr">
+        <a:ln w="9525" cap="flat" cmpd="sng" algn="ctr">
+          <a:solidFill>
+            <a:schemeClr val="phClr">
+              <a:shade val="95000"/>
+              <a:satMod val="105000"/>
+            </a:schemeClr>
+          </a:solidFill>
+          <a:prstDash val="solid"/>
+        </a:ln>
+        <a:ln w="25400" cap="flat" cmpd="sng" algn="ctr">
           <a:solidFill>
             <a:schemeClr val="phClr"/>
           </a:solidFill>
           <a:prstDash val="solid"/>
-          <a:miter lim="800000"/>
         </a:ln>
-        <a:ln w="12700" cap="flat" cmpd="sng" algn="ctr">
+        <a:ln w="38100" cap="flat" cmpd="sng" algn="ctr">
           <a:solidFill>
             <a:schemeClr val="phClr"/>
           </a:solidFill>
           <a:prstDash val="solid"/>
-          <a:miter lim="800000"/>
-        </a:ln>
-        <a:ln w="19050" cap="flat" cmpd="sng" algn="ctr">
-          <a:solidFill>
-            <a:schemeClr val="phClr"/>
-          </a:solidFill>
-          <a:prstDash val="solid"/>
-          <a:miter lim="800000"/>
         </a:ln>
       </a:lnStyleLst>
       <a:effectStyleLst>
         <a:effectStyle>
-          <a:effectLst/>
-        </a:effectStyle>
-        <a:effectStyle>
-          <a:effectLst/>
+          <a:effectLst>
+            <a:outerShdw blurRad="40000" dist="20000" dir="5400000" rotWithShape="0">
+              <a:srgbClr val="000000">
+                <a:alpha val="38000"/>
+              </a:srgbClr>
+            </a:outerShdw>
+          </a:effectLst>
         </a:effectStyle>
         <a:effectStyle>
           <a:effectLst>
-            <a:outerShdw blurRad="57150" dist="19050" dir="5400000" algn="ctr" rotWithShape="0">
+            <a:outerShdw blurRad="40000" dist="23000" dir="5400000" rotWithShape="0">
               <a:srgbClr val="000000">
-                <a:alpha val="63000"/>
+                <a:alpha val="35000"/>
               </a:srgbClr>
             </a:outerShdw>
           </a:effectLst>
+        </a:effectStyle>
+        <a:effectStyle>
+          <a:effectLst>
+            <a:outerShdw blurRad="40000" dist="23000" dir="5400000" rotWithShape="0">
+              <a:srgbClr val="000000">
+                <a:alpha val="35000"/>
+              </a:srgbClr>
+            </a:outerShdw>
+          </a:effectLst>
+          <a:scene3d>
+            <a:camera prst="orthographicFront">
+              <a:rot lat="0" lon="0" rev="0"/>
+            </a:camera>
+            <a:lightRig rig="threePt" dir="t">
+              <a:rot lat="0" lon="0" rev="1200000"/>
+            </a:lightRig>
+          </a:scene3d>
+          <a:sp3d>
+            <a:bevelT w="63500" h="25400"/>
+          </a:sp3d>
         </a:effectStyle>
       </a:effectStyleLst>
       <a:bgFillStyleLst>
         <a:solidFill>
           <a:schemeClr val="phClr"/>
         </a:solidFill>
-        <a:solidFill>
-          <a:schemeClr val="phClr">
-            <a:tint val="95000"/>
-            <a:satMod val="170000"/>
-          </a:schemeClr>
-        </a:solidFill>
         <a:gradFill rotWithShape="1">
           <a:gsLst>
             <a:gs pos="0">
               <a:schemeClr val="phClr">
-                <a:tint val="93000"/>
-                <a:satMod val="150000"/>
-                <a:shade val="98000"/>
-                <a:lumMod val="102000"/>
+                <a:tint val="40000"/>
+                <a:satMod val="350000"/>
               </a:schemeClr>
             </a:gs>
-            <a:gs pos="50000">
+            <a:gs pos="40000">
               <a:schemeClr val="phClr">
-                <a:tint val="98000"/>
-                <a:satMod val="130000"/>
-                <a:shade val="90000"/>
-                <a:lumMod val="103000"/>
+                <a:tint val="45000"/>
+                <a:shade val="99000"/>
+                <a:satMod val="350000"/>
               </a:schemeClr>
             </a:gs>
             <a:gs pos="100000">
               <a:schemeClr val="phClr">
-                <a:shade val="63000"/>
-                <a:satMod val="120000"/>
+                <a:shade val="20000"/>
+                <a:satMod val="255000"/>
               </a:schemeClr>
             </a:gs>
           </a:gsLst>
-          <a:lin ang="5400000" scaled="0"/>
+          <a:path path="circle">
+            <a:fillToRect l="50000" t="-80000" r="50000" b="180000"/>
+          </a:path>
+        </a:gradFill>
+        <a:gradFill rotWithShape="1">
+          <a:gsLst>
+            <a:gs pos="0">
+              <a:schemeClr val="phClr">
+                <a:tint val="80000"/>
+                <a:satMod val="300000"/>
+              </a:schemeClr>
+            </a:gs>
+            <a:gs pos="100000">
+              <a:schemeClr val="phClr">
+                <a:shade val="30000"/>
+                <a:satMod val="200000"/>
+              </a:schemeClr>
+            </a:gs>
+          </a:gsLst>
+          <a:path path="circle">
+            <a:fillToRect l="50000" t="50000" r="50000" b="50000"/>
+          </a:path>
         </a:gradFill>
       </a:bgFillStyleLst>
     </a:fmtScheme>
   </a:themeElements>
   <a:objectDefaults/>
   <a:extraClrSchemeLst/>
-  <a:extLst>
-    <a:ext uri="{05A4C25C-085E-4340-85A3-A5531E510DB2}">
-      <thm15:themeFamily xmlns:thm15="http://schemas.microsoft.com/office/thememl/2012/main" name="Office Theme" id="{62F939B6-93AF-4DB8-9C6B-D6C7DFDC589F}" vid="{4A3C46E8-61CC-4603-A589-7422A47A8E4A}"/>
-    </a:ext>
-  </a:extLst>
 </a:theme>
 </file>
--- a/accommodation_announcements_presentation.pptx
+++ b/accommodation_announcements_presentation.pptx
@@ -18,22 +18,23 @@
     <p:sldId id="271" r:id="rId12"/>
     <p:sldId id="272" r:id="rId13"/>
     <p:sldId id="273" r:id="rId14"/>
-    <p:sldId id="274" r:id="rId15"/>
+    <p:sldId id="285" r:id="rId15"/>
     <p:sldId id="275" r:id="rId16"/>
     <p:sldId id="276" r:id="rId17"/>
-    <p:sldId id="277" r:id="rId18"/>
-    <p:sldId id="278" r:id="rId19"/>
-    <p:sldId id="279" r:id="rId20"/>
-    <p:sldId id="280" r:id="rId21"/>
-    <p:sldId id="281" r:id="rId22"/>
-    <p:sldId id="282" r:id="rId23"/>
-    <p:sldId id="283" r:id="rId24"/>
-    <p:sldId id="284" r:id="rId25"/>
-    <p:sldId id="261" r:id="rId26"/>
-    <p:sldId id="265" r:id="rId27"/>
-    <p:sldId id="264" r:id="rId28"/>
-    <p:sldId id="262" r:id="rId29"/>
-    <p:sldId id="263" r:id="rId30"/>
+    <p:sldId id="274" r:id="rId18"/>
+    <p:sldId id="277" r:id="rId19"/>
+    <p:sldId id="278" r:id="rId20"/>
+    <p:sldId id="279" r:id="rId21"/>
+    <p:sldId id="280" r:id="rId22"/>
+    <p:sldId id="281" r:id="rId23"/>
+    <p:sldId id="282" r:id="rId24"/>
+    <p:sldId id="283" r:id="rId25"/>
+    <p:sldId id="284" r:id="rId26"/>
+    <p:sldId id="261" r:id="rId27"/>
+    <p:sldId id="265" r:id="rId28"/>
+    <p:sldId id="264" r:id="rId29"/>
+    <p:sldId id="262" r:id="rId30"/>
+    <p:sldId id="263" r:id="rId31"/>
   </p:sldIdLst>
   <p:sldSz cx="9144000" cy="5143500" type="screen16x9"/>
   <p:notesSz cx="6858000" cy="9144000"/>
@@ -134,7 +135,7 @@
   </p:defaultTextStyle>
   <p:extLst>
     <p:ext uri="{EFAFB233-063F-42B5-8137-9DF3F51BA10A}">
-      <p15:sldGuideLst xmlns="" xmlns:p15="http://schemas.microsoft.com/office/powerpoint/2012/main"/>
+      <p15:sldGuideLst xmlns:p15="http://schemas.microsoft.com/office/powerpoint/2012/main" xmlns=""/>
     </p:ext>
   </p:extLst>
 </p:presentation>
@@ -3124,13 +3125,20 @@
     </p:spTree>
     <p:extLst>
       <p:ext uri="{BB962C8B-B14F-4D97-AF65-F5344CB8AC3E}">
-        <p14:creationId xmlns="" xmlns:p14="http://schemas.microsoft.com/office/powerpoint/2010/main" val="3501191804"/>
+        <p14:creationId xmlns:p14="http://schemas.microsoft.com/office/powerpoint/2010/main" xmlns="" val="3501191804"/>
       </p:ext>
     </p:extLst>
   </p:cSld>
   <p:clrMapOvr>
     <a:masterClrMapping/>
   </p:clrMapOvr>
+  <p:timing>
+    <p:tnLst>
+      <p:par>
+        <p:cTn id="1" dur="indefinite" restart="never" nodeType="tmRoot"/>
+      </p:par>
+    </p:tnLst>
+  </p:timing>
 </p:sld>
 </file>
 
@@ -3249,6 +3257,13 @@
   <p:clrMapOvr>
     <a:masterClrMapping/>
   </p:clrMapOvr>
+  <p:timing>
+    <p:tnLst>
+      <p:par>
+        <p:cTn id="1" dur="indefinite" restart="never" nodeType="tmRoot"/>
+      </p:par>
+    </p:tnLst>
+  </p:timing>
 </p:sld>
 </file>
 
@@ -3362,6 +3377,13 @@
   <p:clrMapOvr>
     <a:masterClrMapping/>
   </p:clrMapOvr>
+  <p:timing>
+    <p:tnLst>
+      <p:par>
+        <p:cTn id="1" dur="indefinite" restart="never" nodeType="tmRoot"/>
+      </p:par>
+    </p:tnLst>
+  </p:timing>
 </p:sld>
 </file>
 
@@ -3459,7 +3481,11 @@
             </a:pPr>
             <a:r>
               <a:rPr lang="pl-PL" dirty="0" smtClean="0"/>
-              <a:t>Moje konto – widok użytkownika</a:t>
+              <a:t>Szczegóły konta – </a:t>
+            </a:r>
+            <a:r>
+              <a:rPr lang="pl-PL" dirty="0" smtClean="0"/>
+              <a:t>widok użytkownika</a:t>
             </a:r>
           </a:p>
           <a:p>
@@ -3486,7 +3512,15 @@
             </a:pPr>
             <a:r>
               <a:rPr lang="pl-PL" dirty="0" smtClean="0"/>
-              <a:t>Moje konto – administrator systemu</a:t>
+              <a:t>Szczegóły konta</a:t>
+            </a:r>
+            <a:r>
+              <a:rPr lang="pl-PL" dirty="0" smtClean="0"/>
+              <a:t> </a:t>
+            </a:r>
+            <a:r>
+              <a:rPr lang="pl-PL" dirty="0" smtClean="0"/>
+              <a:t>– administrator systemu</a:t>
             </a:r>
           </a:p>
           <a:p>
@@ -3495,92 +3529,57 @@
             </a:pPr>
             <a:r>
               <a:rPr lang="pl-PL" dirty="0" smtClean="0"/>
+              <a:t>	Oferty</a:t>
+            </a:r>
+          </a:p>
+          <a:p>
+            <a:pPr>
+              <a:buNone/>
+            </a:pPr>
+            <a:r>
+              <a:rPr lang="pl-PL" dirty="0" smtClean="0"/>
+              <a:t>	Oferty do zatwierdzenia</a:t>
+            </a:r>
+          </a:p>
+          <a:p>
+            <a:pPr>
+              <a:buNone/>
+            </a:pPr>
+            <a:r>
+              <a:rPr lang="pl-PL" dirty="0" smtClean="0"/>
+              <a:t>	Klienci do zatwierdzenia</a:t>
+            </a:r>
+          </a:p>
+          <a:p>
+            <a:pPr>
+              <a:buNone/>
+            </a:pPr>
+            <a:r>
+              <a:rPr lang="pl-PL" dirty="0" smtClean="0"/>
+              <a:t>	Klienci </a:t>
+            </a:r>
+          </a:p>
+          <a:p>
+            <a:pPr>
+              <a:buNone/>
+            </a:pPr>
+            <a:r>
+              <a:rPr lang="pl-PL" dirty="0" smtClean="0"/>
+              <a:t>	Płatności</a:t>
+            </a:r>
+          </a:p>
+          <a:p>
+            <a:pPr>
+              <a:buNone/>
+            </a:pPr>
+            <a:r>
+              <a:rPr lang="pl-PL" dirty="0" smtClean="0"/>
               <a:t>	</a:t>
             </a:r>
             <a:r>
               <a:rPr lang="pl-PL" dirty="0" smtClean="0"/>
-              <a:t>Oferty</a:t>
-            </a:r>
-          </a:p>
-          <a:p>
-            <a:pPr>
-              <a:buNone/>
-            </a:pPr>
-            <a:r>
-              <a:rPr lang="pl-PL" dirty="0" smtClean="0"/>
-              <a:t>	</a:t>
-            </a:r>
-            <a:r>
-              <a:rPr lang="pl-PL" dirty="0" smtClean="0"/>
-              <a:t>Oferty do zatwierdzenia</a:t>
-            </a:r>
-          </a:p>
-          <a:p>
-            <a:pPr>
-              <a:buNone/>
-            </a:pPr>
-            <a:r>
-              <a:rPr lang="pl-PL" dirty="0" smtClean="0"/>
-              <a:t>	</a:t>
-            </a:r>
-            <a:r>
-              <a:rPr lang="pl-PL" dirty="0" smtClean="0"/>
-              <a:t>Klienci do zatwierdzenia</a:t>
-            </a:r>
-          </a:p>
-          <a:p>
-            <a:pPr>
-              <a:buNone/>
-            </a:pPr>
-            <a:r>
-              <a:rPr lang="pl-PL" dirty="0" smtClean="0"/>
-              <a:t>	</a:t>
-            </a:r>
-            <a:r>
-              <a:rPr lang="pl-PL" dirty="0" smtClean="0"/>
-              <a:t>Klienci </a:t>
-            </a:r>
-          </a:p>
-          <a:p>
-            <a:pPr>
-              <a:buNone/>
-            </a:pPr>
-            <a:r>
-              <a:rPr lang="pl-PL" dirty="0" smtClean="0"/>
-              <a:t>	</a:t>
-            </a:r>
-            <a:r>
-              <a:rPr lang="pl-PL" dirty="0" smtClean="0"/>
-              <a:t>Płatności</a:t>
-            </a:r>
-          </a:p>
-          <a:p>
-            <a:pPr>
-              <a:buNone/>
-            </a:pPr>
-            <a:r>
-              <a:rPr lang="pl-PL" dirty="0" smtClean="0"/>
-              <a:t>	</a:t>
-            </a:r>
-            <a:r>
-              <a:rPr lang="pl-PL" dirty="0" smtClean="0"/>
               <a:t>Rezerwacje</a:t>
             </a:r>
-          </a:p>
-          <a:p>
-            <a:pPr>
-              <a:buNone/>
-            </a:pPr>
-            <a:r>
-              <a:rPr lang="pl-PL" dirty="0" smtClean="0"/>
-              <a:t>	</a:t>
-            </a:r>
-            <a:endParaRPr lang="pl-PL" dirty="0" smtClean="0"/>
-          </a:p>
-          <a:p>
-            <a:pPr>
-              <a:buNone/>
-            </a:pPr>
             <a:endParaRPr lang="pl-PL" dirty="0"/>
           </a:p>
         </p:txBody>
@@ -3590,6 +3589,13 @@
   <p:clrMapOvr>
     <a:masterClrMapping/>
   </p:clrMapOvr>
+  <p:timing>
+    <p:tnLst>
+      <p:par>
+        <p:cTn id="1" dur="indefinite" restart="never" nodeType="tmRoot"/>
+      </p:par>
+    </p:tnLst>
+  </p:timing>
 </p:sld>
 </file>
 
@@ -3634,11 +3640,7 @@
           <a:p>
             <a:r>
               <a:rPr lang="pl-PL" dirty="0" smtClean="0"/>
-              <a:t>Strona </a:t>
-            </a:r>
-            <a:r>
-              <a:rPr lang="pl-PL" dirty="0" smtClean="0"/>
-              <a:t>główna</a:t>
+              <a:t>Strona główna</a:t>
             </a:r>
             <a:endParaRPr lang="pl-PL" dirty="0"/>
           </a:p>
@@ -3708,6 +3710,13 @@
   <p:clrMapOvr>
     <a:masterClrMapping/>
   </p:clrMapOvr>
+  <p:timing>
+    <p:tnLst>
+      <p:par>
+        <p:cTn id="1" dur="indefinite" restart="never" nodeType="tmRoot"/>
+      </p:par>
+    </p:tnLst>
+  </p:timing>
 </p:sld>
 </file>
 
@@ -3741,7 +3750,7 @@
         <p:spPr>
           <a:xfrm>
             <a:off x="457200" y="205979"/>
-            <a:ext cx="2913681" cy="857250"/>
+            <a:ext cx="2634712" cy="857250"/>
           </a:xfrm>
         </p:spPr>
         <p:txBody>
@@ -3769,27 +3778,34 @@
         <p:spPr>
           <a:xfrm>
             <a:off x="609600" y="1200155"/>
-            <a:ext cx="2486526" cy="3394472"/>
-          </a:xfrm>
-        </p:spPr>
-        <p:txBody>
-          <a:bodyPr/>
-          <a:lstStyle/>
-          <a:p>
+            <a:ext cx="2510589" cy="3394472"/>
+          </a:xfrm>
+        </p:spPr>
+        <p:txBody>
+          <a:bodyPr/>
+          <a:lstStyle/>
+          <a:p>
+            <a:pPr algn="ctr">
+              <a:buNone/>
+            </a:pPr>
+            <a:r>
+              <a:rPr lang="pl-PL" dirty="0" smtClean="0"/>
+              <a:t>Widok ofert dodanych przez użytkowników i zatwierdzonych, opublikowanych w systemie przez administratora. Widok dostępny również dla gości.</a:t>
+            </a:r>
             <a:endParaRPr lang="pl-PL" dirty="0"/>
           </a:p>
         </p:txBody>
       </p:sp>
       <p:pic>
         <p:nvPicPr>
-          <p:cNvPr id="2050" name="Picture 2" descr="C:\Users\Janek\Desktop\Shoty\Screenshot_2019-01-13 Moje konto – Accs.png"/>
+          <p:cNvPr id="1026" name="Picture 2" descr="C:\Users\Janek\Desktop\Shoty\Screenshot_2019-01-13 Moje konto – Accommodation Announcements(1).png"/>
           <p:cNvPicPr>
             <a:picLocks noChangeAspect="1" noChangeArrowheads="1"/>
           </p:cNvPicPr>
           <p:nvPr/>
         </p:nvPicPr>
         <p:blipFill>
-          <a:blip r:embed="rId2"/>
+          <a:blip r:embed="rId2" cstate="print"/>
           <a:srcRect/>
           <a:stretch>
             <a:fillRect/>
@@ -3797,8 +3813,8 @@
         </p:blipFill>
         <p:spPr bwMode="auto">
           <a:xfrm>
-            <a:off x="3456122" y="255165"/>
-            <a:ext cx="5540643" cy="4674255"/>
+            <a:off x="5558674" y="158853"/>
+            <a:ext cx="3143624" cy="4823853"/>
           </a:xfrm>
           <a:prstGeom prst="rect">
             <a:avLst/>
@@ -3811,6 +3827,13 @@
   <p:clrMapOvr>
     <a:masterClrMapping/>
   </p:clrMapOvr>
+  <p:timing>
+    <p:tnLst>
+      <p:par>
+        <p:cTn id="1" dur="indefinite" restart="never" nodeType="tmRoot"/>
+      </p:par>
+    </p:tnLst>
+  </p:timing>
 </p:sld>
 </file>
 
@@ -3851,6 +3874,10 @@
           <a:bodyPr/>
           <a:lstStyle/>
           <a:p>
+            <a:r>
+              <a:rPr lang="pl-PL" dirty="0" smtClean="0"/>
+              <a:t>Kontakt</a:t>
+            </a:r>
             <a:endParaRPr lang="pl-PL" dirty="0"/>
           </a:p>
         </p:txBody>
@@ -3875,6 +3902,13 @@
           <a:bodyPr/>
           <a:lstStyle/>
           <a:p>
+            <a:pPr algn="ctr">
+              <a:buNone/>
+            </a:pPr>
+            <a:r>
+              <a:rPr lang="pl-PL" dirty="0" smtClean="0"/>
+              <a:t>Widok kontakt. Możliwość kontaktu bezpośrednio do każdego z twórców systemu lub skrzynka ogólna do kontaktu z klientami.</a:t>
+            </a:r>
             <a:endParaRPr lang="pl-PL" dirty="0"/>
           </a:p>
         </p:txBody>
@@ -3910,6 +3944,13 @@
   <p:clrMapOvr>
     <a:masterClrMapping/>
   </p:clrMapOvr>
+  <p:timing>
+    <p:tnLst>
+      <p:par>
+        <p:cTn id="1" dur="indefinite" restart="never" nodeType="tmRoot"/>
+      </p:par>
+    </p:tnLst>
+  </p:timing>
 </p:sld>
 </file>
 
@@ -3943,7 +3984,7 @@
         <p:spPr>
           <a:xfrm>
             <a:off x="224590" y="205979"/>
-            <a:ext cx="3781722" cy="857250"/>
+            <a:ext cx="3580244" cy="857250"/>
           </a:xfrm>
         </p:spPr>
         <p:txBody>
@@ -3954,7 +3995,15 @@
           <a:p>
             <a:r>
               <a:rPr lang="pl-PL" sz="2400" dirty="0" smtClean="0"/>
-              <a:t>Moje konto - </a:t>
+              <a:t>Szczegóły konta</a:t>
+            </a:r>
+            <a:r>
+              <a:rPr lang="pl-PL" sz="2400" dirty="0" smtClean="0"/>
+              <a:t> </a:t>
+            </a:r>
+            <a:r>
+              <a:rPr lang="pl-PL" sz="2400" dirty="0" smtClean="0"/>
+              <a:t>- </a:t>
             </a:r>
             <a:r>
               <a:rPr lang="pl-PL" sz="2400" dirty="0" err="1" smtClean="0"/>
@@ -3984,6 +4033,13 @@
           <a:bodyPr/>
           <a:lstStyle/>
           <a:p>
+            <a:pPr algn="ctr">
+              <a:buNone/>
+            </a:pPr>
+            <a:r>
+              <a:rPr lang="pl-PL" dirty="0" smtClean="0"/>
+              <a:t>Widok Szczegóły konta. Użytkownik ma wgląd do wprowadzonych podczas rejestracji danych, możliwość ich edycji i zmiany hasła. </a:t>
+            </a:r>
             <a:endParaRPr lang="pl-PL" dirty="0"/>
           </a:p>
         </p:txBody>
@@ -4019,6 +4075,13 @@
   <p:clrMapOvr>
     <a:masterClrMapping/>
   </p:clrMapOvr>
+  <p:timing>
+    <p:tnLst>
+      <p:par>
+        <p:cTn id="1" dur="indefinite" restart="never" nodeType="tmRoot"/>
+      </p:par>
+    </p:tnLst>
+  </p:timing>
 </p:sld>
 </file>
 
@@ -4052,16 +4115,16 @@
         <p:spPr>
           <a:xfrm>
             <a:off x="457200" y="205979"/>
-            <a:ext cx="3136232" cy="857250"/>
-          </a:xfrm>
-        </p:spPr>
-        <p:txBody>
-          <a:bodyPr/>
-          <a:lstStyle/>
-          <a:p>
-            <a:r>
-              <a:rPr lang="pl-PL" dirty="0" smtClean="0"/>
-              <a:t>Moje rezerwacje</a:t>
+            <a:ext cx="2913681" cy="857250"/>
+          </a:xfrm>
+        </p:spPr>
+        <p:txBody>
+          <a:bodyPr/>
+          <a:lstStyle/>
+          <a:p>
+            <a:r>
+              <a:rPr lang="pl-PL" dirty="0" smtClean="0"/>
+              <a:t>Moje oferty</a:t>
             </a:r>
             <a:endParaRPr lang="pl-PL" dirty="0"/>
           </a:p>
@@ -4080,20 +4143,27 @@
         <p:spPr>
           <a:xfrm>
             <a:off x="609600" y="1200155"/>
-            <a:ext cx="2406316" cy="3394472"/>
-          </a:xfrm>
-        </p:spPr>
-        <p:txBody>
-          <a:bodyPr/>
-          <a:lstStyle/>
-          <a:p>
+            <a:ext cx="2486526" cy="3394472"/>
+          </a:xfrm>
+        </p:spPr>
+        <p:txBody>
+          <a:bodyPr/>
+          <a:lstStyle/>
+          <a:p>
+            <a:pPr algn="ctr">
+              <a:buNone/>
+            </a:pPr>
+            <a:r>
+              <a:rPr lang="pl-PL" dirty="0" smtClean="0"/>
+              <a:t>Widok listy ofert dodanych przez użytkownika. Użytkownik ma wgląd do dodanych ofert oraz ma możliwość dodania nowej oferty.</a:t>
+            </a:r>
             <a:endParaRPr lang="pl-PL" dirty="0"/>
           </a:p>
         </p:txBody>
       </p:sp>
       <p:pic>
         <p:nvPicPr>
-          <p:cNvPr id="5122" name="Picture 2" descr="C:\Users\Janek\Desktop\Shoty\Screenshot_2019-01-13 Moje konto – Accommodation Announcements(4).png"/>
+          <p:cNvPr id="2050" name="Picture 2" descr="C:\Users\Janek\Desktop\Shoty\Screenshot_2019-01-13 Moje konto – Accs.png"/>
           <p:cNvPicPr>
             <a:picLocks noChangeAspect="1" noChangeArrowheads="1"/>
           </p:cNvPicPr>
@@ -4108,8 +4178,8 @@
         </p:blipFill>
         <p:spPr bwMode="auto">
           <a:xfrm>
-            <a:off x="3669519" y="183262"/>
-            <a:ext cx="5373741" cy="4905720"/>
+            <a:off x="3456122" y="255165"/>
+            <a:ext cx="5540643" cy="4674255"/>
           </a:xfrm>
           <a:prstGeom prst="rect">
             <a:avLst/>
@@ -4122,6 +4192,13 @@
   <p:clrMapOvr>
     <a:masterClrMapping/>
   </p:clrMapOvr>
+  <p:timing>
+    <p:tnLst>
+      <p:par>
+        <p:cTn id="1" dur="indefinite" restart="never" nodeType="tmRoot"/>
+      </p:par>
+    </p:tnLst>
+  </p:timing>
 </p:sld>
 </file>
 
@@ -4154,51 +4231,58 @@
         </p:nvSpPr>
         <p:spPr>
           <a:xfrm>
-            <a:off x="309965" y="205979"/>
-            <a:ext cx="2975675" cy="857250"/>
+            <a:off x="457200" y="205979"/>
+            <a:ext cx="3136232" cy="857250"/>
+          </a:xfrm>
+        </p:spPr>
+        <p:txBody>
+          <a:bodyPr/>
+          <a:lstStyle/>
+          <a:p>
+            <a:r>
+              <a:rPr lang="pl-PL" dirty="0" smtClean="0"/>
+              <a:t>Moje rezerwacje</a:t>
+            </a:r>
+            <a:endParaRPr lang="pl-PL" dirty="0"/>
+          </a:p>
+        </p:txBody>
+      </p:sp>
+      <p:sp>
+        <p:nvSpPr>
+          <p:cNvPr id="3" name="Symbol zastępczy zawartości 2"/>
+          <p:cNvSpPr>
+            <a:spLocks noGrp="1"/>
+          </p:cNvSpPr>
+          <p:nvPr>
+            <p:ph sz="half" idx="1"/>
+          </p:nvPr>
+        </p:nvSpPr>
+        <p:spPr>
+          <a:xfrm>
+            <a:off x="609600" y="1200155"/>
+            <a:ext cx="2406316" cy="3394472"/>
           </a:xfrm>
         </p:spPr>
         <p:txBody>
           <a:bodyPr>
-            <a:normAutofit/>
+            <a:normAutofit lnSpcReduction="10000"/>
           </a:bodyPr>
           <a:lstStyle/>
           <a:p>
-            <a:r>
-              <a:rPr lang="pl-PL" sz="2400" dirty="0" smtClean="0"/>
-              <a:t>Moje konto - administrator</a:t>
-            </a:r>
-            <a:endParaRPr lang="pl-PL" sz="2400" dirty="0"/>
-          </a:p>
-        </p:txBody>
-      </p:sp>
-      <p:sp>
-        <p:nvSpPr>
-          <p:cNvPr id="3" name="Symbol zastępczy zawartości 2"/>
-          <p:cNvSpPr>
-            <a:spLocks noGrp="1"/>
-          </p:cNvSpPr>
-          <p:nvPr>
-            <p:ph sz="half" idx="1"/>
-          </p:nvPr>
-        </p:nvSpPr>
-        <p:spPr>
-          <a:xfrm>
-            <a:off x="609600" y="1200155"/>
-            <a:ext cx="2582779" cy="3394472"/>
-          </a:xfrm>
-        </p:spPr>
-        <p:txBody>
-          <a:bodyPr/>
-          <a:lstStyle/>
-          <a:p>
+            <a:pPr algn="ctr">
+              <a:buNone/>
+            </a:pPr>
+            <a:r>
+              <a:rPr lang="pl-PL" dirty="0" smtClean="0"/>
+              <a:t>Widok Moje rezerwacje pozwala na wgląd w dokonane przez użytkownika rezerwacje, dodatkowo funkcja pozwala dokonać płatności i informuje o statusie płatności.</a:t>
+            </a:r>
             <a:endParaRPr lang="pl-PL" dirty="0"/>
           </a:p>
         </p:txBody>
       </p:sp>
       <p:pic>
         <p:nvPicPr>
-          <p:cNvPr id="6146" name="Picture 2" descr="C:\Users\Janek\Desktop\Shoty\Screenshot_2019-01-13 Moje konto – Action Announcements.png"/>
+          <p:cNvPr id="5122" name="Picture 2" descr="C:\Users\Janek\Desktop\Shoty\Screenshot_2019-01-13 Moje konto – Accommodation Announcements(4).png"/>
           <p:cNvPicPr>
             <a:picLocks noChangeAspect="1" noChangeArrowheads="1"/>
           </p:cNvPicPr>
@@ -4213,8 +4297,8 @@
         </p:blipFill>
         <p:spPr bwMode="auto">
           <a:xfrm>
-            <a:off x="3681430" y="314452"/>
-            <a:ext cx="5284339" cy="4667082"/>
+            <a:off x="3669519" y="183262"/>
+            <a:ext cx="5373741" cy="4905720"/>
           </a:xfrm>
           <a:prstGeom prst="rect">
             <a:avLst/>
@@ -4227,6 +4311,13 @@
   <p:clrMapOvr>
     <a:masterClrMapping/>
   </p:clrMapOvr>
+  <p:timing>
+    <p:tnLst>
+      <p:par>
+        <p:cTn id="1" dur="indefinite" restart="never" nodeType="tmRoot"/>
+      </p:par>
+    </p:tnLst>
+  </p:timing>
 </p:sld>
 </file>
 
@@ -4259,8 +4350,8 @@
         </p:nvSpPr>
         <p:spPr>
           <a:xfrm>
-            <a:off x="248653" y="205979"/>
-            <a:ext cx="3160294" cy="857250"/>
+            <a:off x="309965" y="205979"/>
+            <a:ext cx="2975675" cy="857250"/>
           </a:xfrm>
         </p:spPr>
         <p:txBody>
@@ -4271,7 +4362,7 @@
           <a:p>
             <a:r>
               <a:rPr lang="pl-PL" sz="2400" dirty="0" smtClean="0"/>
-              <a:t>Oferty</a:t>
+              <a:t>Moje konto - administrator</a:t>
             </a:r>
             <a:endParaRPr lang="pl-PL" sz="2400" dirty="0"/>
           </a:p>
@@ -4290,20 +4381,48 @@
         <p:spPr>
           <a:xfrm>
             <a:off x="609600" y="1200155"/>
-            <a:ext cx="2326105" cy="3394472"/>
-          </a:xfrm>
-        </p:spPr>
-        <p:txBody>
-          <a:bodyPr/>
-          <a:lstStyle/>
-          <a:p>
+            <a:ext cx="2582779" cy="3394472"/>
+          </a:xfrm>
+        </p:spPr>
+        <p:txBody>
+          <a:bodyPr/>
+          <a:lstStyle/>
+          <a:p>
+            <a:pPr algn="ctr">
+              <a:buNone/>
+            </a:pPr>
+            <a:r>
+              <a:rPr lang="pl-PL" dirty="0" smtClean="0"/>
+              <a:t>Widok Szczegóły </a:t>
+            </a:r>
+            <a:r>
+              <a:rPr lang="pl-PL" dirty="0" smtClean="0"/>
+              <a:t>konta dla konta administratora. Administrator </a:t>
+            </a:r>
+            <a:r>
+              <a:rPr lang="pl-PL" dirty="0" smtClean="0"/>
+              <a:t>ma wgląd </a:t>
+            </a:r>
+            <a:r>
+              <a:rPr lang="pl-PL" dirty="0" smtClean="0"/>
+              <a:t>do </a:t>
+            </a:r>
+            <a:r>
+              <a:rPr lang="pl-PL" dirty="0" smtClean="0"/>
+              <a:t>danych, możliwość ich edycji i zmiany hasła. </a:t>
+            </a:r>
+          </a:p>
+          <a:p>
+            <a:pPr>
+              <a:buNone/>
+            </a:pPr>
             <a:endParaRPr lang="pl-PL" dirty="0"/>
           </a:p>
         </p:txBody>
       </p:sp>
       <p:pic>
         <p:nvPicPr>
-          <p:cNvPr id="7170" name="Picture 2" descr="C:\Users\Janek\Desktop\Shoty\Screenshot_2019-01-13 Moje konto – Accommodation Announcements(6).png"/>
+          <p:cNvPr id="6146" name="Picture 2" descr="C:\Users\Janek\Desktop\Shoty\Screenshot_2019-01-13 Moje konto – Action Announcements.png"/>
           <p:cNvPicPr>
             <a:picLocks noChangeAspect="1" noChangeArrowheads="1"/>
           </p:cNvPicPr>
@@ -4318,8 +4437,8 @@
         </p:blipFill>
         <p:spPr bwMode="auto">
           <a:xfrm>
-            <a:off x="3665349" y="270446"/>
-            <a:ext cx="5331417" cy="4648329"/>
+            <a:off x="3681430" y="314452"/>
+            <a:ext cx="5284339" cy="4667082"/>
           </a:xfrm>
           <a:prstGeom prst="rect">
             <a:avLst/>
@@ -4332,6 +4451,13 @@
   <p:clrMapOvr>
     <a:masterClrMapping/>
   </p:clrMapOvr>
+  <p:timing>
+    <p:tnLst>
+      <p:par>
+        <p:cTn id="1" dur="indefinite" restart="never" nodeType="tmRoot"/>
+      </p:par>
+    </p:tnLst>
+  </p:timing>
 </p:sld>
 </file>
 
@@ -4448,13 +4574,20 @@
     </p:spTree>
     <p:extLst>
       <p:ext uri="{BB962C8B-B14F-4D97-AF65-F5344CB8AC3E}">
-        <p14:creationId xmlns="" xmlns:p14="http://schemas.microsoft.com/office/powerpoint/2010/main" val="863505633"/>
+        <p14:creationId xmlns:p14="http://schemas.microsoft.com/office/powerpoint/2010/main" xmlns="" val="863505633"/>
       </p:ext>
     </p:extLst>
   </p:cSld>
   <p:clrMapOvr>
     <a:masterClrMapping/>
   </p:clrMapOvr>
+  <p:timing>
+    <p:tnLst>
+      <p:par>
+        <p:cTn id="1" dur="indefinite" restart="never" nodeType="tmRoot"/>
+      </p:par>
+    </p:tnLst>
+  </p:timing>
 </p:sld>
 </file>
 
@@ -4487,8 +4620,8 @@
         </p:nvSpPr>
         <p:spPr>
           <a:xfrm>
-            <a:off x="272716" y="205979"/>
-            <a:ext cx="3168316" cy="857250"/>
+            <a:off x="248653" y="205979"/>
+            <a:ext cx="3160294" cy="857250"/>
           </a:xfrm>
         </p:spPr>
         <p:txBody>
@@ -4499,7 +4632,7 @@
           <a:p>
             <a:r>
               <a:rPr lang="pl-PL" sz="2400" dirty="0" smtClean="0"/>
-              <a:t>Oferty do zatwierdzenia</a:t>
+              <a:t>Oferty</a:t>
             </a:r>
             <a:endParaRPr lang="pl-PL" sz="2400" dirty="0"/>
           </a:p>
@@ -4518,20 +4651,27 @@
         <p:spPr>
           <a:xfrm>
             <a:off x="609600" y="1200155"/>
-            <a:ext cx="2598821" cy="3394472"/>
-          </a:xfrm>
-        </p:spPr>
-        <p:txBody>
-          <a:bodyPr/>
-          <a:lstStyle/>
-          <a:p>
+            <a:ext cx="2326105" cy="3394472"/>
+          </a:xfrm>
+        </p:spPr>
+        <p:txBody>
+          <a:bodyPr/>
+          <a:lstStyle/>
+          <a:p>
+            <a:pPr algn="ctr">
+              <a:buNone/>
+            </a:pPr>
+            <a:r>
+              <a:rPr lang="pl-PL" dirty="0" smtClean="0"/>
+              <a:t>Widok aktywnych ofert pozwala administratorowi systemu na zarządzanie opublikowanymi ofertami. Możliwość podglądu i edycji ofert.</a:t>
+            </a:r>
             <a:endParaRPr lang="pl-PL" dirty="0"/>
           </a:p>
         </p:txBody>
       </p:sp>
       <p:pic>
         <p:nvPicPr>
-          <p:cNvPr id="8194" name="Picture 2" descr="C:\Users\Janek\Desktop\Shoty\Screenshot_2019-01-13uncements.png"/>
+          <p:cNvPr id="7170" name="Picture 2" descr="C:\Users\Janek\Desktop\Shoty\Screenshot_2019-01-13 Moje konto – Accommodation Announcements(6).png"/>
           <p:cNvPicPr>
             <a:picLocks noChangeAspect="1" noChangeArrowheads="1"/>
           </p:cNvPicPr>
@@ -4546,8 +4686,8 @@
         </p:blipFill>
         <p:spPr bwMode="auto">
           <a:xfrm>
-            <a:off x="3696703" y="325465"/>
-            <a:ext cx="5284565" cy="4679950"/>
+            <a:off x="3665349" y="270446"/>
+            <a:ext cx="5331417" cy="4648329"/>
           </a:xfrm>
           <a:prstGeom prst="rect">
             <a:avLst/>
@@ -4560,6 +4700,13 @@
   <p:clrMapOvr>
     <a:masterClrMapping/>
   </p:clrMapOvr>
+  <p:timing>
+    <p:tnLst>
+      <p:par>
+        <p:cTn id="1" dur="indefinite" restart="never" nodeType="tmRoot"/>
+      </p:par>
+    </p:tnLst>
+  </p:timing>
 </p:sld>
 </file>
 
@@ -4593,7 +4740,7 @@
         <p:spPr>
           <a:xfrm>
             <a:off x="272716" y="205979"/>
-            <a:ext cx="3248526" cy="857250"/>
+            <a:ext cx="3168316" cy="857250"/>
           </a:xfrm>
         </p:spPr>
         <p:txBody>
@@ -4604,7 +4751,7 @@
           <a:p>
             <a:r>
               <a:rPr lang="pl-PL" sz="2400" dirty="0" smtClean="0"/>
-              <a:t>Klienci do zatwierdzenia</a:t>
+              <a:t>Oferty do zatwierdzenia</a:t>
             </a:r>
             <a:endParaRPr lang="pl-PL" sz="2400" dirty="0"/>
           </a:p>
@@ -4623,20 +4770,29 @@
         <p:spPr>
           <a:xfrm>
             <a:off x="609600" y="1200155"/>
-            <a:ext cx="2518611" cy="3394472"/>
-          </a:xfrm>
-        </p:spPr>
-        <p:txBody>
-          <a:bodyPr/>
-          <a:lstStyle/>
-          <a:p>
+            <a:ext cx="2598821" cy="3394472"/>
+          </a:xfrm>
+        </p:spPr>
+        <p:txBody>
+          <a:bodyPr>
+            <a:normAutofit fontScale="92500"/>
+          </a:bodyPr>
+          <a:lstStyle/>
+          <a:p>
+            <a:pPr algn="ctr">
+              <a:buNone/>
+            </a:pPr>
+            <a:r>
+              <a:rPr lang="pl-PL" dirty="0" smtClean="0"/>
+              <a:t>Widok listy ofert stworzonych przez użytkownika i gotowych do zatwierdzenia, opublikowania przez administratora. Administrator ma podgląd oferty i opcję zatwierdzenia. </a:t>
+            </a:r>
             <a:endParaRPr lang="pl-PL" dirty="0"/>
           </a:p>
         </p:txBody>
       </p:sp>
       <p:pic>
         <p:nvPicPr>
-          <p:cNvPr id="9218" name="Picture 2" descr="C:\Users\Janek\Desktop\Shoty\Screenshot_2019-01-13 Moje konto – Accommodation Announcements(7).png"/>
+          <p:cNvPr id="8194" name="Picture 2" descr="C:\Users\Janek\Desktop\Shoty\Screenshot_2019-01-13uncements.png"/>
           <p:cNvPicPr>
             <a:picLocks noChangeAspect="1" noChangeArrowheads="1"/>
           </p:cNvPicPr>
@@ -4651,8 +4807,8 @@
         </p:blipFill>
         <p:spPr bwMode="auto">
           <a:xfrm>
-            <a:off x="3603356" y="348711"/>
-            <a:ext cx="5380474" cy="4675475"/>
+            <a:off x="3696703" y="325465"/>
+            <a:ext cx="5284565" cy="4679950"/>
           </a:xfrm>
           <a:prstGeom prst="rect">
             <a:avLst/>
@@ -4665,6 +4821,13 @@
   <p:clrMapOvr>
     <a:masterClrMapping/>
   </p:clrMapOvr>
+  <p:timing>
+    <p:tnLst>
+      <p:par>
+        <p:cTn id="1" dur="indefinite" restart="never" nodeType="tmRoot"/>
+      </p:par>
+    </p:tnLst>
+  </p:timing>
 </p:sld>
 </file>
 
@@ -4697,19 +4860,21 @@
         </p:nvSpPr>
         <p:spPr>
           <a:xfrm>
-            <a:off x="457200" y="205979"/>
-            <a:ext cx="2791326" cy="857250"/>
-          </a:xfrm>
-        </p:spPr>
-        <p:txBody>
-          <a:bodyPr/>
-          <a:lstStyle/>
-          <a:p>
-            <a:r>
-              <a:rPr lang="pl-PL" dirty="0" smtClean="0"/>
-              <a:t>Klienci</a:t>
-            </a:r>
-            <a:endParaRPr lang="pl-PL" dirty="0"/>
+            <a:off x="272716" y="205979"/>
+            <a:ext cx="3248526" cy="857250"/>
+          </a:xfrm>
+        </p:spPr>
+        <p:txBody>
+          <a:bodyPr>
+            <a:normAutofit/>
+          </a:bodyPr>
+          <a:lstStyle/>
+          <a:p>
+            <a:r>
+              <a:rPr lang="pl-PL" sz="2400" dirty="0" smtClean="0"/>
+              <a:t>Klienci do zatwierdzenia</a:t>
+            </a:r>
+            <a:endParaRPr lang="pl-PL" sz="2400" dirty="0"/>
           </a:p>
         </p:txBody>
       </p:sp>
@@ -4726,20 +4891,27 @@
         <p:spPr>
           <a:xfrm>
             <a:off x="609600" y="1200155"/>
-            <a:ext cx="2622884" cy="3394472"/>
-          </a:xfrm>
-        </p:spPr>
-        <p:txBody>
-          <a:bodyPr/>
-          <a:lstStyle/>
-          <a:p>
+            <a:ext cx="2518611" cy="3394472"/>
+          </a:xfrm>
+        </p:spPr>
+        <p:txBody>
+          <a:bodyPr/>
+          <a:lstStyle/>
+          <a:p>
+            <a:pPr algn="ctr">
+              <a:buNone/>
+            </a:pPr>
+            <a:r>
+              <a:rPr lang="pl-PL" dirty="0" smtClean="0"/>
+              <a:t>Widok listy użytkowników, którzy zarejestrowali się w systemu i oczekują za zatwierdzenie przez administratora. </a:t>
+            </a:r>
             <a:endParaRPr lang="pl-PL" dirty="0"/>
           </a:p>
         </p:txBody>
       </p:sp>
       <p:pic>
         <p:nvPicPr>
-          <p:cNvPr id="10242" name="Picture 2" descr="C:\Users\Janek\Desktop\Shoty\Screenshot_2019-01-13 Moje konto – Accommodation Announcements(8).png"/>
+          <p:cNvPr id="9218" name="Picture 2" descr="C:\Users\Janek\Desktop\Shoty\Screenshot_2019-01-13 Moje konto – Accommodation Announcements(7).png"/>
           <p:cNvPicPr>
             <a:picLocks noChangeAspect="1" noChangeArrowheads="1"/>
           </p:cNvPicPr>
@@ -4754,8 +4926,8 @@
         </p:blipFill>
         <p:spPr bwMode="auto">
           <a:xfrm>
-            <a:off x="3673098" y="255722"/>
-            <a:ext cx="5358502" cy="4794788"/>
+            <a:off x="3603356" y="348711"/>
+            <a:ext cx="5380474" cy="4675475"/>
           </a:xfrm>
           <a:prstGeom prst="rect">
             <a:avLst/>
@@ -4768,6 +4940,13 @@
   <p:clrMapOvr>
     <a:masterClrMapping/>
   </p:clrMapOvr>
+  <p:timing>
+    <p:tnLst>
+      <p:par>
+        <p:cTn id="1" dur="indefinite" restart="never" nodeType="tmRoot"/>
+      </p:par>
+    </p:tnLst>
+  </p:timing>
 </p:sld>
 </file>
 
@@ -4801,16 +4980,16 @@
         <p:spPr>
           <a:xfrm>
             <a:off x="457200" y="205979"/>
-            <a:ext cx="2622884" cy="857250"/>
-          </a:xfrm>
-        </p:spPr>
-        <p:txBody>
-          <a:bodyPr/>
-          <a:lstStyle/>
-          <a:p>
-            <a:r>
-              <a:rPr lang="pl-PL" dirty="0" smtClean="0"/>
-              <a:t>Płatności</a:t>
+            <a:ext cx="2791326" cy="857250"/>
+          </a:xfrm>
+        </p:spPr>
+        <p:txBody>
+          <a:bodyPr/>
+          <a:lstStyle/>
+          <a:p>
+            <a:r>
+              <a:rPr lang="pl-PL" dirty="0" smtClean="0"/>
+              <a:t>Klienci</a:t>
             </a:r>
             <a:endParaRPr lang="pl-PL" dirty="0"/>
           </a:p>
@@ -4829,20 +5008,35 @@
         <p:spPr>
           <a:xfrm>
             <a:off x="609600" y="1200155"/>
-            <a:ext cx="2414337" cy="3394472"/>
-          </a:xfrm>
-        </p:spPr>
-        <p:txBody>
-          <a:bodyPr/>
-          <a:lstStyle/>
-          <a:p>
+            <a:ext cx="2622884" cy="3394472"/>
+          </a:xfrm>
+        </p:spPr>
+        <p:txBody>
+          <a:bodyPr/>
+          <a:lstStyle/>
+          <a:p>
+            <a:pPr algn="ctr">
+              <a:buNone/>
+            </a:pPr>
+            <a:r>
+              <a:rPr lang="pl-PL" dirty="0" smtClean="0"/>
+              <a:t>Widok listy użytkowników zatwierdzonych przez </a:t>
+            </a:r>
+            <a:r>
+              <a:rPr lang="pl-PL" dirty="0" err="1" smtClean="0"/>
+              <a:t>administatora</a:t>
+            </a:r>
+            <a:r>
+              <a:rPr lang="pl-PL" dirty="0" smtClean="0"/>
+              <a:t> i mających możliwość logowania w systemie.</a:t>
+            </a:r>
             <a:endParaRPr lang="pl-PL" dirty="0"/>
           </a:p>
         </p:txBody>
       </p:sp>
       <p:pic>
         <p:nvPicPr>
-          <p:cNvPr id="11266" name="Picture 2" descr="C:\Users\Janek\Desktop\Shoty\Screenshot_2019-01-13 Moje konto – Accommodation Announcements(9).png"/>
+          <p:cNvPr id="10242" name="Picture 2" descr="C:\Users\Janek\Desktop\Shoty\Screenshot_2019-01-13 Moje konto – Accommodation Announcements(8).png"/>
           <p:cNvPicPr>
             <a:picLocks noChangeAspect="1" noChangeArrowheads="1"/>
           </p:cNvPicPr>
@@ -4857,8 +5051,8 @@
         </p:blipFill>
         <p:spPr bwMode="auto">
           <a:xfrm>
-            <a:off x="3787336" y="286719"/>
-            <a:ext cx="5180285" cy="4729112"/>
+            <a:off x="3673098" y="255722"/>
+            <a:ext cx="5358502" cy="4794788"/>
           </a:xfrm>
           <a:prstGeom prst="rect">
             <a:avLst/>
@@ -4871,6 +5065,13 @@
   <p:clrMapOvr>
     <a:masterClrMapping/>
   </p:clrMapOvr>
+  <p:timing>
+    <p:tnLst>
+      <p:par>
+        <p:cTn id="1" dur="indefinite" restart="never" nodeType="tmRoot"/>
+      </p:par>
+    </p:tnLst>
+  </p:timing>
 </p:sld>
 </file>
 
@@ -4904,16 +5105,16 @@
         <p:spPr>
           <a:xfrm>
             <a:off x="457200" y="205979"/>
-            <a:ext cx="2318084" cy="857250"/>
-          </a:xfrm>
-        </p:spPr>
-        <p:txBody>
-          <a:bodyPr/>
-          <a:lstStyle/>
-          <a:p>
-            <a:r>
-              <a:rPr lang="pl-PL" dirty="0" smtClean="0"/>
-              <a:t>Rezerwacje</a:t>
+            <a:ext cx="2622884" cy="857250"/>
+          </a:xfrm>
+        </p:spPr>
+        <p:txBody>
+          <a:bodyPr/>
+          <a:lstStyle/>
+          <a:p>
+            <a:r>
+              <a:rPr lang="pl-PL" dirty="0" smtClean="0"/>
+              <a:t>Płatności</a:t>
             </a:r>
             <a:endParaRPr lang="pl-PL" dirty="0"/>
           </a:p>
@@ -4932,20 +5133,27 @@
         <p:spPr>
           <a:xfrm>
             <a:off x="609600" y="1200155"/>
-            <a:ext cx="2253916" cy="3394472"/>
-          </a:xfrm>
-        </p:spPr>
-        <p:txBody>
-          <a:bodyPr/>
-          <a:lstStyle/>
-          <a:p>
+            <a:ext cx="2414337" cy="3394472"/>
+          </a:xfrm>
+        </p:spPr>
+        <p:txBody>
+          <a:bodyPr/>
+          <a:lstStyle/>
+          <a:p>
+            <a:pPr algn="ctr">
+              <a:buNone/>
+            </a:pPr>
+            <a:r>
+              <a:rPr lang="pl-PL" dirty="0" smtClean="0"/>
+              <a:t>Lista płatności dokonanych przez użytkowników oraz status płatności. </a:t>
+            </a:r>
             <a:endParaRPr lang="pl-PL" dirty="0"/>
           </a:p>
         </p:txBody>
       </p:sp>
       <p:pic>
         <p:nvPicPr>
-          <p:cNvPr id="12290" name="Picture 2" descr="C:\Users\Janek\Desktop\Shoty\Screenshot_2019-01-13 Moje konto – Accommodation Announcements(10).png"/>
+          <p:cNvPr id="11266" name="Picture 2" descr="C:\Users\Janek\Desktop\Shoty\Screenshot_2019-01-13 Moje konto – Accommodation Announcements(9).png"/>
           <p:cNvPicPr>
             <a:picLocks noChangeAspect="1" noChangeArrowheads="1"/>
           </p:cNvPicPr>
@@ -4960,8 +5168,8 @@
         </p:blipFill>
         <p:spPr bwMode="auto">
           <a:xfrm>
-            <a:off x="3820332" y="326661"/>
-            <a:ext cx="5155477" cy="4706465"/>
+            <a:off x="3787336" y="286719"/>
+            <a:ext cx="5180285" cy="4729112"/>
           </a:xfrm>
           <a:prstGeom prst="rect">
             <a:avLst/>
@@ -4974,6 +5182,13 @@
   <p:clrMapOvr>
     <a:masterClrMapping/>
   </p:clrMapOvr>
+  <p:timing>
+    <p:tnLst>
+      <p:par>
+        <p:cTn id="1" dur="indefinite" restart="never" nodeType="tmRoot"/>
+      </p:par>
+    </p:tnLst>
+  </p:timing>
 </p:sld>
 </file>
 
@@ -4996,7 +5211,7 @@
       </p:grpSpPr>
       <p:sp>
         <p:nvSpPr>
-          <p:cNvPr id="2" name="Title 1"/>
+          <p:cNvPr id="2" name="Tytuł 1"/>
           <p:cNvSpPr>
             <a:spLocks noGrp="1"/>
           </p:cNvSpPr>
@@ -5004,95 +5219,93 @@
             <p:ph type="title"/>
           </p:nvPr>
         </p:nvSpPr>
-        <p:spPr/>
-        <p:txBody>
-          <a:bodyPr/>
-          <a:lstStyle/>
-          <a:p>
-            <a:r>
-              <a:rPr lang="pl-PL" dirty="0" smtClean="0"/>
-              <a:t>Architektura </a:t>
-            </a:r>
-            <a:r>
-              <a:rPr lang="pl-PL" dirty="0"/>
-              <a:t>i użyte technologie</a:t>
-            </a:r>
-          </a:p>
-        </p:txBody>
-      </p:sp>
-      <p:sp>
-        <p:nvSpPr>
-          <p:cNvPr id="3" name="Content Placeholder 2"/>
-          <p:cNvSpPr>
-            <a:spLocks noGrp="1"/>
-          </p:cNvSpPr>
-          <p:nvPr>
-            <p:ph idx="1"/>
-          </p:nvPr>
-        </p:nvSpPr>
-        <p:spPr/>
-        <p:txBody>
-          <a:bodyPr>
-            <a:normAutofit fontScale="85000" lnSpcReduction="10000"/>
-          </a:bodyPr>
-          <a:lstStyle/>
-          <a:p>
-            <a:pPr marL="0" indent="0">
+        <p:spPr>
+          <a:xfrm>
+            <a:off x="457200" y="205979"/>
+            <a:ext cx="2318084" cy="857250"/>
+          </a:xfrm>
+        </p:spPr>
+        <p:txBody>
+          <a:bodyPr/>
+          <a:lstStyle/>
+          <a:p>
+            <a:r>
+              <a:rPr lang="pl-PL" dirty="0" smtClean="0"/>
+              <a:t>Rezerwacje</a:t>
+            </a:r>
+            <a:endParaRPr lang="pl-PL" dirty="0"/>
+          </a:p>
+        </p:txBody>
+      </p:sp>
+      <p:sp>
+        <p:nvSpPr>
+          <p:cNvPr id="3" name="Symbol zastępczy zawartości 2"/>
+          <p:cNvSpPr>
+            <a:spLocks noGrp="1"/>
+          </p:cNvSpPr>
+          <p:nvPr>
+            <p:ph sz="half" idx="1"/>
+          </p:nvPr>
+        </p:nvSpPr>
+        <p:spPr>
+          <a:xfrm>
+            <a:off x="609600" y="1200155"/>
+            <a:ext cx="2253916" cy="3394472"/>
+          </a:xfrm>
+        </p:spPr>
+        <p:txBody>
+          <a:bodyPr/>
+          <a:lstStyle/>
+          <a:p>
+            <a:pPr algn="ctr">
               <a:buNone/>
             </a:pPr>
             <a:r>
               <a:rPr lang="pl-PL" dirty="0" smtClean="0"/>
-              <a:t>	Projekt systemu opiera się na scentralizowanej relacyjnej bazy danych MySQL która zawiera całą logikę wraz z danymi. Baza danych została wyposażona w szereg interfejsów pod postacią: procedur, funkcji i widoków.</a:t>
-            </a:r>
-          </a:p>
-          <a:p>
-            <a:pPr marL="0" indent="0">
-              <a:buNone/>
-            </a:pPr>
-            <a:r>
-              <a:rPr lang="pl-PL" dirty="0"/>
-              <a:t>	</a:t>
-            </a:r>
-            <a:r>
-              <a:rPr lang="pl-PL" dirty="0" smtClean="0"/>
-              <a:t>Obok bazy danych, na tej samej maszynie fizycznej znajduje się WebService który został napisany w PHP 7 z zastosowaniem frameworku Symfony 4. </a:t>
-            </a:r>
-          </a:p>
-          <a:p>
-            <a:pPr marL="0" indent="0">
-              <a:buNone/>
-            </a:pPr>
-            <a:r>
-              <a:rPr lang="pl-PL" dirty="0"/>
-              <a:t>	</a:t>
-            </a:r>
-            <a:r>
-              <a:rPr lang="pl-PL" dirty="0" smtClean="0"/>
-              <a:t>Została użyta architektura klient-serwer. Wspomniana wyżej maszyna fizyczna to serwer natomiast klientem jest przeglądarka internetowa. </a:t>
-            </a:r>
-          </a:p>
-          <a:p>
-            <a:pPr marL="0" indent="0">
-              <a:buNone/>
-            </a:pPr>
-            <a:r>
-              <a:rPr lang="pl-PL" dirty="0" smtClean="0"/>
-              <a:t>	Od strony klienta działa strona internetowa napisana w HTML5 z użyciem JS i CSS3. </a:t>
+              <a:t>Widok lista rezerwacji wyświetla rezerwacje dokonane przez użytkowników, ofertę, okres najmu czy status płatności.</a:t>
             </a:r>
             <a:endParaRPr lang="pl-PL" dirty="0"/>
           </a:p>
         </p:txBody>
       </p:sp>
+      <p:pic>
+        <p:nvPicPr>
+          <p:cNvPr id="12290" name="Picture 2" descr="C:\Users\Janek\Desktop\Shoty\Screenshot_2019-01-13 Moje konto – Accommodation Announcements(10).png"/>
+          <p:cNvPicPr>
+            <a:picLocks noChangeAspect="1" noChangeArrowheads="1"/>
+          </p:cNvPicPr>
+          <p:nvPr/>
+        </p:nvPicPr>
+        <p:blipFill>
+          <a:blip r:embed="rId2"/>
+          <a:srcRect/>
+          <a:stretch>
+            <a:fillRect/>
+          </a:stretch>
+        </p:blipFill>
+        <p:spPr bwMode="auto">
+          <a:xfrm>
+            <a:off x="3820332" y="326661"/>
+            <a:ext cx="5155477" cy="4706465"/>
+          </a:xfrm>
+          <a:prstGeom prst="rect">
+            <a:avLst/>
+          </a:prstGeom>
+          <a:noFill/>
+        </p:spPr>
+      </p:pic>
     </p:spTree>
-    <p:extLst>
-      <p:ext uri="{BB962C8B-B14F-4D97-AF65-F5344CB8AC3E}">
-        <p14:creationId xmlns="" xmlns:p14="http://schemas.microsoft.com/office/powerpoint/2010/main" val="2219077538"/>
-      </p:ext>
-    </p:extLst>
   </p:cSld>
   <p:clrMapOvr>
     <a:masterClrMapping/>
   </p:clrMapOvr>
+  <p:timing>
+    <p:tnLst>
+      <p:par>
+        <p:cTn id="1" dur="indefinite" restart="never" nodeType="tmRoot"/>
+      </p:par>
+    </p:tnLst>
+  </p:timing>
 </p:sld>
 </file>
 
@@ -5134,113 +5347,91 @@
             </a:r>
             <a:r>
               <a:rPr lang="pl-PL" dirty="0"/>
-              <a:t>i użyte </a:t>
-            </a:r>
-            <a:r>
-              <a:rPr lang="pl-PL" dirty="0" smtClean="0"/>
-              <a:t>technologie c.d.</a:t>
+              <a:t>i użyte technologie</a:t>
+            </a:r>
+          </a:p>
+        </p:txBody>
+      </p:sp>
+      <p:sp>
+        <p:nvSpPr>
+          <p:cNvPr id="3" name="Content Placeholder 2"/>
+          <p:cNvSpPr>
+            <a:spLocks noGrp="1"/>
+          </p:cNvSpPr>
+          <p:nvPr>
+            <p:ph idx="1"/>
+          </p:nvPr>
+        </p:nvSpPr>
+        <p:spPr/>
+        <p:txBody>
+          <a:bodyPr>
+            <a:normAutofit fontScale="85000" lnSpcReduction="10000"/>
+          </a:bodyPr>
+          <a:lstStyle/>
+          <a:p>
+            <a:pPr marL="0" indent="0">
+              <a:buNone/>
+            </a:pPr>
+            <a:r>
+              <a:rPr lang="pl-PL" dirty="0" smtClean="0"/>
+              <a:t>	Projekt systemu opiera się na scentralizowanej relacyjnej bazy danych MySQL która zawiera całą logikę wraz z danymi. Baza danych została wyposażona w szereg interfejsów pod postacią: procedur, funkcji i widoków.</a:t>
+            </a:r>
+          </a:p>
+          <a:p>
+            <a:pPr marL="0" indent="0">
+              <a:buNone/>
+            </a:pPr>
+            <a:r>
+              <a:rPr lang="pl-PL" dirty="0"/>
+              <a:t>	</a:t>
+            </a:r>
+            <a:r>
+              <a:rPr lang="pl-PL" dirty="0" smtClean="0"/>
+              <a:t>Obok bazy danych, na tej samej maszynie fizycznej znajduje się WebService który został napisany w PHP 7 z zastosowaniem frameworku Symfony 4. </a:t>
+            </a:r>
+          </a:p>
+          <a:p>
+            <a:pPr marL="0" indent="0">
+              <a:buNone/>
+            </a:pPr>
+            <a:r>
+              <a:rPr lang="pl-PL" dirty="0"/>
+              <a:t>	</a:t>
+            </a:r>
+            <a:r>
+              <a:rPr lang="pl-PL" dirty="0" smtClean="0"/>
+              <a:t>Została użyta architektura klient-serwer. Wspomniana wyżej maszyna fizyczna to serwer natomiast klientem jest przeglądarka internetowa. </a:t>
+            </a:r>
+          </a:p>
+          <a:p>
+            <a:pPr marL="0" indent="0">
+              <a:buNone/>
+            </a:pPr>
+            <a:r>
+              <a:rPr lang="pl-PL" dirty="0" smtClean="0"/>
+              <a:t>	Od strony klienta działa strona internetowa napisana w HTML5 z użyciem JS i CSS3. </a:t>
             </a:r>
             <a:endParaRPr lang="pl-PL" dirty="0"/>
           </a:p>
         </p:txBody>
       </p:sp>
-      <p:sp>
-        <p:nvSpPr>
-          <p:cNvPr id="5" name="Symbol zastępczy zawartości 4"/>
-          <p:cNvSpPr>
-            <a:spLocks noGrp="1"/>
-          </p:cNvSpPr>
-          <p:nvPr>
-            <p:ph sz="half" idx="2"/>
-          </p:nvPr>
-        </p:nvSpPr>
-        <p:spPr>
-          <a:xfrm>
-            <a:off x="457200" y="1309607"/>
-            <a:ext cx="4040188" cy="3285015"/>
-          </a:xfrm>
-        </p:spPr>
-        <p:txBody>
-          <a:bodyPr/>
-          <a:lstStyle/>
-          <a:p>
-            <a:pPr>
-              <a:buNone/>
-            </a:pPr>
-            <a:r>
-              <a:rPr lang="pl-PL" dirty="0" smtClean="0"/>
-              <a:t>Diagram architektury systemu </a:t>
-            </a:r>
-            <a:endParaRPr lang="pl-PL" dirty="0"/>
-          </a:p>
-        </p:txBody>
-      </p:sp>
-      <p:pic>
-        <p:nvPicPr>
-          <p:cNvPr id="8" name="Picture 2"/>
-          <p:cNvPicPr>
-            <a:picLocks noGrp="1" noChangeAspect="1" noChangeArrowheads="1"/>
-          </p:cNvPicPr>
-          <p:nvPr>
-            <p:ph sz="quarter" idx="4"/>
-          </p:nvPr>
-        </p:nvPicPr>
-        <p:blipFill>
-          <a:blip r:embed="rId2">
-            <a:extLst>
-              <a:ext uri="{28A0092B-C50C-407E-A947-70E740481C1C}">
-                <a14:useLocalDpi xmlns="" xmlns:a14="http://schemas.microsoft.com/office/drawing/2010/main" val="0"/>
-              </a:ext>
-            </a:extLst>
-          </a:blip>
-          <a:srcRect/>
-          <a:stretch>
-            <a:fillRect/>
-          </a:stretch>
-        </p:blipFill>
-        <p:spPr bwMode="auto">
-          <a:xfrm>
-            <a:off x="4386022" y="1229378"/>
-            <a:ext cx="3660218" cy="3395843"/>
-          </a:xfrm>
-          <a:prstGeom prst="rect">
-            <a:avLst/>
-          </a:prstGeom>
-          <a:noFill/>
-          <a:ln>
-            <a:noFill/>
-          </a:ln>
-          <a:extLst>
-            <a:ext uri="{909E8E84-426E-40DD-AFC4-6F175D3DCCD1}">
-              <a14:hiddenFill xmlns="" xmlns:a14="http://schemas.microsoft.com/office/drawing/2010/main">
-                <a:solidFill>
-                  <a:srgbClr val="FFFFFF"/>
-                </a:solidFill>
-              </a14:hiddenFill>
-            </a:ext>
-            <a:ext uri="{91240B29-F687-4F45-9708-019B960494DF}">
-              <a14:hiddenLine xmlns="" xmlns:a14="http://schemas.microsoft.com/office/drawing/2010/main" w="9525">
-                <a:solidFill>
-                  <a:srgbClr val="000000"/>
-                </a:solidFill>
-                <a:miter lim="800000"/>
-                <a:headEnd/>
-                <a:tailEnd/>
-              </a14:hiddenLine>
-            </a:ext>
-          </a:extLst>
-        </p:spPr>
-      </p:pic>
     </p:spTree>
     <p:extLst>
       <p:ext uri="{BB962C8B-B14F-4D97-AF65-F5344CB8AC3E}">
-        <p14:creationId xmlns="" xmlns:p14="http://schemas.microsoft.com/office/powerpoint/2010/main" val="1554217288"/>
+        <p14:creationId xmlns:p14="http://schemas.microsoft.com/office/powerpoint/2010/main" xmlns="" val="2219077538"/>
       </p:ext>
     </p:extLst>
   </p:cSld>
   <p:clrMapOvr>
     <a:masterClrMapping/>
   </p:clrMapOvr>
+  <p:timing>
+    <p:tnLst>
+      <p:par>
+        <p:cTn id="1" dur="indefinite" restart="never" nodeType="tmRoot"/>
+      </p:par>
+    </p:tnLst>
+  </p:timing>
 </p:sld>
 </file>
 
@@ -5294,102 +5485,108 @@
       </p:sp>
       <p:sp>
         <p:nvSpPr>
-          <p:cNvPr id="3" name="Content Placeholder 2"/>
-          <p:cNvSpPr>
-            <a:spLocks noGrp="1"/>
-          </p:cNvSpPr>
-          <p:nvPr>
-            <p:ph idx="1"/>
-          </p:nvPr>
-        </p:nvSpPr>
-        <p:spPr/>
-        <p:txBody>
-          <a:bodyPr>
-            <a:normAutofit lnSpcReduction="10000"/>
-          </a:bodyPr>
-          <a:lstStyle/>
-          <a:p>
-            <a:pPr marL="0" indent="0">
+          <p:cNvPr id="5" name="Symbol zastępczy zawartości 4"/>
+          <p:cNvSpPr>
+            <a:spLocks noGrp="1"/>
+          </p:cNvSpPr>
+          <p:nvPr>
+            <p:ph sz="half" idx="2"/>
+          </p:nvPr>
+        </p:nvSpPr>
+        <p:spPr>
+          <a:xfrm>
+            <a:off x="185979" y="2665709"/>
+            <a:ext cx="4040188" cy="480447"/>
+          </a:xfrm>
+        </p:spPr>
+        <p:txBody>
+          <a:bodyPr/>
+          <a:lstStyle/>
+          <a:p>
+            <a:pPr algn="ctr">
               <a:buNone/>
             </a:pPr>
             <a:r>
               <a:rPr lang="pl-PL" dirty="0" smtClean="0"/>
-              <a:t>Plusy i minusy użytej architektury:</a:t>
-            </a:r>
-          </a:p>
-          <a:p>
-            <a:pPr marL="0" indent="0">
-              <a:buNone/>
-            </a:pPr>
-            <a:r>
-              <a:rPr lang="pl-PL" dirty="0" smtClean="0"/>
-              <a:t>Plusy:</a:t>
-            </a:r>
-          </a:p>
-          <a:p>
-            <a:r>
-              <a:rPr lang="pl-PL" dirty="0" smtClean="0"/>
-              <a:t>łatwy serwis, </a:t>
-            </a:r>
-          </a:p>
-          <a:p>
-            <a:r>
-              <a:rPr lang="pl-PL" dirty="0" smtClean="0"/>
-              <a:t>mały koszt budowy, </a:t>
-            </a:r>
-          </a:p>
-          <a:p>
-            <a:r>
-              <a:rPr lang="pl-PL" dirty="0" smtClean="0"/>
-              <a:t>łatwa migracja, </a:t>
-            </a:r>
-          </a:p>
-          <a:p>
-            <a:r>
-              <a:rPr lang="pl-PL" dirty="0" smtClean="0"/>
-              <a:t>szybka konfiguracja</a:t>
-            </a:r>
-          </a:p>
-          <a:p>
-            <a:pPr marL="0" indent="0">
-              <a:buNone/>
-            </a:pPr>
-            <a:r>
-              <a:rPr lang="pl-PL" dirty="0" smtClean="0"/>
-              <a:t>Minusy:</a:t>
-            </a:r>
-          </a:p>
-          <a:p>
-            <a:r>
-              <a:rPr lang="pl-PL" dirty="0" smtClean="0"/>
-              <a:t>uboga dokumentacja </a:t>
-            </a:r>
-            <a:r>
-              <a:rPr lang="pl-PL" dirty="0" err="1" smtClean="0"/>
-              <a:t>Symfony</a:t>
-            </a:r>
-            <a:r>
-              <a:rPr lang="pl-PL" dirty="0" smtClean="0"/>
-              <a:t> </a:t>
-            </a:r>
-            <a:r>
-              <a:rPr lang="pl-PL" dirty="0" err="1" smtClean="0"/>
-              <a:t>framework</a:t>
+              <a:t>Diagram architektury systemu </a:t>
             </a:r>
             <a:endParaRPr lang="pl-PL" dirty="0"/>
           </a:p>
         </p:txBody>
       </p:sp>
+      <p:pic>
+        <p:nvPicPr>
+          <p:cNvPr id="8" name="Picture 2"/>
+          <p:cNvPicPr>
+            <a:picLocks noGrp="1" noChangeAspect="1" noChangeArrowheads="1"/>
+          </p:cNvPicPr>
+          <p:nvPr>
+            <p:ph sz="quarter" idx="4"/>
+          </p:nvPr>
+        </p:nvPicPr>
+        <p:blipFill>
+          <a:blip r:embed="rId2">
+            <a:extLst>
+              <a:ext uri="{28A0092B-C50C-407E-A947-70E740481C1C}">
+                <a14:useLocalDpi xmlns:a14="http://schemas.microsoft.com/office/drawing/2010/main" xmlns="" val="0"/>
+              </a:ext>
+            </a:extLst>
+          </a:blip>
+          <a:srcRect/>
+          <a:stretch>
+            <a:fillRect/>
+          </a:stretch>
+        </p:blipFill>
+        <p:spPr bwMode="auto">
+          <a:xfrm>
+            <a:off x="4386022" y="1229378"/>
+            <a:ext cx="3660218" cy="3395843"/>
+          </a:xfrm>
+          <a:prstGeom prst="rect">
+            <a:avLst/>
+          </a:prstGeom>
+          <a:noFill/>
+          <a:ln>
+            <a:noFill/>
+          </a:ln>
+          <a:extLst>
+            <a:ext uri="{909E8E84-426E-40DD-AFC4-6F175D3DCCD1}">
+              <a14:hiddenFill xmlns:a14="http://schemas.microsoft.com/office/drawing/2010/main" xmlns="">
+                <a:solidFill>
+                  <a:srgbClr val="FFFFFF"/>
+                </a:solidFill>
+              </a14:hiddenFill>
+            </a:ext>
+            <a:ext uri="{91240B29-F687-4F45-9708-019B960494DF}">
+              <a14:hiddenLine xmlns:a14="http://schemas.microsoft.com/office/drawing/2010/main" xmlns="" w="9525">
+                <a:solidFill>
+                  <a:srgbClr val="000000"/>
+                </a:solidFill>
+                <a:miter lim="800000"/>
+                <a:headEnd/>
+                <a:tailEnd/>
+              </a14:hiddenLine>
+            </a:ext>
+          </a:extLst>
+        </p:spPr>
+      </p:pic>
     </p:spTree>
     <p:extLst>
       <p:ext uri="{BB962C8B-B14F-4D97-AF65-F5344CB8AC3E}">
-        <p14:creationId xmlns="" xmlns:p14="http://schemas.microsoft.com/office/powerpoint/2010/main" val="1581660104"/>
+        <p14:creationId xmlns:p14="http://schemas.microsoft.com/office/powerpoint/2010/main" xmlns="" val="1554217288"/>
       </p:ext>
     </p:extLst>
   </p:cSld>
   <p:clrMapOvr>
     <a:masterClrMapping/>
   </p:clrMapOvr>
+  <p:timing>
+    <p:tnLst>
+      <p:par>
+        <p:cTn id="1" dur="indefinite" restart="never" nodeType="tmRoot"/>
+      </p:par>
+    </p:tnLst>
+  </p:timing>
 </p:sld>
 </file>
 
@@ -5426,12 +5623,16 @@
           <a:lstStyle/>
           <a:p>
             <a:r>
+              <a:rPr lang="pl-PL" dirty="0" smtClean="0"/>
+              <a:t>Architektura </a:t>
+            </a:r>
+            <a:r>
               <a:rPr lang="pl-PL" dirty="0"/>
-              <a:t>Możliwości </a:t>
-            </a:r>
-            <a:r>
-              <a:rPr lang="pl-PL" dirty="0" smtClean="0"/>
-              <a:t>rozwoju</a:t>
+              <a:t>i użyte </a:t>
+            </a:r>
+            <a:r>
+              <a:rPr lang="pl-PL" dirty="0" smtClean="0"/>
+              <a:t>technologie c.d.</a:t>
             </a:r>
             <a:endParaRPr lang="pl-PL" dirty="0"/>
           </a:p>
@@ -5449,7 +5650,9 @@
         </p:nvSpPr>
         <p:spPr/>
         <p:txBody>
-          <a:bodyPr/>
+          <a:bodyPr>
+            <a:normAutofit lnSpcReduction="10000"/>
+          </a:bodyPr>
           <a:lstStyle/>
           <a:p>
             <a:pPr marL="0" indent="0">
@@ -5457,51 +5660,67 @@
             </a:pPr>
             <a:r>
               <a:rPr lang="pl-PL" dirty="0" smtClean="0"/>
-              <a:t>Architektura systemu pozwala na łatwe dodawanie nowych modułów. Przyszłości </a:t>
-            </a:r>
-            <a:r>
-              <a:rPr lang="pl-PL" dirty="0"/>
-              <a:t>można do implementować:</a:t>
-            </a:r>
-            <a:endParaRPr lang="pl-PL" dirty="0" smtClean="0"/>
-          </a:p>
-          <a:p>
-            <a:pPr marL="385763" indent="-385763">
-              <a:buAutoNum type="arabicPeriod"/>
+              <a:t>Plusy i minusy użytej architektury:</a:t>
+            </a:r>
+          </a:p>
+          <a:p>
+            <a:pPr marL="0" indent="0">
+              <a:buNone/>
             </a:pPr>
             <a:r>
               <a:rPr lang="pl-PL" dirty="0" smtClean="0"/>
-              <a:t>Procesy automatyczne które będą cyklicznie lub na żądanie wykonywać działania. </a:t>
-            </a:r>
-          </a:p>
-          <a:p>
-            <a:pPr marL="385763" indent="-385763">
-              <a:buAutoNum type="arabicPeriod"/>
+              <a:t>Plusy:</a:t>
+            </a:r>
+          </a:p>
+          <a:p>
+            <a:r>
+              <a:rPr lang="pl-PL" dirty="0" smtClean="0"/>
+              <a:t>łatwy serwis, </a:t>
+            </a:r>
+          </a:p>
+          <a:p>
+            <a:r>
+              <a:rPr lang="pl-PL" dirty="0" smtClean="0"/>
+              <a:t>mały koszt budowy, </a:t>
+            </a:r>
+          </a:p>
+          <a:p>
+            <a:r>
+              <a:rPr lang="pl-PL" dirty="0" smtClean="0"/>
+              <a:t>łatwa migracja, </a:t>
+            </a:r>
+          </a:p>
+          <a:p>
+            <a:r>
+              <a:rPr lang="pl-PL" dirty="0" smtClean="0"/>
+              <a:t>szybka konfiguracja</a:t>
+            </a:r>
+          </a:p>
+          <a:p>
+            <a:pPr marL="0" indent="0">
+              <a:buNone/>
             </a:pPr>
             <a:r>
               <a:rPr lang="pl-PL" dirty="0" smtClean="0"/>
-              <a:t>Kalendarz </a:t>
-            </a:r>
-            <a:r>
-              <a:rPr lang="pl-PL" dirty="0"/>
-              <a:t>w konkretnej ofercie informujący potencjalnego klienta o dostępności oferty</a:t>
-            </a:r>
-            <a:r>
-              <a:rPr lang="pl-PL" dirty="0" smtClean="0"/>
-              <a:t>.</a:t>
-            </a:r>
-          </a:p>
-          <a:p>
-            <a:pPr marL="385763" indent="-385763">
-              <a:buAutoNum type="arabicPeriod"/>
-            </a:pPr>
-            <a:r>
-              <a:rPr lang="pl-PL" dirty="0"/>
-              <a:t>Obsługa zewnętrznego serwisu </a:t>
-            </a:r>
-            <a:r>
-              <a:rPr lang="pl-PL" dirty="0" smtClean="0"/>
-              <a:t>do płatności on-line </a:t>
+              <a:t>Minusy:</a:t>
+            </a:r>
+          </a:p>
+          <a:p>
+            <a:r>
+              <a:rPr lang="pl-PL" dirty="0" smtClean="0"/>
+              <a:t>uboga dokumentacja </a:t>
+            </a:r>
+            <a:r>
+              <a:rPr lang="pl-PL" dirty="0" err="1" smtClean="0"/>
+              <a:t>Symfony</a:t>
+            </a:r>
+            <a:r>
+              <a:rPr lang="pl-PL" dirty="0" smtClean="0"/>
+              <a:t> </a:t>
+            </a:r>
+            <a:r>
+              <a:rPr lang="pl-PL" dirty="0" err="1" smtClean="0"/>
+              <a:t>framework</a:t>
             </a:r>
             <a:endParaRPr lang="pl-PL" dirty="0"/>
           </a:p>
@@ -5510,13 +5729,20 @@
     </p:spTree>
     <p:extLst>
       <p:ext uri="{BB962C8B-B14F-4D97-AF65-F5344CB8AC3E}">
-        <p14:creationId xmlns="" xmlns:p14="http://schemas.microsoft.com/office/powerpoint/2010/main" val="97012678"/>
+        <p14:creationId xmlns:p14="http://schemas.microsoft.com/office/powerpoint/2010/main" xmlns="" val="1581660104"/>
       </p:ext>
     </p:extLst>
   </p:cSld>
   <p:clrMapOvr>
     <a:masterClrMapping/>
   </p:clrMapOvr>
+  <p:timing>
+    <p:tnLst>
+      <p:par>
+        <p:cTn id="1" dur="indefinite" restart="never" nodeType="tmRoot"/>
+      </p:par>
+    </p:tnLst>
+  </p:timing>
 </p:sld>
 </file>
 
@@ -5539,12 +5765,12 @@
       </p:grpSpPr>
       <p:sp>
         <p:nvSpPr>
-          <p:cNvPr id="4" name="Title 3"/>
-          <p:cNvSpPr>
-            <a:spLocks noGrp="1"/>
-          </p:cNvSpPr>
-          <p:nvPr>
-            <p:ph type="ctrTitle"/>
+          <p:cNvPr id="2" name="Title 1"/>
+          <p:cNvSpPr>
+            <a:spLocks noGrp="1"/>
+          </p:cNvSpPr>
+          <p:nvPr>
+            <p:ph type="title"/>
           </p:nvPr>
         </p:nvSpPr>
         <p:spPr/>
@@ -5553,8 +5779,12 @@
           <a:lstStyle/>
           <a:p>
             <a:r>
-              <a:rPr lang="pl-PL" dirty="0" smtClean="0"/>
-              <a:t>Dziękujemy za uwagę.</a:t>
+              <a:rPr lang="pl-PL" dirty="0"/>
+              <a:t>Możliwości </a:t>
+            </a:r>
+            <a:r>
+              <a:rPr lang="pl-PL" dirty="0" smtClean="0"/>
+              <a:t>rozwoju</a:t>
             </a:r>
             <a:endParaRPr lang="pl-PL" dirty="0"/>
           </a:p>
@@ -5562,39 +5792,70 @@
       </p:sp>
       <p:sp>
         <p:nvSpPr>
-          <p:cNvPr id="5" name="Subtitle 4"/>
-          <p:cNvSpPr>
-            <a:spLocks noGrp="1"/>
-          </p:cNvSpPr>
-          <p:nvPr>
-            <p:ph type="subTitle" idx="1"/>
-          </p:nvPr>
-        </p:nvSpPr>
-        <p:spPr>
-          <a:xfrm>
-            <a:off x="1394848" y="2426453"/>
-            <a:ext cx="6400800" cy="1314450"/>
-          </a:xfrm>
-        </p:spPr>
-        <p:txBody>
-          <a:bodyPr>
-            <a:normAutofit/>
-          </a:bodyPr>
-          <a:lstStyle/>
-          <a:p>
+          <p:cNvPr id="3" name="Content Placeholder 2"/>
+          <p:cNvSpPr>
+            <a:spLocks noGrp="1"/>
+          </p:cNvSpPr>
+          <p:nvPr>
+            <p:ph idx="1"/>
+          </p:nvPr>
+        </p:nvSpPr>
+        <p:spPr/>
+        <p:txBody>
+          <a:bodyPr/>
+          <a:lstStyle/>
+          <a:p>
+            <a:pPr marL="0" indent="0">
+              <a:buNone/>
+            </a:pPr>
+            <a:r>
+              <a:rPr lang="pl-PL" dirty="0" smtClean="0"/>
+              <a:t>Architektura systemu pozwala na łatwe dodawanie nowych modułów. Przyszłości </a:t>
+            </a:r>
+            <a:r>
+              <a:rPr lang="pl-PL" dirty="0"/>
+              <a:t>można do implementować:</a:t>
+            </a:r>
             <a:endParaRPr lang="pl-PL" dirty="0" smtClean="0"/>
           </a:p>
           <a:p>
-            <a:r>
-              <a:rPr lang="pl-PL" sz="1400" dirty="0" smtClean="0"/>
-              <a:t>Czy </a:t>
-            </a:r>
-            <a:r>
-              <a:rPr lang="pl-PL" sz="1400" dirty="0" smtClean="0"/>
-              <a:t>mają Państwo pytania?</a:t>
-            </a:r>
-          </a:p>
-          <a:p>
+            <a:pPr marL="385763" indent="-385763">
+              <a:buAutoNum type="arabicPeriod"/>
+            </a:pPr>
+            <a:r>
+              <a:rPr lang="pl-PL" dirty="0" smtClean="0"/>
+              <a:t>Procesy automatyczne które będą cyklicznie lub na żądanie wykonywać działania. </a:t>
+            </a:r>
+          </a:p>
+          <a:p>
+            <a:pPr marL="385763" indent="-385763">
+              <a:buAutoNum type="arabicPeriod"/>
+            </a:pPr>
+            <a:r>
+              <a:rPr lang="pl-PL" dirty="0" smtClean="0"/>
+              <a:t>Kalendarz </a:t>
+            </a:r>
+            <a:r>
+              <a:rPr lang="pl-PL" dirty="0"/>
+              <a:t>w konkretnej ofercie informujący potencjalnego klienta o dostępności oferty</a:t>
+            </a:r>
+            <a:r>
+              <a:rPr lang="pl-PL" dirty="0" smtClean="0"/>
+              <a:t>.</a:t>
+            </a:r>
+          </a:p>
+          <a:p>
+            <a:pPr marL="385763" indent="-385763">
+              <a:buAutoNum type="arabicPeriod"/>
+            </a:pPr>
+            <a:r>
+              <a:rPr lang="pl-PL" dirty="0"/>
+              <a:t>Obsługa zewnętrznego serwisu </a:t>
+            </a:r>
+            <a:r>
+              <a:rPr lang="pl-PL" dirty="0" smtClean="0"/>
+              <a:t>do płatności on-line </a:t>
+            </a:r>
             <a:endParaRPr lang="pl-PL" dirty="0"/>
           </a:p>
         </p:txBody>
@@ -5602,13 +5863,20 @@
     </p:spTree>
     <p:extLst>
       <p:ext uri="{BB962C8B-B14F-4D97-AF65-F5344CB8AC3E}">
-        <p14:creationId xmlns="" xmlns:p14="http://schemas.microsoft.com/office/powerpoint/2010/main" val="1741086671"/>
+        <p14:creationId xmlns:p14="http://schemas.microsoft.com/office/powerpoint/2010/main" xmlns="" val="97012678"/>
       </p:ext>
     </p:extLst>
   </p:cSld>
   <p:clrMapOvr>
     <a:masterClrMapping/>
   </p:clrMapOvr>
+  <p:timing>
+    <p:tnLst>
+      <p:par>
+        <p:cTn id="1" dur="indefinite" restart="never" nodeType="tmRoot"/>
+      </p:par>
+    </p:tnLst>
+  </p:timing>
 </p:sld>
 </file>
 
@@ -5674,11 +5942,7 @@
             </a:pPr>
             <a:r>
               <a:rPr lang="pl-PL" dirty="0" smtClean="0"/>
-              <a:t>	</a:t>
-            </a:r>
-            <a:r>
-              <a:rPr lang="pl-PL" dirty="0" smtClean="0"/>
-              <a:t>Projekt ma na celu stworzenie aplikacji - Elektronicznego Systemu Rezerwacji Apartamentów. 	</a:t>
+              <a:t>	Projekt ma na celu stworzenie aplikacji - Elektronicznego Systemu Rezerwacji Apartamentów. 	</a:t>
             </a:r>
           </a:p>
           <a:p>
@@ -5705,13 +5969,115 @@
     </p:spTree>
     <p:extLst>
       <p:ext uri="{BB962C8B-B14F-4D97-AF65-F5344CB8AC3E}">
-        <p14:creationId xmlns="" xmlns:p14="http://schemas.microsoft.com/office/powerpoint/2010/main" val="1807531547"/>
+        <p14:creationId xmlns:p14="http://schemas.microsoft.com/office/powerpoint/2010/main" xmlns="" val="1807531547"/>
       </p:ext>
     </p:extLst>
   </p:cSld>
   <p:clrMapOvr>
     <a:masterClrMapping/>
   </p:clrMapOvr>
+  <p:timing>
+    <p:tnLst>
+      <p:par>
+        <p:cTn id="1" dur="indefinite" restart="never" nodeType="tmRoot"/>
+      </p:par>
+    </p:tnLst>
+  </p:timing>
+</p:sld>
+</file>
+
+<file path=ppt/slides/slide30.xml><?xml version="1.0" encoding="utf-8"?>
+<p:sld xmlns:a="http://schemas.openxmlformats.org/drawingml/2006/main" xmlns:r="http://schemas.openxmlformats.org/officeDocument/2006/relationships" xmlns:p="http://schemas.openxmlformats.org/presentationml/2006/main">
+  <p:cSld>
+    <p:spTree>
+      <p:nvGrpSpPr>
+        <p:cNvPr id="1" name=""/>
+        <p:cNvGrpSpPr/>
+        <p:nvPr/>
+      </p:nvGrpSpPr>
+      <p:grpSpPr>
+        <a:xfrm>
+          <a:off x="0" y="0"/>
+          <a:ext cx="0" cy="0"/>
+          <a:chOff x="0" y="0"/>
+          <a:chExt cx="0" cy="0"/>
+        </a:xfrm>
+      </p:grpSpPr>
+      <p:sp>
+        <p:nvSpPr>
+          <p:cNvPr id="4" name="Title 3"/>
+          <p:cNvSpPr>
+            <a:spLocks noGrp="1"/>
+          </p:cNvSpPr>
+          <p:nvPr>
+            <p:ph type="ctrTitle"/>
+          </p:nvPr>
+        </p:nvSpPr>
+        <p:spPr/>
+        <p:txBody>
+          <a:bodyPr/>
+          <a:lstStyle/>
+          <a:p>
+            <a:r>
+              <a:rPr lang="pl-PL" dirty="0" smtClean="0"/>
+              <a:t>Dziękujemy za uwagę.</a:t>
+            </a:r>
+            <a:endParaRPr lang="pl-PL" dirty="0"/>
+          </a:p>
+        </p:txBody>
+      </p:sp>
+      <p:sp>
+        <p:nvSpPr>
+          <p:cNvPr id="5" name="Subtitle 4"/>
+          <p:cNvSpPr>
+            <a:spLocks noGrp="1"/>
+          </p:cNvSpPr>
+          <p:nvPr>
+            <p:ph type="subTitle" idx="1"/>
+          </p:nvPr>
+        </p:nvSpPr>
+        <p:spPr>
+          <a:xfrm>
+            <a:off x="1394848" y="2426453"/>
+            <a:ext cx="6400800" cy="1314450"/>
+          </a:xfrm>
+        </p:spPr>
+        <p:txBody>
+          <a:bodyPr>
+            <a:normAutofit/>
+          </a:bodyPr>
+          <a:lstStyle/>
+          <a:p>
+            <a:endParaRPr lang="pl-PL" dirty="0" smtClean="0"/>
+          </a:p>
+          <a:p>
+            <a:r>
+              <a:rPr lang="pl-PL" sz="1400" dirty="0" smtClean="0"/>
+              <a:t>Czy mają Państwo pytania?</a:t>
+            </a:r>
+          </a:p>
+          <a:p>
+            <a:endParaRPr lang="pl-PL" dirty="0"/>
+          </a:p>
+        </p:txBody>
+      </p:sp>
+    </p:spTree>
+    <p:extLst>
+      <p:ext uri="{BB962C8B-B14F-4D97-AF65-F5344CB8AC3E}">
+        <p14:creationId xmlns:p14="http://schemas.microsoft.com/office/powerpoint/2010/main" xmlns="" val="1741086671"/>
+      </p:ext>
+    </p:extLst>
+  </p:cSld>
+  <p:clrMapOvr>
+    <a:masterClrMapping/>
+  </p:clrMapOvr>
+  <p:timing>
+    <p:tnLst>
+      <p:par>
+        <p:cTn id="1" dur="indefinite" restart="never" nodeType="tmRoot"/>
+      </p:par>
+    </p:tnLst>
+  </p:timing>
 </p:sld>
 </file>
 
@@ -5749,7 +6115,15 @@
           <a:p>
             <a:r>
               <a:rPr lang="pl-PL" dirty="0"/>
-              <a:t>Profil potencialnego klienta serwisu</a:t>
+              <a:t>Profil </a:t>
+            </a:r>
+            <a:r>
+              <a:rPr lang="pl-PL" dirty="0" smtClean="0"/>
+              <a:t>potencjalnego </a:t>
+            </a:r>
+            <a:r>
+              <a:rPr lang="pl-PL" dirty="0"/>
+              <a:t>klienta serwisu</a:t>
             </a:r>
           </a:p>
         </p:txBody>
@@ -5804,13 +6178,20 @@
     </p:spTree>
     <p:extLst>
       <p:ext uri="{BB962C8B-B14F-4D97-AF65-F5344CB8AC3E}">
-        <p14:creationId xmlns="" xmlns:p14="http://schemas.microsoft.com/office/powerpoint/2010/main" val="178176783"/>
+        <p14:creationId xmlns:p14="http://schemas.microsoft.com/office/powerpoint/2010/main" xmlns="" val="178176783"/>
       </p:ext>
     </p:extLst>
   </p:cSld>
   <p:clrMapOvr>
     <a:masterClrMapping/>
   </p:clrMapOvr>
+  <p:timing>
+    <p:tnLst>
+      <p:par>
+        <p:cTn id="1" dur="indefinite" restart="never" nodeType="tmRoot"/>
+      </p:par>
+    </p:tnLst>
+  </p:timing>
 </p:sld>
 </file>
 
@@ -5952,13 +6333,20 @@
     </p:spTree>
     <p:extLst>
       <p:ext uri="{BB962C8B-B14F-4D97-AF65-F5344CB8AC3E}">
-        <p14:creationId xmlns="" xmlns:p14="http://schemas.microsoft.com/office/powerpoint/2010/main" val="2433895241"/>
+        <p14:creationId xmlns:p14="http://schemas.microsoft.com/office/powerpoint/2010/main" xmlns="" val="2433895241"/>
       </p:ext>
     </p:extLst>
   </p:cSld>
   <p:clrMapOvr>
     <a:masterClrMapping/>
   </p:clrMapOvr>
+  <p:timing>
+    <p:tnLst>
+      <p:par>
+        <p:cTn id="1" dur="indefinite" restart="never" nodeType="tmRoot"/>
+      </p:par>
+    </p:tnLst>
+  </p:timing>
 </p:sld>
 </file>
 
@@ -6082,6 +6470,13 @@
   <p:clrMapOvr>
     <a:masterClrMapping/>
   </p:clrMapOvr>
+  <p:timing>
+    <p:tnLst>
+      <p:par>
+        <p:cTn id="1" dur="indefinite" restart="never" nodeType="tmRoot"/>
+      </p:par>
+    </p:tnLst>
+  </p:timing>
 </p:sld>
 </file>
 
@@ -6196,6 +6591,13 @@
   <p:clrMapOvr>
     <a:masterClrMapping/>
   </p:clrMapOvr>
+  <p:timing>
+    <p:tnLst>
+      <p:par>
+        <p:cTn id="1" dur="indefinite" restart="never" nodeType="tmRoot"/>
+      </p:par>
+    </p:tnLst>
+  </p:timing>
 </p:sld>
 </file>
 
@@ -6312,6 +6714,13 @@
   <p:clrMapOvr>
     <a:masterClrMapping/>
   </p:clrMapOvr>
+  <p:timing>
+    <p:tnLst>
+      <p:par>
+        <p:cTn id="1" dur="indefinite" restart="never" nodeType="tmRoot"/>
+      </p:par>
+    </p:tnLst>
+  </p:timing>
 </p:sld>
 </file>
 
@@ -6384,11 +6793,7 @@
             </a:pPr>
             <a:r>
               <a:rPr lang="pl-PL" dirty="0" smtClean="0"/>
-              <a:t>Widok dodania nowej oferty do systemu. Użytkownik po zalogowaniu się uzyskuje możliwość dodania oferty. Poprzez </a:t>
-            </a:r>
-            <a:r>
-              <a:rPr lang="pl-PL" dirty="0" smtClean="0"/>
-              <a:t>naciśnięcie </a:t>
+              <a:t>Widok dodania nowej oferty do systemu. Użytkownik po zalogowaniu się uzyskuje możliwość dodania oferty. Poprzez naciśnięcie </a:t>
             </a:r>
             <a:r>
               <a:rPr lang="pl-PL" dirty="0" err="1" smtClean="0"/>
@@ -6442,6 +6847,13 @@
   <p:clrMapOvr>
     <a:masterClrMapping/>
   </p:clrMapOvr>
+  <p:timing>
+    <p:tnLst>
+      <p:par>
+        <p:cTn id="1" dur="indefinite" restart="never" nodeType="tmRoot"/>
+      </p:par>
+    </p:tnLst>
+  </p:timing>
 </p:sld>
 </file>
 

--- a/accommodation_announcements_presentation.pptx
+++ b/accommodation_announcements_presentation.pptx
@@ -135,7 +135,7 @@
   </p:defaultTextStyle>
   <p:extLst>
     <p:ext uri="{EFAFB233-063F-42B5-8137-9DF3F51BA10A}">
-      <p15:sldGuideLst xmlns:p15="http://schemas.microsoft.com/office/powerpoint/2012/main" xmlns=""/>
+      <p15:sldGuideLst xmlns="" xmlns:p15="http://schemas.microsoft.com/office/powerpoint/2012/main"/>
     </p:ext>
   </p:extLst>
 </p:presentation>
@@ -3125,7 +3125,7 @@
     </p:spTree>
     <p:extLst>
       <p:ext uri="{BB962C8B-B14F-4D97-AF65-F5344CB8AC3E}">
-        <p14:creationId xmlns:p14="http://schemas.microsoft.com/office/powerpoint/2010/main" xmlns="" val="3501191804"/>
+        <p14:creationId xmlns="" xmlns:p14="http://schemas.microsoft.com/office/powerpoint/2010/main" val="3501191804"/>
       </p:ext>
     </p:extLst>
   </p:cSld>
@@ -3481,11 +3481,7 @@
             </a:pPr>
             <a:r>
               <a:rPr lang="pl-PL" dirty="0" smtClean="0"/>
-              <a:t>Szczegóły konta – </a:t>
-            </a:r>
-            <a:r>
-              <a:rPr lang="pl-PL" dirty="0" smtClean="0"/>
-              <a:t>widok użytkownika</a:t>
+              <a:t>Szczegóły konta – widok użytkownika</a:t>
             </a:r>
           </a:p>
           <a:p>
@@ -3512,15 +3508,7 @@
             </a:pPr>
             <a:r>
               <a:rPr lang="pl-PL" dirty="0" smtClean="0"/>
-              <a:t>Szczegóły konta</a:t>
-            </a:r>
-            <a:r>
-              <a:rPr lang="pl-PL" dirty="0" smtClean="0"/>
-              <a:t> </a:t>
-            </a:r>
-            <a:r>
-              <a:rPr lang="pl-PL" dirty="0" smtClean="0"/>
-              <a:t>– administrator systemu</a:t>
+              <a:t>Szczegóły konta – administrator systemu</a:t>
             </a:r>
           </a:p>
           <a:p>
@@ -3574,11 +3562,7 @@
             </a:pPr>
             <a:r>
               <a:rPr lang="pl-PL" dirty="0" smtClean="0"/>
-              <a:t>	</a:t>
-            </a:r>
-            <a:r>
-              <a:rPr lang="pl-PL" dirty="0" smtClean="0"/>
-              <a:t>Rezerwacje</a:t>
+              <a:t>	Rezerwacje</a:t>
             </a:r>
             <a:endParaRPr lang="pl-PL" dirty="0"/>
           </a:p>
@@ -3995,15 +3979,7 @@
           <a:p>
             <a:r>
               <a:rPr lang="pl-PL" sz="2400" dirty="0" smtClean="0"/>
-              <a:t>Szczegóły konta</a:t>
-            </a:r>
-            <a:r>
-              <a:rPr lang="pl-PL" sz="2400" dirty="0" smtClean="0"/>
-              <a:t> </a:t>
-            </a:r>
-            <a:r>
-              <a:rPr lang="pl-PL" sz="2400" dirty="0" smtClean="0"/>
-              <a:t>- </a:t>
+              <a:t>Szczegóły konta - </a:t>
             </a:r>
             <a:r>
               <a:rPr lang="pl-PL" sz="2400" dirty="0" err="1" smtClean="0"/>
@@ -4393,23 +4369,7 @@
             </a:pPr>
             <a:r>
               <a:rPr lang="pl-PL" dirty="0" smtClean="0"/>
-              <a:t>Widok Szczegóły </a:t>
-            </a:r>
-            <a:r>
-              <a:rPr lang="pl-PL" dirty="0" smtClean="0"/>
-              <a:t>konta dla konta administratora. Administrator </a:t>
-            </a:r>
-            <a:r>
-              <a:rPr lang="pl-PL" dirty="0" smtClean="0"/>
-              <a:t>ma wgląd </a:t>
-            </a:r>
-            <a:r>
-              <a:rPr lang="pl-PL" dirty="0" smtClean="0"/>
-              <a:t>do </a:t>
-            </a:r>
-            <a:r>
-              <a:rPr lang="pl-PL" dirty="0" smtClean="0"/>
-              <a:t>danych, możliwość ich edycji i zmiany hasła. </a:t>
+              <a:t>Widok Szczegóły konta dla konta administratora. Administrator ma wgląd do danych, możliwość ich edycji i zmiany hasła. </a:t>
             </a:r>
           </a:p>
           <a:p>
@@ -4574,7 +4534,7 @@
     </p:spTree>
     <p:extLst>
       <p:ext uri="{BB962C8B-B14F-4D97-AF65-F5344CB8AC3E}">
-        <p14:creationId xmlns:p14="http://schemas.microsoft.com/office/powerpoint/2010/main" xmlns="" val="863505633"/>
+        <p14:creationId xmlns="" xmlns:p14="http://schemas.microsoft.com/office/powerpoint/2010/main" val="863505633"/>
       </p:ext>
     </p:extLst>
   </p:cSld>
@@ -5418,7 +5378,7 @@
     </p:spTree>
     <p:extLst>
       <p:ext uri="{BB962C8B-B14F-4D97-AF65-F5344CB8AC3E}">
-        <p14:creationId xmlns:p14="http://schemas.microsoft.com/office/powerpoint/2010/main" xmlns="" val="2219077538"/>
+        <p14:creationId xmlns="" xmlns:p14="http://schemas.microsoft.com/office/powerpoint/2010/main" val="2219077538"/>
       </p:ext>
     </p:extLst>
   </p:cSld>
@@ -5528,7 +5488,7 @@
           <a:blip r:embed="rId2">
             <a:extLst>
               <a:ext uri="{28A0092B-C50C-407E-A947-70E740481C1C}">
-                <a14:useLocalDpi xmlns:a14="http://schemas.microsoft.com/office/drawing/2010/main" xmlns="" val="0"/>
+                <a14:useLocalDpi xmlns="" xmlns:a14="http://schemas.microsoft.com/office/drawing/2010/main" val="0"/>
               </a:ext>
             </a:extLst>
           </a:blip>
@@ -5551,14 +5511,14 @@
           </a:ln>
           <a:extLst>
             <a:ext uri="{909E8E84-426E-40DD-AFC4-6F175D3DCCD1}">
-              <a14:hiddenFill xmlns:a14="http://schemas.microsoft.com/office/drawing/2010/main" xmlns="">
+              <a14:hiddenFill xmlns="" xmlns:a14="http://schemas.microsoft.com/office/drawing/2010/main">
                 <a:solidFill>
                   <a:srgbClr val="FFFFFF"/>
                 </a:solidFill>
               </a14:hiddenFill>
             </a:ext>
             <a:ext uri="{91240B29-F687-4F45-9708-019B960494DF}">
-              <a14:hiddenLine xmlns:a14="http://schemas.microsoft.com/office/drawing/2010/main" xmlns="" w="9525">
+              <a14:hiddenLine xmlns="" xmlns:a14="http://schemas.microsoft.com/office/drawing/2010/main" w="9525">
                 <a:solidFill>
                   <a:srgbClr val="000000"/>
                 </a:solidFill>
@@ -5573,7 +5533,7 @@
     </p:spTree>
     <p:extLst>
       <p:ext uri="{BB962C8B-B14F-4D97-AF65-F5344CB8AC3E}">
-        <p14:creationId xmlns:p14="http://schemas.microsoft.com/office/powerpoint/2010/main" xmlns="" val="1554217288"/>
+        <p14:creationId xmlns="" xmlns:p14="http://schemas.microsoft.com/office/powerpoint/2010/main" val="1554217288"/>
       </p:ext>
     </p:extLst>
   </p:cSld>
@@ -5729,7 +5689,7 @@
     </p:spTree>
     <p:extLst>
       <p:ext uri="{BB962C8B-B14F-4D97-AF65-F5344CB8AC3E}">
-        <p14:creationId xmlns:p14="http://schemas.microsoft.com/office/powerpoint/2010/main" xmlns="" val="1581660104"/>
+        <p14:creationId xmlns="" xmlns:p14="http://schemas.microsoft.com/office/powerpoint/2010/main" val="1581660104"/>
       </p:ext>
     </p:extLst>
   </p:cSld>
@@ -5863,7 +5823,7 @@
     </p:spTree>
     <p:extLst>
       <p:ext uri="{BB962C8B-B14F-4D97-AF65-F5344CB8AC3E}">
-        <p14:creationId xmlns:p14="http://schemas.microsoft.com/office/powerpoint/2010/main" xmlns="" val="97012678"/>
+        <p14:creationId xmlns="" xmlns:p14="http://schemas.microsoft.com/office/powerpoint/2010/main" val="97012678"/>
       </p:ext>
     </p:extLst>
   </p:cSld>
@@ -5969,7 +5929,7 @@
     </p:spTree>
     <p:extLst>
       <p:ext uri="{BB962C8B-B14F-4D97-AF65-F5344CB8AC3E}">
-        <p14:creationId xmlns:p14="http://schemas.microsoft.com/office/powerpoint/2010/main" xmlns="" val="1807531547"/>
+        <p14:creationId xmlns="" xmlns:p14="http://schemas.microsoft.com/office/powerpoint/2010/main" val="1807531547"/>
       </p:ext>
     </p:extLst>
   </p:cSld>
@@ -6064,7 +6024,7 @@
     </p:spTree>
     <p:extLst>
       <p:ext uri="{BB962C8B-B14F-4D97-AF65-F5344CB8AC3E}">
-        <p14:creationId xmlns:p14="http://schemas.microsoft.com/office/powerpoint/2010/main" xmlns="" val="1741086671"/>
+        <p14:creationId xmlns="" xmlns:p14="http://schemas.microsoft.com/office/powerpoint/2010/main" val="1741086671"/>
       </p:ext>
     </p:extLst>
   </p:cSld>
@@ -6178,7 +6138,7 @@
     </p:spTree>
     <p:extLst>
       <p:ext uri="{BB962C8B-B14F-4D97-AF65-F5344CB8AC3E}">
-        <p14:creationId xmlns:p14="http://schemas.microsoft.com/office/powerpoint/2010/main" xmlns="" val="178176783"/>
+        <p14:creationId xmlns="" xmlns:p14="http://schemas.microsoft.com/office/powerpoint/2010/main" val="178176783"/>
       </p:ext>
     </p:extLst>
   </p:cSld>
@@ -6333,7 +6293,7 @@
     </p:spTree>
     <p:extLst>
       <p:ext uri="{BB962C8B-B14F-4D97-AF65-F5344CB8AC3E}">
-        <p14:creationId xmlns:p14="http://schemas.microsoft.com/office/powerpoint/2010/main" xmlns="" val="2433895241"/>
+        <p14:creationId xmlns="" xmlns:p14="http://schemas.microsoft.com/office/powerpoint/2010/main" val="2433895241"/>
       </p:ext>
     </p:extLst>
   </p:cSld>
